--- a/BaoCao/Nhom3.pptx
+++ b/BaoCao/Nhom3.pptx
@@ -23,9 +23,11 @@
     <p:sldId id="282" r:id="rId17"/>
     <p:sldId id="283" r:id="rId18"/>
     <p:sldId id="284" r:id="rId19"/>
-    <p:sldId id="285" r:id="rId20"/>
-    <p:sldId id="286" r:id="rId21"/>
-    <p:sldId id="258" r:id="rId22"/>
+    <p:sldId id="292" r:id="rId20"/>
+    <p:sldId id="290" r:id="rId21"/>
+    <p:sldId id="286" r:id="rId22"/>
+    <p:sldId id="291" r:id="rId23"/>
+    <p:sldId id="258" r:id="rId24"/>
   </p:sldIdLst>
   <p:sldSz cx="9144000" cy="6858000" type="screen4x3"/>
   <p:notesSz cx="6858000" cy="9144000"/>
@@ -315,7 +317,7 @@
           <a:p>
             <a:fld id="{A0EC2761-52B0-42C5-B01B-DF8F69615AE5}" type="datetimeFigureOut">
               <a:rPr lang="en-US" smtClean="0"/>
-              <a:t>4/21/2019</a:t>
+              <a:t>4/22/2019</a:t>
             </a:fld>
             <a:endParaRPr lang="en-US"/>
           </a:p>
@@ -483,7 +485,7 @@
           <a:p>
             <a:fld id="{A0EC2761-52B0-42C5-B01B-DF8F69615AE5}" type="datetimeFigureOut">
               <a:rPr lang="en-US" smtClean="0"/>
-              <a:t>4/21/2019</a:t>
+              <a:t>4/22/2019</a:t>
             </a:fld>
             <a:endParaRPr lang="en-US"/>
           </a:p>
@@ -661,7 +663,7 @@
           <a:p>
             <a:fld id="{A0EC2761-52B0-42C5-B01B-DF8F69615AE5}" type="datetimeFigureOut">
               <a:rPr lang="en-US" smtClean="0"/>
-              <a:t>4/21/2019</a:t>
+              <a:t>4/22/2019</a:t>
             </a:fld>
             <a:endParaRPr lang="en-US"/>
           </a:p>
@@ -829,7 +831,7 @@
           <a:p>
             <a:fld id="{A0EC2761-52B0-42C5-B01B-DF8F69615AE5}" type="datetimeFigureOut">
               <a:rPr lang="en-US" smtClean="0"/>
-              <a:t>4/21/2019</a:t>
+              <a:t>4/22/2019</a:t>
             </a:fld>
             <a:endParaRPr lang="en-US"/>
           </a:p>
@@ -1074,7 +1076,7 @@
           <a:p>
             <a:fld id="{A0EC2761-52B0-42C5-B01B-DF8F69615AE5}" type="datetimeFigureOut">
               <a:rPr lang="en-US" smtClean="0"/>
-              <a:t>4/21/2019</a:t>
+              <a:t>4/22/2019</a:t>
             </a:fld>
             <a:endParaRPr lang="en-US"/>
           </a:p>
@@ -1303,7 +1305,7 @@
           <a:p>
             <a:fld id="{A0EC2761-52B0-42C5-B01B-DF8F69615AE5}" type="datetimeFigureOut">
               <a:rPr lang="en-US" smtClean="0"/>
-              <a:t>4/21/2019</a:t>
+              <a:t>4/22/2019</a:t>
             </a:fld>
             <a:endParaRPr lang="en-US"/>
           </a:p>
@@ -1667,7 +1669,7 @@
           <a:p>
             <a:fld id="{A0EC2761-52B0-42C5-B01B-DF8F69615AE5}" type="datetimeFigureOut">
               <a:rPr lang="en-US" smtClean="0"/>
-              <a:t>4/21/2019</a:t>
+              <a:t>4/22/2019</a:t>
             </a:fld>
             <a:endParaRPr lang="en-US"/>
           </a:p>
@@ -1776,7 +1778,7 @@
           <a:p>
             <a:fld id="{A0EC2761-52B0-42C5-B01B-DF8F69615AE5}" type="datetimeFigureOut">
               <a:rPr lang="en-US" smtClean="0"/>
-              <a:t>4/21/2019</a:t>
+              <a:t>4/22/2019</a:t>
             </a:fld>
             <a:endParaRPr lang="en-US"/>
           </a:p>
@@ -1885,7 +1887,7 @@
           <a:p>
             <a:fld id="{A0EC2761-52B0-42C5-B01B-DF8F69615AE5}" type="datetimeFigureOut">
               <a:rPr lang="en-US" smtClean="0"/>
-              <a:t>4/21/2019</a:t>
+              <a:t>4/22/2019</a:t>
             </a:fld>
             <a:endParaRPr lang="en-US"/>
           </a:p>
@@ -2160,7 +2162,7 @@
           <a:p>
             <a:fld id="{A0EC2761-52B0-42C5-B01B-DF8F69615AE5}" type="datetimeFigureOut">
               <a:rPr lang="en-US" smtClean="0"/>
-              <a:t>4/21/2019</a:t>
+              <a:t>4/22/2019</a:t>
             </a:fld>
             <a:endParaRPr lang="en-US"/>
           </a:p>
@@ -2415,7 +2417,7 @@
           <a:p>
             <a:fld id="{A0EC2761-52B0-42C5-B01B-DF8F69615AE5}" type="datetimeFigureOut">
               <a:rPr lang="en-US" smtClean="0"/>
-              <a:t>4/21/2019</a:t>
+              <a:t>4/22/2019</a:t>
             </a:fld>
             <a:endParaRPr lang="en-US"/>
           </a:p>
@@ -2635,7 +2637,7 @@
           <a:p>
             <a:fld id="{A0EC2761-52B0-42C5-B01B-DF8F69615AE5}" type="datetimeFigureOut">
               <a:rPr lang="en-US" smtClean="0"/>
-              <a:t>4/21/2019</a:t>
+              <a:t>4/22/2019</a:t>
             </a:fld>
             <a:endParaRPr lang="en-US"/>
           </a:p>
@@ -4336,13 +4338,154 @@
           <a:lstStyle/>
           <a:p>
             <a:r>
-              <a:rPr lang="en-US"/>
-              <a:t>Đây là hàm xử lý cú pháp các tham số trong một hàm của KPL</a:t>
-            </a:r>
-            <a:endParaRPr lang="vi-VN"/>
-          </a:p>
-        </p:txBody>
-      </p:sp>
+              <a:rPr lang="en-US">
+                <a:solidFill>
+                  <a:schemeClr val="tx1"/>
+                </a:solidFill>
+              </a:rPr>
+              <a:t>Đây là hàm xử lý cú pháp các tham số trong một thủ tục hoặc một hàm của KPL</a:t>
+            </a:r>
+          </a:p>
+          <a:p>
+            <a:r>
+              <a:rPr lang="en-US">
+                <a:solidFill>
+                  <a:schemeClr val="tx1"/>
+                </a:solidFill>
+              </a:rPr>
+              <a:t>Một thủ tục hoặc một hàm có thể có tham số hoặc không theo s</a:t>
+            </a:r>
+            <a:r>
+              <a:rPr lang="vi-VN">
+                <a:solidFill>
+                  <a:schemeClr val="tx1"/>
+                </a:solidFill>
+              </a:rPr>
+              <a:t>ơ</a:t>
+            </a:r>
+            <a:r>
+              <a:rPr lang="en-US">
+                <a:solidFill>
+                  <a:schemeClr val="tx1"/>
+                </a:solidFill>
+              </a:rPr>
+              <a:t> đồ</a:t>
+            </a:r>
+          </a:p>
+          <a:p>
+            <a:endParaRPr lang="en-US">
+              <a:solidFill>
+                <a:schemeClr val="tx1"/>
+              </a:solidFill>
+            </a:endParaRPr>
+          </a:p>
+          <a:p>
+            <a:endParaRPr lang="en-US">
+              <a:solidFill>
+                <a:schemeClr val="tx1"/>
+              </a:solidFill>
+            </a:endParaRPr>
+          </a:p>
+          <a:p>
+            <a:endParaRPr lang="en-US">
+              <a:solidFill>
+                <a:schemeClr val="tx1"/>
+              </a:solidFill>
+            </a:endParaRPr>
+          </a:p>
+          <a:p>
+            <a:endParaRPr lang="en-US">
+              <a:solidFill>
+                <a:schemeClr val="tx1"/>
+              </a:solidFill>
+            </a:endParaRPr>
+          </a:p>
+          <a:p>
+            <a:r>
+              <a:rPr lang="en-US">
+                <a:solidFill>
+                  <a:schemeClr val="tx1"/>
+                </a:solidFill>
+              </a:rPr>
+              <a:t>Sơ đồ ứng với hàm compileParamlist:</a:t>
+            </a:r>
+          </a:p>
+          <a:p>
+            <a:endParaRPr lang="en-US">
+              <a:solidFill>
+                <a:schemeClr val="tx1"/>
+              </a:solidFill>
+            </a:endParaRPr>
+          </a:p>
+          <a:p>
+            <a:endParaRPr lang="vi-VN">
+              <a:solidFill>
+                <a:schemeClr val="tx1"/>
+              </a:solidFill>
+            </a:endParaRPr>
+          </a:p>
+        </p:txBody>
+      </p:sp>
+      <p:pic>
+        <p:nvPicPr>
+          <p:cNvPr id="3" name="Hình ảnh 2">
+            <a:extLst>
+              <a:ext uri="{FF2B5EF4-FFF2-40B4-BE49-F238E27FC236}">
+                <a16:creationId xmlns:a16="http://schemas.microsoft.com/office/drawing/2014/main" id="{F7A698DA-C062-4A19-AD9C-FDE8B240B6D4}"/>
+              </a:ext>
+            </a:extLst>
+          </p:cNvPr>
+          <p:cNvPicPr>
+            <a:picLocks noChangeAspect="1"/>
+          </p:cNvPicPr>
+          <p:nvPr/>
+        </p:nvPicPr>
+        <p:blipFill>
+          <a:blip r:embed="rId2"/>
+          <a:stretch>
+            <a:fillRect/>
+          </a:stretch>
+        </p:blipFill>
+        <p:spPr>
+          <a:xfrm>
+            <a:off x="1269444" y="2463986"/>
+            <a:ext cx="6605112" cy="1428132"/>
+          </a:xfrm>
+          <a:prstGeom prst="rect">
+            <a:avLst/>
+          </a:prstGeom>
+        </p:spPr>
+      </p:pic>
+      <p:pic>
+        <p:nvPicPr>
+          <p:cNvPr id="5" name="Hình ảnh 4">
+            <a:extLst>
+              <a:ext uri="{FF2B5EF4-FFF2-40B4-BE49-F238E27FC236}">
+                <a16:creationId xmlns:a16="http://schemas.microsoft.com/office/drawing/2014/main" id="{8633F968-44C4-4278-806D-B737BCF29216}"/>
+              </a:ext>
+            </a:extLst>
+          </p:cNvPr>
+          <p:cNvPicPr>
+            <a:picLocks noChangeAspect="1"/>
+          </p:cNvPicPr>
+          <p:nvPr/>
+        </p:nvPicPr>
+        <p:blipFill>
+          <a:blip r:embed="rId3"/>
+          <a:stretch>
+            <a:fillRect/>
+          </a:stretch>
+        </p:blipFill>
+        <p:spPr>
+          <a:xfrm>
+            <a:off x="1509204" y="4559958"/>
+            <a:ext cx="6303915" cy="1266289"/>
+          </a:xfrm>
+          <a:prstGeom prst="rect">
+            <a:avLst/>
+          </a:prstGeom>
+        </p:spPr>
+      </p:pic>
     </p:spTree>
     <p:extLst>
       <p:ext uri="{BB962C8B-B14F-4D97-AF65-F5344CB8AC3E}">
@@ -4396,7 +4539,7 @@
           <a:p>
             <a:r>
               <a:rPr lang="en-US"/>
-              <a:t>Giải thích 3 lệnh if lồng nhau</a:t>
+              <a:t>Giới thiệu hàm compileParamlist (tiếp)</a:t>
             </a:r>
             <a:endParaRPr lang="en-US" dirty="0"/>
           </a:p>
@@ -4423,14 +4566,143 @@
           <a:bodyPr/>
           <a:lstStyle/>
           <a:p>
+            <a:endParaRPr lang="en-US"/>
+          </a:p>
+          <a:p>
             <a:endParaRPr lang="vi-VN"/>
+          </a:p>
+        </p:txBody>
+      </p:sp>
+      <p:pic>
+        <p:nvPicPr>
+          <p:cNvPr id="6" name="Hình ảnh 5">
+            <a:extLst>
+              <a:ext uri="{FF2B5EF4-FFF2-40B4-BE49-F238E27FC236}">
+                <a16:creationId xmlns:a16="http://schemas.microsoft.com/office/drawing/2014/main" id="{0DEE32F3-97A6-4FC5-9AEC-59868DAD4015}"/>
+              </a:ext>
+            </a:extLst>
+          </p:cNvPr>
+          <p:cNvPicPr>
+            <a:picLocks noChangeAspect="1"/>
+          </p:cNvPicPr>
+          <p:nvPr/>
+        </p:nvPicPr>
+        <p:blipFill>
+          <a:blip r:embed="rId2"/>
+          <a:stretch>
+            <a:fillRect/>
+          </a:stretch>
+        </p:blipFill>
+        <p:spPr>
+          <a:xfrm>
+            <a:off x="710215" y="1378089"/>
+            <a:ext cx="2468208" cy="1927006"/>
+          </a:xfrm>
+          <a:prstGeom prst="rect">
+            <a:avLst/>
+          </a:prstGeom>
+        </p:spPr>
+      </p:pic>
+      <p:pic>
+        <p:nvPicPr>
+          <p:cNvPr id="7" name="Hình ảnh 6">
+            <a:extLst>
+              <a:ext uri="{FF2B5EF4-FFF2-40B4-BE49-F238E27FC236}">
+                <a16:creationId xmlns:a16="http://schemas.microsoft.com/office/drawing/2014/main" id="{4DF761AF-121F-402B-A042-AFF3F2ED7C95}"/>
+              </a:ext>
+            </a:extLst>
+          </p:cNvPr>
+          <p:cNvPicPr>
+            <a:picLocks noChangeAspect="1"/>
+          </p:cNvPicPr>
+          <p:nvPr/>
+        </p:nvPicPr>
+        <p:blipFill>
+          <a:blip r:embed="rId3"/>
+          <a:stretch>
+            <a:fillRect/>
+          </a:stretch>
+        </p:blipFill>
+        <p:spPr>
+          <a:xfrm>
+            <a:off x="3870508" y="1409977"/>
+            <a:ext cx="4726959" cy="2279370"/>
+          </a:xfrm>
+          <a:prstGeom prst="rect">
+            <a:avLst/>
+          </a:prstGeom>
+        </p:spPr>
+      </p:pic>
+      <p:pic>
+        <p:nvPicPr>
+          <p:cNvPr id="9" name="Hình ảnh 8">
+            <a:extLst>
+              <a:ext uri="{FF2B5EF4-FFF2-40B4-BE49-F238E27FC236}">
+                <a16:creationId xmlns:a16="http://schemas.microsoft.com/office/drawing/2014/main" id="{521A33BB-96ED-4313-A2B4-DBFF004538E8}"/>
+              </a:ext>
+            </a:extLst>
+          </p:cNvPr>
+          <p:cNvPicPr>
+            <a:picLocks noChangeAspect="1"/>
+          </p:cNvPicPr>
+          <p:nvPr/>
+        </p:nvPicPr>
+        <p:blipFill>
+          <a:blip r:embed="rId4"/>
+          <a:stretch>
+            <a:fillRect/>
+          </a:stretch>
+        </p:blipFill>
+        <p:spPr>
+          <a:xfrm>
+            <a:off x="3870509" y="3797299"/>
+            <a:ext cx="4726958" cy="2878760"/>
+          </a:xfrm>
+          <a:prstGeom prst="rect">
+            <a:avLst/>
+          </a:prstGeom>
+        </p:spPr>
+      </p:pic>
+      <p:sp>
+        <p:nvSpPr>
+          <p:cNvPr id="10" name="Hộp Văn bản 9">
+            <a:extLst>
+              <a:ext uri="{FF2B5EF4-FFF2-40B4-BE49-F238E27FC236}">
+                <a16:creationId xmlns:a16="http://schemas.microsoft.com/office/drawing/2014/main" id="{494E8589-E9FE-4B5E-B8AD-99939A4259E5}"/>
+              </a:ext>
+            </a:extLst>
+          </p:cNvPr>
+          <p:cNvSpPr txBox="1"/>
+          <p:nvPr/>
+        </p:nvSpPr>
+        <p:spPr>
+          <a:xfrm>
+            <a:off x="710215" y="3689347"/>
+            <a:ext cx="2468208" cy="1061829"/>
+          </a:xfrm>
+          <a:prstGeom prst="rect">
+            <a:avLst/>
+          </a:prstGeom>
+          <a:noFill/>
+        </p:spPr>
+        <p:txBody>
+          <a:bodyPr wrap="square" rtlCol="0">
+            <a:spAutoFit/>
+          </a:bodyPr>
+          <a:lstStyle/>
+          <a:p>
+            <a:r>
+              <a:rPr lang="en-US" sz="2100"/>
+              <a:t>Khi nào thì xảy ra lỗi ERR_INVALIDPARAM ???</a:t>
+            </a:r>
+            <a:endParaRPr lang="vi-VN" sz="2100"/>
           </a:p>
         </p:txBody>
       </p:sp>
     </p:spTree>
     <p:extLst>
       <p:ext uri="{BB962C8B-B14F-4D97-AF65-F5344CB8AC3E}">
-        <p14:creationId xmlns:p14="http://schemas.microsoft.com/office/powerpoint/2010/main" val="1213660596"/>
+        <p14:creationId xmlns:p14="http://schemas.microsoft.com/office/powerpoint/2010/main" val="2942387361"/>
       </p:ext>
     </p:extLst>
   </p:cSld>
@@ -4518,25 +4790,41 @@
           <a:lstStyle/>
           <a:p>
             <a:r>
-              <a:rPr lang="vi-VN"/>
+              <a:rPr lang="vi-VN">
+                <a:solidFill>
+                  <a:schemeClr val="tx1"/>
+                </a:solidFill>
+              </a:rPr>
               <a:t>Nhận chuỗi các token từ bộ phân tích từ vựng</a:t>
             </a:r>
           </a:p>
           <a:p>
             <a:r>
-              <a:rPr lang="vi-VN"/>
+              <a:rPr lang="vi-VN">
+                <a:solidFill>
+                  <a:schemeClr val="tx1"/>
+                </a:solidFill>
+              </a:rPr>
               <a:t>Xác nhận rằng chuỗi này có thể được sinh ra từ văn phạm của ngôn ngữ nguồn </a:t>
             </a:r>
           </a:p>
           <a:p>
             <a:r>
-              <a:rPr lang="vi-VN"/>
+              <a:rPr lang="vi-VN">
+                <a:solidFill>
+                  <a:schemeClr val="tx1"/>
+                </a:solidFill>
+              </a:rPr>
               <a:t>Bằng cách tạo ra cây phân tích cú pháp cho chuỗi</a:t>
             </a:r>
           </a:p>
           <a:p>
             <a:r>
-              <a:rPr lang="vi-VN"/>
+              <a:rPr lang="vi-VN">
+                <a:solidFill>
+                  <a:schemeClr val="tx1"/>
+                </a:solidFill>
+              </a:rPr>
               <a:t>Có cơ chế ghi nhận các lỗi cú pháp</a:t>
             </a:r>
           </a:p>
@@ -4571,8 +4859,8 @@
         </p:blipFill>
         <p:spPr bwMode="auto">
           <a:xfrm>
-            <a:off x="865078" y="3284622"/>
-            <a:ext cx="7413844" cy="2484020"/>
+            <a:off x="1146037" y="3429000"/>
+            <a:ext cx="7000538" cy="2345541"/>
           </a:xfrm>
           <a:prstGeom prst="rect">
             <a:avLst/>
@@ -4676,7 +4964,1035 @@
           <a:p>
             <a:r>
               <a:rPr lang="en-US"/>
-              <a:t>Tập Follow</a:t>
+              <a:t>Giải thích 3 lệnh if lồng nhau</a:t>
+            </a:r>
+            <a:endParaRPr lang="en-US" dirty="0"/>
+          </a:p>
+        </p:txBody>
+      </p:sp>
+      <p:sp>
+        <p:nvSpPr>
+          <p:cNvPr id="11" name="Content Placeholder 10">
+            <a:extLst>
+              <a:ext uri="{FF2B5EF4-FFF2-40B4-BE49-F238E27FC236}">
+                <a16:creationId xmlns:a16="http://schemas.microsoft.com/office/drawing/2014/main" id="{8B7FD5CB-296B-4C10-9CFB-0B78F9D496AC}"/>
+              </a:ext>
+            </a:extLst>
+          </p:cNvPr>
+          <p:cNvSpPr>
+            <a:spLocks noGrp="1"/>
+          </p:cNvSpPr>
+          <p:nvPr>
+            <p:ph idx="1"/>
+          </p:nvPr>
+        </p:nvSpPr>
+        <p:spPr>
+          <a:xfrm>
+            <a:off x="488951" y="1346200"/>
+            <a:ext cx="5006327" cy="4902199"/>
+          </a:xfrm>
+        </p:spPr>
+        <p:txBody>
+          <a:bodyPr/>
+          <a:lstStyle/>
+          <a:p>
+            <a:r>
+              <a:rPr lang="en-US" dirty="0" err="1">
+                <a:solidFill>
+                  <a:schemeClr val="tx1"/>
+                </a:solidFill>
+              </a:rPr>
+              <a:t>Trong</a:t>
+            </a:r>
+            <a:r>
+              <a:rPr lang="en-US" dirty="0">
+                <a:solidFill>
+                  <a:schemeClr val="tx1"/>
+                </a:solidFill>
+              </a:rPr>
+              <a:t> </a:t>
+            </a:r>
+            <a:r>
+              <a:rPr lang="en-US" dirty="0" err="1">
+                <a:solidFill>
+                  <a:schemeClr val="tx1"/>
+                </a:solidFill>
+              </a:rPr>
+              <a:t>hàm</a:t>
+            </a:r>
+            <a:r>
+              <a:rPr lang="en-US" dirty="0">
+                <a:solidFill>
+                  <a:schemeClr val="tx1"/>
+                </a:solidFill>
+              </a:rPr>
+              <a:t> </a:t>
+            </a:r>
+            <a:r>
+              <a:rPr lang="en-US" dirty="0" err="1">
+                <a:solidFill>
+                  <a:schemeClr val="tx1"/>
+                </a:solidFill>
+              </a:rPr>
+              <a:t>compileIfst</a:t>
+            </a:r>
+            <a:r>
+              <a:rPr lang="en-US" dirty="0">
+                <a:solidFill>
+                  <a:schemeClr val="tx1"/>
+                </a:solidFill>
+              </a:rPr>
+              <a:t>() </a:t>
+            </a:r>
+            <a:r>
+              <a:rPr lang="en-US" dirty="0" err="1">
+                <a:solidFill>
+                  <a:schemeClr val="tx1"/>
+                </a:solidFill>
+              </a:rPr>
+              <a:t>kiểm</a:t>
+            </a:r>
+            <a:r>
+              <a:rPr lang="en-US" dirty="0">
+                <a:solidFill>
+                  <a:schemeClr val="tx1"/>
+                </a:solidFill>
+              </a:rPr>
+              <a:t> </a:t>
+            </a:r>
+            <a:r>
+              <a:rPr lang="en-US" dirty="0" err="1">
+                <a:solidFill>
+                  <a:schemeClr val="tx1"/>
+                </a:solidFill>
+              </a:rPr>
+              <a:t>tra</a:t>
+            </a:r>
+            <a:r>
+              <a:rPr lang="en-US" dirty="0">
+                <a:solidFill>
+                  <a:schemeClr val="tx1"/>
+                </a:solidFill>
+              </a:rPr>
+              <a:t> </a:t>
+            </a:r>
+            <a:r>
+              <a:rPr lang="en-US" dirty="0" err="1">
+                <a:solidFill>
+                  <a:schemeClr val="tx1"/>
+                </a:solidFill>
+              </a:rPr>
+              <a:t>từ</a:t>
+            </a:r>
+            <a:r>
+              <a:rPr lang="en-US" dirty="0">
+                <a:solidFill>
+                  <a:schemeClr val="tx1"/>
+                </a:solidFill>
+              </a:rPr>
+              <a:t> </a:t>
+            </a:r>
+            <a:r>
+              <a:rPr lang="en-US" dirty="0" err="1">
+                <a:solidFill>
+                  <a:schemeClr val="tx1"/>
+                </a:solidFill>
+              </a:rPr>
+              <a:t>khóa</a:t>
+            </a:r>
+            <a:r>
+              <a:rPr lang="en-US" dirty="0">
+                <a:solidFill>
+                  <a:schemeClr val="tx1"/>
+                </a:solidFill>
+              </a:rPr>
+              <a:t> THEN </a:t>
+            </a:r>
+            <a:r>
+              <a:rPr lang="en-US" dirty="0" err="1">
+                <a:solidFill>
+                  <a:schemeClr val="tx1"/>
+                </a:solidFill>
+              </a:rPr>
+              <a:t>sau</a:t>
+            </a:r>
+            <a:r>
+              <a:rPr lang="en-US" dirty="0">
+                <a:solidFill>
+                  <a:schemeClr val="tx1"/>
+                </a:solidFill>
+              </a:rPr>
+              <a:t> </a:t>
+            </a:r>
+            <a:r>
+              <a:rPr lang="en-US" dirty="0" err="1">
+                <a:solidFill>
+                  <a:schemeClr val="tx1"/>
+                </a:solidFill>
+              </a:rPr>
+              <a:t>đó</a:t>
+            </a:r>
+            <a:r>
+              <a:rPr lang="en-US" dirty="0">
+                <a:solidFill>
+                  <a:schemeClr val="tx1"/>
+                </a:solidFill>
+              </a:rPr>
+              <a:t> </a:t>
+            </a:r>
+            <a:r>
+              <a:rPr lang="en-US" dirty="0" err="1">
+                <a:solidFill>
+                  <a:schemeClr val="tx1"/>
+                </a:solidFill>
+              </a:rPr>
+              <a:t>gọi</a:t>
+            </a:r>
+            <a:r>
+              <a:rPr lang="en-US" dirty="0">
+                <a:solidFill>
+                  <a:schemeClr val="tx1"/>
+                </a:solidFill>
+              </a:rPr>
+              <a:t> </a:t>
+            </a:r>
+            <a:r>
+              <a:rPr lang="en-US" dirty="0" err="1">
+                <a:solidFill>
+                  <a:schemeClr val="tx1"/>
+                </a:solidFill>
+              </a:rPr>
+              <a:t>hàm</a:t>
+            </a:r>
+            <a:r>
+              <a:rPr lang="en-US" dirty="0">
+                <a:solidFill>
+                  <a:schemeClr val="tx1"/>
+                </a:solidFill>
+              </a:rPr>
+              <a:t> </a:t>
+            </a:r>
+            <a:r>
+              <a:rPr lang="en-US" dirty="0" err="1">
+                <a:solidFill>
+                  <a:schemeClr val="tx1"/>
+                </a:solidFill>
+              </a:rPr>
+              <a:t>compileStatement</a:t>
+            </a:r>
+            <a:r>
+              <a:rPr lang="en-US" dirty="0">
+                <a:solidFill>
+                  <a:schemeClr val="tx1"/>
+                </a:solidFill>
+              </a:rPr>
+              <a:t>() </a:t>
+            </a:r>
+            <a:r>
+              <a:rPr lang="en-US" dirty="0" err="1">
+                <a:solidFill>
+                  <a:schemeClr val="tx1"/>
+                </a:solidFill>
+              </a:rPr>
+              <a:t>rồi</a:t>
+            </a:r>
+            <a:r>
+              <a:rPr lang="en-US" dirty="0">
+                <a:solidFill>
+                  <a:schemeClr val="tx1"/>
+                </a:solidFill>
+              </a:rPr>
+              <a:t> </a:t>
+            </a:r>
+            <a:r>
+              <a:rPr lang="en-US" dirty="0" err="1">
+                <a:solidFill>
+                  <a:schemeClr val="tx1"/>
+                </a:solidFill>
+              </a:rPr>
+              <a:t>mới</a:t>
+            </a:r>
+            <a:r>
+              <a:rPr lang="en-US" dirty="0">
+                <a:solidFill>
+                  <a:schemeClr val="tx1"/>
+                </a:solidFill>
+              </a:rPr>
+              <a:t> </a:t>
+            </a:r>
+            <a:r>
+              <a:rPr lang="en-US" dirty="0" err="1">
+                <a:solidFill>
+                  <a:schemeClr val="tx1"/>
+                </a:solidFill>
+              </a:rPr>
+              <a:t>kiểm</a:t>
+            </a:r>
+            <a:r>
+              <a:rPr lang="en-US" dirty="0">
+                <a:solidFill>
+                  <a:schemeClr val="tx1"/>
+                </a:solidFill>
+              </a:rPr>
+              <a:t> </a:t>
+            </a:r>
+            <a:r>
+              <a:rPr lang="en-US" dirty="0" err="1">
+                <a:solidFill>
+                  <a:schemeClr val="tx1"/>
+                </a:solidFill>
+              </a:rPr>
+              <a:t>tra</a:t>
+            </a:r>
+            <a:r>
+              <a:rPr lang="en-US" dirty="0">
+                <a:solidFill>
+                  <a:schemeClr val="tx1"/>
+                </a:solidFill>
+              </a:rPr>
+              <a:t> </a:t>
+            </a:r>
+            <a:r>
+              <a:rPr lang="en-US" dirty="0" err="1">
+                <a:solidFill>
+                  <a:schemeClr val="tx1"/>
+                </a:solidFill>
+              </a:rPr>
+              <a:t>từ</a:t>
+            </a:r>
+            <a:r>
+              <a:rPr lang="en-US" dirty="0">
+                <a:solidFill>
+                  <a:schemeClr val="tx1"/>
+                </a:solidFill>
+              </a:rPr>
+              <a:t> </a:t>
+            </a:r>
+            <a:r>
+              <a:rPr lang="en-US" dirty="0" err="1">
+                <a:solidFill>
+                  <a:schemeClr val="tx1"/>
+                </a:solidFill>
+              </a:rPr>
+              <a:t>khóa</a:t>
+            </a:r>
+            <a:r>
+              <a:rPr lang="en-US" dirty="0">
+                <a:solidFill>
+                  <a:schemeClr val="tx1"/>
+                </a:solidFill>
+              </a:rPr>
+              <a:t> ELSE</a:t>
+            </a:r>
+          </a:p>
+          <a:p>
+            <a:r>
+              <a:rPr lang="en-US">
+                <a:solidFill>
+                  <a:schemeClr val="tx1"/>
+                </a:solidFill>
+              </a:rPr>
+              <a:t>Vì </a:t>
+            </a:r>
+            <a:r>
+              <a:rPr lang="en-US" dirty="0" err="1">
+                <a:solidFill>
+                  <a:schemeClr val="tx1"/>
+                </a:solidFill>
+              </a:rPr>
+              <a:t>vậy</a:t>
+            </a:r>
+            <a:r>
+              <a:rPr lang="en-US" dirty="0">
+                <a:solidFill>
+                  <a:schemeClr val="tx1"/>
+                </a:solidFill>
+              </a:rPr>
+              <a:t> </a:t>
+            </a:r>
+            <a:r>
+              <a:rPr lang="en-US" dirty="0" err="1">
+                <a:solidFill>
+                  <a:schemeClr val="tx1"/>
+                </a:solidFill>
+              </a:rPr>
+              <a:t>nếu</a:t>
+            </a:r>
+            <a:r>
+              <a:rPr lang="en-US" dirty="0">
+                <a:solidFill>
+                  <a:schemeClr val="tx1"/>
+                </a:solidFill>
+              </a:rPr>
+              <a:t> </a:t>
+            </a:r>
+            <a:r>
+              <a:rPr lang="en-US" dirty="0" err="1">
+                <a:solidFill>
+                  <a:schemeClr val="tx1"/>
+                </a:solidFill>
+              </a:rPr>
+              <a:t>có</a:t>
+            </a:r>
+            <a:r>
+              <a:rPr lang="en-US" dirty="0">
+                <a:solidFill>
+                  <a:schemeClr val="tx1"/>
+                </a:solidFill>
+              </a:rPr>
+              <a:t> </a:t>
+            </a:r>
+            <a:r>
+              <a:rPr lang="en-US" dirty="0" err="1">
+                <a:solidFill>
+                  <a:schemeClr val="tx1"/>
+                </a:solidFill>
+              </a:rPr>
+              <a:t>từ</a:t>
+            </a:r>
+            <a:r>
+              <a:rPr lang="en-US" dirty="0">
+                <a:solidFill>
+                  <a:schemeClr val="tx1"/>
+                </a:solidFill>
+              </a:rPr>
+              <a:t> </a:t>
+            </a:r>
+            <a:r>
+              <a:rPr lang="en-US" dirty="0" err="1">
+                <a:solidFill>
+                  <a:schemeClr val="tx1"/>
+                </a:solidFill>
+              </a:rPr>
+              <a:t>khóa</a:t>
+            </a:r>
+            <a:r>
+              <a:rPr lang="en-US" dirty="0">
+                <a:solidFill>
+                  <a:schemeClr val="tx1"/>
+                </a:solidFill>
+              </a:rPr>
+              <a:t> ELSE </a:t>
+            </a:r>
+            <a:r>
+              <a:rPr lang="en-US" dirty="0" err="1">
+                <a:solidFill>
+                  <a:schemeClr val="tx1"/>
+                </a:solidFill>
+              </a:rPr>
+              <a:t>thì</a:t>
+            </a:r>
+            <a:r>
+              <a:rPr lang="en-US" dirty="0">
+                <a:solidFill>
+                  <a:schemeClr val="tx1"/>
+                </a:solidFill>
+              </a:rPr>
+              <a:t> </a:t>
+            </a:r>
+            <a:r>
+              <a:rPr lang="en-US" dirty="0" err="1">
+                <a:solidFill>
+                  <a:schemeClr val="tx1"/>
+                </a:solidFill>
+              </a:rPr>
+              <a:t>từ</a:t>
+            </a:r>
+            <a:r>
+              <a:rPr lang="en-US" dirty="0">
+                <a:solidFill>
+                  <a:schemeClr val="tx1"/>
+                </a:solidFill>
+              </a:rPr>
+              <a:t> </a:t>
+            </a:r>
+            <a:r>
+              <a:rPr lang="en-US" dirty="0" err="1">
+                <a:solidFill>
+                  <a:schemeClr val="tx1"/>
+                </a:solidFill>
+              </a:rPr>
+              <a:t>khóa</a:t>
+            </a:r>
+            <a:r>
+              <a:rPr lang="en-US" dirty="0">
+                <a:solidFill>
+                  <a:schemeClr val="tx1"/>
+                </a:solidFill>
+              </a:rPr>
+              <a:t> ELSE </a:t>
+            </a:r>
+            <a:r>
+              <a:rPr lang="en-US" dirty="0" err="1">
+                <a:solidFill>
+                  <a:schemeClr val="tx1"/>
+                </a:solidFill>
+              </a:rPr>
+              <a:t>đó</a:t>
+            </a:r>
+            <a:r>
+              <a:rPr lang="en-US" dirty="0">
+                <a:solidFill>
+                  <a:schemeClr val="tx1"/>
+                </a:solidFill>
+              </a:rPr>
+              <a:t> </a:t>
+            </a:r>
+            <a:r>
+              <a:rPr lang="en-US" dirty="0" err="1">
+                <a:solidFill>
+                  <a:schemeClr val="tx1"/>
+                </a:solidFill>
+              </a:rPr>
+              <a:t>sẽ</a:t>
+            </a:r>
+            <a:r>
+              <a:rPr lang="en-US" dirty="0">
+                <a:solidFill>
+                  <a:schemeClr val="tx1"/>
+                </a:solidFill>
+              </a:rPr>
+              <a:t> đ</a:t>
+            </a:r>
+            <a:r>
+              <a:rPr lang="vi-VN" dirty="0">
+                <a:solidFill>
+                  <a:schemeClr val="tx1"/>
+                </a:solidFill>
+              </a:rPr>
+              <a:t>ư</a:t>
+            </a:r>
+            <a:r>
+              <a:rPr lang="en-US" dirty="0" err="1">
+                <a:solidFill>
+                  <a:schemeClr val="tx1"/>
+                </a:solidFill>
+              </a:rPr>
+              <a:t>ợc</a:t>
+            </a:r>
+            <a:r>
+              <a:rPr lang="en-US" dirty="0">
+                <a:solidFill>
+                  <a:schemeClr val="tx1"/>
+                </a:solidFill>
+              </a:rPr>
+              <a:t> </a:t>
+            </a:r>
+            <a:r>
+              <a:rPr lang="en-US" dirty="0" err="1">
+                <a:solidFill>
+                  <a:schemeClr val="tx1"/>
+                </a:solidFill>
+              </a:rPr>
+              <a:t>kiểm</a:t>
+            </a:r>
+            <a:r>
+              <a:rPr lang="en-US" dirty="0">
+                <a:solidFill>
+                  <a:schemeClr val="tx1"/>
+                </a:solidFill>
+              </a:rPr>
+              <a:t> </a:t>
+            </a:r>
+            <a:r>
+              <a:rPr lang="en-US" dirty="0" err="1">
+                <a:solidFill>
+                  <a:schemeClr val="tx1"/>
+                </a:solidFill>
+              </a:rPr>
+              <a:t>tra</a:t>
+            </a:r>
+            <a:r>
+              <a:rPr lang="en-US" dirty="0">
+                <a:solidFill>
+                  <a:schemeClr val="tx1"/>
+                </a:solidFill>
+              </a:rPr>
+              <a:t> </a:t>
+            </a:r>
+            <a:r>
+              <a:rPr lang="en-US" dirty="0" err="1">
+                <a:solidFill>
+                  <a:schemeClr val="tx1"/>
+                </a:solidFill>
+              </a:rPr>
+              <a:t>trong</a:t>
+            </a:r>
+            <a:r>
+              <a:rPr lang="en-US" dirty="0">
+                <a:solidFill>
+                  <a:schemeClr val="tx1"/>
+                </a:solidFill>
+              </a:rPr>
+              <a:t> </a:t>
+            </a:r>
+            <a:r>
+              <a:rPr lang="en-US" dirty="0" err="1">
+                <a:solidFill>
+                  <a:schemeClr val="tx1"/>
+                </a:solidFill>
+              </a:rPr>
+              <a:t>hàm</a:t>
+            </a:r>
+            <a:r>
+              <a:rPr lang="en-US" dirty="0">
+                <a:solidFill>
+                  <a:schemeClr val="tx1"/>
+                </a:solidFill>
+              </a:rPr>
+              <a:t> </a:t>
+            </a:r>
+            <a:r>
+              <a:rPr lang="en-US" dirty="0" err="1">
+                <a:solidFill>
+                  <a:schemeClr val="tx1"/>
+                </a:solidFill>
+              </a:rPr>
+              <a:t>compileStatement</a:t>
+            </a:r>
+            <a:r>
+              <a:rPr lang="en-US" dirty="0">
+                <a:solidFill>
+                  <a:schemeClr val="tx1"/>
+                </a:solidFill>
+              </a:rPr>
+              <a:t>() </a:t>
+            </a:r>
+            <a:r>
+              <a:rPr lang="en-US" dirty="0" err="1">
+                <a:solidFill>
+                  <a:schemeClr val="tx1"/>
+                </a:solidFill>
+              </a:rPr>
+              <a:t>trước</a:t>
+            </a:r>
+            <a:r>
+              <a:rPr lang="en-US" dirty="0">
+                <a:solidFill>
+                  <a:schemeClr val="tx1"/>
+                </a:solidFill>
+              </a:rPr>
+              <a:t>. </a:t>
+            </a:r>
+          </a:p>
+          <a:p>
+            <a:r>
+              <a:rPr lang="en-US" dirty="0" err="1">
+                <a:solidFill>
+                  <a:schemeClr val="tx1"/>
+                </a:solidFill>
+              </a:rPr>
+              <a:t>Nếu</a:t>
+            </a:r>
+            <a:r>
+              <a:rPr lang="en-US" dirty="0">
+                <a:solidFill>
+                  <a:schemeClr val="tx1"/>
+                </a:solidFill>
+              </a:rPr>
+              <a:t> </a:t>
+            </a:r>
+            <a:r>
+              <a:rPr lang="en-US" dirty="0" err="1">
+                <a:solidFill>
+                  <a:schemeClr val="tx1"/>
+                </a:solidFill>
+              </a:rPr>
+              <a:t>chúng</a:t>
+            </a:r>
+            <a:r>
+              <a:rPr lang="en-US" dirty="0">
+                <a:solidFill>
+                  <a:schemeClr val="tx1"/>
+                </a:solidFill>
+              </a:rPr>
+              <a:t> ta </a:t>
+            </a:r>
+            <a:r>
+              <a:rPr lang="en-US" dirty="0" err="1">
+                <a:solidFill>
+                  <a:schemeClr val="tx1"/>
+                </a:solidFill>
+              </a:rPr>
+              <a:t>có</a:t>
+            </a:r>
+            <a:r>
+              <a:rPr lang="en-US" dirty="0">
+                <a:solidFill>
+                  <a:schemeClr val="tx1"/>
+                </a:solidFill>
+              </a:rPr>
+              <a:t> 3 </a:t>
+            </a:r>
+            <a:r>
+              <a:rPr lang="en-US" dirty="0" err="1">
+                <a:solidFill>
+                  <a:schemeClr val="tx1"/>
+                </a:solidFill>
+              </a:rPr>
+              <a:t>hàm</a:t>
+            </a:r>
+            <a:r>
+              <a:rPr lang="en-US" dirty="0">
+                <a:solidFill>
+                  <a:schemeClr val="tx1"/>
+                </a:solidFill>
+              </a:rPr>
+              <a:t> IF </a:t>
+            </a:r>
+            <a:r>
+              <a:rPr lang="en-US" dirty="0" err="1">
+                <a:solidFill>
+                  <a:schemeClr val="tx1"/>
+                </a:solidFill>
+              </a:rPr>
+              <a:t>lồng</a:t>
+            </a:r>
+            <a:r>
+              <a:rPr lang="en-US" dirty="0">
+                <a:solidFill>
+                  <a:schemeClr val="tx1"/>
+                </a:solidFill>
+              </a:rPr>
+              <a:t> </a:t>
+            </a:r>
+            <a:r>
+              <a:rPr lang="en-US" dirty="0" err="1">
+                <a:solidFill>
+                  <a:schemeClr val="tx1"/>
+                </a:solidFill>
+              </a:rPr>
+              <a:t>nhau</a:t>
+            </a:r>
+            <a:r>
+              <a:rPr lang="en-US" dirty="0">
+                <a:solidFill>
+                  <a:schemeClr val="tx1"/>
+                </a:solidFill>
+              </a:rPr>
+              <a:t> </a:t>
+            </a:r>
+            <a:r>
+              <a:rPr lang="en-US" dirty="0" err="1">
+                <a:solidFill>
+                  <a:schemeClr val="tx1"/>
+                </a:solidFill>
+              </a:rPr>
+              <a:t>và</a:t>
+            </a:r>
+            <a:r>
+              <a:rPr lang="en-US" dirty="0">
+                <a:solidFill>
+                  <a:schemeClr val="tx1"/>
+                </a:solidFill>
+              </a:rPr>
+              <a:t> 1 </a:t>
+            </a:r>
+            <a:r>
+              <a:rPr lang="en-US" dirty="0" err="1">
+                <a:solidFill>
+                  <a:schemeClr val="tx1"/>
+                </a:solidFill>
+              </a:rPr>
+              <a:t>từ</a:t>
+            </a:r>
+            <a:r>
+              <a:rPr lang="en-US" dirty="0">
+                <a:solidFill>
+                  <a:schemeClr val="tx1"/>
+                </a:solidFill>
+              </a:rPr>
+              <a:t> </a:t>
+            </a:r>
+            <a:r>
+              <a:rPr lang="en-US" dirty="0" err="1">
+                <a:solidFill>
+                  <a:schemeClr val="tx1"/>
+                </a:solidFill>
+              </a:rPr>
+              <a:t>khóa</a:t>
+            </a:r>
+            <a:r>
+              <a:rPr lang="en-US" dirty="0">
+                <a:solidFill>
+                  <a:schemeClr val="tx1"/>
+                </a:solidFill>
+              </a:rPr>
+              <a:t> ELSE </a:t>
+            </a:r>
+            <a:r>
+              <a:rPr lang="en-US" dirty="0" err="1">
+                <a:solidFill>
+                  <a:schemeClr val="tx1"/>
+                </a:solidFill>
+              </a:rPr>
+              <a:t>thì</a:t>
+            </a:r>
+            <a:r>
+              <a:rPr lang="en-US" dirty="0">
+                <a:solidFill>
+                  <a:schemeClr val="tx1"/>
+                </a:solidFill>
+              </a:rPr>
+              <a:t> </a:t>
+            </a:r>
+            <a:r>
+              <a:rPr lang="en-US" dirty="0" err="1">
+                <a:solidFill>
+                  <a:schemeClr val="tx1"/>
+                </a:solidFill>
+              </a:rPr>
+              <a:t>từ</a:t>
+            </a:r>
+            <a:r>
+              <a:rPr lang="en-US" dirty="0">
+                <a:solidFill>
+                  <a:schemeClr val="tx1"/>
+                </a:solidFill>
+              </a:rPr>
+              <a:t> </a:t>
+            </a:r>
+            <a:r>
+              <a:rPr lang="en-US" dirty="0" err="1">
+                <a:solidFill>
+                  <a:schemeClr val="tx1"/>
+                </a:solidFill>
+              </a:rPr>
+              <a:t>khóa</a:t>
+            </a:r>
+            <a:r>
+              <a:rPr lang="en-US" dirty="0">
+                <a:solidFill>
+                  <a:schemeClr val="tx1"/>
+                </a:solidFill>
+              </a:rPr>
+              <a:t> ELSE </a:t>
+            </a:r>
+            <a:r>
+              <a:rPr lang="en-US" dirty="0" err="1">
+                <a:solidFill>
+                  <a:schemeClr val="tx1"/>
+                </a:solidFill>
+              </a:rPr>
+              <a:t>sẽ</a:t>
+            </a:r>
+            <a:r>
+              <a:rPr lang="en-US" dirty="0">
+                <a:solidFill>
+                  <a:schemeClr val="tx1"/>
+                </a:solidFill>
+              </a:rPr>
+              <a:t> </a:t>
+            </a:r>
+            <a:r>
+              <a:rPr lang="en-US" dirty="0" err="1">
+                <a:solidFill>
+                  <a:schemeClr val="tx1"/>
+                </a:solidFill>
+              </a:rPr>
+              <a:t>là</a:t>
+            </a:r>
+            <a:r>
+              <a:rPr lang="en-US" dirty="0">
+                <a:solidFill>
+                  <a:schemeClr val="tx1"/>
+                </a:solidFill>
+              </a:rPr>
+              <a:t> </a:t>
+            </a:r>
+            <a:r>
+              <a:rPr lang="en-US" dirty="0" err="1">
+                <a:solidFill>
+                  <a:schemeClr val="tx1"/>
+                </a:solidFill>
+              </a:rPr>
+              <a:t>của</a:t>
+            </a:r>
+            <a:r>
+              <a:rPr lang="en-US" dirty="0">
+                <a:solidFill>
+                  <a:schemeClr val="tx1"/>
+                </a:solidFill>
+              </a:rPr>
+              <a:t> </a:t>
+            </a:r>
+            <a:r>
+              <a:rPr lang="en-US" dirty="0" err="1">
+                <a:solidFill>
+                  <a:schemeClr val="tx1"/>
+                </a:solidFill>
+              </a:rPr>
+              <a:t>hàm</a:t>
+            </a:r>
+            <a:r>
+              <a:rPr lang="en-US" dirty="0">
+                <a:solidFill>
+                  <a:schemeClr val="tx1"/>
+                </a:solidFill>
+              </a:rPr>
+              <a:t> IF </a:t>
+            </a:r>
+            <a:r>
+              <a:rPr lang="en-US" dirty="0" err="1">
+                <a:solidFill>
+                  <a:schemeClr val="tx1"/>
+                </a:solidFill>
+              </a:rPr>
+              <a:t>trong</a:t>
+            </a:r>
+            <a:r>
+              <a:rPr lang="en-US" dirty="0">
+                <a:solidFill>
+                  <a:schemeClr val="tx1"/>
+                </a:solidFill>
+              </a:rPr>
+              <a:t> </a:t>
+            </a:r>
+            <a:r>
+              <a:rPr lang="en-US" dirty="0" err="1">
+                <a:solidFill>
+                  <a:schemeClr val="tx1"/>
+                </a:solidFill>
+              </a:rPr>
+              <a:t>cùng</a:t>
+            </a:r>
+            <a:r>
+              <a:rPr lang="en-US" dirty="0">
+                <a:solidFill>
+                  <a:schemeClr val="tx1"/>
+                </a:solidFill>
+              </a:rPr>
+              <a:t>.</a:t>
+            </a:r>
+          </a:p>
+        </p:txBody>
+      </p:sp>
+      <p:pic>
+        <p:nvPicPr>
+          <p:cNvPr id="13" name="Picture 12">
+            <a:extLst>
+              <a:ext uri="{FF2B5EF4-FFF2-40B4-BE49-F238E27FC236}">
+                <a16:creationId xmlns:a16="http://schemas.microsoft.com/office/drawing/2014/main" id="{C7B5BF98-9B33-4E7B-9AAF-5FE3D8AA6B68}"/>
+              </a:ext>
+            </a:extLst>
+          </p:cNvPr>
+          <p:cNvPicPr>
+            <a:picLocks noChangeAspect="1"/>
+          </p:cNvPicPr>
+          <p:nvPr/>
+        </p:nvPicPr>
+        <p:blipFill>
+          <a:blip r:embed="rId2">
+            <a:extLst>
+              <a:ext uri="{28A0092B-C50C-407E-A947-70E740481C1C}">
+                <a14:useLocalDpi xmlns:a14="http://schemas.microsoft.com/office/drawing/2010/main" val="0"/>
+              </a:ext>
+            </a:extLst>
+          </a:blip>
+          <a:stretch>
+            <a:fillRect/>
+          </a:stretch>
+        </p:blipFill>
+        <p:spPr>
+          <a:xfrm>
+            <a:off x="1867532" y="5119777"/>
+            <a:ext cx="6647818" cy="784045"/>
+          </a:xfrm>
+          <a:prstGeom prst="rect">
+            <a:avLst/>
+          </a:prstGeom>
+        </p:spPr>
+      </p:pic>
+      <p:pic>
+        <p:nvPicPr>
+          <p:cNvPr id="15" name="Picture 14" descr="A screenshot of a cell phone&#10;&#10;Description generated with very high confidence">
+            <a:extLst>
+              <a:ext uri="{FF2B5EF4-FFF2-40B4-BE49-F238E27FC236}">
+                <a16:creationId xmlns:a16="http://schemas.microsoft.com/office/drawing/2014/main" id="{65C5D60E-28F2-4DA9-9547-747FD23EEA18}"/>
+              </a:ext>
+            </a:extLst>
+          </p:cNvPr>
+          <p:cNvPicPr>
+            <a:picLocks noChangeAspect="1"/>
+          </p:cNvPicPr>
+          <p:nvPr/>
+        </p:nvPicPr>
+        <p:blipFill>
+          <a:blip r:embed="rId3">
+            <a:extLst>
+              <a:ext uri="{28A0092B-C50C-407E-A947-70E740481C1C}">
+                <a14:useLocalDpi xmlns:a14="http://schemas.microsoft.com/office/drawing/2010/main" val="0"/>
+              </a:ext>
+            </a:extLst>
+          </a:blip>
+          <a:stretch>
+            <a:fillRect/>
+          </a:stretch>
+        </p:blipFill>
+        <p:spPr>
+          <a:xfrm>
+            <a:off x="5508185" y="2192784"/>
+            <a:ext cx="3224778" cy="1723711"/>
+          </a:xfrm>
+          <a:prstGeom prst="rect">
+            <a:avLst/>
+          </a:prstGeom>
+        </p:spPr>
+      </p:pic>
+    </p:spTree>
+    <p:extLst>
+      <p:ext uri="{BB962C8B-B14F-4D97-AF65-F5344CB8AC3E}">
+        <p14:creationId xmlns:p14="http://schemas.microsoft.com/office/powerpoint/2010/main" val="2151030403"/>
+      </p:ext>
+    </p:extLst>
+  </p:cSld>
+  <p:clrMapOvr>
+    <a:masterClrMapping/>
+  </p:clrMapOvr>
+</p:sld>
+</file>
+
+<file path=ppt/slides/slide21.xml><?xml version="1.0" encoding="utf-8"?>
+<p:sld xmlns:a="http://schemas.openxmlformats.org/drawingml/2006/main" xmlns:r="http://schemas.openxmlformats.org/officeDocument/2006/relationships" xmlns:p="http://schemas.openxmlformats.org/presentationml/2006/main">
+  <p:cSld>
+    <p:spTree>
+      <p:nvGrpSpPr>
+        <p:cNvPr id="1" name=""/>
+        <p:cNvGrpSpPr/>
+        <p:nvPr/>
+      </p:nvGrpSpPr>
+      <p:grpSpPr>
+        <a:xfrm>
+          <a:off x="0" y="0"/>
+          <a:ext cx="0" cy="0"/>
+          <a:chOff x="0" y="0"/>
+          <a:chExt cx="0" cy="0"/>
+        </a:xfrm>
+      </p:grpSpPr>
+      <p:sp>
+        <p:nvSpPr>
+          <p:cNvPr id="2" name="Title 1">
+            <a:extLst>
+              <a:ext uri="{FF2B5EF4-FFF2-40B4-BE49-F238E27FC236}">
+                <a16:creationId xmlns:a16="http://schemas.microsoft.com/office/drawing/2014/main" id="{5ACC0826-E80F-43C0-912C-275EB710142B}"/>
+              </a:ext>
+            </a:extLst>
+          </p:cNvPr>
+          <p:cNvSpPr>
+            <a:spLocks noGrp="1"/>
+          </p:cNvSpPr>
+          <p:nvPr>
+            <p:ph type="title"/>
+          </p:nvPr>
+        </p:nvSpPr>
+        <p:spPr/>
+        <p:txBody>
+          <a:bodyPr/>
+          <a:lstStyle/>
+          <a:p>
+            <a:r>
+              <a:rPr lang="en-US"/>
+              <a:t>Những hàm xét tập FOLLOW</a:t>
             </a:r>
             <a:endParaRPr lang="en-US" dirty="0"/>
           </a:p>
@@ -4703,10 +6019,1690 @@
           <a:bodyPr/>
           <a:lstStyle/>
           <a:p>
-            <a:endParaRPr lang="vi-VN"/>
-          </a:p>
-        </p:txBody>
-      </p:sp>
+            <a:r>
+              <a:rPr lang="en-US" dirty="0" err="1">
+                <a:solidFill>
+                  <a:schemeClr val="tx1"/>
+                </a:solidFill>
+              </a:rPr>
+              <a:t>Các</a:t>
+            </a:r>
+            <a:r>
+              <a:rPr lang="en-US" dirty="0">
+                <a:solidFill>
+                  <a:schemeClr val="tx1"/>
+                </a:solidFill>
+              </a:rPr>
+              <a:t> </a:t>
+            </a:r>
+            <a:r>
+              <a:rPr lang="en-US" dirty="0" err="1">
+                <a:solidFill>
+                  <a:schemeClr val="tx1"/>
+                </a:solidFill>
+              </a:rPr>
+              <a:t>hàm</a:t>
+            </a:r>
+            <a:r>
+              <a:rPr lang="en-US" dirty="0">
+                <a:solidFill>
+                  <a:schemeClr val="tx1"/>
+                </a:solidFill>
+              </a:rPr>
+              <a:t> </a:t>
+            </a:r>
+            <a:r>
+              <a:rPr lang="en-US" dirty="0" err="1">
+                <a:solidFill>
+                  <a:schemeClr val="tx1"/>
+                </a:solidFill>
+              </a:rPr>
+              <a:t>cần</a:t>
+            </a:r>
+            <a:r>
+              <a:rPr lang="en-US" dirty="0">
+                <a:solidFill>
+                  <a:schemeClr val="tx1"/>
+                </a:solidFill>
+              </a:rPr>
+              <a:t> </a:t>
+            </a:r>
+            <a:r>
+              <a:rPr lang="en-US" dirty="0" err="1">
+                <a:solidFill>
+                  <a:schemeClr val="tx1"/>
+                </a:solidFill>
+              </a:rPr>
+              <a:t>tính</a:t>
+            </a:r>
+            <a:r>
+              <a:rPr lang="en-US" dirty="0">
+                <a:solidFill>
+                  <a:schemeClr val="tx1"/>
+                </a:solidFill>
+              </a:rPr>
+              <a:t> </a:t>
+            </a:r>
+            <a:r>
+              <a:rPr lang="en-US" dirty="0" err="1">
+                <a:solidFill>
+                  <a:schemeClr val="tx1"/>
+                </a:solidFill>
+              </a:rPr>
+              <a:t>tập</a:t>
+            </a:r>
+            <a:r>
+              <a:rPr lang="en-US" dirty="0">
+                <a:solidFill>
+                  <a:schemeClr val="tx1"/>
+                </a:solidFill>
+              </a:rPr>
+              <a:t> Follow:</a:t>
+            </a:r>
+          </a:p>
+          <a:p>
+            <a:pPr lvl="1"/>
+            <a:r>
+              <a:rPr lang="en-US" dirty="0" err="1">
+                <a:solidFill>
+                  <a:schemeClr val="tx1"/>
+                </a:solidFill>
+              </a:rPr>
+              <a:t>compileStatement</a:t>
+            </a:r>
+            <a:endParaRPr lang="en-US" dirty="0">
+              <a:solidFill>
+                <a:schemeClr val="tx1"/>
+              </a:solidFill>
+            </a:endParaRPr>
+          </a:p>
+          <a:p>
+            <a:pPr lvl="1"/>
+            <a:r>
+              <a:rPr lang="en-US" dirty="0">
+                <a:solidFill>
+                  <a:schemeClr val="tx1"/>
+                </a:solidFill>
+              </a:rPr>
+              <a:t>compileStatement2</a:t>
+            </a:r>
+          </a:p>
+          <a:p>
+            <a:pPr lvl="1"/>
+            <a:r>
+              <a:rPr lang="en-US" dirty="0">
+                <a:solidFill>
+                  <a:schemeClr val="tx1"/>
+                </a:solidFill>
+              </a:rPr>
+              <a:t>compileTerm2</a:t>
+            </a:r>
+          </a:p>
+          <a:p>
+            <a:pPr lvl="1"/>
+            <a:r>
+              <a:rPr lang="en-US" dirty="0">
+                <a:solidFill>
+                  <a:schemeClr val="tx1"/>
+                </a:solidFill>
+              </a:rPr>
+              <a:t>compileExpression3</a:t>
+            </a:r>
+          </a:p>
+          <a:p>
+            <a:pPr lvl="1"/>
+            <a:r>
+              <a:rPr lang="en-US" dirty="0" err="1">
+                <a:solidFill>
+                  <a:schemeClr val="tx1"/>
+                </a:solidFill>
+              </a:rPr>
+              <a:t>compileArguments</a:t>
+            </a:r>
+            <a:endParaRPr lang="en-US" dirty="0">
+              <a:solidFill>
+                <a:schemeClr val="tx1"/>
+              </a:solidFill>
+            </a:endParaRPr>
+          </a:p>
+          <a:p>
+            <a:pPr lvl="1"/>
+            <a:r>
+              <a:rPr lang="en-US" dirty="0">
+                <a:solidFill>
+                  <a:schemeClr val="tx1"/>
+                </a:solidFill>
+              </a:rPr>
+              <a:t>compileArguments2</a:t>
+            </a:r>
+          </a:p>
+          <a:p>
+            <a:pPr marL="342900" lvl="1" indent="0">
+              <a:buNone/>
+            </a:pPr>
+            <a:endParaRPr lang="en-US" dirty="0">
+              <a:solidFill>
+                <a:schemeClr val="tx1"/>
+              </a:solidFill>
+            </a:endParaRPr>
+          </a:p>
+          <a:p>
+            <a:r>
+              <a:rPr lang="en-US" dirty="0" err="1">
+                <a:solidFill>
+                  <a:schemeClr val="tx1"/>
+                </a:solidFill>
+              </a:rPr>
+              <a:t>Trong</a:t>
+            </a:r>
+            <a:r>
+              <a:rPr lang="en-US" dirty="0">
+                <a:solidFill>
+                  <a:schemeClr val="tx1"/>
+                </a:solidFill>
+              </a:rPr>
+              <a:t> tr</a:t>
+            </a:r>
+            <a:r>
+              <a:rPr lang="vi-VN" dirty="0">
+                <a:solidFill>
+                  <a:schemeClr val="tx1"/>
+                </a:solidFill>
+              </a:rPr>
+              <a:t>ư</a:t>
+            </a:r>
+            <a:r>
+              <a:rPr lang="en-US" dirty="0" err="1">
+                <a:solidFill>
+                  <a:schemeClr val="tx1"/>
+                </a:solidFill>
+              </a:rPr>
+              <a:t>ờng</a:t>
+            </a:r>
+            <a:r>
+              <a:rPr lang="en-US" dirty="0">
+                <a:solidFill>
+                  <a:schemeClr val="tx1"/>
+                </a:solidFill>
+              </a:rPr>
+              <a:t> </a:t>
+            </a:r>
+            <a:r>
+              <a:rPr lang="en-US" dirty="0" err="1">
+                <a:solidFill>
+                  <a:schemeClr val="tx1"/>
+                </a:solidFill>
+              </a:rPr>
+              <a:t>hợp</a:t>
+            </a:r>
+            <a:r>
+              <a:rPr lang="en-US" dirty="0">
+                <a:solidFill>
+                  <a:schemeClr val="tx1"/>
+                </a:solidFill>
+              </a:rPr>
+              <a:t> </a:t>
+            </a:r>
+            <a:r>
+              <a:rPr lang="en-US" dirty="0" err="1">
+                <a:solidFill>
+                  <a:schemeClr val="tx1"/>
+                </a:solidFill>
+              </a:rPr>
+              <a:t>từ</a:t>
+            </a:r>
+            <a:r>
+              <a:rPr lang="en-US" dirty="0">
+                <a:solidFill>
+                  <a:schemeClr val="tx1"/>
+                </a:solidFill>
+              </a:rPr>
+              <a:t> </a:t>
+            </a:r>
+            <a:r>
+              <a:rPr lang="en-US" dirty="0" err="1">
+                <a:solidFill>
+                  <a:schemeClr val="tx1"/>
+                </a:solidFill>
+              </a:rPr>
+              <a:t>tố</a:t>
+            </a:r>
+            <a:r>
+              <a:rPr lang="en-US" dirty="0">
+                <a:solidFill>
+                  <a:schemeClr val="tx1"/>
+                </a:solidFill>
+              </a:rPr>
+              <a:t> </a:t>
+            </a:r>
+            <a:r>
+              <a:rPr lang="en-US" dirty="0" err="1">
+                <a:solidFill>
+                  <a:schemeClr val="tx1"/>
+                </a:solidFill>
+              </a:rPr>
+              <a:t>kiểm</a:t>
+            </a:r>
+            <a:r>
+              <a:rPr lang="en-US" dirty="0">
+                <a:solidFill>
+                  <a:schemeClr val="tx1"/>
+                </a:solidFill>
+              </a:rPr>
+              <a:t> </a:t>
+            </a:r>
+            <a:r>
+              <a:rPr lang="en-US" dirty="0" err="1">
+                <a:solidFill>
+                  <a:schemeClr val="tx1"/>
+                </a:solidFill>
+              </a:rPr>
+              <a:t>tra</a:t>
+            </a:r>
+            <a:r>
+              <a:rPr lang="en-US" dirty="0">
+                <a:solidFill>
+                  <a:schemeClr val="tx1"/>
+                </a:solidFill>
+              </a:rPr>
+              <a:t> </a:t>
+            </a:r>
+            <a:r>
+              <a:rPr lang="en-US" dirty="0" err="1">
+                <a:solidFill>
+                  <a:schemeClr val="tx1"/>
+                </a:solidFill>
+              </a:rPr>
+              <a:t>không</a:t>
+            </a:r>
+            <a:r>
+              <a:rPr lang="en-US" dirty="0">
+                <a:solidFill>
+                  <a:schemeClr val="tx1"/>
+                </a:solidFill>
+              </a:rPr>
+              <a:t> </a:t>
+            </a:r>
+            <a:r>
+              <a:rPr lang="en-US" dirty="0" err="1">
+                <a:solidFill>
+                  <a:schemeClr val="tx1"/>
+                </a:solidFill>
+              </a:rPr>
+              <a:t>là</a:t>
+            </a:r>
+            <a:r>
+              <a:rPr lang="en-US" dirty="0">
+                <a:solidFill>
+                  <a:schemeClr val="tx1"/>
+                </a:solidFill>
+              </a:rPr>
+              <a:t> </a:t>
+            </a:r>
+            <a:r>
+              <a:rPr lang="en-US" dirty="0" err="1">
+                <a:solidFill>
+                  <a:schemeClr val="tx1"/>
+                </a:solidFill>
+              </a:rPr>
+              <a:t>từ</a:t>
+            </a:r>
+            <a:r>
+              <a:rPr lang="en-US" dirty="0">
+                <a:solidFill>
+                  <a:schemeClr val="tx1"/>
+                </a:solidFill>
+              </a:rPr>
+              <a:t> </a:t>
+            </a:r>
+            <a:r>
+              <a:rPr lang="en-US" dirty="0" err="1">
+                <a:solidFill>
+                  <a:schemeClr val="tx1"/>
+                </a:solidFill>
+              </a:rPr>
+              <a:t>tố</a:t>
+            </a:r>
+            <a:r>
+              <a:rPr lang="en-US" dirty="0">
+                <a:solidFill>
+                  <a:schemeClr val="tx1"/>
+                </a:solidFill>
+              </a:rPr>
+              <a:t> </a:t>
+            </a:r>
+            <a:r>
+              <a:rPr lang="en-US" dirty="0" err="1">
+                <a:solidFill>
+                  <a:schemeClr val="tx1"/>
+                </a:solidFill>
+              </a:rPr>
+              <a:t>đầu</a:t>
+            </a:r>
+            <a:r>
+              <a:rPr lang="en-US" dirty="0">
+                <a:solidFill>
+                  <a:schemeClr val="tx1"/>
+                </a:solidFill>
+              </a:rPr>
+              <a:t> </a:t>
+            </a:r>
+            <a:r>
+              <a:rPr lang="en-US" dirty="0" err="1">
+                <a:solidFill>
+                  <a:schemeClr val="tx1"/>
+                </a:solidFill>
+              </a:rPr>
+              <a:t>tiên</a:t>
+            </a:r>
+            <a:r>
+              <a:rPr lang="en-US" dirty="0">
+                <a:solidFill>
+                  <a:schemeClr val="tx1"/>
+                </a:solidFill>
+              </a:rPr>
+              <a:t> </a:t>
+            </a:r>
+            <a:r>
+              <a:rPr lang="en-US" dirty="0" err="1">
+                <a:solidFill>
+                  <a:schemeClr val="tx1"/>
+                </a:solidFill>
+              </a:rPr>
+              <a:t>của</a:t>
+            </a:r>
+            <a:r>
+              <a:rPr lang="en-US" dirty="0">
+                <a:solidFill>
+                  <a:schemeClr val="tx1"/>
+                </a:solidFill>
+              </a:rPr>
+              <a:t> </a:t>
+            </a:r>
+            <a:r>
+              <a:rPr lang="en-US" dirty="0" err="1">
+                <a:solidFill>
+                  <a:schemeClr val="tx1"/>
+                </a:solidFill>
+              </a:rPr>
+              <a:t>nhánh</a:t>
+            </a:r>
+            <a:r>
+              <a:rPr lang="en-US" dirty="0">
+                <a:solidFill>
+                  <a:schemeClr val="tx1"/>
+                </a:solidFill>
+              </a:rPr>
+              <a:t> </a:t>
+            </a:r>
+            <a:r>
+              <a:rPr lang="en-US" dirty="0" err="1">
+                <a:solidFill>
+                  <a:schemeClr val="tx1"/>
+                </a:solidFill>
+              </a:rPr>
+              <a:t>nào</a:t>
+            </a:r>
+            <a:r>
+              <a:rPr lang="en-US" dirty="0">
+                <a:solidFill>
+                  <a:schemeClr val="tx1"/>
+                </a:solidFill>
+              </a:rPr>
+              <a:t>. </a:t>
+            </a:r>
+            <a:r>
+              <a:rPr lang="en-US" dirty="0" err="1">
+                <a:solidFill>
+                  <a:schemeClr val="tx1"/>
+                </a:solidFill>
+              </a:rPr>
+              <a:t>Chúng</a:t>
+            </a:r>
+            <a:r>
+              <a:rPr lang="en-US" dirty="0">
+                <a:solidFill>
+                  <a:schemeClr val="tx1"/>
+                </a:solidFill>
+              </a:rPr>
+              <a:t> ta </a:t>
+            </a:r>
+            <a:r>
+              <a:rPr lang="en-US" dirty="0" err="1">
+                <a:solidFill>
+                  <a:schemeClr val="tx1"/>
+                </a:solidFill>
+              </a:rPr>
+              <a:t>không</a:t>
+            </a:r>
+            <a:r>
+              <a:rPr lang="en-US" dirty="0">
+                <a:solidFill>
+                  <a:schemeClr val="tx1"/>
+                </a:solidFill>
+              </a:rPr>
+              <a:t> </a:t>
+            </a:r>
+            <a:r>
+              <a:rPr lang="en-US" dirty="0" err="1">
+                <a:solidFill>
+                  <a:schemeClr val="tx1"/>
+                </a:solidFill>
+              </a:rPr>
+              <a:t>thể</a:t>
+            </a:r>
+            <a:r>
+              <a:rPr lang="en-US" dirty="0">
+                <a:solidFill>
+                  <a:schemeClr val="tx1"/>
+                </a:solidFill>
+              </a:rPr>
+              <a:t> </a:t>
+            </a:r>
+            <a:r>
+              <a:rPr lang="en-US" dirty="0" err="1">
+                <a:solidFill>
+                  <a:schemeClr val="tx1"/>
+                </a:solidFill>
+              </a:rPr>
+              <a:t>kết</a:t>
+            </a:r>
+            <a:r>
+              <a:rPr lang="en-US" dirty="0">
+                <a:solidFill>
+                  <a:schemeClr val="tx1"/>
+                </a:solidFill>
+              </a:rPr>
+              <a:t> </a:t>
+            </a:r>
+            <a:r>
+              <a:rPr lang="en-US" dirty="0" err="1">
+                <a:solidFill>
+                  <a:schemeClr val="tx1"/>
+                </a:solidFill>
+              </a:rPr>
+              <a:t>luận</a:t>
+            </a:r>
+            <a:r>
+              <a:rPr lang="en-US" dirty="0">
+                <a:solidFill>
+                  <a:schemeClr val="tx1"/>
+                </a:solidFill>
+              </a:rPr>
+              <a:t> </a:t>
+            </a:r>
+            <a:r>
+              <a:rPr lang="en-US" dirty="0" err="1">
+                <a:solidFill>
+                  <a:schemeClr val="tx1"/>
+                </a:solidFill>
+              </a:rPr>
+              <a:t>ch</a:t>
+            </a:r>
+            <a:r>
+              <a:rPr lang="vi-VN" dirty="0">
+                <a:solidFill>
+                  <a:schemeClr val="tx1"/>
+                </a:solidFill>
+              </a:rPr>
+              <a:t>ư</a:t>
+            </a:r>
+            <a:r>
+              <a:rPr lang="en-US" dirty="0" err="1">
+                <a:solidFill>
+                  <a:schemeClr val="tx1"/>
+                </a:solidFill>
+              </a:rPr>
+              <a:t>ơng</a:t>
+            </a:r>
+            <a:r>
+              <a:rPr lang="en-US" dirty="0">
+                <a:solidFill>
+                  <a:schemeClr val="tx1"/>
+                </a:solidFill>
+              </a:rPr>
+              <a:t> </a:t>
+            </a:r>
+            <a:r>
+              <a:rPr lang="en-US" dirty="0" err="1">
+                <a:solidFill>
+                  <a:schemeClr val="tx1"/>
+                </a:solidFill>
+              </a:rPr>
+              <a:t>trình</a:t>
+            </a:r>
+            <a:r>
+              <a:rPr lang="en-US" dirty="0">
+                <a:solidFill>
+                  <a:schemeClr val="tx1"/>
+                </a:solidFill>
+              </a:rPr>
+              <a:t> </a:t>
+            </a:r>
+            <a:r>
+              <a:rPr lang="en-US" dirty="0" err="1">
+                <a:solidFill>
+                  <a:schemeClr val="tx1"/>
+                </a:solidFill>
+              </a:rPr>
+              <a:t>sai</a:t>
+            </a:r>
+            <a:r>
+              <a:rPr lang="en-US" dirty="0">
+                <a:solidFill>
+                  <a:schemeClr val="tx1"/>
+                </a:solidFill>
+              </a:rPr>
+              <a:t> </a:t>
+            </a:r>
+            <a:r>
+              <a:rPr lang="en-US" dirty="0" err="1">
+                <a:solidFill>
+                  <a:schemeClr val="tx1"/>
+                </a:solidFill>
+              </a:rPr>
+              <a:t>cú</a:t>
+            </a:r>
+            <a:r>
+              <a:rPr lang="en-US" dirty="0">
+                <a:solidFill>
+                  <a:schemeClr val="tx1"/>
+                </a:solidFill>
+              </a:rPr>
+              <a:t> </a:t>
+            </a:r>
+            <a:r>
+              <a:rPr lang="en-US" dirty="0" err="1">
+                <a:solidFill>
+                  <a:schemeClr val="tx1"/>
+                </a:solidFill>
+              </a:rPr>
+              <a:t>pháp</a:t>
+            </a:r>
+            <a:r>
+              <a:rPr lang="en-US" dirty="0">
+                <a:solidFill>
+                  <a:schemeClr val="tx1"/>
+                </a:solidFill>
+              </a:rPr>
+              <a:t>.</a:t>
+            </a:r>
+          </a:p>
+          <a:p>
+            <a:r>
+              <a:rPr lang="en-US" dirty="0" err="1">
+                <a:solidFill>
+                  <a:schemeClr val="tx1"/>
+                </a:solidFill>
+              </a:rPr>
+              <a:t>Vì</a:t>
+            </a:r>
+            <a:r>
+              <a:rPr lang="en-US" dirty="0">
+                <a:solidFill>
+                  <a:schemeClr val="tx1"/>
+                </a:solidFill>
+              </a:rPr>
+              <a:t> </a:t>
+            </a:r>
+            <a:r>
+              <a:rPr lang="en-US" dirty="0" err="1">
+                <a:solidFill>
+                  <a:schemeClr val="tx1"/>
+                </a:solidFill>
+              </a:rPr>
+              <a:t>các</a:t>
+            </a:r>
+            <a:r>
+              <a:rPr lang="en-US" dirty="0">
+                <a:solidFill>
+                  <a:schemeClr val="tx1"/>
+                </a:solidFill>
+              </a:rPr>
+              <a:t> </a:t>
+            </a:r>
+            <a:r>
+              <a:rPr lang="en-US" dirty="0" err="1">
+                <a:solidFill>
+                  <a:schemeClr val="tx1"/>
+                </a:solidFill>
+              </a:rPr>
+              <a:t>hàm</a:t>
+            </a:r>
+            <a:r>
+              <a:rPr lang="en-US" dirty="0">
+                <a:solidFill>
+                  <a:schemeClr val="tx1"/>
+                </a:solidFill>
+              </a:rPr>
+              <a:t> </a:t>
+            </a:r>
+            <a:r>
+              <a:rPr lang="en-US" dirty="0" err="1">
+                <a:solidFill>
+                  <a:schemeClr val="tx1"/>
+                </a:solidFill>
+              </a:rPr>
+              <a:t>đó</a:t>
+            </a:r>
+            <a:r>
+              <a:rPr lang="en-US" dirty="0">
+                <a:solidFill>
+                  <a:schemeClr val="tx1"/>
+                </a:solidFill>
+              </a:rPr>
+              <a:t> </a:t>
+            </a:r>
+            <a:r>
+              <a:rPr lang="en-US" dirty="0" err="1">
+                <a:solidFill>
+                  <a:schemeClr val="tx1"/>
+                </a:solidFill>
+              </a:rPr>
+              <a:t>có</a:t>
+            </a:r>
+            <a:r>
+              <a:rPr lang="en-US" dirty="0">
+                <a:solidFill>
+                  <a:schemeClr val="tx1"/>
+                </a:solidFill>
+              </a:rPr>
+              <a:t> </a:t>
+            </a:r>
+            <a:r>
+              <a:rPr lang="en-US" dirty="0" err="1">
+                <a:solidFill>
+                  <a:schemeClr val="tx1"/>
+                </a:solidFill>
+              </a:rPr>
+              <a:t>thể</a:t>
+            </a:r>
+            <a:r>
+              <a:rPr lang="en-US" dirty="0">
+                <a:solidFill>
+                  <a:schemeClr val="tx1"/>
+                </a:solidFill>
+              </a:rPr>
+              <a:t> </a:t>
+            </a:r>
+            <a:r>
+              <a:rPr lang="en-US" dirty="0" err="1">
+                <a:solidFill>
+                  <a:schemeClr val="tx1"/>
+                </a:solidFill>
+              </a:rPr>
+              <a:t>là</a:t>
+            </a:r>
+            <a:r>
+              <a:rPr lang="en-US" dirty="0">
+                <a:solidFill>
+                  <a:schemeClr val="tx1"/>
+                </a:solidFill>
+              </a:rPr>
+              <a:t> </a:t>
+            </a:r>
+            <a:r>
+              <a:rPr lang="en-US" dirty="0" err="1">
+                <a:solidFill>
+                  <a:schemeClr val="tx1"/>
+                </a:solidFill>
+              </a:rPr>
+              <a:t>rỗng</a:t>
+            </a:r>
+            <a:r>
+              <a:rPr lang="en-US" dirty="0">
+                <a:solidFill>
+                  <a:schemeClr val="tx1"/>
+                </a:solidFill>
+              </a:rPr>
+              <a:t>. Ta </a:t>
+            </a:r>
+            <a:r>
+              <a:rPr lang="en-US" dirty="0" err="1">
+                <a:solidFill>
+                  <a:schemeClr val="tx1"/>
+                </a:solidFill>
+              </a:rPr>
+              <a:t>cần</a:t>
+            </a:r>
+            <a:r>
+              <a:rPr lang="en-US" dirty="0">
+                <a:solidFill>
+                  <a:schemeClr val="tx1"/>
+                </a:solidFill>
+              </a:rPr>
+              <a:t> </a:t>
+            </a:r>
+            <a:r>
+              <a:rPr lang="en-US" dirty="0" err="1">
+                <a:solidFill>
+                  <a:schemeClr val="tx1"/>
+                </a:solidFill>
+              </a:rPr>
+              <a:t>xét</a:t>
+            </a:r>
+            <a:r>
+              <a:rPr lang="en-US" dirty="0">
+                <a:solidFill>
+                  <a:schemeClr val="tx1"/>
+                </a:solidFill>
+              </a:rPr>
+              <a:t> </a:t>
+            </a:r>
+            <a:r>
+              <a:rPr lang="en-US" dirty="0" err="1">
+                <a:solidFill>
+                  <a:schemeClr val="tx1"/>
+                </a:solidFill>
+              </a:rPr>
+              <a:t>các</a:t>
+            </a:r>
+            <a:r>
+              <a:rPr lang="en-US" dirty="0">
+                <a:solidFill>
+                  <a:schemeClr val="tx1"/>
+                </a:solidFill>
+              </a:rPr>
+              <a:t> Follow </a:t>
+            </a:r>
+            <a:r>
+              <a:rPr lang="en-US" dirty="0" err="1">
+                <a:solidFill>
+                  <a:schemeClr val="tx1"/>
+                </a:solidFill>
+              </a:rPr>
+              <a:t>của</a:t>
+            </a:r>
+            <a:r>
+              <a:rPr lang="en-US" dirty="0">
+                <a:solidFill>
+                  <a:schemeClr val="tx1"/>
+                </a:solidFill>
+              </a:rPr>
+              <a:t> </a:t>
+            </a:r>
+            <a:r>
+              <a:rPr lang="en-US" dirty="0" err="1">
+                <a:solidFill>
+                  <a:schemeClr val="tx1"/>
+                </a:solidFill>
+              </a:rPr>
+              <a:t>hàm</a:t>
+            </a:r>
+            <a:r>
+              <a:rPr lang="en-US" dirty="0">
+                <a:solidFill>
+                  <a:schemeClr val="tx1"/>
+                </a:solidFill>
+              </a:rPr>
+              <a:t> </a:t>
+            </a:r>
+            <a:r>
+              <a:rPr lang="en-US" dirty="0" err="1">
+                <a:solidFill>
+                  <a:schemeClr val="tx1"/>
+                </a:solidFill>
+              </a:rPr>
+              <a:t>đó</a:t>
+            </a:r>
+            <a:r>
+              <a:rPr lang="en-US" dirty="0">
+                <a:solidFill>
+                  <a:schemeClr val="tx1"/>
+                </a:solidFill>
+              </a:rPr>
+              <a:t>. </a:t>
+            </a:r>
+            <a:r>
+              <a:rPr lang="en-US" dirty="0" err="1">
+                <a:solidFill>
+                  <a:schemeClr val="tx1"/>
+                </a:solidFill>
+              </a:rPr>
+              <a:t>Nếu</a:t>
+            </a:r>
+            <a:r>
+              <a:rPr lang="en-US" dirty="0">
+                <a:solidFill>
+                  <a:schemeClr val="tx1"/>
+                </a:solidFill>
+              </a:rPr>
+              <a:t> </a:t>
+            </a:r>
+            <a:r>
+              <a:rPr lang="en-US" dirty="0" err="1">
+                <a:solidFill>
+                  <a:schemeClr val="tx1"/>
+                </a:solidFill>
+              </a:rPr>
+              <a:t>từ</a:t>
+            </a:r>
+            <a:r>
+              <a:rPr lang="en-US" dirty="0">
+                <a:solidFill>
+                  <a:schemeClr val="tx1"/>
+                </a:solidFill>
+              </a:rPr>
+              <a:t> </a:t>
+            </a:r>
+            <a:r>
+              <a:rPr lang="en-US" dirty="0" err="1">
+                <a:solidFill>
+                  <a:schemeClr val="tx1"/>
+                </a:solidFill>
+              </a:rPr>
+              <a:t>tố</a:t>
+            </a:r>
+            <a:r>
+              <a:rPr lang="en-US" dirty="0">
+                <a:solidFill>
+                  <a:schemeClr val="tx1"/>
+                </a:solidFill>
+              </a:rPr>
+              <a:t> </a:t>
+            </a:r>
+            <a:r>
+              <a:rPr lang="en-US" dirty="0" err="1">
+                <a:solidFill>
+                  <a:schemeClr val="tx1"/>
+                </a:solidFill>
+              </a:rPr>
+              <a:t>kiểm</a:t>
+            </a:r>
+            <a:r>
+              <a:rPr lang="en-US" dirty="0">
+                <a:solidFill>
+                  <a:schemeClr val="tx1"/>
+                </a:solidFill>
+              </a:rPr>
+              <a:t> </a:t>
+            </a:r>
+            <a:r>
+              <a:rPr lang="en-US" dirty="0" err="1">
+                <a:solidFill>
+                  <a:schemeClr val="tx1"/>
+                </a:solidFill>
+              </a:rPr>
+              <a:t>tra</a:t>
+            </a:r>
+            <a:r>
+              <a:rPr lang="en-US" dirty="0">
+                <a:solidFill>
+                  <a:schemeClr val="tx1"/>
+                </a:solidFill>
+              </a:rPr>
+              <a:t> </a:t>
+            </a:r>
+            <a:r>
+              <a:rPr lang="en-US" dirty="0" err="1">
+                <a:solidFill>
+                  <a:schemeClr val="tx1"/>
+                </a:solidFill>
+              </a:rPr>
+              <a:t>là</a:t>
+            </a:r>
+            <a:r>
+              <a:rPr lang="en-US" dirty="0">
+                <a:solidFill>
+                  <a:schemeClr val="tx1"/>
+                </a:solidFill>
+              </a:rPr>
+              <a:t> </a:t>
+            </a:r>
+            <a:r>
+              <a:rPr lang="en-US" dirty="0" err="1">
+                <a:solidFill>
+                  <a:schemeClr val="tx1"/>
+                </a:solidFill>
+              </a:rPr>
+              <a:t>từ</a:t>
+            </a:r>
+            <a:r>
+              <a:rPr lang="en-US" dirty="0">
+                <a:solidFill>
+                  <a:schemeClr val="tx1"/>
+                </a:solidFill>
+              </a:rPr>
+              <a:t> </a:t>
+            </a:r>
+            <a:r>
+              <a:rPr lang="en-US" dirty="0" err="1">
+                <a:solidFill>
+                  <a:schemeClr val="tx1"/>
+                </a:solidFill>
+              </a:rPr>
+              <a:t>tố</a:t>
+            </a:r>
+            <a:r>
+              <a:rPr lang="en-US" dirty="0">
+                <a:solidFill>
+                  <a:schemeClr val="tx1"/>
+                </a:solidFill>
+              </a:rPr>
+              <a:t> Follow </a:t>
+            </a:r>
+            <a:r>
+              <a:rPr lang="en-US" dirty="0" err="1">
+                <a:solidFill>
+                  <a:schemeClr val="tx1"/>
+                </a:solidFill>
+              </a:rPr>
+              <a:t>của</a:t>
+            </a:r>
+            <a:r>
+              <a:rPr lang="en-US" dirty="0">
+                <a:solidFill>
+                  <a:schemeClr val="tx1"/>
+                </a:solidFill>
+              </a:rPr>
+              <a:t> </a:t>
+            </a:r>
+            <a:r>
+              <a:rPr lang="en-US" dirty="0" err="1">
+                <a:solidFill>
+                  <a:schemeClr val="tx1"/>
+                </a:solidFill>
+              </a:rPr>
+              <a:t>hàm</a:t>
+            </a:r>
+            <a:r>
+              <a:rPr lang="en-US" dirty="0">
+                <a:solidFill>
+                  <a:schemeClr val="tx1"/>
+                </a:solidFill>
+              </a:rPr>
+              <a:t> </a:t>
+            </a:r>
+            <a:r>
+              <a:rPr lang="en-US" dirty="0" err="1">
+                <a:solidFill>
+                  <a:schemeClr val="tx1"/>
+                </a:solidFill>
+              </a:rPr>
+              <a:t>đó</a:t>
+            </a:r>
+            <a:r>
+              <a:rPr lang="en-US" dirty="0">
+                <a:solidFill>
+                  <a:schemeClr val="tx1"/>
+                </a:solidFill>
+              </a:rPr>
+              <a:t> </a:t>
+            </a:r>
+            <a:r>
+              <a:rPr lang="en-US" dirty="0" err="1">
+                <a:solidFill>
+                  <a:schemeClr val="tx1"/>
+                </a:solidFill>
+              </a:rPr>
+              <a:t>thì</a:t>
+            </a:r>
+            <a:r>
+              <a:rPr lang="en-US" dirty="0">
+                <a:solidFill>
+                  <a:schemeClr val="tx1"/>
+                </a:solidFill>
+              </a:rPr>
+              <a:t> </a:t>
+            </a:r>
+            <a:r>
+              <a:rPr lang="en-US" dirty="0" err="1">
+                <a:solidFill>
+                  <a:schemeClr val="tx1"/>
+                </a:solidFill>
+              </a:rPr>
+              <a:t>ch</a:t>
+            </a:r>
+            <a:r>
+              <a:rPr lang="vi-VN" dirty="0">
+                <a:solidFill>
+                  <a:schemeClr val="tx1"/>
+                </a:solidFill>
+              </a:rPr>
+              <a:t>ư</a:t>
+            </a:r>
+            <a:r>
+              <a:rPr lang="en-US" dirty="0" err="1">
+                <a:solidFill>
+                  <a:schemeClr val="tx1"/>
+                </a:solidFill>
+              </a:rPr>
+              <a:t>ơng</a:t>
+            </a:r>
+            <a:r>
+              <a:rPr lang="en-US" dirty="0">
+                <a:solidFill>
+                  <a:schemeClr val="tx1"/>
+                </a:solidFill>
+              </a:rPr>
+              <a:t> </a:t>
+            </a:r>
+            <a:r>
+              <a:rPr lang="en-US" dirty="0" err="1">
+                <a:solidFill>
+                  <a:schemeClr val="tx1"/>
+                </a:solidFill>
+              </a:rPr>
+              <a:t>trình</a:t>
+            </a:r>
+            <a:r>
+              <a:rPr lang="en-US" dirty="0">
+                <a:solidFill>
+                  <a:schemeClr val="tx1"/>
+                </a:solidFill>
+              </a:rPr>
+              <a:t> </a:t>
+            </a:r>
+            <a:r>
+              <a:rPr lang="en-US" dirty="0" err="1">
+                <a:solidFill>
+                  <a:schemeClr val="tx1"/>
+                </a:solidFill>
+              </a:rPr>
+              <a:t>vẫn</a:t>
+            </a:r>
+            <a:r>
+              <a:rPr lang="en-US" dirty="0">
+                <a:solidFill>
+                  <a:schemeClr val="tx1"/>
+                </a:solidFill>
+              </a:rPr>
+              <a:t> </a:t>
+            </a:r>
+            <a:r>
+              <a:rPr lang="en-US" dirty="0" err="1">
+                <a:solidFill>
+                  <a:schemeClr val="tx1"/>
+                </a:solidFill>
+              </a:rPr>
+              <a:t>đúng</a:t>
+            </a:r>
+            <a:r>
+              <a:rPr lang="en-US" dirty="0">
+                <a:solidFill>
+                  <a:schemeClr val="tx1"/>
+                </a:solidFill>
+              </a:rPr>
+              <a:t> </a:t>
+            </a:r>
+            <a:r>
+              <a:rPr lang="en-US" dirty="0" err="1">
+                <a:solidFill>
+                  <a:schemeClr val="tx1"/>
+                </a:solidFill>
+              </a:rPr>
+              <a:t>cú</a:t>
+            </a:r>
+            <a:r>
+              <a:rPr lang="en-US" dirty="0">
+                <a:solidFill>
+                  <a:schemeClr val="tx1"/>
+                </a:solidFill>
+              </a:rPr>
+              <a:t> </a:t>
+            </a:r>
+            <a:r>
+              <a:rPr lang="en-US" dirty="0" err="1">
+                <a:solidFill>
+                  <a:schemeClr val="tx1"/>
+                </a:solidFill>
+              </a:rPr>
+              <a:t>pháp</a:t>
+            </a:r>
+            <a:r>
+              <a:rPr lang="en-US" dirty="0">
+                <a:solidFill>
+                  <a:schemeClr val="tx1"/>
+                </a:solidFill>
+              </a:rPr>
+              <a:t>.</a:t>
+            </a:r>
+          </a:p>
+        </p:txBody>
+      </p:sp>
+      <p:graphicFrame>
+        <p:nvGraphicFramePr>
+          <p:cNvPr id="3" name="Table 2">
+            <a:extLst>
+              <a:ext uri="{FF2B5EF4-FFF2-40B4-BE49-F238E27FC236}">
+                <a16:creationId xmlns:a16="http://schemas.microsoft.com/office/drawing/2014/main" id="{83153595-19DE-48AA-8ADD-EFE622709FF7}"/>
+              </a:ext>
+            </a:extLst>
+          </p:cNvPr>
+          <p:cNvGraphicFramePr>
+            <a:graphicFrameLocks noGrp="1"/>
+          </p:cNvGraphicFramePr>
+          <p:nvPr>
+            <p:extLst/>
+          </p:nvPr>
+        </p:nvGraphicFramePr>
+        <p:xfrm>
+          <a:off x="4367814" y="1346200"/>
+          <a:ext cx="4083728" cy="2248810"/>
+        </p:xfrm>
+        <a:graphic>
+          <a:graphicData uri="http://schemas.openxmlformats.org/drawingml/2006/table">
+            <a:tbl>
+              <a:tblPr firstRow="1" firstCol="1" bandRow="1">
+                <a:tableStyleId>{5C22544A-7EE6-4342-B048-85BDC9FD1C3A}</a:tableStyleId>
+              </a:tblPr>
+              <a:tblGrid>
+                <a:gridCol w="2041864">
+                  <a:extLst>
+                    <a:ext uri="{9D8B030D-6E8A-4147-A177-3AD203B41FA5}">
+                      <a16:colId xmlns:a16="http://schemas.microsoft.com/office/drawing/2014/main" val="837531061"/>
+                    </a:ext>
+                  </a:extLst>
+                </a:gridCol>
+                <a:gridCol w="2041864">
+                  <a:extLst>
+                    <a:ext uri="{9D8B030D-6E8A-4147-A177-3AD203B41FA5}">
+                      <a16:colId xmlns:a16="http://schemas.microsoft.com/office/drawing/2014/main" val="699040959"/>
+                    </a:ext>
+                  </a:extLst>
+                </a:gridCol>
+              </a:tblGrid>
+              <a:tr h="221800">
+                <a:tc>
+                  <a:txBody>
+                    <a:bodyPr/>
+                    <a:lstStyle/>
+                    <a:p>
+                      <a:pPr marL="0" marR="0">
+                        <a:lnSpc>
+                          <a:spcPct val="107000"/>
+                        </a:lnSpc>
+                        <a:spcBef>
+                          <a:spcPts val="0"/>
+                        </a:spcBef>
+                        <a:spcAft>
+                          <a:spcPts val="0"/>
+                        </a:spcAft>
+                      </a:pPr>
+                      <a:r>
+                        <a:rPr lang="en-US" sz="1100">
+                          <a:effectLst/>
+                        </a:rPr>
+                        <a:t>A</a:t>
+                      </a:r>
+                      <a:endParaRPr lang="en-US" sz="1100">
+                        <a:effectLst/>
+                        <a:latin typeface="Calibri" panose="020F0502020204030204" pitchFamily="34" charset="0"/>
+                        <a:ea typeface="Times New Roman" panose="02020603050405020304" pitchFamily="18" charset="0"/>
+                        <a:cs typeface="Times New Roman" panose="02020603050405020304" pitchFamily="18" charset="0"/>
+                      </a:endParaRPr>
+                    </a:p>
+                  </a:txBody>
+                  <a:tcPr marL="68580" marR="68580" marT="0" marB="0"/>
+                </a:tc>
+                <a:tc>
+                  <a:txBody>
+                    <a:bodyPr/>
+                    <a:lstStyle/>
+                    <a:p>
+                      <a:pPr marL="0" marR="0">
+                        <a:lnSpc>
+                          <a:spcPct val="107000"/>
+                        </a:lnSpc>
+                        <a:spcBef>
+                          <a:spcPts val="0"/>
+                        </a:spcBef>
+                        <a:spcAft>
+                          <a:spcPts val="0"/>
+                        </a:spcAft>
+                      </a:pPr>
+                      <a:r>
+                        <a:rPr lang="en-US" sz="1100">
+                          <a:effectLst/>
+                        </a:rPr>
+                        <a:t>Follow(A)</a:t>
+                      </a:r>
+                      <a:endParaRPr lang="en-US" sz="1100">
+                        <a:effectLst/>
+                        <a:latin typeface="Calibri" panose="020F0502020204030204" pitchFamily="34" charset="0"/>
+                        <a:ea typeface="Times New Roman" panose="02020603050405020304" pitchFamily="18" charset="0"/>
+                        <a:cs typeface="Times New Roman" panose="02020603050405020304" pitchFamily="18" charset="0"/>
+                      </a:endParaRPr>
+                    </a:p>
+                  </a:txBody>
+                  <a:tcPr marL="68580" marR="68580" marT="0" marB="0"/>
+                </a:tc>
+                <a:extLst>
+                  <a:ext uri="{0D108BD9-81ED-4DB2-BD59-A6C34878D82A}">
+                    <a16:rowId xmlns:a16="http://schemas.microsoft.com/office/drawing/2014/main" val="245940028"/>
+                  </a:ext>
+                </a:extLst>
+              </a:tr>
+              <a:tr h="221800">
+                <a:tc>
+                  <a:txBody>
+                    <a:bodyPr/>
+                    <a:lstStyle/>
+                    <a:p>
+                      <a:pPr marL="0" marR="0">
+                        <a:lnSpc>
+                          <a:spcPct val="107000"/>
+                        </a:lnSpc>
+                        <a:spcBef>
+                          <a:spcPts val="0"/>
+                        </a:spcBef>
+                        <a:spcAft>
+                          <a:spcPts val="0"/>
+                        </a:spcAft>
+                      </a:pPr>
+                      <a:r>
+                        <a:rPr lang="en-US" sz="1100">
+                          <a:effectLst/>
+                        </a:rPr>
+                        <a:t>Statement</a:t>
+                      </a:r>
+                      <a:endParaRPr lang="en-US" sz="1100">
+                        <a:effectLst/>
+                        <a:latin typeface="Calibri" panose="020F0502020204030204" pitchFamily="34" charset="0"/>
+                        <a:ea typeface="Times New Roman" panose="02020603050405020304" pitchFamily="18" charset="0"/>
+                        <a:cs typeface="Times New Roman" panose="02020603050405020304" pitchFamily="18" charset="0"/>
+                      </a:endParaRPr>
+                    </a:p>
+                  </a:txBody>
+                  <a:tcPr marL="68580" marR="68580" marT="0" marB="0"/>
+                </a:tc>
+                <a:tc>
+                  <a:txBody>
+                    <a:bodyPr/>
+                    <a:lstStyle/>
+                    <a:p>
+                      <a:pPr marL="0" marR="0">
+                        <a:lnSpc>
+                          <a:spcPct val="107000"/>
+                        </a:lnSpc>
+                        <a:spcBef>
+                          <a:spcPts val="0"/>
+                        </a:spcBef>
+                        <a:spcAft>
+                          <a:spcPts val="0"/>
+                        </a:spcAft>
+                      </a:pPr>
+                      <a:r>
+                        <a:rPr lang="en-US" sz="1100">
+                          <a:effectLst/>
+                        </a:rPr>
+                        <a:t>;  END  ELSE</a:t>
+                      </a:r>
+                      <a:endParaRPr lang="en-US" sz="1100">
+                        <a:effectLst/>
+                        <a:latin typeface="Calibri" panose="020F0502020204030204" pitchFamily="34" charset="0"/>
+                        <a:ea typeface="Times New Roman" panose="02020603050405020304" pitchFamily="18" charset="0"/>
+                        <a:cs typeface="Times New Roman" panose="02020603050405020304" pitchFamily="18" charset="0"/>
+                      </a:endParaRPr>
+                    </a:p>
+                  </a:txBody>
+                  <a:tcPr marL="68580" marR="68580" marT="0" marB="0"/>
+                </a:tc>
+                <a:extLst>
+                  <a:ext uri="{0D108BD9-81ED-4DB2-BD59-A6C34878D82A}">
+                    <a16:rowId xmlns:a16="http://schemas.microsoft.com/office/drawing/2014/main" val="1713444634"/>
+                  </a:ext>
+                </a:extLst>
+              </a:tr>
+              <a:tr h="221800">
+                <a:tc>
+                  <a:txBody>
+                    <a:bodyPr/>
+                    <a:lstStyle/>
+                    <a:p>
+                      <a:pPr marL="0" marR="0">
+                        <a:lnSpc>
+                          <a:spcPct val="107000"/>
+                        </a:lnSpc>
+                        <a:spcBef>
+                          <a:spcPts val="0"/>
+                        </a:spcBef>
+                        <a:spcAft>
+                          <a:spcPts val="0"/>
+                        </a:spcAft>
+                      </a:pPr>
+                      <a:r>
+                        <a:rPr lang="en-US" sz="1100">
+                          <a:effectLst/>
+                        </a:rPr>
+                        <a:t>Statement2</a:t>
+                      </a:r>
+                      <a:endParaRPr lang="en-US" sz="1100">
+                        <a:effectLst/>
+                        <a:latin typeface="Calibri" panose="020F0502020204030204" pitchFamily="34" charset="0"/>
+                        <a:ea typeface="Times New Roman" panose="02020603050405020304" pitchFamily="18" charset="0"/>
+                        <a:cs typeface="Times New Roman" panose="02020603050405020304" pitchFamily="18" charset="0"/>
+                      </a:endParaRPr>
+                    </a:p>
+                  </a:txBody>
+                  <a:tcPr marL="68580" marR="68580" marT="0" marB="0"/>
+                </a:tc>
+                <a:tc>
+                  <a:txBody>
+                    <a:bodyPr/>
+                    <a:lstStyle/>
+                    <a:p>
+                      <a:pPr marL="0" marR="0">
+                        <a:lnSpc>
+                          <a:spcPct val="107000"/>
+                        </a:lnSpc>
+                        <a:spcBef>
+                          <a:spcPts val="0"/>
+                        </a:spcBef>
+                        <a:spcAft>
+                          <a:spcPts val="0"/>
+                        </a:spcAft>
+                      </a:pPr>
+                      <a:r>
+                        <a:rPr lang="en-US" sz="1100">
+                          <a:effectLst/>
+                        </a:rPr>
+                        <a:t>END</a:t>
+                      </a:r>
+                      <a:endParaRPr lang="en-US" sz="1100">
+                        <a:effectLst/>
+                        <a:latin typeface="Calibri" panose="020F0502020204030204" pitchFamily="34" charset="0"/>
+                        <a:ea typeface="Times New Roman" panose="02020603050405020304" pitchFamily="18" charset="0"/>
+                        <a:cs typeface="Times New Roman" panose="02020603050405020304" pitchFamily="18" charset="0"/>
+                      </a:endParaRPr>
+                    </a:p>
+                  </a:txBody>
+                  <a:tcPr marL="68580" marR="68580" marT="0" marB="0"/>
+                </a:tc>
+                <a:extLst>
+                  <a:ext uri="{0D108BD9-81ED-4DB2-BD59-A6C34878D82A}">
+                    <a16:rowId xmlns:a16="http://schemas.microsoft.com/office/drawing/2014/main" val="3577871903"/>
+                  </a:ext>
+                </a:extLst>
+              </a:tr>
+              <a:tr h="453870">
+                <a:tc>
+                  <a:txBody>
+                    <a:bodyPr/>
+                    <a:lstStyle/>
+                    <a:p>
+                      <a:pPr marL="0" marR="0">
+                        <a:lnSpc>
+                          <a:spcPct val="107000"/>
+                        </a:lnSpc>
+                        <a:spcBef>
+                          <a:spcPts val="0"/>
+                        </a:spcBef>
+                        <a:spcAft>
+                          <a:spcPts val="0"/>
+                        </a:spcAft>
+                      </a:pPr>
+                      <a:r>
+                        <a:rPr lang="en-US" sz="1100">
+                          <a:effectLst/>
+                        </a:rPr>
+                        <a:t>Term2</a:t>
+                      </a:r>
+                      <a:endParaRPr lang="en-US" sz="1100">
+                        <a:effectLst/>
+                        <a:latin typeface="Calibri" panose="020F0502020204030204" pitchFamily="34" charset="0"/>
+                        <a:ea typeface="Times New Roman" panose="02020603050405020304" pitchFamily="18" charset="0"/>
+                        <a:cs typeface="Times New Roman" panose="02020603050405020304" pitchFamily="18" charset="0"/>
+                      </a:endParaRPr>
+                    </a:p>
+                  </a:txBody>
+                  <a:tcPr marL="68580" marR="68580" marT="0" marB="0"/>
+                </a:tc>
+                <a:tc>
+                  <a:txBody>
+                    <a:bodyPr/>
+                    <a:lstStyle/>
+                    <a:p>
+                      <a:pPr marL="0" marR="0">
+                        <a:lnSpc>
+                          <a:spcPct val="107000"/>
+                        </a:lnSpc>
+                        <a:spcBef>
+                          <a:spcPts val="0"/>
+                        </a:spcBef>
+                        <a:spcAft>
+                          <a:spcPts val="0"/>
+                        </a:spcAft>
+                      </a:pPr>
+                      <a:r>
+                        <a:rPr lang="en-US" sz="1100">
+                          <a:effectLst/>
+                        </a:rPr>
+                        <a:t>; END TO THEN DO ) - + &lt; &lt;= &gt; &gt;= = !=  ]</a:t>
+                      </a:r>
+                      <a:endParaRPr lang="en-US" sz="1100">
+                        <a:effectLst/>
+                        <a:latin typeface="Calibri" panose="020F0502020204030204" pitchFamily="34" charset="0"/>
+                        <a:ea typeface="Times New Roman" panose="02020603050405020304" pitchFamily="18" charset="0"/>
+                        <a:cs typeface="Times New Roman" panose="02020603050405020304" pitchFamily="18" charset="0"/>
+                      </a:endParaRPr>
+                    </a:p>
+                  </a:txBody>
+                  <a:tcPr marL="68580" marR="68580" marT="0" marB="0"/>
+                </a:tc>
+                <a:extLst>
+                  <a:ext uri="{0D108BD9-81ED-4DB2-BD59-A6C34878D82A}">
+                    <a16:rowId xmlns:a16="http://schemas.microsoft.com/office/drawing/2014/main" val="2577431294"/>
+                  </a:ext>
+                </a:extLst>
+              </a:tr>
+              <a:tr h="453870">
+                <a:tc>
+                  <a:txBody>
+                    <a:bodyPr/>
+                    <a:lstStyle/>
+                    <a:p>
+                      <a:pPr marL="0" marR="0">
+                        <a:lnSpc>
+                          <a:spcPct val="107000"/>
+                        </a:lnSpc>
+                        <a:spcBef>
+                          <a:spcPts val="0"/>
+                        </a:spcBef>
+                        <a:spcAft>
+                          <a:spcPts val="0"/>
+                        </a:spcAft>
+                      </a:pPr>
+                      <a:r>
+                        <a:rPr lang="en-US" sz="1100">
+                          <a:effectLst/>
+                        </a:rPr>
+                        <a:t>Expression3</a:t>
+                      </a:r>
+                      <a:endParaRPr lang="en-US" sz="1100">
+                        <a:effectLst/>
+                        <a:latin typeface="Calibri" panose="020F0502020204030204" pitchFamily="34" charset="0"/>
+                        <a:ea typeface="Times New Roman" panose="02020603050405020304" pitchFamily="18" charset="0"/>
+                        <a:cs typeface="Times New Roman" panose="02020603050405020304" pitchFamily="18" charset="0"/>
+                      </a:endParaRPr>
+                    </a:p>
+                  </a:txBody>
+                  <a:tcPr marL="68580" marR="68580" marT="0" marB="0"/>
+                </a:tc>
+                <a:tc>
+                  <a:txBody>
+                    <a:bodyPr/>
+                    <a:lstStyle/>
+                    <a:p>
+                      <a:pPr marL="0" marR="0">
+                        <a:lnSpc>
+                          <a:spcPct val="107000"/>
+                        </a:lnSpc>
+                        <a:spcBef>
+                          <a:spcPts val="0"/>
+                        </a:spcBef>
+                        <a:spcAft>
+                          <a:spcPts val="0"/>
+                        </a:spcAft>
+                      </a:pPr>
+                      <a:r>
+                        <a:rPr lang="en-US" sz="1100" dirty="0">
+                          <a:effectLst/>
+                        </a:rPr>
+                        <a:t>;  END TO THEN DO ) -  ] &lt; &lt;= &gt; &gt;= = !=</a:t>
+                      </a:r>
+                      <a:endParaRPr lang="en-US" sz="1100" dirty="0">
+                        <a:effectLst/>
+                        <a:latin typeface="Calibri" panose="020F0502020204030204" pitchFamily="34" charset="0"/>
+                        <a:ea typeface="Times New Roman" panose="02020603050405020304" pitchFamily="18" charset="0"/>
+                        <a:cs typeface="Times New Roman" panose="02020603050405020304" pitchFamily="18" charset="0"/>
+                      </a:endParaRPr>
+                    </a:p>
+                  </a:txBody>
+                  <a:tcPr marL="68580" marR="68580" marT="0" marB="0"/>
+                </a:tc>
+                <a:extLst>
+                  <a:ext uri="{0D108BD9-81ED-4DB2-BD59-A6C34878D82A}">
+                    <a16:rowId xmlns:a16="http://schemas.microsoft.com/office/drawing/2014/main" val="956168312"/>
+                  </a:ext>
+                </a:extLst>
+              </a:tr>
+              <a:tr h="453870">
+                <a:tc>
+                  <a:txBody>
+                    <a:bodyPr/>
+                    <a:lstStyle/>
+                    <a:p>
+                      <a:pPr marL="0" marR="0">
+                        <a:lnSpc>
+                          <a:spcPct val="107000"/>
+                        </a:lnSpc>
+                        <a:spcBef>
+                          <a:spcPts val="0"/>
+                        </a:spcBef>
+                        <a:spcAft>
+                          <a:spcPts val="0"/>
+                        </a:spcAft>
+                      </a:pPr>
+                      <a:r>
+                        <a:rPr lang="en-US" sz="1100">
+                          <a:effectLst/>
+                        </a:rPr>
+                        <a:t>Arguments</a:t>
+                      </a:r>
+                      <a:endParaRPr lang="en-US" sz="1100">
+                        <a:effectLst/>
+                        <a:latin typeface="Calibri" panose="020F0502020204030204" pitchFamily="34" charset="0"/>
+                        <a:ea typeface="Times New Roman" panose="02020603050405020304" pitchFamily="18" charset="0"/>
+                        <a:cs typeface="Times New Roman" panose="02020603050405020304" pitchFamily="18" charset="0"/>
+                      </a:endParaRPr>
+                    </a:p>
+                  </a:txBody>
+                  <a:tcPr marL="68580" marR="68580" marT="0" marB="0"/>
+                </a:tc>
+                <a:tc>
+                  <a:txBody>
+                    <a:bodyPr/>
+                    <a:lstStyle/>
+                    <a:p>
+                      <a:pPr marL="0" marR="0">
+                        <a:lnSpc>
+                          <a:spcPct val="107000"/>
+                        </a:lnSpc>
+                        <a:spcBef>
+                          <a:spcPts val="0"/>
+                        </a:spcBef>
+                        <a:spcAft>
+                          <a:spcPts val="0"/>
+                        </a:spcAft>
+                      </a:pPr>
+                      <a:r>
+                        <a:rPr lang="en-US" sz="1100">
+                          <a:effectLst/>
+                        </a:rPr>
+                        <a:t>;  END  ELSE * / TO THEN DO ) , - + &lt; &lt;= &gt; &gt;= = !=  ]</a:t>
+                      </a:r>
+                      <a:endParaRPr lang="en-US" sz="1100">
+                        <a:effectLst/>
+                        <a:latin typeface="Calibri" panose="020F0502020204030204" pitchFamily="34" charset="0"/>
+                        <a:ea typeface="Times New Roman" panose="02020603050405020304" pitchFamily="18" charset="0"/>
+                        <a:cs typeface="Times New Roman" panose="02020603050405020304" pitchFamily="18" charset="0"/>
+                      </a:endParaRPr>
+                    </a:p>
+                  </a:txBody>
+                  <a:tcPr marL="68580" marR="68580" marT="0" marB="0"/>
+                </a:tc>
+                <a:extLst>
+                  <a:ext uri="{0D108BD9-81ED-4DB2-BD59-A6C34878D82A}">
+                    <a16:rowId xmlns:a16="http://schemas.microsoft.com/office/drawing/2014/main" val="1849587814"/>
+                  </a:ext>
+                </a:extLst>
+              </a:tr>
+              <a:tr h="221800">
+                <a:tc>
+                  <a:txBody>
+                    <a:bodyPr/>
+                    <a:lstStyle/>
+                    <a:p>
+                      <a:pPr marL="0" marR="0">
+                        <a:lnSpc>
+                          <a:spcPct val="107000"/>
+                        </a:lnSpc>
+                        <a:spcBef>
+                          <a:spcPts val="0"/>
+                        </a:spcBef>
+                        <a:spcAft>
+                          <a:spcPts val="0"/>
+                        </a:spcAft>
+                      </a:pPr>
+                      <a:r>
+                        <a:rPr lang="en-US" sz="1100">
+                          <a:effectLst/>
+                        </a:rPr>
+                        <a:t>Arguments2</a:t>
+                      </a:r>
+                      <a:endParaRPr lang="en-US" sz="1100">
+                        <a:effectLst/>
+                        <a:latin typeface="Calibri" panose="020F0502020204030204" pitchFamily="34" charset="0"/>
+                        <a:ea typeface="Times New Roman" panose="02020603050405020304" pitchFamily="18" charset="0"/>
+                        <a:cs typeface="Times New Roman" panose="02020603050405020304" pitchFamily="18" charset="0"/>
+                      </a:endParaRPr>
+                    </a:p>
+                  </a:txBody>
+                  <a:tcPr marL="68580" marR="68580" marT="0" marB="0"/>
+                </a:tc>
+                <a:tc>
+                  <a:txBody>
+                    <a:bodyPr/>
+                    <a:lstStyle/>
+                    <a:p>
+                      <a:pPr marL="0" marR="0">
+                        <a:lnSpc>
+                          <a:spcPct val="107000"/>
+                        </a:lnSpc>
+                        <a:spcBef>
+                          <a:spcPts val="0"/>
+                        </a:spcBef>
+                        <a:spcAft>
+                          <a:spcPts val="0"/>
+                        </a:spcAft>
+                      </a:pPr>
+                      <a:r>
+                        <a:rPr lang="en-US" sz="1100" dirty="0">
+                          <a:effectLst/>
+                        </a:rPr>
+                        <a:t>)</a:t>
+                      </a:r>
+                      <a:endParaRPr lang="en-US" sz="1100" dirty="0">
+                        <a:effectLst/>
+                        <a:latin typeface="Calibri" panose="020F0502020204030204" pitchFamily="34" charset="0"/>
+                        <a:ea typeface="Times New Roman" panose="02020603050405020304" pitchFamily="18" charset="0"/>
+                        <a:cs typeface="Times New Roman" panose="02020603050405020304" pitchFamily="18" charset="0"/>
+                      </a:endParaRPr>
+                    </a:p>
+                  </a:txBody>
+                  <a:tcPr marL="68580" marR="68580" marT="0" marB="0"/>
+                </a:tc>
+                <a:extLst>
+                  <a:ext uri="{0D108BD9-81ED-4DB2-BD59-A6C34878D82A}">
+                    <a16:rowId xmlns:a16="http://schemas.microsoft.com/office/drawing/2014/main" val="697537971"/>
+                  </a:ext>
+                </a:extLst>
+              </a:tr>
+            </a:tbl>
+          </a:graphicData>
+        </a:graphic>
+      </p:graphicFrame>
     </p:spTree>
     <p:extLst>
       <p:ext uri="{BB962C8B-B14F-4D97-AF65-F5344CB8AC3E}">
@@ -4720,7 +7716,283 @@
 </p:sld>
 </file>
 
-<file path=ppt/slides/slide21.xml><?xml version="1.0" encoding="utf-8"?>
+<file path=ppt/slides/slide22.xml><?xml version="1.0" encoding="utf-8"?>
+<p:sld xmlns:a="http://schemas.openxmlformats.org/drawingml/2006/main" xmlns:r="http://schemas.openxmlformats.org/officeDocument/2006/relationships" xmlns:p="http://schemas.openxmlformats.org/presentationml/2006/main">
+  <p:cSld>
+    <p:spTree>
+      <p:nvGrpSpPr>
+        <p:cNvPr id="1" name=""/>
+        <p:cNvGrpSpPr/>
+        <p:nvPr/>
+      </p:nvGrpSpPr>
+      <p:grpSpPr>
+        <a:xfrm>
+          <a:off x="0" y="0"/>
+          <a:ext cx="0" cy="0"/>
+          <a:chOff x="0" y="0"/>
+          <a:chExt cx="0" cy="0"/>
+        </a:xfrm>
+      </p:grpSpPr>
+      <p:sp>
+        <p:nvSpPr>
+          <p:cNvPr id="2" name="Title 1">
+            <a:extLst>
+              <a:ext uri="{FF2B5EF4-FFF2-40B4-BE49-F238E27FC236}">
+                <a16:creationId xmlns:a16="http://schemas.microsoft.com/office/drawing/2014/main" id="{096466C5-78E1-4B38-97CC-2B30997F8BA4}"/>
+              </a:ext>
+            </a:extLst>
+          </p:cNvPr>
+          <p:cNvSpPr>
+            <a:spLocks noGrp="1"/>
+          </p:cNvSpPr>
+          <p:nvPr>
+            <p:ph type="title"/>
+          </p:nvPr>
+        </p:nvSpPr>
+        <p:spPr/>
+        <p:txBody>
+          <a:bodyPr/>
+          <a:lstStyle/>
+          <a:p>
+            <a:r>
+              <a:rPr lang="en-US"/>
+              <a:t>S</a:t>
+            </a:r>
+            <a:r>
+              <a:rPr lang="en-US" dirty="0"/>
+              <a:t>ơ</a:t>
+            </a:r>
+            <a:r>
+              <a:rPr lang="en-US"/>
+              <a:t> </a:t>
+            </a:r>
+            <a:r>
+              <a:rPr lang="en-US" dirty="0" err="1"/>
+              <a:t>đồ</a:t>
+            </a:r>
+            <a:r>
+              <a:rPr lang="en-US" dirty="0"/>
+              <a:t> </a:t>
+            </a:r>
+            <a:r>
+              <a:rPr lang="en-US" dirty="0" err="1"/>
+              <a:t>minh</a:t>
+            </a:r>
+            <a:r>
+              <a:rPr lang="en-US" dirty="0"/>
+              <a:t> </a:t>
+            </a:r>
+            <a:r>
+              <a:rPr lang="en-US" dirty="0" err="1"/>
+              <a:t>họa</a:t>
+            </a:r>
+            <a:endParaRPr lang="en-US" dirty="0"/>
+          </a:p>
+        </p:txBody>
+      </p:sp>
+      <p:pic>
+        <p:nvPicPr>
+          <p:cNvPr id="5" name="Content Placeholder 4" descr="A screenshot of a cell phone&#10;&#10;Description generated with very high confidence">
+            <a:extLst>
+              <a:ext uri="{FF2B5EF4-FFF2-40B4-BE49-F238E27FC236}">
+                <a16:creationId xmlns:a16="http://schemas.microsoft.com/office/drawing/2014/main" id="{9955B5BA-68E3-4722-BF13-75CB62B4E611}"/>
+              </a:ext>
+            </a:extLst>
+          </p:cNvPr>
+          <p:cNvPicPr>
+            <a:picLocks noGrp="1" noChangeAspect="1"/>
+          </p:cNvPicPr>
+          <p:nvPr>
+            <p:ph idx="1"/>
+          </p:nvPr>
+        </p:nvPicPr>
+        <p:blipFill>
+          <a:blip r:embed="rId2">
+            <a:extLst>
+              <a:ext uri="{28A0092B-C50C-407E-A947-70E740481C1C}">
+                <a14:useLocalDpi xmlns:a14="http://schemas.microsoft.com/office/drawing/2010/main" val="0"/>
+              </a:ext>
+            </a:extLst>
+          </a:blip>
+          <a:stretch>
+            <a:fillRect/>
+          </a:stretch>
+        </p:blipFill>
+        <p:spPr>
+          <a:xfrm>
+            <a:off x="2026699" y="1420871"/>
+            <a:ext cx="5090601" cy="1684166"/>
+          </a:xfrm>
+        </p:spPr>
+      </p:pic>
+      <p:pic>
+        <p:nvPicPr>
+          <p:cNvPr id="7" name="Picture 6" descr="A close up of a sign&#10;&#10;Description generated with high confidence">
+            <a:extLst>
+              <a:ext uri="{FF2B5EF4-FFF2-40B4-BE49-F238E27FC236}">
+                <a16:creationId xmlns:a16="http://schemas.microsoft.com/office/drawing/2014/main" id="{B53B1F60-9ABB-4034-AE96-CFBA175DF1B5}"/>
+              </a:ext>
+            </a:extLst>
+          </p:cNvPr>
+          <p:cNvPicPr>
+            <a:picLocks noChangeAspect="1"/>
+          </p:cNvPicPr>
+          <p:nvPr/>
+        </p:nvPicPr>
+        <p:blipFill>
+          <a:blip r:embed="rId3">
+            <a:extLst>
+              <a:ext uri="{28A0092B-C50C-407E-A947-70E740481C1C}">
+                <a14:useLocalDpi xmlns:a14="http://schemas.microsoft.com/office/drawing/2010/main" val="0"/>
+              </a:ext>
+            </a:extLst>
+          </a:blip>
+          <a:stretch>
+            <a:fillRect/>
+          </a:stretch>
+        </p:blipFill>
+        <p:spPr>
+          <a:xfrm>
+            <a:off x="3033634" y="3604054"/>
+            <a:ext cx="3657917" cy="868755"/>
+          </a:xfrm>
+          <a:prstGeom prst="rect">
+            <a:avLst/>
+          </a:prstGeom>
+        </p:spPr>
+      </p:pic>
+      <p:pic>
+        <p:nvPicPr>
+          <p:cNvPr id="9" name="Picture 8" descr="A picture containing object, clock&#10;&#10;Description generated with high confidence">
+            <a:extLst>
+              <a:ext uri="{FF2B5EF4-FFF2-40B4-BE49-F238E27FC236}">
+                <a16:creationId xmlns:a16="http://schemas.microsoft.com/office/drawing/2014/main" id="{768A2B25-C45E-4A08-BCFF-C427E184772C}"/>
+              </a:ext>
+            </a:extLst>
+          </p:cNvPr>
+          <p:cNvPicPr>
+            <a:picLocks noChangeAspect="1"/>
+          </p:cNvPicPr>
+          <p:nvPr/>
+        </p:nvPicPr>
+        <p:blipFill>
+          <a:blip r:embed="rId4">
+            <a:extLst>
+              <a:ext uri="{28A0092B-C50C-407E-A947-70E740481C1C}">
+                <a14:useLocalDpi xmlns:a14="http://schemas.microsoft.com/office/drawing/2010/main" val="0"/>
+              </a:ext>
+            </a:extLst>
+          </a:blip>
+          <a:stretch>
+            <a:fillRect/>
+          </a:stretch>
+        </p:blipFill>
+        <p:spPr>
+          <a:xfrm>
+            <a:off x="2262939" y="4929002"/>
+            <a:ext cx="4854361" cy="853514"/>
+          </a:xfrm>
+          <a:prstGeom prst="rect">
+            <a:avLst/>
+          </a:prstGeom>
+        </p:spPr>
+      </p:pic>
+      <p:sp>
+        <p:nvSpPr>
+          <p:cNvPr id="11" name="Rectangle 10">
+            <a:extLst>
+              <a:ext uri="{FF2B5EF4-FFF2-40B4-BE49-F238E27FC236}">
+                <a16:creationId xmlns:a16="http://schemas.microsoft.com/office/drawing/2014/main" id="{8502CCD0-86C6-47E6-88F6-02A330746E9A}"/>
+              </a:ext>
+            </a:extLst>
+          </p:cNvPr>
+          <p:cNvSpPr/>
+          <p:nvPr/>
+        </p:nvSpPr>
+        <p:spPr>
+          <a:xfrm>
+            <a:off x="4281564" y="5049671"/>
+            <a:ext cx="2409987" cy="774915"/>
+          </a:xfrm>
+          <a:prstGeom prst="rect">
+            <a:avLst/>
+          </a:prstGeom>
+          <a:noFill/>
+        </p:spPr>
+        <p:style>
+          <a:lnRef idx="2">
+            <a:schemeClr val="accent1">
+              <a:shade val="50000"/>
+            </a:schemeClr>
+          </a:lnRef>
+          <a:fillRef idx="1">
+            <a:schemeClr val="accent1"/>
+          </a:fillRef>
+          <a:effectRef idx="0">
+            <a:schemeClr val="accent1"/>
+          </a:effectRef>
+          <a:fontRef idx="minor">
+            <a:schemeClr val="lt1"/>
+          </a:fontRef>
+        </p:style>
+        <p:txBody>
+          <a:bodyPr rtlCol="0" anchor="ctr"/>
+          <a:lstStyle/>
+          <a:p>
+            <a:pPr algn="ctr"/>
+            <a:endParaRPr lang="en-US"/>
+          </a:p>
+        </p:txBody>
+      </p:sp>
+      <p:sp>
+        <p:nvSpPr>
+          <p:cNvPr id="12" name="TextBox 11">
+            <a:extLst>
+              <a:ext uri="{FF2B5EF4-FFF2-40B4-BE49-F238E27FC236}">
+                <a16:creationId xmlns:a16="http://schemas.microsoft.com/office/drawing/2014/main" id="{7230174B-F02A-4D03-AD35-A47408E0D820}"/>
+              </a:ext>
+            </a:extLst>
+          </p:cNvPr>
+          <p:cNvSpPr txBox="1"/>
+          <p:nvPr/>
+        </p:nvSpPr>
+        <p:spPr>
+          <a:xfrm>
+            <a:off x="5758232" y="5516809"/>
+            <a:ext cx="933319" cy="307777"/>
+          </a:xfrm>
+          <a:prstGeom prst="rect">
+            <a:avLst/>
+          </a:prstGeom>
+          <a:noFill/>
+        </p:spPr>
+        <p:txBody>
+          <a:bodyPr wrap="square" rtlCol="0">
+            <a:spAutoFit/>
+          </a:bodyPr>
+          <a:lstStyle/>
+          <a:p>
+            <a:r>
+              <a:rPr lang="en-US" sz="1400" b="1" dirty="0"/>
+              <a:t>Argument</a:t>
+            </a:r>
+          </a:p>
+        </p:txBody>
+      </p:sp>
+    </p:spTree>
+    <p:extLst>
+      <p:ext uri="{BB962C8B-B14F-4D97-AF65-F5344CB8AC3E}">
+        <p14:creationId xmlns:p14="http://schemas.microsoft.com/office/powerpoint/2010/main" val="3720724224"/>
+      </p:ext>
+    </p:extLst>
+  </p:cSld>
+  <p:clrMapOvr>
+    <a:masterClrMapping/>
+  </p:clrMapOvr>
+</p:sld>
+</file>
+
+<file path=ppt/slides/slide23.xml><?xml version="1.0" encoding="utf-8"?>
 <p:sld xmlns:a="http://schemas.openxmlformats.org/drawingml/2006/main" xmlns:r="http://schemas.openxmlformats.org/officeDocument/2006/relationships" xmlns:p="http://schemas.openxmlformats.org/presentationml/2006/main">
   <p:cSld>
     <p:spTree>
@@ -4893,18 +8165,30 @@
           <a:lstStyle/>
           <a:p>
             <a:r>
-              <a:rPr lang="vi-VN"/>
+              <a:rPr lang="vi-VN">
+                <a:solidFill>
+                  <a:schemeClr val="tx1"/>
+                </a:solidFill>
+              </a:rPr>
               <a:t>Bao gồm một tập thủ tục, mỗi thủ tục ứng với một sơ đồ cú pháp (một ký hiệu không kết thúc)</a:t>
             </a:r>
           </a:p>
           <a:p>
             <a:r>
-              <a:rPr lang="vi-VN"/>
+              <a:rPr lang="vi-VN">
+                <a:solidFill>
+                  <a:schemeClr val="tx1"/>
+                </a:solidFill>
+              </a:rPr>
               <a:t>Các thủ tục đệ quy : khi triển khai một ký hiệu không kết thúc có thể gặp các ký hiệu không kết thúc khác, dẫn đến các thủ tục gọi lẫn nhau, và có thể gọi trực tiếp hoặc gián tiếp đến chính nó.</a:t>
             </a:r>
           </a:p>
           <a:p>
-            <a:endParaRPr lang="vi-VN"/>
+            <a:endParaRPr lang="vi-VN">
+              <a:solidFill>
+                <a:schemeClr val="tx1"/>
+              </a:solidFill>
+            </a:endParaRPr>
           </a:p>
         </p:txBody>
       </p:sp>
@@ -4995,42 +8279,70 @@
           <a:lstStyle/>
           <a:p>
             <a:r>
-              <a:rPr lang="vi-VN"/>
+              <a:rPr lang="vi-VN">
+                <a:solidFill>
+                  <a:schemeClr val="tx1"/>
+                </a:solidFill>
+              </a:rPr>
               <a:t>Mỗi sơ đồ ứng với một thủ tục </a:t>
             </a:r>
           </a:p>
           <a:p>
             <a:r>
-              <a:rPr lang="vi-VN"/>
+              <a:rPr lang="vi-VN">
+                <a:solidFill>
+                  <a:schemeClr val="tx1"/>
+                </a:solidFill>
+              </a:rPr>
               <a:t>Các nút xuất hiện tuần tự chuyển thành các câu lệnh kế tiếp nhau.</a:t>
             </a:r>
           </a:p>
           <a:p>
             <a:r>
-              <a:rPr lang="vi-VN"/>
+              <a:rPr lang="vi-VN">
+                <a:solidFill>
+                  <a:schemeClr val="tx1"/>
+                </a:solidFill>
+              </a:rPr>
               <a:t>Các điểm rẽ nhánh chuyển thành câu lệnh lựa chọn (if, case)</a:t>
             </a:r>
           </a:p>
           <a:p>
             <a:r>
-              <a:rPr lang="vi-VN"/>
+              <a:rPr lang="vi-VN">
+                <a:solidFill>
+                  <a:schemeClr val="tx1"/>
+                </a:solidFill>
+              </a:rPr>
               <a:t>Chu trình chuyển thành câu lệnh lặp (while, do while, repeat. . .)</a:t>
             </a:r>
           </a:p>
           <a:p>
             <a:r>
-              <a:rPr lang="vi-VN"/>
+              <a:rPr lang="vi-VN">
+                <a:solidFill>
+                  <a:schemeClr val="tx1"/>
+                </a:solidFill>
+              </a:rPr>
               <a:t>Nút tròn chuyển thành đoạn đối chiếu từ tố</a:t>
             </a:r>
           </a:p>
           <a:p>
             <a:r>
-              <a:rPr lang="vi-VN"/>
+              <a:rPr lang="vi-VN">
+                <a:solidFill>
+                  <a:schemeClr val="tx1"/>
+                </a:solidFill>
+              </a:rPr>
               <a:t>Nút chữ nhật chuyển thành lời gọi tới thủ tục khác</a:t>
             </a:r>
           </a:p>
           <a:p>
-            <a:endParaRPr lang="vi-VN"/>
+            <a:endParaRPr lang="vi-VN">
+              <a:solidFill>
+                <a:schemeClr val="tx1"/>
+              </a:solidFill>
+            </a:endParaRPr>
           </a:p>
         </p:txBody>
       </p:sp>

--- a/BaoCao/Nhom3.pptx
+++ b/BaoCao/Nhom3.pptx
@@ -22,12 +22,14 @@
     <p:sldId id="281" r:id="rId16"/>
     <p:sldId id="282" r:id="rId17"/>
     <p:sldId id="283" r:id="rId18"/>
-    <p:sldId id="284" r:id="rId19"/>
-    <p:sldId id="292" r:id="rId20"/>
-    <p:sldId id="290" r:id="rId21"/>
-    <p:sldId id="286" r:id="rId22"/>
-    <p:sldId id="291" r:id="rId23"/>
-    <p:sldId id="258" r:id="rId24"/>
+    <p:sldId id="293" r:id="rId19"/>
+    <p:sldId id="294" r:id="rId20"/>
+    <p:sldId id="284" r:id="rId21"/>
+    <p:sldId id="292" r:id="rId22"/>
+    <p:sldId id="290" r:id="rId23"/>
+    <p:sldId id="286" r:id="rId24"/>
+    <p:sldId id="291" r:id="rId25"/>
+    <p:sldId id="258" r:id="rId26"/>
   </p:sldIdLst>
   <p:sldSz cx="9144000" cy="6858000" type="screen4x3"/>
   <p:notesSz cx="6858000" cy="9144000"/>
@@ -128,7 +130,7 @@
   </p:defaultTextStyle>
   <p:extLst>
     <p:ext uri="{EFAFB233-063F-42B5-8137-9DF3F51BA10A}">
-      <p15:sldGuideLst xmlns:p15="http://schemas.microsoft.com/office/powerpoint/2012/main"/>
+      <p15:sldGuideLst xmlns:p15="http://schemas.microsoft.com/office/powerpoint/2012/main" xmlns=""/>
     </p:ext>
   </p:extLst>
 </p:presentation>
@@ -317,7 +319,7 @@
           <a:p>
             <a:fld id="{A0EC2761-52B0-42C5-B01B-DF8F69615AE5}" type="datetimeFigureOut">
               <a:rPr lang="en-US" smtClean="0"/>
-              <a:t>4/22/2019</a:t>
+              <a:t>04/22/2019</a:t>
             </a:fld>
             <a:endParaRPr lang="en-US"/>
           </a:p>
@@ -485,7 +487,7 @@
           <a:p>
             <a:fld id="{A0EC2761-52B0-42C5-B01B-DF8F69615AE5}" type="datetimeFigureOut">
               <a:rPr lang="en-US" smtClean="0"/>
-              <a:t>4/22/2019</a:t>
+              <a:t>04/22/2019</a:t>
             </a:fld>
             <a:endParaRPr lang="en-US"/>
           </a:p>
@@ -663,7 +665,7 @@
           <a:p>
             <a:fld id="{A0EC2761-52B0-42C5-B01B-DF8F69615AE5}" type="datetimeFigureOut">
               <a:rPr lang="en-US" smtClean="0"/>
-              <a:t>4/22/2019</a:t>
+              <a:t>04/22/2019</a:t>
             </a:fld>
             <a:endParaRPr lang="en-US"/>
           </a:p>
@@ -831,7 +833,7 @@
           <a:p>
             <a:fld id="{A0EC2761-52B0-42C5-B01B-DF8F69615AE5}" type="datetimeFigureOut">
               <a:rPr lang="en-US" smtClean="0"/>
-              <a:t>4/22/2019</a:t>
+              <a:t>04/22/2019</a:t>
             </a:fld>
             <a:endParaRPr lang="en-US"/>
           </a:p>
@@ -1076,7 +1078,7 @@
           <a:p>
             <a:fld id="{A0EC2761-52B0-42C5-B01B-DF8F69615AE5}" type="datetimeFigureOut">
               <a:rPr lang="en-US" smtClean="0"/>
-              <a:t>4/22/2019</a:t>
+              <a:t>04/22/2019</a:t>
             </a:fld>
             <a:endParaRPr lang="en-US"/>
           </a:p>
@@ -1305,7 +1307,7 @@
           <a:p>
             <a:fld id="{A0EC2761-52B0-42C5-B01B-DF8F69615AE5}" type="datetimeFigureOut">
               <a:rPr lang="en-US" smtClean="0"/>
-              <a:t>4/22/2019</a:t>
+              <a:t>04/22/2019</a:t>
             </a:fld>
             <a:endParaRPr lang="en-US"/>
           </a:p>
@@ -1669,7 +1671,7 @@
           <a:p>
             <a:fld id="{A0EC2761-52B0-42C5-B01B-DF8F69615AE5}" type="datetimeFigureOut">
               <a:rPr lang="en-US" smtClean="0"/>
-              <a:t>4/22/2019</a:t>
+              <a:t>04/22/2019</a:t>
             </a:fld>
             <a:endParaRPr lang="en-US"/>
           </a:p>
@@ -1778,7 +1780,7 @@
           <a:p>
             <a:fld id="{A0EC2761-52B0-42C5-B01B-DF8F69615AE5}" type="datetimeFigureOut">
               <a:rPr lang="en-US" smtClean="0"/>
-              <a:t>4/22/2019</a:t>
+              <a:t>04/22/2019</a:t>
             </a:fld>
             <a:endParaRPr lang="en-US"/>
           </a:p>
@@ -1887,7 +1889,7 @@
           <a:p>
             <a:fld id="{A0EC2761-52B0-42C5-B01B-DF8F69615AE5}" type="datetimeFigureOut">
               <a:rPr lang="en-US" smtClean="0"/>
-              <a:t>4/22/2019</a:t>
+              <a:t>04/22/2019</a:t>
             </a:fld>
             <a:endParaRPr lang="en-US"/>
           </a:p>
@@ -2162,7 +2164,7 @@
           <a:p>
             <a:fld id="{A0EC2761-52B0-42C5-B01B-DF8F69615AE5}" type="datetimeFigureOut">
               <a:rPr lang="en-US" smtClean="0"/>
-              <a:t>4/22/2019</a:t>
+              <a:t>04/22/2019</a:t>
             </a:fld>
             <a:endParaRPr lang="en-US"/>
           </a:p>
@@ -2417,7 +2419,7 @@
           <a:p>
             <a:fld id="{A0EC2761-52B0-42C5-B01B-DF8F69615AE5}" type="datetimeFigureOut">
               <a:rPr lang="en-US" smtClean="0"/>
-              <a:t>4/22/2019</a:t>
+              <a:t>04/22/2019</a:t>
             </a:fld>
             <a:endParaRPr lang="en-US"/>
           </a:p>
@@ -2637,7 +2639,7 @@
           <a:p>
             <a:fld id="{A0EC2761-52B0-42C5-B01B-DF8F69615AE5}" type="datetimeFigureOut">
               <a:rPr lang="en-US" smtClean="0"/>
-              <a:t>4/22/2019</a:t>
+              <a:t>04/22/2019</a:t>
             </a:fld>
             <a:endParaRPr lang="en-US"/>
           </a:p>
@@ -3079,6 +3081,10 @@
           </a:bodyPr>
           <a:lstStyle/>
           <a:p>
+            <a:r>
+              <a:rPr lang="en-US" dirty="0"/>
+              <a:t/>
+            </a:r>
             <a:br>
               <a:rPr lang="en-US" dirty="0"/>
             </a:br>
@@ -3205,6 +3211,13 @@
   <p:clrMapOvr>
     <a:masterClrMapping/>
   </p:clrMapOvr>
+  <p:timing>
+    <p:tnLst>
+      <p:par>
+        <p:cTn id="1" dur="indefinite" restart="never" nodeType="tmRoot"/>
+      </p:par>
+    </p:tnLst>
+  </p:timing>
 </p:sld>
 </file>
 
@@ -3230,7 +3243,7 @@
           <p:cNvPr id="2" name="Title 1">
             <a:extLst>
               <a:ext uri="{FF2B5EF4-FFF2-40B4-BE49-F238E27FC236}">
-                <a16:creationId xmlns:a16="http://schemas.microsoft.com/office/drawing/2014/main" id="{5ACC0826-E80F-43C0-912C-275EB710142B}"/>
+                <a16:creationId xmlns:a16="http://schemas.microsoft.com/office/drawing/2014/main" xmlns="" id="{5ACC0826-E80F-43C0-912C-275EB710142B}"/>
               </a:ext>
             </a:extLst>
           </p:cNvPr>
@@ -3259,7 +3272,7 @@
           <p:cNvPr id="4" name="Chỗ dành sẵn cho Nội dung 3">
             <a:extLst>
               <a:ext uri="{FF2B5EF4-FFF2-40B4-BE49-F238E27FC236}">
-                <a16:creationId xmlns:a16="http://schemas.microsoft.com/office/drawing/2014/main" id="{0A469280-6A1E-4F41-B2DD-5119847FC0AE}"/>
+                <a16:creationId xmlns:a16="http://schemas.microsoft.com/office/drawing/2014/main" xmlns="" id="{0A469280-6A1E-4F41-B2DD-5119847FC0AE}"/>
               </a:ext>
             </a:extLst>
           </p:cNvPr>
@@ -3284,7 +3297,7 @@
           <p:cNvPr id="7" name="Picture 4">
             <a:extLst>
               <a:ext uri="{FF2B5EF4-FFF2-40B4-BE49-F238E27FC236}">
-                <a16:creationId xmlns:a16="http://schemas.microsoft.com/office/drawing/2014/main" id="{39DD662D-CB28-4668-B1E8-32650552B55D}"/>
+                <a16:creationId xmlns:a16="http://schemas.microsoft.com/office/drawing/2014/main" xmlns="" id="{39DD662D-CB28-4668-B1E8-32650552B55D}"/>
               </a:ext>
             </a:extLst>
           </p:cNvPr>
@@ -3349,6 +3362,13 @@
   <p:clrMapOvr>
     <a:masterClrMapping/>
   </p:clrMapOvr>
+  <p:timing>
+    <p:tnLst>
+      <p:par>
+        <p:cTn id="1" dur="indefinite" restart="never" nodeType="tmRoot"/>
+      </p:par>
+    </p:tnLst>
+  </p:timing>
 </p:sld>
 </file>
 
@@ -3374,7 +3394,7 @@
           <p:cNvPr id="2" name="Title 1">
             <a:extLst>
               <a:ext uri="{FF2B5EF4-FFF2-40B4-BE49-F238E27FC236}">
-                <a16:creationId xmlns:a16="http://schemas.microsoft.com/office/drawing/2014/main" id="{5ACC0826-E80F-43C0-912C-275EB710142B}"/>
+                <a16:creationId xmlns:a16="http://schemas.microsoft.com/office/drawing/2014/main" xmlns="" id="{5ACC0826-E80F-43C0-912C-275EB710142B}"/>
               </a:ext>
             </a:extLst>
           </p:cNvPr>
@@ -3400,10 +3420,10 @@
       </p:sp>
       <p:pic>
         <p:nvPicPr>
-          <p:cNvPr id="5" name="Picture 4">
+          <p:cNvPr id="5" name="Content Placeholder 4">
             <a:extLst>
               <a:ext uri="{FF2B5EF4-FFF2-40B4-BE49-F238E27FC236}">
-                <a16:creationId xmlns:a16="http://schemas.microsoft.com/office/drawing/2014/main" id="{4E1977E1-8DF3-44ED-9AA8-EFF16C548E55}"/>
+                <a16:creationId xmlns:a16="http://schemas.microsoft.com/office/drawing/2014/main" xmlns="" id="{4E1977E1-8DF3-44ED-9AA8-EFF16C548E55}"/>
               </a:ext>
             </a:extLst>
           </p:cNvPr>
@@ -3470,6 +3490,13 @@
   <p:clrMapOvr>
     <a:masterClrMapping/>
   </p:clrMapOvr>
+  <p:timing>
+    <p:tnLst>
+      <p:par>
+        <p:cTn id="1" dur="indefinite" restart="never" nodeType="tmRoot"/>
+      </p:par>
+    </p:tnLst>
+  </p:timing>
 </p:sld>
 </file>
 
@@ -3495,7 +3522,7 @@
           <p:cNvPr id="2" name="Title 1">
             <a:extLst>
               <a:ext uri="{FF2B5EF4-FFF2-40B4-BE49-F238E27FC236}">
-                <a16:creationId xmlns:a16="http://schemas.microsoft.com/office/drawing/2014/main" id="{5ACC0826-E80F-43C0-912C-275EB710142B}"/>
+                <a16:creationId xmlns:a16="http://schemas.microsoft.com/office/drawing/2014/main" xmlns="" id="{5ACC0826-E80F-43C0-912C-275EB710142B}"/>
               </a:ext>
             </a:extLst>
           </p:cNvPr>
@@ -3521,10 +3548,10 @@
       </p:sp>
       <p:pic>
         <p:nvPicPr>
-          <p:cNvPr id="5" name="Picture 4">
+          <p:cNvPr id="5" name="Content Placeholder 4">
             <a:extLst>
               <a:ext uri="{FF2B5EF4-FFF2-40B4-BE49-F238E27FC236}">
-                <a16:creationId xmlns:a16="http://schemas.microsoft.com/office/drawing/2014/main" id="{5B03456F-79BE-41C7-B6C5-6C409495C03C}"/>
+                <a16:creationId xmlns:a16="http://schemas.microsoft.com/office/drawing/2014/main" xmlns="" id="{5B03456F-79BE-41C7-B6C5-6C409495C03C}"/>
               </a:ext>
             </a:extLst>
           </p:cNvPr>
@@ -3591,6 +3618,13 @@
   <p:clrMapOvr>
     <a:masterClrMapping/>
   </p:clrMapOvr>
+  <p:timing>
+    <p:tnLst>
+      <p:par>
+        <p:cTn id="1" dur="indefinite" restart="never" nodeType="tmRoot"/>
+      </p:par>
+    </p:tnLst>
+  </p:timing>
 </p:sld>
 </file>
 
@@ -3616,7 +3650,7 @@
           <p:cNvPr id="2" name="Title 1">
             <a:extLst>
               <a:ext uri="{FF2B5EF4-FFF2-40B4-BE49-F238E27FC236}">
-                <a16:creationId xmlns:a16="http://schemas.microsoft.com/office/drawing/2014/main" id="{5ACC0826-E80F-43C0-912C-275EB710142B}"/>
+                <a16:creationId xmlns:a16="http://schemas.microsoft.com/office/drawing/2014/main" xmlns="" id="{5ACC0826-E80F-43C0-912C-275EB710142B}"/>
               </a:ext>
             </a:extLst>
           </p:cNvPr>
@@ -3645,7 +3679,7 @@
           <p:cNvPr id="6" name="Hình chữ nhật 5">
             <a:extLst>
               <a:ext uri="{FF2B5EF4-FFF2-40B4-BE49-F238E27FC236}">
-                <a16:creationId xmlns:a16="http://schemas.microsoft.com/office/drawing/2014/main" id="{7A04BA52-21EB-40DE-88A4-D4C2D6586CD0}"/>
+                <a16:creationId xmlns:a16="http://schemas.microsoft.com/office/drawing/2014/main" xmlns="" id="{7A04BA52-21EB-40DE-88A4-D4C2D6586CD0}"/>
               </a:ext>
             </a:extLst>
           </p:cNvPr>
@@ -3668,124 +3702,124 @@
           <a:lstStyle/>
           <a:p>
             <a:r>
-              <a:rPr lang="vi-VN" sz="1500"/>
+              <a:rPr lang="vi-VN" sz="1500" dirty="0"/>
               <a:t>PROGRAM  EXAMPLE3;  (* TOWER OF HANOI *)</a:t>
             </a:r>
           </a:p>
           <a:p>
             <a:r>
-              <a:rPr lang="vi-VN" sz="1500"/>
+              <a:rPr lang="vi-VN" sz="1500" dirty="0"/>
               <a:t>VAR  I:INTEGER;  </a:t>
             </a:r>
           </a:p>
           <a:p>
             <a:r>
-              <a:rPr lang="vi-VN" sz="1500"/>
+              <a:rPr lang="vi-VN" sz="1500" dirty="0"/>
               <a:t>     N:INTEGER;  </a:t>
             </a:r>
           </a:p>
           <a:p>
             <a:r>
-              <a:rPr lang="vi-VN" sz="1500"/>
+              <a:rPr lang="vi-VN" sz="1500" dirty="0"/>
               <a:t>     P:INTEGER;  </a:t>
             </a:r>
           </a:p>
           <a:p>
             <a:r>
-              <a:rPr lang="vi-VN" sz="1500"/>
+              <a:rPr lang="vi-VN" sz="1500" dirty="0"/>
               <a:t>     Q:INTEGER;</a:t>
             </a:r>
           </a:p>
           <a:p>
             <a:r>
-              <a:rPr lang="vi-VN" sz="1500"/>
+              <a:rPr lang="vi-VN" sz="1500" dirty="0"/>
               <a:t>     C:CHAR;</a:t>
             </a:r>
           </a:p>
           <a:p>
-            <a:endParaRPr lang="vi-VN" sz="1500"/>
-          </a:p>
-          <a:p>
-            <a:r>
-              <a:rPr lang="vi-VN" sz="1500"/>
+            <a:endParaRPr lang="vi-VN" sz="1500" dirty="0"/>
+          </a:p>
+          <a:p>
+            <a:r>
+              <a:rPr lang="vi-VN" sz="1500" dirty="0"/>
               <a:t>PROCEDURE  HANOI(N:INTEGER;  S:INTEGER;  Z:INTEGER);</a:t>
             </a:r>
           </a:p>
           <a:p>
             <a:r>
-              <a:rPr lang="vi-VN" sz="1500"/>
+              <a:rPr lang="vi-VN" sz="1500" dirty="0"/>
               <a:t>BEGIN</a:t>
             </a:r>
           </a:p>
           <a:p>
             <a:r>
-              <a:rPr lang="vi-VN" sz="1500"/>
+              <a:rPr lang="vi-VN" sz="1500" dirty="0"/>
               <a:t>  IF  N != 0  THEN</a:t>
             </a:r>
           </a:p>
           <a:p>
             <a:r>
-              <a:rPr lang="vi-VN" sz="1500"/>
+              <a:rPr lang="vi-VN" sz="1500" dirty="0"/>
               <a:t>    BEGIN</a:t>
             </a:r>
           </a:p>
           <a:p>
             <a:r>
-              <a:rPr lang="vi-VN" sz="1500"/>
+              <a:rPr lang="vi-VN" sz="1500" dirty="0"/>
               <a:t>      CALL  HANOI(N-1,S,6-S-Z);</a:t>
             </a:r>
           </a:p>
           <a:p>
             <a:r>
-              <a:rPr lang="vi-VN" sz="1500"/>
+              <a:rPr lang="vi-VN" sz="1500" dirty="0"/>
               <a:t>      I:=I+1;  </a:t>
             </a:r>
           </a:p>
           <a:p>
             <a:r>
-              <a:rPr lang="vi-VN" sz="1500"/>
+              <a:rPr lang="vi-VN" sz="1500" dirty="0"/>
               <a:t>      CALL  WRITELN;</a:t>
             </a:r>
           </a:p>
           <a:p>
             <a:r>
-              <a:rPr lang="vi-VN" sz="1500"/>
+              <a:rPr lang="vi-VN" sz="1500" dirty="0"/>
               <a:t>      CALL  WRITEI(I);  </a:t>
             </a:r>
           </a:p>
           <a:p>
             <a:r>
-              <a:rPr lang="vi-VN" sz="1500"/>
+              <a:rPr lang="vi-VN" sz="1500" dirty="0"/>
               <a:t>      CALL  WRITEI(N);</a:t>
             </a:r>
           </a:p>
           <a:p>
             <a:r>
-              <a:rPr lang="vi-VN" sz="1500"/>
+              <a:rPr lang="vi-VN" sz="1500" dirty="0"/>
               <a:t>      CALL  WRITEI(S);  </a:t>
             </a:r>
           </a:p>
           <a:p>
             <a:r>
-              <a:rPr lang="vi-VN" sz="1500"/>
+              <a:rPr lang="vi-VN" sz="1500" dirty="0"/>
               <a:t>      CALL  WRITEI(Z);</a:t>
             </a:r>
           </a:p>
           <a:p>
             <a:r>
-              <a:rPr lang="vi-VN" sz="1500"/>
+              <a:rPr lang="vi-VN" sz="1500" dirty="0"/>
               <a:t>      CALL  HANOI(N-1,6-S-Z,Z)</a:t>
             </a:r>
           </a:p>
           <a:p>
             <a:r>
-              <a:rPr lang="vi-VN" sz="1500"/>
+              <a:rPr lang="vi-VN" sz="1500" dirty="0"/>
               <a:t>    END</a:t>
             </a:r>
           </a:p>
           <a:p>
             <a:r>
-              <a:rPr lang="vi-VN" sz="1500"/>
+              <a:rPr lang="vi-VN" sz="1500" dirty="0"/>
               <a:t>END;  (*END OF HANOI*)</a:t>
             </a:r>
           </a:p>
@@ -3796,7 +3830,7 @@
           <p:cNvPr id="7" name="Hình chữ nhật 6">
             <a:extLst>
               <a:ext uri="{FF2B5EF4-FFF2-40B4-BE49-F238E27FC236}">
-                <a16:creationId xmlns:a16="http://schemas.microsoft.com/office/drawing/2014/main" id="{4A43D711-8E32-409E-A887-D6368D577BD0}"/>
+                <a16:creationId xmlns:a16="http://schemas.microsoft.com/office/drawing/2014/main" xmlns="" id="{4A43D711-8E32-409E-A887-D6368D577BD0}"/>
               </a:ext>
             </a:extLst>
           </p:cNvPr>
@@ -3819,103 +3853,103 @@
           <a:lstStyle/>
           <a:p>
             <a:r>
-              <a:rPr lang="vi-VN" sz="1500"/>
+              <a:rPr lang="vi-VN" sz="1500" dirty="0"/>
               <a:t>BEGIN</a:t>
             </a:r>
           </a:p>
           <a:p>
             <a:r>
-              <a:rPr lang="vi-VN" sz="1500"/>
+              <a:rPr lang="vi-VN" sz="1500" dirty="0"/>
               <a:t>  FOR  N := 1  TO  4  DO  </a:t>
             </a:r>
           </a:p>
           <a:p>
             <a:r>
-              <a:rPr lang="vi-VN" sz="1500"/>
+              <a:rPr lang="vi-VN" sz="1500" dirty="0"/>
               <a:t>    BEGIN</a:t>
             </a:r>
           </a:p>
           <a:p>
             <a:r>
-              <a:rPr lang="vi-VN" sz="1500"/>
+              <a:rPr lang="vi-VN" sz="1500" dirty="0"/>
               <a:t>      FOR  I:=1  TO  4  DO  </a:t>
             </a:r>
           </a:p>
           <a:p>
             <a:r>
-              <a:rPr lang="vi-VN" sz="1500"/>
+              <a:rPr lang="vi-VN" sz="1500" dirty="0"/>
               <a:t>        CALL  WRITEC(' ');</a:t>
             </a:r>
           </a:p>
           <a:p>
             <a:r>
-              <a:rPr lang="vi-VN" sz="1500"/>
+              <a:rPr lang="vi-VN" sz="1500" dirty="0"/>
               <a:t>      CALL  READC(C);  </a:t>
             </a:r>
           </a:p>
           <a:p>
             <a:r>
-              <a:rPr lang="vi-VN" sz="1500"/>
+              <a:rPr lang="vi-VN" sz="1500" dirty="0"/>
               <a:t>      CALL  WRITEC(C)</a:t>
             </a:r>
           </a:p>
           <a:p>
             <a:r>
-              <a:rPr lang="vi-VN" sz="1500"/>
+              <a:rPr lang="vi-VN" sz="1500" dirty="0"/>
               <a:t>    END;</a:t>
             </a:r>
           </a:p>
           <a:p>
             <a:r>
-              <a:rPr lang="vi-VN" sz="1500"/>
+              <a:rPr lang="vi-VN" sz="1500" dirty="0"/>
               <a:t>  P:=1;  </a:t>
             </a:r>
           </a:p>
           <a:p>
             <a:r>
-              <a:rPr lang="vi-VN" sz="1500"/>
+              <a:rPr lang="vi-VN" sz="1500" dirty="0"/>
               <a:t>  Q:=2;</a:t>
             </a:r>
           </a:p>
           <a:p>
             <a:r>
-              <a:rPr lang="vi-VN" sz="1500"/>
+              <a:rPr lang="vi-VN" sz="1500" dirty="0"/>
               <a:t>  FOR  N:=2  TO  4  DO</a:t>
             </a:r>
           </a:p>
           <a:p>
             <a:r>
-              <a:rPr lang="vi-VN" sz="1500"/>
+              <a:rPr lang="vi-VN" sz="1500" dirty="0"/>
               <a:t>    BEGIN  </a:t>
             </a:r>
           </a:p>
           <a:p>
             <a:r>
-              <a:rPr lang="vi-VN" sz="1500"/>
+              <a:rPr lang="vi-VN" sz="1500" dirty="0"/>
               <a:t>      I:=0;  </a:t>
             </a:r>
           </a:p>
           <a:p>
             <a:r>
-              <a:rPr lang="vi-VN" sz="1500"/>
+              <a:rPr lang="vi-VN" sz="1500" dirty="0"/>
               <a:t>      CALL  HANOI(N,P,Q);  </a:t>
             </a:r>
           </a:p>
           <a:p>
             <a:r>
-              <a:rPr lang="vi-VN" sz="1500"/>
+              <a:rPr lang="vi-VN" sz="1500" dirty="0"/>
               <a:t>      CALL  WRITELN  </a:t>
             </a:r>
           </a:p>
           <a:p>
             <a:r>
-              <a:rPr lang="vi-VN" sz="1500"/>
+              <a:rPr lang="vi-VN" sz="1500" dirty="0"/>
               <a:t>    END</a:t>
             </a:r>
           </a:p>
           <a:p>
             <a:r>
-              <a:rPr lang="vi-VN" sz="1500"/>
+              <a:rPr lang="vi-VN" sz="1500" dirty="0"/>
               <a:t>END.  (* TOWER OF HANOI *)</a:t>
             </a:r>
           </a:p>
@@ -3931,6 +3965,13 @@
   <p:clrMapOvr>
     <a:masterClrMapping/>
   </p:clrMapOvr>
+  <p:timing>
+    <p:tnLst>
+      <p:par>
+        <p:cTn id="1" dur="indefinite" restart="never" nodeType="tmRoot"/>
+      </p:par>
+    </p:tnLst>
+  </p:timing>
 </p:sld>
 </file>
 
@@ -3956,7 +3997,7 @@
           <p:cNvPr id="2" name="Title 1">
             <a:extLst>
               <a:ext uri="{FF2B5EF4-FFF2-40B4-BE49-F238E27FC236}">
-                <a16:creationId xmlns:a16="http://schemas.microsoft.com/office/drawing/2014/main" id="{5ACC0826-E80F-43C0-912C-275EB710142B}"/>
+                <a16:creationId xmlns:a16="http://schemas.microsoft.com/office/drawing/2014/main" xmlns="" id="{5ACC0826-E80F-43C0-912C-275EB710142B}"/>
               </a:ext>
             </a:extLst>
           </p:cNvPr>
@@ -3980,31 +4021,134 @@
           </a:p>
         </p:txBody>
       </p:sp>
-      <p:sp>
-        <p:nvSpPr>
-          <p:cNvPr id="4" name="Chỗ dành sẵn cho Nội dung 3">
+      <p:pic>
+        <p:nvPicPr>
+          <p:cNvPr id="2051" name="Picture 3"/>
+          <p:cNvPicPr>
+            <a:picLocks noChangeAspect="1" noChangeArrowheads="1"/>
+          </p:cNvPicPr>
+          <p:nvPr/>
+        </p:nvPicPr>
+        <p:blipFill>
+          <a:blip r:embed="rId2">
             <a:extLst>
-              <a:ext uri="{FF2B5EF4-FFF2-40B4-BE49-F238E27FC236}">
-                <a16:creationId xmlns:a16="http://schemas.microsoft.com/office/drawing/2014/main" id="{E7382999-E9BD-45F8-97D5-A50B26B12803}"/>
+              <a:ext uri="{28A0092B-C50C-407E-A947-70E740481C1C}">
+                <a14:useLocalDpi xmlns:a14="http://schemas.microsoft.com/office/drawing/2010/main" val="0"/>
               </a:ext>
             </a:extLst>
-          </p:cNvPr>
-          <p:cNvSpPr>
-            <a:spLocks noGrp="1"/>
-          </p:cNvSpPr>
-          <p:nvPr>
-            <p:ph idx="1"/>
-          </p:nvPr>
-        </p:nvSpPr>
-        <p:spPr/>
-        <p:txBody>
-          <a:bodyPr/>
-          <a:lstStyle/>
-          <a:p>
-            <a:endParaRPr lang="vi-VN"/>
-          </a:p>
-        </p:txBody>
-      </p:sp>
+          </a:blip>
+          <a:srcRect/>
+          <a:stretch>
+            <a:fillRect/>
+          </a:stretch>
+        </p:blipFill>
+        <p:spPr bwMode="auto">
+          <a:xfrm>
+            <a:off x="699723" y="1217150"/>
+            <a:ext cx="3397485" cy="5134219"/>
+          </a:xfrm>
+          <a:prstGeom prst="rect">
+            <a:avLst/>
+          </a:prstGeom>
+          <a:noFill/>
+          <a:ln>
+            <a:noFill/>
+          </a:ln>
+          <a:effectLst/>
+          <a:extLst>
+            <a:ext uri="{909E8E84-426E-40DD-AFC4-6F175D3DCCD1}">
+              <a14:hiddenFill xmlns:a14="http://schemas.microsoft.com/office/drawing/2010/main">
+                <a:solidFill>
+                  <a:schemeClr val="accent1"/>
+                </a:solidFill>
+              </a14:hiddenFill>
+            </a:ext>
+            <a:ext uri="{91240B29-F687-4F45-9708-019B960494DF}">
+              <a14:hiddenLine xmlns:a14="http://schemas.microsoft.com/office/drawing/2010/main" w="9525">
+                <a:solidFill>
+                  <a:schemeClr val="tx1"/>
+                </a:solidFill>
+                <a:miter lim="800000"/>
+                <a:headEnd/>
+                <a:tailEnd/>
+              </a14:hiddenLine>
+            </a:ext>
+            <a:ext uri="{AF507438-7753-43E0-B8FC-AC1667EBCBE1}">
+              <a14:hiddenEffects xmlns:a14="http://schemas.microsoft.com/office/drawing/2010/main">
+                <a:effectLst>
+                  <a:outerShdw dist="35921" dir="2700000" algn="ctr" rotWithShape="0">
+                    <a:schemeClr val="bg2"/>
+                  </a:outerShdw>
+                </a:effectLst>
+              </a14:hiddenEffects>
+            </a:ext>
+          </a:extLst>
+        </p:spPr>
+      </p:pic>
+      <p:pic>
+        <p:nvPicPr>
+          <p:cNvPr id="2052" name="Picture 4"/>
+          <p:cNvPicPr>
+            <a:picLocks noChangeAspect="1" noChangeArrowheads="1"/>
+          </p:cNvPicPr>
+          <p:nvPr/>
+        </p:nvPicPr>
+        <p:blipFill>
+          <a:blip r:embed="rId3">
+            <a:extLst>
+              <a:ext uri="{28A0092B-C50C-407E-A947-70E740481C1C}">
+                <a14:useLocalDpi xmlns:a14="http://schemas.microsoft.com/office/drawing/2010/main" val="0"/>
+              </a:ext>
+            </a:extLst>
+          </a:blip>
+          <a:srcRect/>
+          <a:stretch>
+            <a:fillRect/>
+          </a:stretch>
+        </p:blipFill>
+        <p:spPr bwMode="auto">
+          <a:xfrm>
+            <a:off x="5179280" y="1217150"/>
+            <a:ext cx="3402012" cy="5116539"/>
+          </a:xfrm>
+          <a:prstGeom prst="rect">
+            <a:avLst/>
+          </a:prstGeom>
+          <a:noFill/>
+          <a:ln>
+            <a:noFill/>
+          </a:ln>
+          <a:effectLst/>
+          <a:extLst>
+            <a:ext uri="{909E8E84-426E-40DD-AFC4-6F175D3DCCD1}">
+              <a14:hiddenFill xmlns:a14="http://schemas.microsoft.com/office/drawing/2010/main">
+                <a:solidFill>
+                  <a:schemeClr val="accent1"/>
+                </a:solidFill>
+              </a14:hiddenFill>
+            </a:ext>
+            <a:ext uri="{91240B29-F687-4F45-9708-019B960494DF}">
+              <a14:hiddenLine xmlns:a14="http://schemas.microsoft.com/office/drawing/2010/main" w="9525">
+                <a:solidFill>
+                  <a:schemeClr val="tx1"/>
+                </a:solidFill>
+                <a:miter lim="800000"/>
+                <a:headEnd/>
+                <a:tailEnd/>
+              </a14:hiddenLine>
+            </a:ext>
+            <a:ext uri="{AF507438-7753-43E0-B8FC-AC1667EBCBE1}">
+              <a14:hiddenEffects xmlns:a14="http://schemas.microsoft.com/office/drawing/2010/main">
+                <a:effectLst>
+                  <a:outerShdw dist="35921" dir="2700000" algn="ctr" rotWithShape="0">
+                    <a:schemeClr val="bg2"/>
+                  </a:outerShdw>
+                </a:effectLst>
+              </a14:hiddenEffects>
+            </a:ext>
+          </a:extLst>
+        </p:spPr>
+      </p:pic>
     </p:spTree>
     <p:extLst>
       <p:ext uri="{BB962C8B-B14F-4D97-AF65-F5344CB8AC3E}">
@@ -4015,6 +4159,13 @@
   <p:clrMapOvr>
     <a:masterClrMapping/>
   </p:clrMapOvr>
+  <p:timing>
+    <p:tnLst>
+      <p:par>
+        <p:cTn id="1" dur="indefinite" restart="never" nodeType="tmRoot"/>
+      </p:par>
+    </p:tnLst>
+  </p:timing>
 </p:sld>
 </file>
 
@@ -4040,7 +4191,7 @@
           <p:cNvPr id="2" name="Title 1">
             <a:extLst>
               <a:ext uri="{FF2B5EF4-FFF2-40B4-BE49-F238E27FC236}">
-                <a16:creationId xmlns:a16="http://schemas.microsoft.com/office/drawing/2014/main" id="{5ACC0826-E80F-43C0-912C-275EB710142B}"/>
+                <a16:creationId xmlns:a16="http://schemas.microsoft.com/office/drawing/2014/main" xmlns="" id="{5ACC0826-E80F-43C0-912C-275EB710142B}"/>
               </a:ext>
             </a:extLst>
           </p:cNvPr>
@@ -4069,7 +4220,7 @@
           <p:cNvPr id="4" name="Chỗ dành sẵn cho Nội dung 3">
             <a:extLst>
               <a:ext uri="{FF2B5EF4-FFF2-40B4-BE49-F238E27FC236}">
-                <a16:creationId xmlns:a16="http://schemas.microsoft.com/office/drawing/2014/main" id="{E7382999-E9BD-45F8-97D5-A50B26B12803}"/>
+                <a16:creationId xmlns:a16="http://schemas.microsoft.com/office/drawing/2014/main" xmlns="" id="{E7382999-E9BD-45F8-97D5-A50B26B12803}"/>
               </a:ext>
             </a:extLst>
           </p:cNvPr>
@@ -4085,7 +4236,7 @@
           <a:bodyPr/>
           <a:lstStyle/>
           <a:p>
-            <a:endParaRPr lang="vi-VN"/>
+            <a:endParaRPr lang="vi-VN" dirty="0"/>
           </a:p>
         </p:txBody>
       </p:sp>
@@ -4099,6 +4250,13 @@
   <p:clrMapOvr>
     <a:masterClrMapping/>
   </p:clrMapOvr>
+  <p:timing>
+    <p:tnLst>
+      <p:par>
+        <p:cTn id="1" dur="indefinite" restart="never" nodeType="tmRoot"/>
+      </p:par>
+    </p:tnLst>
+  </p:timing>
 </p:sld>
 </file>
 
@@ -4124,7 +4282,7 @@
           <p:cNvPr id="2" name="Title 1">
             <a:extLst>
               <a:ext uri="{FF2B5EF4-FFF2-40B4-BE49-F238E27FC236}">
-                <a16:creationId xmlns:a16="http://schemas.microsoft.com/office/drawing/2014/main" id="{5ACC0826-E80F-43C0-912C-275EB710142B}"/>
+                <a16:creationId xmlns:a16="http://schemas.microsoft.com/office/drawing/2014/main" xmlns="" id="{5ACC0826-E80F-43C0-912C-275EB710142B}"/>
               </a:ext>
             </a:extLst>
           </p:cNvPr>
@@ -4153,7 +4311,7 @@
           <p:cNvPr id="4" name="Chỗ dành sẵn cho Nội dung 3">
             <a:extLst>
               <a:ext uri="{FF2B5EF4-FFF2-40B4-BE49-F238E27FC236}">
-                <a16:creationId xmlns:a16="http://schemas.microsoft.com/office/drawing/2014/main" id="{E7382999-E9BD-45F8-97D5-A50B26B12803}"/>
+                <a16:creationId xmlns:a16="http://schemas.microsoft.com/office/drawing/2014/main" xmlns="" id="{E7382999-E9BD-45F8-97D5-A50B26B12803}"/>
               </a:ext>
             </a:extLst>
           </p:cNvPr>
@@ -4169,7 +4327,7 @@
           <a:bodyPr/>
           <a:lstStyle/>
           <a:p>
-            <a:endParaRPr lang="vi-VN"/>
+            <a:endParaRPr lang="vi-VN" dirty="0"/>
           </a:p>
         </p:txBody>
       </p:sp>
@@ -4183,6 +4341,13 @@
   <p:clrMapOvr>
     <a:masterClrMapping/>
   </p:clrMapOvr>
+  <p:timing>
+    <p:tnLst>
+      <p:par>
+        <p:cTn id="1" dur="indefinite" restart="never" nodeType="tmRoot"/>
+      </p:par>
+    </p:tnLst>
+  </p:timing>
 </p:sld>
 </file>
 
@@ -4208,7 +4373,7 @@
           <p:cNvPr id="2" name="Title 1">
             <a:extLst>
               <a:ext uri="{FF2B5EF4-FFF2-40B4-BE49-F238E27FC236}">
-                <a16:creationId xmlns:a16="http://schemas.microsoft.com/office/drawing/2014/main" id="{5ACC0826-E80F-43C0-912C-275EB710142B}"/>
+                <a16:creationId xmlns:a16="http://schemas.microsoft.com/office/drawing/2014/main" xmlns="" id="{5ACC0826-E80F-43C0-912C-275EB710142B}"/>
               </a:ext>
             </a:extLst>
           </p:cNvPr>
@@ -4225,10 +4390,9 @@
           <a:lstStyle/>
           <a:p>
             <a:r>
-              <a:rPr lang="en-US"/>
+              <a:rPr lang="en-US" dirty="0"/>
               <a:t>Giới thiệu hàm compileExpression</a:t>
             </a:r>
-            <a:endParaRPr lang="en-US" dirty="0"/>
           </a:p>
         </p:txBody>
       </p:sp>
@@ -4237,7 +4401,7 @@
           <p:cNvPr id="4" name="Chỗ dành sẵn cho Nội dung 3">
             <a:extLst>
               <a:ext uri="{FF2B5EF4-FFF2-40B4-BE49-F238E27FC236}">
-                <a16:creationId xmlns:a16="http://schemas.microsoft.com/office/drawing/2014/main" id="{E7382999-E9BD-45F8-97D5-A50B26B12803}"/>
+                <a16:creationId xmlns:a16="http://schemas.microsoft.com/office/drawing/2014/main" xmlns="" id="{E7382999-E9BD-45F8-97D5-A50B26B12803}"/>
               </a:ext>
             </a:extLst>
           </p:cNvPr>
@@ -4248,15 +4412,88 @@
             <p:ph idx="1"/>
           </p:nvPr>
         </p:nvSpPr>
-        <p:spPr/>
+        <p:spPr>
+          <a:xfrm>
+            <a:off x="488950" y="1346201"/>
+            <a:ext cx="8026400" cy="537308"/>
+          </a:xfrm>
+        </p:spPr>
         <p:txBody>
           <a:bodyPr/>
           <a:lstStyle/>
           <a:p>
-            <a:endParaRPr lang="vi-VN"/>
+            <a:r>
+              <a:rPr lang="en-US" dirty="0" smtClean="0"/>
+              <a:t>Chi tiết hoá sơ đồ hàm expression:</a:t>
+            </a:r>
+            <a:endParaRPr lang="vi-VN" dirty="0"/>
           </a:p>
         </p:txBody>
       </p:sp>
+      <p:pic>
+        <p:nvPicPr>
+          <p:cNvPr id="1028" name="Picture 4"/>
+          <p:cNvPicPr>
+            <a:picLocks noChangeAspect="1" noChangeArrowheads="1"/>
+          </p:cNvPicPr>
+          <p:nvPr/>
+        </p:nvPicPr>
+        <p:blipFill>
+          <a:blip r:embed="rId2">
+            <a:extLst>
+              <a:ext uri="{28A0092B-C50C-407E-A947-70E740481C1C}">
+                <a14:useLocalDpi xmlns:a14="http://schemas.microsoft.com/office/drawing/2010/main" val="0"/>
+              </a:ext>
+            </a:extLst>
+          </a:blip>
+          <a:srcRect/>
+          <a:stretch>
+            <a:fillRect/>
+          </a:stretch>
+        </p:blipFill>
+        <p:spPr bwMode="auto">
+          <a:xfrm>
+            <a:off x="727319" y="2406650"/>
+            <a:ext cx="7715250" cy="2171700"/>
+          </a:xfrm>
+          <a:prstGeom prst="rect">
+            <a:avLst/>
+          </a:prstGeom>
+          <a:noFill/>
+          <a:ln>
+            <a:noFill/>
+          </a:ln>
+          <a:effectLst/>
+          <a:extLst>
+            <a:ext uri="{909E8E84-426E-40DD-AFC4-6F175D3DCCD1}">
+              <a14:hiddenFill xmlns:a14="http://schemas.microsoft.com/office/drawing/2010/main">
+                <a:solidFill>
+                  <a:schemeClr val="accent1"/>
+                </a:solidFill>
+              </a14:hiddenFill>
+            </a:ext>
+            <a:ext uri="{91240B29-F687-4F45-9708-019B960494DF}">
+              <a14:hiddenLine xmlns:a14="http://schemas.microsoft.com/office/drawing/2010/main" w="9525">
+                <a:solidFill>
+                  <a:schemeClr val="tx1"/>
+                </a:solidFill>
+                <a:miter lim="800000"/>
+                <a:headEnd/>
+                <a:tailEnd/>
+              </a14:hiddenLine>
+            </a:ext>
+            <a:ext uri="{AF507438-7753-43E0-B8FC-AC1667EBCBE1}">
+              <a14:hiddenEffects xmlns:a14="http://schemas.microsoft.com/office/drawing/2010/main">
+                <a:effectLst>
+                  <a:outerShdw dist="35921" dir="2700000" algn="ctr" rotWithShape="0">
+                    <a:schemeClr val="bg2"/>
+                  </a:outerShdw>
+                </a:effectLst>
+              </a14:hiddenEffects>
+            </a:ext>
+          </a:extLst>
+        </p:spPr>
+      </p:pic>
     </p:spTree>
     <p:extLst>
       <p:ext uri="{BB962C8B-B14F-4D97-AF65-F5344CB8AC3E}">
@@ -4267,6 +4504,13 @@
   <p:clrMapOvr>
     <a:masterClrMapping/>
   </p:clrMapOvr>
+  <p:timing>
+    <p:tnLst>
+      <p:par>
+        <p:cTn id="1" dur="indefinite" restart="never" nodeType="tmRoot"/>
+      </p:par>
+    </p:tnLst>
+  </p:timing>
 </p:sld>
 </file>
 
@@ -4292,7 +4536,7 @@
           <p:cNvPr id="2" name="Title 1">
             <a:extLst>
               <a:ext uri="{FF2B5EF4-FFF2-40B4-BE49-F238E27FC236}">
-                <a16:creationId xmlns:a16="http://schemas.microsoft.com/office/drawing/2014/main" id="{5ACC0826-E80F-43C0-912C-275EB710142B}"/>
+                <a16:creationId xmlns:a16="http://schemas.microsoft.com/office/drawing/2014/main" xmlns="" id="{5ACC0826-E80F-43C0-912C-275EB710142B}"/>
               </a:ext>
             </a:extLst>
           </p:cNvPr>
@@ -4309,10 +4553,9 @@
           <a:lstStyle/>
           <a:p>
             <a:r>
-              <a:rPr lang="en-US"/>
-              <a:t>Giới thiệu hàm compileParamlist</a:t>
-            </a:r>
-            <a:endParaRPr lang="en-US" dirty="0"/>
+              <a:rPr lang="en-US" dirty="0"/>
+              <a:t>Giới thiệu hàm compileExpression</a:t>
+            </a:r>
           </a:p>
         </p:txBody>
       </p:sp>
@@ -4321,7 +4564,1237 @@
           <p:cNvPr id="4" name="Chỗ dành sẵn cho Nội dung 3">
             <a:extLst>
               <a:ext uri="{FF2B5EF4-FFF2-40B4-BE49-F238E27FC236}">
-                <a16:creationId xmlns:a16="http://schemas.microsoft.com/office/drawing/2014/main" id="{E7382999-E9BD-45F8-97D5-A50B26B12803}"/>
+                <a16:creationId xmlns:a16="http://schemas.microsoft.com/office/drawing/2014/main" xmlns="" id="{E7382999-E9BD-45F8-97D5-A50B26B12803}"/>
+              </a:ext>
+            </a:extLst>
+          </p:cNvPr>
+          <p:cNvSpPr>
+            <a:spLocks noGrp="1"/>
+          </p:cNvSpPr>
+          <p:nvPr>
+            <p:ph idx="1"/>
+          </p:nvPr>
+        </p:nvSpPr>
+        <p:spPr>
+          <a:xfrm>
+            <a:off x="309685" y="1416536"/>
+            <a:ext cx="4004896" cy="5164018"/>
+          </a:xfrm>
+        </p:spPr>
+        <p:style>
+          <a:lnRef idx="2">
+            <a:schemeClr val="dk1"/>
+          </a:lnRef>
+          <a:fillRef idx="1">
+            <a:schemeClr val="lt1"/>
+          </a:fillRef>
+          <a:effectRef idx="0">
+            <a:schemeClr val="dk1"/>
+          </a:effectRef>
+          <a:fontRef idx="minor">
+            <a:schemeClr val="dk1"/>
+          </a:fontRef>
+        </p:style>
+        <p:txBody>
+          <a:bodyPr>
+            <a:normAutofit fontScale="85000" lnSpcReduction="20000"/>
+          </a:bodyPr>
+          <a:lstStyle/>
+          <a:p>
+            <a:r>
+              <a:rPr lang="vi-VN" dirty="0"/>
+              <a:t>void compileExpression(void) {</a:t>
+            </a:r>
+          </a:p>
+          <a:p>
+            <a:r>
+              <a:rPr lang="vi-VN" dirty="0"/>
+              <a:t>  assert("Parsing an expression");</a:t>
+            </a:r>
+          </a:p>
+          <a:p>
+            <a:r>
+              <a:rPr lang="vi-VN" dirty="0"/>
+              <a:t>  switch (lookAhead-&gt;tokenType) {</a:t>
+            </a:r>
+          </a:p>
+          <a:p>
+            <a:r>
+              <a:rPr lang="vi-VN" dirty="0"/>
+              <a:t>  case SB_PLUS:</a:t>
+            </a:r>
+          </a:p>
+          <a:p>
+            <a:r>
+              <a:rPr lang="vi-VN" dirty="0"/>
+              <a:t>      eat(SB_PLUS);</a:t>
+            </a:r>
+          </a:p>
+          <a:p>
+            <a:r>
+              <a:rPr lang="vi-VN" dirty="0"/>
+              <a:t>      compileExpression2();</a:t>
+            </a:r>
+          </a:p>
+          <a:p>
+            <a:r>
+              <a:rPr lang="vi-VN" dirty="0"/>
+              <a:t>      break;</a:t>
+            </a:r>
+          </a:p>
+          <a:p>
+            <a:r>
+              <a:rPr lang="vi-VN" dirty="0"/>
+              <a:t>  case SB_MINUS:</a:t>
+            </a:r>
+          </a:p>
+          <a:p>
+            <a:r>
+              <a:rPr lang="vi-VN" dirty="0"/>
+              <a:t>      eat(SB_MINUS);</a:t>
+            </a:r>
+          </a:p>
+          <a:p>
+            <a:r>
+              <a:rPr lang="vi-VN" dirty="0"/>
+              <a:t>      compileExpression2();</a:t>
+            </a:r>
+          </a:p>
+          <a:p>
+            <a:r>
+              <a:rPr lang="vi-VN" dirty="0"/>
+              <a:t>      break;</a:t>
+            </a:r>
+          </a:p>
+          <a:p>
+            <a:r>
+              <a:rPr lang="vi-VN" dirty="0"/>
+              <a:t>  default:</a:t>
+            </a:r>
+          </a:p>
+          <a:p>
+            <a:r>
+              <a:rPr lang="vi-VN" dirty="0"/>
+              <a:t>      compileExpression2();</a:t>
+            </a:r>
+          </a:p>
+          <a:p>
+            <a:r>
+              <a:rPr lang="vi-VN" dirty="0"/>
+              <a:t>      break;</a:t>
+            </a:r>
+          </a:p>
+          <a:p>
+            <a:r>
+              <a:rPr lang="vi-VN" dirty="0"/>
+              <a:t>  }</a:t>
+            </a:r>
+          </a:p>
+          <a:p>
+            <a:r>
+              <a:rPr lang="vi-VN" dirty="0"/>
+              <a:t>  assert("Expression parsed");</a:t>
+            </a:r>
+          </a:p>
+          <a:p>
+            <a:r>
+              <a:rPr lang="vi-VN" dirty="0"/>
+              <a:t>}</a:t>
+            </a:r>
+            <a:endParaRPr lang="vi-VN" dirty="0"/>
+          </a:p>
+        </p:txBody>
+      </p:sp>
+      <p:sp>
+        <p:nvSpPr>
+          <p:cNvPr id="6" name="Chỗ dành sẵn cho Nội dung 3">
+            <a:extLst>
+              <a:ext uri="{FF2B5EF4-FFF2-40B4-BE49-F238E27FC236}">
+                <a16:creationId xmlns:a16="http://schemas.microsoft.com/office/drawing/2014/main" xmlns="" id="{E7382999-E9BD-45F8-97D5-A50B26B12803}"/>
+              </a:ext>
+            </a:extLst>
+          </p:cNvPr>
+          <p:cNvSpPr txBox="1">
+            <a:spLocks/>
+          </p:cNvSpPr>
+          <p:nvPr/>
+        </p:nvSpPr>
+        <p:spPr>
+          <a:xfrm>
+            <a:off x="4588119" y="1381367"/>
+            <a:ext cx="4004896" cy="5164018"/>
+          </a:xfrm>
+          <a:prstGeom prst="rect">
+            <a:avLst/>
+          </a:prstGeom>
+        </p:spPr>
+        <p:style>
+          <a:lnRef idx="2">
+            <a:schemeClr val="dk1"/>
+          </a:lnRef>
+          <a:fillRef idx="1">
+            <a:schemeClr val="lt1"/>
+          </a:fillRef>
+          <a:effectRef idx="0">
+            <a:schemeClr val="dk1"/>
+          </a:effectRef>
+          <a:fontRef idx="minor">
+            <a:schemeClr val="dk1"/>
+          </a:fontRef>
+        </p:style>
+        <p:txBody>
+          <a:bodyPr vert="horz" lIns="91440" tIns="45720" rIns="91440" bIns="45720" rtlCol="0">
+            <a:normAutofit/>
+          </a:bodyPr>
+          <a:lstStyle>
+            <a:lvl1pPr marL="171450" indent="-171450" algn="l" defTabSz="685800" rtl="0" eaLnBrk="1" latinLnBrk="0" hangingPunct="1">
+              <a:lnSpc>
+                <a:spcPct val="90000"/>
+              </a:lnSpc>
+              <a:spcBef>
+                <a:spcPts val="750"/>
+              </a:spcBef>
+              <a:buFont typeface="Arial" panose="020B0604020202020204" pitchFamily="34" charset="0"/>
+              <a:buChar char="•"/>
+              <a:defRPr sz="2100" kern="1200">
+                <a:solidFill>
+                  <a:schemeClr val="tx1">
+                    <a:lumMod val="75000"/>
+                    <a:lumOff val="25000"/>
+                  </a:schemeClr>
+                </a:solidFill>
+                <a:latin typeface="+mn-lt"/>
+                <a:ea typeface="+mn-ea"/>
+                <a:cs typeface="+mn-cs"/>
+              </a:defRPr>
+            </a:lvl1pPr>
+            <a:lvl2pPr marL="514350" indent="-171450" algn="l" defTabSz="685800" rtl="0" eaLnBrk="1" latinLnBrk="0" hangingPunct="1">
+              <a:lnSpc>
+                <a:spcPct val="90000"/>
+              </a:lnSpc>
+              <a:spcBef>
+                <a:spcPts val="375"/>
+              </a:spcBef>
+              <a:buFont typeface="Arial" panose="020B0604020202020204" pitchFamily="34" charset="0"/>
+              <a:buChar char="•"/>
+              <a:defRPr sz="1800" kern="1200">
+                <a:solidFill>
+                  <a:schemeClr val="tx1">
+                    <a:lumMod val="75000"/>
+                    <a:lumOff val="25000"/>
+                  </a:schemeClr>
+                </a:solidFill>
+                <a:latin typeface="+mn-lt"/>
+                <a:ea typeface="+mn-ea"/>
+                <a:cs typeface="+mn-cs"/>
+              </a:defRPr>
+            </a:lvl2pPr>
+            <a:lvl3pPr marL="857250" indent="-171450" algn="l" defTabSz="685800" rtl="0" eaLnBrk="1" latinLnBrk="0" hangingPunct="1">
+              <a:lnSpc>
+                <a:spcPct val="90000"/>
+              </a:lnSpc>
+              <a:spcBef>
+                <a:spcPts val="375"/>
+              </a:spcBef>
+              <a:buFont typeface="Arial" panose="020B0604020202020204" pitchFamily="34" charset="0"/>
+              <a:buChar char="•"/>
+              <a:defRPr sz="1500" kern="1200">
+                <a:solidFill>
+                  <a:schemeClr val="tx1">
+                    <a:lumMod val="75000"/>
+                    <a:lumOff val="25000"/>
+                  </a:schemeClr>
+                </a:solidFill>
+                <a:latin typeface="+mn-lt"/>
+                <a:ea typeface="+mn-ea"/>
+                <a:cs typeface="+mn-cs"/>
+              </a:defRPr>
+            </a:lvl3pPr>
+            <a:lvl4pPr marL="1200150" indent="-171450" algn="l" defTabSz="685800" rtl="0" eaLnBrk="1" latinLnBrk="0" hangingPunct="1">
+              <a:lnSpc>
+                <a:spcPct val="90000"/>
+              </a:lnSpc>
+              <a:spcBef>
+                <a:spcPts val="375"/>
+              </a:spcBef>
+              <a:buFont typeface="Arial" panose="020B0604020202020204" pitchFamily="34" charset="0"/>
+              <a:buChar char="•"/>
+              <a:defRPr sz="1350" kern="1200">
+                <a:solidFill>
+                  <a:schemeClr val="tx1">
+                    <a:lumMod val="75000"/>
+                    <a:lumOff val="25000"/>
+                  </a:schemeClr>
+                </a:solidFill>
+                <a:latin typeface="+mn-lt"/>
+                <a:ea typeface="+mn-ea"/>
+                <a:cs typeface="+mn-cs"/>
+              </a:defRPr>
+            </a:lvl4pPr>
+            <a:lvl5pPr marL="1543050" indent="-171450" algn="l" defTabSz="685800" rtl="0" eaLnBrk="1" latinLnBrk="0" hangingPunct="1">
+              <a:lnSpc>
+                <a:spcPct val="90000"/>
+              </a:lnSpc>
+              <a:spcBef>
+                <a:spcPts val="375"/>
+              </a:spcBef>
+              <a:buFont typeface="Arial" panose="020B0604020202020204" pitchFamily="34" charset="0"/>
+              <a:buChar char="•"/>
+              <a:defRPr sz="1350" kern="1200">
+                <a:solidFill>
+                  <a:schemeClr val="tx1">
+                    <a:lumMod val="75000"/>
+                    <a:lumOff val="25000"/>
+                  </a:schemeClr>
+                </a:solidFill>
+                <a:latin typeface="+mn-lt"/>
+                <a:ea typeface="+mn-ea"/>
+                <a:cs typeface="+mn-cs"/>
+              </a:defRPr>
+            </a:lvl5pPr>
+            <a:lvl6pPr marL="1885950" indent="-171450" algn="l" defTabSz="685800" rtl="0" eaLnBrk="1" latinLnBrk="0" hangingPunct="1">
+              <a:lnSpc>
+                <a:spcPct val="90000"/>
+              </a:lnSpc>
+              <a:spcBef>
+                <a:spcPts val="375"/>
+              </a:spcBef>
+              <a:buFont typeface="Arial" panose="020B0604020202020204" pitchFamily="34" charset="0"/>
+              <a:buChar char="•"/>
+              <a:defRPr sz="1350" kern="1200">
+                <a:solidFill>
+                  <a:schemeClr val="tx1"/>
+                </a:solidFill>
+                <a:latin typeface="+mn-lt"/>
+                <a:ea typeface="+mn-ea"/>
+                <a:cs typeface="+mn-cs"/>
+              </a:defRPr>
+            </a:lvl6pPr>
+            <a:lvl7pPr marL="2228850" indent="-171450" algn="l" defTabSz="685800" rtl="0" eaLnBrk="1" latinLnBrk="0" hangingPunct="1">
+              <a:lnSpc>
+                <a:spcPct val="90000"/>
+              </a:lnSpc>
+              <a:spcBef>
+                <a:spcPts val="375"/>
+              </a:spcBef>
+              <a:buFont typeface="Arial" panose="020B0604020202020204" pitchFamily="34" charset="0"/>
+              <a:buChar char="•"/>
+              <a:defRPr sz="1350" kern="1200">
+                <a:solidFill>
+                  <a:schemeClr val="tx1"/>
+                </a:solidFill>
+                <a:latin typeface="+mn-lt"/>
+                <a:ea typeface="+mn-ea"/>
+                <a:cs typeface="+mn-cs"/>
+              </a:defRPr>
+            </a:lvl7pPr>
+            <a:lvl8pPr marL="2571750" indent="-171450" algn="l" defTabSz="685800" rtl="0" eaLnBrk="1" latinLnBrk="0" hangingPunct="1">
+              <a:lnSpc>
+                <a:spcPct val="90000"/>
+              </a:lnSpc>
+              <a:spcBef>
+                <a:spcPts val="375"/>
+              </a:spcBef>
+              <a:buFont typeface="Arial" panose="020B0604020202020204" pitchFamily="34" charset="0"/>
+              <a:buChar char="•"/>
+              <a:defRPr sz="1350" kern="1200">
+                <a:solidFill>
+                  <a:schemeClr val="tx1"/>
+                </a:solidFill>
+                <a:latin typeface="+mn-lt"/>
+                <a:ea typeface="+mn-ea"/>
+                <a:cs typeface="+mn-cs"/>
+              </a:defRPr>
+            </a:lvl8pPr>
+            <a:lvl9pPr marL="2914650" indent="-171450" algn="l" defTabSz="685800" rtl="0" eaLnBrk="1" latinLnBrk="0" hangingPunct="1">
+              <a:lnSpc>
+                <a:spcPct val="90000"/>
+              </a:lnSpc>
+              <a:spcBef>
+                <a:spcPts val="375"/>
+              </a:spcBef>
+              <a:buFont typeface="Arial" panose="020B0604020202020204" pitchFamily="34" charset="0"/>
+              <a:buChar char="•"/>
+              <a:defRPr sz="1350" kern="1200">
+                <a:solidFill>
+                  <a:schemeClr val="tx1"/>
+                </a:solidFill>
+                <a:latin typeface="+mn-lt"/>
+                <a:ea typeface="+mn-ea"/>
+                <a:cs typeface="+mn-cs"/>
+              </a:defRPr>
+            </a:lvl9pPr>
+          </a:lstStyle>
+          <a:p>
+            <a:r>
+              <a:rPr lang="vi-VN" dirty="0"/>
+              <a:t>void compileExpression2(void) {</a:t>
+            </a:r>
+          </a:p>
+          <a:p>
+            <a:r>
+              <a:rPr lang="vi-VN" dirty="0"/>
+              <a:t>  compileTerm();</a:t>
+            </a:r>
+          </a:p>
+          <a:p>
+            <a:r>
+              <a:rPr lang="vi-VN" dirty="0"/>
+              <a:t>  compileExpression3();</a:t>
+            </a:r>
+          </a:p>
+          <a:p>
+            <a:r>
+              <a:rPr lang="vi-VN" dirty="0"/>
+              <a:t>}</a:t>
+            </a:r>
+          </a:p>
+        </p:txBody>
+      </p:sp>
+    </p:spTree>
+    <p:extLst>
+      <p:ext uri="{BB962C8B-B14F-4D97-AF65-F5344CB8AC3E}">
+        <p14:creationId xmlns:p14="http://schemas.microsoft.com/office/powerpoint/2010/main" val="3379804870"/>
+      </p:ext>
+    </p:extLst>
+  </p:cSld>
+  <p:clrMapOvr>
+    <a:masterClrMapping/>
+  </p:clrMapOvr>
+  <p:timing>
+    <p:tnLst>
+      <p:par>
+        <p:cTn id="1" dur="indefinite" restart="never" nodeType="tmRoot"/>
+      </p:par>
+    </p:tnLst>
+  </p:timing>
+</p:sld>
+</file>
+
+<file path=ppt/slides/slide19.xml><?xml version="1.0" encoding="utf-8"?>
+<p:sld xmlns:a="http://schemas.openxmlformats.org/drawingml/2006/main" xmlns:r="http://schemas.openxmlformats.org/officeDocument/2006/relationships" xmlns:p="http://schemas.openxmlformats.org/presentationml/2006/main">
+  <p:cSld>
+    <p:spTree>
+      <p:nvGrpSpPr>
+        <p:cNvPr id="1" name=""/>
+        <p:cNvGrpSpPr/>
+        <p:nvPr/>
+      </p:nvGrpSpPr>
+      <p:grpSpPr>
+        <a:xfrm>
+          <a:off x="0" y="0"/>
+          <a:ext cx="0" cy="0"/>
+          <a:chOff x="0" y="0"/>
+          <a:chExt cx="0" cy="0"/>
+        </a:xfrm>
+      </p:grpSpPr>
+      <p:sp>
+        <p:nvSpPr>
+          <p:cNvPr id="2" name="Title 1"/>
+          <p:cNvSpPr>
+            <a:spLocks noGrp="1"/>
+          </p:cNvSpPr>
+          <p:nvPr>
+            <p:ph type="title"/>
+          </p:nvPr>
+        </p:nvSpPr>
+        <p:spPr/>
+        <p:txBody>
+          <a:bodyPr/>
+          <a:lstStyle/>
+          <a:p>
+            <a:r>
+              <a:rPr lang="en-US" dirty="0"/>
+              <a:t>Giới thiệu hàm compileExpression</a:t>
+            </a:r>
+          </a:p>
+        </p:txBody>
+      </p:sp>
+      <p:sp>
+        <p:nvSpPr>
+          <p:cNvPr id="3" name="Content Placeholder 2"/>
+          <p:cNvSpPr>
+            <a:spLocks noGrp="1"/>
+          </p:cNvSpPr>
+          <p:nvPr>
+            <p:ph idx="1"/>
+          </p:nvPr>
+        </p:nvSpPr>
+        <p:spPr>
+          <a:xfrm>
+            <a:off x="621811" y="1354015"/>
+            <a:ext cx="3621943" cy="4902199"/>
+          </a:xfrm>
+        </p:spPr>
+        <p:txBody>
+          <a:bodyPr>
+            <a:normAutofit fontScale="62500" lnSpcReduction="20000"/>
+          </a:bodyPr>
+          <a:lstStyle/>
+          <a:p>
+            <a:r>
+              <a:rPr lang="en-US" dirty="0"/>
+              <a:t>void compileExpression3(void) {</a:t>
+            </a:r>
+          </a:p>
+          <a:p>
+            <a:r>
+              <a:rPr lang="en-US" dirty="0"/>
+              <a:t>  switch(lookAhead-&gt;tokenType) {</a:t>
+            </a:r>
+          </a:p>
+          <a:p>
+            <a:r>
+              <a:rPr lang="en-US" dirty="0"/>
+              <a:t>  case SB_PLUS:</a:t>
+            </a:r>
+          </a:p>
+          <a:p>
+            <a:r>
+              <a:rPr lang="en-US" dirty="0"/>
+              <a:t>      eat(SB_PLUS);</a:t>
+            </a:r>
+          </a:p>
+          <a:p>
+            <a:r>
+              <a:rPr lang="en-US" dirty="0"/>
+              <a:t>      compileTerm();</a:t>
+            </a:r>
+          </a:p>
+          <a:p>
+            <a:r>
+              <a:rPr lang="en-US" dirty="0"/>
+              <a:t>      compileExpression3();</a:t>
+            </a:r>
+          </a:p>
+          <a:p>
+            <a:r>
+              <a:rPr lang="en-US" dirty="0"/>
+              <a:t>      break</a:t>
+            </a:r>
+            <a:r>
+              <a:rPr lang="en-US" dirty="0" smtClean="0"/>
+              <a:t>;</a:t>
+            </a:r>
+            <a:endParaRPr lang="en-US" dirty="0"/>
+          </a:p>
+          <a:p>
+            <a:r>
+              <a:rPr lang="en-US" dirty="0"/>
+              <a:t>  case SB_MINUS:</a:t>
+            </a:r>
+          </a:p>
+          <a:p>
+            <a:r>
+              <a:rPr lang="en-US" dirty="0"/>
+              <a:t>      eat(SB_MINUS);</a:t>
+            </a:r>
+          </a:p>
+          <a:p>
+            <a:r>
+              <a:rPr lang="en-US" dirty="0"/>
+              <a:t>      compileTerm();</a:t>
+            </a:r>
+          </a:p>
+          <a:p>
+            <a:r>
+              <a:rPr lang="en-US" dirty="0"/>
+              <a:t>      compileExpression3();</a:t>
+            </a:r>
+          </a:p>
+          <a:p>
+            <a:r>
+              <a:rPr lang="en-US" dirty="0"/>
+              <a:t>      break</a:t>
+            </a:r>
+            <a:r>
+              <a:rPr lang="en-US" dirty="0" smtClean="0"/>
+              <a:t>;</a:t>
+            </a:r>
+          </a:p>
+          <a:p>
+            <a:r>
+              <a:rPr lang="en-US" dirty="0"/>
+              <a:t>// Follow (statement)</a:t>
+            </a:r>
+          </a:p>
+          <a:p>
+            <a:r>
+              <a:rPr lang="en-US" dirty="0"/>
+              <a:t>  case SB_SEMICOLON:</a:t>
+            </a:r>
+          </a:p>
+          <a:p>
+            <a:r>
+              <a:rPr lang="en-US" dirty="0"/>
+              <a:t>  case KW_END:</a:t>
+            </a:r>
+          </a:p>
+          <a:p>
+            <a:r>
+              <a:rPr lang="en-US" dirty="0"/>
+              <a:t>  case KW_ELSE:</a:t>
+            </a:r>
+          </a:p>
+          <a:p>
+            <a:r>
+              <a:rPr lang="en-US" dirty="0"/>
+              <a:t>  // Follow (For statement</a:t>
+            </a:r>
+            <a:r>
+              <a:rPr lang="en-US" dirty="0" smtClean="0"/>
+              <a:t>)</a:t>
+            </a:r>
+          </a:p>
+          <a:p>
+            <a:r>
+              <a:rPr lang="en-US" dirty="0"/>
+              <a:t>case KW_TO:</a:t>
+            </a:r>
+          </a:p>
+          <a:p>
+            <a:r>
+              <a:rPr lang="en-US" dirty="0"/>
+              <a:t>  case KW_DO:</a:t>
+            </a:r>
+          </a:p>
+          <a:p>
+            <a:endParaRPr lang="en-US" dirty="0"/>
+          </a:p>
+          <a:p>
+            <a:endParaRPr lang="en-US" dirty="0"/>
+          </a:p>
+        </p:txBody>
+      </p:sp>
+      <p:sp>
+        <p:nvSpPr>
+          <p:cNvPr id="4" name="Content Placeholder 2"/>
+          <p:cNvSpPr txBox="1">
+            <a:spLocks/>
+          </p:cNvSpPr>
+          <p:nvPr/>
+        </p:nvSpPr>
+        <p:spPr>
+          <a:xfrm>
+            <a:off x="4697534" y="1410678"/>
+            <a:ext cx="3797789" cy="4902199"/>
+          </a:xfrm>
+          <a:prstGeom prst="rect">
+            <a:avLst/>
+          </a:prstGeom>
+        </p:spPr>
+        <p:txBody>
+          <a:bodyPr vert="horz" lIns="91440" tIns="45720" rIns="91440" bIns="45720" rtlCol="0">
+            <a:normAutofit fontScale="47500" lnSpcReduction="20000"/>
+          </a:bodyPr>
+          <a:lstStyle>
+            <a:lvl1pPr marL="171450" indent="-171450" algn="l" defTabSz="685800" rtl="0" eaLnBrk="1" latinLnBrk="0" hangingPunct="1">
+              <a:lnSpc>
+                <a:spcPct val="90000"/>
+              </a:lnSpc>
+              <a:spcBef>
+                <a:spcPts val="750"/>
+              </a:spcBef>
+              <a:buFont typeface="Arial" panose="020B0604020202020204" pitchFamily="34" charset="0"/>
+              <a:buChar char="•"/>
+              <a:defRPr sz="2100" kern="1200">
+                <a:solidFill>
+                  <a:schemeClr val="tx1">
+                    <a:lumMod val="75000"/>
+                    <a:lumOff val="25000"/>
+                  </a:schemeClr>
+                </a:solidFill>
+                <a:latin typeface="+mn-lt"/>
+                <a:ea typeface="+mn-ea"/>
+                <a:cs typeface="+mn-cs"/>
+              </a:defRPr>
+            </a:lvl1pPr>
+            <a:lvl2pPr marL="514350" indent="-171450" algn="l" defTabSz="685800" rtl="0" eaLnBrk="1" latinLnBrk="0" hangingPunct="1">
+              <a:lnSpc>
+                <a:spcPct val="90000"/>
+              </a:lnSpc>
+              <a:spcBef>
+                <a:spcPts val="375"/>
+              </a:spcBef>
+              <a:buFont typeface="Arial" panose="020B0604020202020204" pitchFamily="34" charset="0"/>
+              <a:buChar char="•"/>
+              <a:defRPr sz="1800" kern="1200">
+                <a:solidFill>
+                  <a:schemeClr val="tx1">
+                    <a:lumMod val="75000"/>
+                    <a:lumOff val="25000"/>
+                  </a:schemeClr>
+                </a:solidFill>
+                <a:latin typeface="+mn-lt"/>
+                <a:ea typeface="+mn-ea"/>
+                <a:cs typeface="+mn-cs"/>
+              </a:defRPr>
+            </a:lvl2pPr>
+            <a:lvl3pPr marL="857250" indent="-171450" algn="l" defTabSz="685800" rtl="0" eaLnBrk="1" latinLnBrk="0" hangingPunct="1">
+              <a:lnSpc>
+                <a:spcPct val="90000"/>
+              </a:lnSpc>
+              <a:spcBef>
+                <a:spcPts val="375"/>
+              </a:spcBef>
+              <a:buFont typeface="Arial" panose="020B0604020202020204" pitchFamily="34" charset="0"/>
+              <a:buChar char="•"/>
+              <a:defRPr sz="1500" kern="1200">
+                <a:solidFill>
+                  <a:schemeClr val="tx1">
+                    <a:lumMod val="75000"/>
+                    <a:lumOff val="25000"/>
+                  </a:schemeClr>
+                </a:solidFill>
+                <a:latin typeface="+mn-lt"/>
+                <a:ea typeface="+mn-ea"/>
+                <a:cs typeface="+mn-cs"/>
+              </a:defRPr>
+            </a:lvl3pPr>
+            <a:lvl4pPr marL="1200150" indent="-171450" algn="l" defTabSz="685800" rtl="0" eaLnBrk="1" latinLnBrk="0" hangingPunct="1">
+              <a:lnSpc>
+                <a:spcPct val="90000"/>
+              </a:lnSpc>
+              <a:spcBef>
+                <a:spcPts val="375"/>
+              </a:spcBef>
+              <a:buFont typeface="Arial" panose="020B0604020202020204" pitchFamily="34" charset="0"/>
+              <a:buChar char="•"/>
+              <a:defRPr sz="1350" kern="1200">
+                <a:solidFill>
+                  <a:schemeClr val="tx1">
+                    <a:lumMod val="75000"/>
+                    <a:lumOff val="25000"/>
+                  </a:schemeClr>
+                </a:solidFill>
+                <a:latin typeface="+mn-lt"/>
+                <a:ea typeface="+mn-ea"/>
+                <a:cs typeface="+mn-cs"/>
+              </a:defRPr>
+            </a:lvl4pPr>
+            <a:lvl5pPr marL="1543050" indent="-171450" algn="l" defTabSz="685800" rtl="0" eaLnBrk="1" latinLnBrk="0" hangingPunct="1">
+              <a:lnSpc>
+                <a:spcPct val="90000"/>
+              </a:lnSpc>
+              <a:spcBef>
+                <a:spcPts val="375"/>
+              </a:spcBef>
+              <a:buFont typeface="Arial" panose="020B0604020202020204" pitchFamily="34" charset="0"/>
+              <a:buChar char="•"/>
+              <a:defRPr sz="1350" kern="1200">
+                <a:solidFill>
+                  <a:schemeClr val="tx1">
+                    <a:lumMod val="75000"/>
+                    <a:lumOff val="25000"/>
+                  </a:schemeClr>
+                </a:solidFill>
+                <a:latin typeface="+mn-lt"/>
+                <a:ea typeface="+mn-ea"/>
+                <a:cs typeface="+mn-cs"/>
+              </a:defRPr>
+            </a:lvl5pPr>
+            <a:lvl6pPr marL="1885950" indent="-171450" algn="l" defTabSz="685800" rtl="0" eaLnBrk="1" latinLnBrk="0" hangingPunct="1">
+              <a:lnSpc>
+                <a:spcPct val="90000"/>
+              </a:lnSpc>
+              <a:spcBef>
+                <a:spcPts val="375"/>
+              </a:spcBef>
+              <a:buFont typeface="Arial" panose="020B0604020202020204" pitchFamily="34" charset="0"/>
+              <a:buChar char="•"/>
+              <a:defRPr sz="1350" kern="1200">
+                <a:solidFill>
+                  <a:schemeClr val="tx1"/>
+                </a:solidFill>
+                <a:latin typeface="+mn-lt"/>
+                <a:ea typeface="+mn-ea"/>
+                <a:cs typeface="+mn-cs"/>
+              </a:defRPr>
+            </a:lvl6pPr>
+            <a:lvl7pPr marL="2228850" indent="-171450" algn="l" defTabSz="685800" rtl="0" eaLnBrk="1" latinLnBrk="0" hangingPunct="1">
+              <a:lnSpc>
+                <a:spcPct val="90000"/>
+              </a:lnSpc>
+              <a:spcBef>
+                <a:spcPts val="375"/>
+              </a:spcBef>
+              <a:buFont typeface="Arial" panose="020B0604020202020204" pitchFamily="34" charset="0"/>
+              <a:buChar char="•"/>
+              <a:defRPr sz="1350" kern="1200">
+                <a:solidFill>
+                  <a:schemeClr val="tx1"/>
+                </a:solidFill>
+                <a:latin typeface="+mn-lt"/>
+                <a:ea typeface="+mn-ea"/>
+                <a:cs typeface="+mn-cs"/>
+              </a:defRPr>
+            </a:lvl7pPr>
+            <a:lvl8pPr marL="2571750" indent="-171450" algn="l" defTabSz="685800" rtl="0" eaLnBrk="1" latinLnBrk="0" hangingPunct="1">
+              <a:lnSpc>
+                <a:spcPct val="90000"/>
+              </a:lnSpc>
+              <a:spcBef>
+                <a:spcPts val="375"/>
+              </a:spcBef>
+              <a:buFont typeface="Arial" panose="020B0604020202020204" pitchFamily="34" charset="0"/>
+              <a:buChar char="•"/>
+              <a:defRPr sz="1350" kern="1200">
+                <a:solidFill>
+                  <a:schemeClr val="tx1"/>
+                </a:solidFill>
+                <a:latin typeface="+mn-lt"/>
+                <a:ea typeface="+mn-ea"/>
+                <a:cs typeface="+mn-cs"/>
+              </a:defRPr>
+            </a:lvl8pPr>
+            <a:lvl9pPr marL="2914650" indent="-171450" algn="l" defTabSz="685800" rtl="0" eaLnBrk="1" latinLnBrk="0" hangingPunct="1">
+              <a:lnSpc>
+                <a:spcPct val="90000"/>
+              </a:lnSpc>
+              <a:spcBef>
+                <a:spcPts val="375"/>
+              </a:spcBef>
+              <a:buFont typeface="Arial" panose="020B0604020202020204" pitchFamily="34" charset="0"/>
+              <a:buChar char="•"/>
+              <a:defRPr sz="1350" kern="1200">
+                <a:solidFill>
+                  <a:schemeClr val="tx1"/>
+                </a:solidFill>
+                <a:latin typeface="+mn-lt"/>
+                <a:ea typeface="+mn-ea"/>
+                <a:cs typeface="+mn-cs"/>
+              </a:defRPr>
+            </a:lvl9pPr>
+          </a:lstStyle>
+          <a:p>
+            <a:r>
+              <a:rPr lang="en-US" dirty="0" smtClean="0"/>
+              <a:t>// </a:t>
+            </a:r>
+            <a:r>
+              <a:rPr lang="en-US" dirty="0"/>
+              <a:t>Follow (arguments2)</a:t>
+            </a:r>
+          </a:p>
+          <a:p>
+            <a:r>
+              <a:rPr lang="en-US" dirty="0"/>
+              <a:t>  case SB_COMMA:</a:t>
+            </a:r>
+          </a:p>
+          <a:p>
+            <a:r>
+              <a:rPr lang="en-US" dirty="0"/>
+              <a:t>  // Follow (condition2)</a:t>
+            </a:r>
+          </a:p>
+          <a:p>
+            <a:r>
+              <a:rPr lang="en-US" dirty="0"/>
+              <a:t>  case SB_EQ:</a:t>
+            </a:r>
+          </a:p>
+          <a:p>
+            <a:r>
+              <a:rPr lang="en-US" dirty="0"/>
+              <a:t>  case SB_NEQ:</a:t>
+            </a:r>
+          </a:p>
+          <a:p>
+            <a:r>
+              <a:rPr lang="en-US" dirty="0"/>
+              <a:t>  case SB_LE:</a:t>
+            </a:r>
+          </a:p>
+          <a:p>
+            <a:r>
+              <a:rPr lang="en-US" dirty="0"/>
+              <a:t>  case SB_LT:</a:t>
+            </a:r>
+          </a:p>
+          <a:p>
+            <a:r>
+              <a:rPr lang="en-US" dirty="0"/>
+              <a:t>  case SB_GE:</a:t>
+            </a:r>
+          </a:p>
+          <a:p>
+            <a:r>
+              <a:rPr lang="en-US" dirty="0"/>
+              <a:t>  case SB_GT:</a:t>
+            </a:r>
+          </a:p>
+          <a:p>
+            <a:r>
+              <a:rPr lang="en-US" dirty="0"/>
+              <a:t>  // Follow (factor)</a:t>
+            </a:r>
+          </a:p>
+          <a:p>
+            <a:r>
+              <a:rPr lang="en-US" dirty="0"/>
+              <a:t>  case SB_RPAR:</a:t>
+            </a:r>
+          </a:p>
+          <a:p>
+            <a:r>
+              <a:rPr lang="en-US" dirty="0"/>
+              <a:t>  // Follow (indexes)</a:t>
+            </a:r>
+          </a:p>
+          <a:p>
+            <a:r>
+              <a:rPr lang="en-US" dirty="0"/>
+              <a:t>  case SB_RSEL:</a:t>
+            </a:r>
+          </a:p>
+          <a:p>
+            <a:r>
+              <a:rPr lang="en-US" dirty="0"/>
+              <a:t>  // Follow (if statement)</a:t>
+            </a:r>
+          </a:p>
+          <a:p>
+            <a:r>
+              <a:rPr lang="en-US" dirty="0"/>
+              <a:t>  case KW_THEN:</a:t>
+            </a:r>
+          </a:p>
+          <a:p>
+            <a:r>
+              <a:rPr lang="en-US" dirty="0"/>
+              <a:t>      break;</a:t>
+            </a:r>
+          </a:p>
+          <a:p>
+            <a:r>
+              <a:rPr lang="en-US" dirty="0"/>
+              <a:t>  // Error</a:t>
+            </a:r>
+          </a:p>
+          <a:p>
+            <a:r>
+              <a:rPr lang="en-US" dirty="0"/>
+              <a:t>  default:</a:t>
+            </a:r>
+          </a:p>
+          <a:p>
+            <a:r>
+              <a:rPr lang="en-US" dirty="0"/>
+              <a:t>      error(ERR_INVALIDEXPRESSION, lookAhead-&gt;lineNo, lookAhead-&gt;colNo);</a:t>
+            </a:r>
+          </a:p>
+          <a:p>
+            <a:r>
+              <a:rPr lang="en-US" dirty="0"/>
+              <a:t>      break;</a:t>
+            </a:r>
+          </a:p>
+          <a:p>
+            <a:r>
+              <a:rPr lang="en-US" dirty="0"/>
+              <a:t>  }</a:t>
+            </a:r>
+          </a:p>
+          <a:p>
+            <a:r>
+              <a:rPr lang="en-US" dirty="0"/>
+              <a:t>}</a:t>
+            </a:r>
+          </a:p>
+        </p:txBody>
+      </p:sp>
+    </p:spTree>
+    <p:extLst>
+      <p:ext uri="{BB962C8B-B14F-4D97-AF65-F5344CB8AC3E}">
+        <p14:creationId xmlns:p14="http://schemas.microsoft.com/office/powerpoint/2010/main" val="3738002215"/>
+      </p:ext>
+    </p:extLst>
+  </p:cSld>
+  <p:clrMapOvr>
+    <a:masterClrMapping/>
+  </p:clrMapOvr>
+  <p:timing>
+    <p:tnLst>
+      <p:par>
+        <p:cTn id="1" dur="indefinite" restart="never" nodeType="tmRoot"/>
+      </p:par>
+    </p:tnLst>
+  </p:timing>
+</p:sld>
+</file>
+
+<file path=ppt/slides/slide2.xml><?xml version="1.0" encoding="utf-8"?>
+<p:sld xmlns:a="http://schemas.openxmlformats.org/drawingml/2006/main" xmlns:r="http://schemas.openxmlformats.org/officeDocument/2006/relationships" xmlns:p="http://schemas.openxmlformats.org/presentationml/2006/main">
+  <p:cSld>
+    <p:spTree>
+      <p:nvGrpSpPr>
+        <p:cNvPr id="1" name=""/>
+        <p:cNvGrpSpPr/>
+        <p:nvPr/>
+      </p:nvGrpSpPr>
+      <p:grpSpPr>
+        <a:xfrm>
+          <a:off x="0" y="0"/>
+          <a:ext cx="0" cy="0"/>
+          <a:chOff x="0" y="0"/>
+          <a:chExt cx="0" cy="0"/>
+        </a:xfrm>
+      </p:grpSpPr>
+      <p:sp>
+        <p:nvSpPr>
+          <p:cNvPr id="2" name="Title 1">
+            <a:extLst>
+              <a:ext uri="{FF2B5EF4-FFF2-40B4-BE49-F238E27FC236}">
+                <a16:creationId xmlns:a16="http://schemas.microsoft.com/office/drawing/2014/main" xmlns="" id="{97AE80AE-7311-46F5-85B1-A0A9E23E593D}"/>
+              </a:ext>
+            </a:extLst>
+          </p:cNvPr>
+          <p:cNvSpPr>
+            <a:spLocks noGrp="1"/>
+          </p:cNvSpPr>
+          <p:nvPr>
+            <p:ph type="title"/>
+          </p:nvPr>
+        </p:nvSpPr>
+        <p:spPr>
+          <a:xfrm>
+            <a:off x="488950" y="-87315"/>
+            <a:ext cx="8026400" cy="1325563"/>
+          </a:xfrm>
+        </p:spPr>
+        <p:txBody>
+          <a:bodyPr/>
+          <a:lstStyle/>
+          <a:p>
+            <a:r>
+              <a:rPr lang="en-US"/>
+              <a:t>Vai trò của bộ phân tích cú pháp</a:t>
+            </a:r>
+            <a:endParaRPr lang="en-US" dirty="0"/>
+          </a:p>
+        </p:txBody>
+      </p:sp>
+      <p:sp>
+        <p:nvSpPr>
+          <p:cNvPr id="5" name="Chỗ dành sẵn cho Nội dung 4">
+            <a:extLst>
+              <a:ext uri="{FF2B5EF4-FFF2-40B4-BE49-F238E27FC236}">
+                <a16:creationId xmlns:a16="http://schemas.microsoft.com/office/drawing/2014/main" xmlns="" id="{C1B98B62-79E0-4981-BDFD-C14A9E3AD6A4}"/>
+              </a:ext>
+            </a:extLst>
+          </p:cNvPr>
+          <p:cNvSpPr>
+            <a:spLocks noGrp="1"/>
+          </p:cNvSpPr>
+          <p:nvPr>
+            <p:ph idx="1"/>
+          </p:nvPr>
+        </p:nvSpPr>
+        <p:spPr>
+          <a:xfrm>
+            <a:off x="488950" y="1346200"/>
+            <a:ext cx="8026400" cy="4902199"/>
+          </a:xfrm>
+        </p:spPr>
+        <p:txBody>
+          <a:bodyPr/>
+          <a:lstStyle/>
+          <a:p>
+            <a:r>
+              <a:rPr lang="vi-VN">
+                <a:solidFill>
+                  <a:schemeClr val="tx1"/>
+                </a:solidFill>
+              </a:rPr>
+              <a:t>Nhận chuỗi các token từ bộ phân tích từ vựng</a:t>
+            </a:r>
+          </a:p>
+          <a:p>
+            <a:r>
+              <a:rPr lang="vi-VN">
+                <a:solidFill>
+                  <a:schemeClr val="tx1"/>
+                </a:solidFill>
+              </a:rPr>
+              <a:t>Xác nhận rằng chuỗi này có thể được sinh ra từ văn phạm của ngôn ngữ nguồn </a:t>
+            </a:r>
+          </a:p>
+          <a:p>
+            <a:r>
+              <a:rPr lang="vi-VN">
+                <a:solidFill>
+                  <a:schemeClr val="tx1"/>
+                </a:solidFill>
+              </a:rPr>
+              <a:t>Bằng cách tạo ra cây phân tích cú pháp cho chuỗi</a:t>
+            </a:r>
+          </a:p>
+          <a:p>
+            <a:r>
+              <a:rPr lang="vi-VN">
+                <a:solidFill>
+                  <a:schemeClr val="tx1"/>
+                </a:solidFill>
+              </a:rPr>
+              <a:t>Có cơ chế ghi nhận các lỗi cú pháp</a:t>
+            </a:r>
+          </a:p>
+        </p:txBody>
+      </p:sp>
+      <p:pic>
+        <p:nvPicPr>
+          <p:cNvPr id="2050" name="Picture 2" descr="HÃ¬nh áº£nh cÃ³ liÃªn quan">
+            <a:extLst>
+              <a:ext uri="{FF2B5EF4-FFF2-40B4-BE49-F238E27FC236}">
+                <a16:creationId xmlns:a16="http://schemas.microsoft.com/office/drawing/2014/main" xmlns="" id="{9D9A1309-1337-4C6E-ABD1-4FC3B9921479}"/>
+              </a:ext>
+            </a:extLst>
+          </p:cNvPr>
+          <p:cNvPicPr>
+            <a:picLocks noChangeAspect="1" noChangeArrowheads="1"/>
+          </p:cNvPicPr>
+          <p:nvPr/>
+        </p:nvPicPr>
+        <p:blipFill>
+          <a:blip r:embed="rId2">
+            <a:extLst>
+              <a:ext uri="{28A0092B-C50C-407E-A947-70E740481C1C}">
+                <a14:useLocalDpi xmlns:a14="http://schemas.microsoft.com/office/drawing/2010/main" val="0"/>
+              </a:ext>
+            </a:extLst>
+          </a:blip>
+          <a:srcRect/>
+          <a:stretch>
+            <a:fillRect/>
+          </a:stretch>
+        </p:blipFill>
+        <p:spPr bwMode="auto">
+          <a:xfrm>
+            <a:off x="1146037" y="3429000"/>
+            <a:ext cx="7000538" cy="2345541"/>
+          </a:xfrm>
+          <a:prstGeom prst="rect">
+            <a:avLst/>
+          </a:prstGeom>
+          <a:noFill/>
+          <a:extLst>
+            <a:ext uri="{909E8E84-426E-40DD-AFC4-6F175D3DCCD1}">
+              <a14:hiddenFill xmlns:a14="http://schemas.microsoft.com/office/drawing/2010/main">
+                <a:solidFill>
+                  <a:srgbClr val="FFFFFF"/>
+                </a:solidFill>
+              </a14:hiddenFill>
+            </a:ext>
+          </a:extLst>
+        </p:spPr>
+      </p:pic>
+      <p:sp>
+        <p:nvSpPr>
+          <p:cNvPr id="6" name="Hình chữ nhật 5">
+            <a:extLst>
+              <a:ext uri="{FF2B5EF4-FFF2-40B4-BE49-F238E27FC236}">
+                <a16:creationId xmlns:a16="http://schemas.microsoft.com/office/drawing/2014/main" xmlns="" id="{E8D2F1D0-4175-44C4-ADF8-52AD40705026}"/>
+              </a:ext>
+            </a:extLst>
+          </p:cNvPr>
+          <p:cNvSpPr/>
+          <p:nvPr/>
+        </p:nvSpPr>
+        <p:spPr>
+          <a:xfrm>
+            <a:off x="1372797" y="5768642"/>
+            <a:ext cx="6773778" cy="369332"/>
+          </a:xfrm>
+          <a:prstGeom prst="rect">
+            <a:avLst/>
+          </a:prstGeom>
+        </p:spPr>
+        <p:txBody>
+          <a:bodyPr wrap="square">
+            <a:spAutoFit/>
+          </a:bodyPr>
+          <a:lstStyle/>
+          <a:p>
+            <a:r>
+              <a:rPr lang="vi-VN" i="1"/>
+              <a:t> Vị trí của bộ phân tích cú pháp trong mô hình trình biên dịch</a:t>
+            </a:r>
+          </a:p>
+        </p:txBody>
+      </p:sp>
+    </p:spTree>
+    <p:extLst>
+      <p:ext uri="{BB962C8B-B14F-4D97-AF65-F5344CB8AC3E}">
+        <p14:creationId xmlns:p14="http://schemas.microsoft.com/office/powerpoint/2010/main" val="229865590"/>
+      </p:ext>
+    </p:extLst>
+  </p:cSld>
+  <p:clrMapOvr>
+    <a:masterClrMapping/>
+  </p:clrMapOvr>
+  <p:timing>
+    <p:tnLst>
+      <p:par>
+        <p:cTn id="1" dur="indefinite" restart="never" nodeType="tmRoot"/>
+      </p:par>
+    </p:tnLst>
+  </p:timing>
+</p:sld>
+</file>
+
+<file path=ppt/slides/slide20.xml><?xml version="1.0" encoding="utf-8"?>
+<p:sld xmlns:a="http://schemas.openxmlformats.org/drawingml/2006/main" xmlns:r="http://schemas.openxmlformats.org/officeDocument/2006/relationships" xmlns:p="http://schemas.openxmlformats.org/presentationml/2006/main">
+  <p:cSld>
+    <p:spTree>
+      <p:nvGrpSpPr>
+        <p:cNvPr id="1" name=""/>
+        <p:cNvGrpSpPr/>
+        <p:nvPr/>
+      </p:nvGrpSpPr>
+      <p:grpSpPr>
+        <a:xfrm>
+          <a:off x="0" y="0"/>
+          <a:ext cx="0" cy="0"/>
+          <a:chOff x="0" y="0"/>
+          <a:chExt cx="0" cy="0"/>
+        </a:xfrm>
+      </p:grpSpPr>
+      <p:sp>
+        <p:nvSpPr>
+          <p:cNvPr id="2" name="Title 1">
+            <a:extLst>
+              <a:ext uri="{FF2B5EF4-FFF2-40B4-BE49-F238E27FC236}">
+                <a16:creationId xmlns:a16="http://schemas.microsoft.com/office/drawing/2014/main" xmlns="" id="{5ACC0826-E80F-43C0-912C-275EB710142B}"/>
+              </a:ext>
+            </a:extLst>
+          </p:cNvPr>
+          <p:cNvSpPr>
+            <a:spLocks noGrp="1"/>
+          </p:cNvSpPr>
+          <p:nvPr>
+            <p:ph type="title"/>
+          </p:nvPr>
+        </p:nvSpPr>
+        <p:spPr/>
+        <p:txBody>
+          <a:bodyPr/>
+          <a:lstStyle/>
+          <a:p>
+            <a:r>
+              <a:rPr lang="en-US"/>
+              <a:t>Giới thiệu hàm compileParamlist</a:t>
+            </a:r>
+            <a:endParaRPr lang="en-US" dirty="0"/>
+          </a:p>
+        </p:txBody>
+      </p:sp>
+      <p:sp>
+        <p:nvSpPr>
+          <p:cNvPr id="4" name="Chỗ dành sẵn cho Nội dung 3">
+            <a:extLst>
+              <a:ext uri="{FF2B5EF4-FFF2-40B4-BE49-F238E27FC236}">
+                <a16:creationId xmlns:a16="http://schemas.microsoft.com/office/drawing/2014/main" xmlns="" id="{E7382999-E9BD-45F8-97D5-A50B26B12803}"/>
               </a:ext>
             </a:extLst>
           </p:cNvPr>
@@ -4431,7 +5904,7 @@
           <p:cNvPr id="3" name="Hình ảnh 2">
             <a:extLst>
               <a:ext uri="{FF2B5EF4-FFF2-40B4-BE49-F238E27FC236}">
-                <a16:creationId xmlns:a16="http://schemas.microsoft.com/office/drawing/2014/main" id="{F7A698DA-C062-4A19-AD9C-FDE8B240B6D4}"/>
+                <a16:creationId xmlns:a16="http://schemas.microsoft.com/office/drawing/2014/main" xmlns="" id="{F7A698DA-C062-4A19-AD9C-FDE8B240B6D4}"/>
               </a:ext>
             </a:extLst>
           </p:cNvPr>
@@ -4461,7 +5934,7 @@
           <p:cNvPr id="5" name="Hình ảnh 4">
             <a:extLst>
               <a:ext uri="{FF2B5EF4-FFF2-40B4-BE49-F238E27FC236}">
-                <a16:creationId xmlns:a16="http://schemas.microsoft.com/office/drawing/2014/main" id="{8633F968-44C4-4278-806D-B737BCF29216}"/>
+                <a16:creationId xmlns:a16="http://schemas.microsoft.com/office/drawing/2014/main" xmlns="" id="{8633F968-44C4-4278-806D-B737BCF29216}"/>
               </a:ext>
             </a:extLst>
           </p:cNvPr>
@@ -4496,10 +5969,17 @@
   <p:clrMapOvr>
     <a:masterClrMapping/>
   </p:clrMapOvr>
+  <p:timing>
+    <p:tnLst>
+      <p:par>
+        <p:cTn id="1" dur="indefinite" restart="never" nodeType="tmRoot"/>
+      </p:par>
+    </p:tnLst>
+  </p:timing>
 </p:sld>
 </file>
 
-<file path=ppt/slides/slide19.xml><?xml version="1.0" encoding="utf-8"?>
+<file path=ppt/slides/slide21.xml><?xml version="1.0" encoding="utf-8"?>
 <p:sld xmlns:a="http://schemas.openxmlformats.org/drawingml/2006/main" xmlns:r="http://schemas.openxmlformats.org/officeDocument/2006/relationships" xmlns:p="http://schemas.openxmlformats.org/presentationml/2006/main">
   <p:cSld>
     <p:spTree>
@@ -4521,7 +6001,7 @@
           <p:cNvPr id="2" name="Title 1">
             <a:extLst>
               <a:ext uri="{FF2B5EF4-FFF2-40B4-BE49-F238E27FC236}">
-                <a16:creationId xmlns:a16="http://schemas.microsoft.com/office/drawing/2014/main" id="{5ACC0826-E80F-43C0-912C-275EB710142B}"/>
+                <a16:creationId xmlns:a16="http://schemas.microsoft.com/office/drawing/2014/main" xmlns="" id="{5ACC0826-E80F-43C0-912C-275EB710142B}"/>
               </a:ext>
             </a:extLst>
           </p:cNvPr>
@@ -4550,7 +6030,7 @@
           <p:cNvPr id="4" name="Chỗ dành sẵn cho Nội dung 3">
             <a:extLst>
               <a:ext uri="{FF2B5EF4-FFF2-40B4-BE49-F238E27FC236}">
-                <a16:creationId xmlns:a16="http://schemas.microsoft.com/office/drawing/2014/main" id="{E7382999-E9BD-45F8-97D5-A50B26B12803}"/>
+                <a16:creationId xmlns:a16="http://schemas.microsoft.com/office/drawing/2014/main" xmlns="" id="{E7382999-E9BD-45F8-97D5-A50B26B12803}"/>
               </a:ext>
             </a:extLst>
           </p:cNvPr>
@@ -4578,7 +6058,7 @@
           <p:cNvPr id="6" name="Hình ảnh 5">
             <a:extLst>
               <a:ext uri="{FF2B5EF4-FFF2-40B4-BE49-F238E27FC236}">
-                <a16:creationId xmlns:a16="http://schemas.microsoft.com/office/drawing/2014/main" id="{0DEE32F3-97A6-4FC5-9AEC-59868DAD4015}"/>
+                <a16:creationId xmlns:a16="http://schemas.microsoft.com/office/drawing/2014/main" xmlns="" id="{0DEE32F3-97A6-4FC5-9AEC-59868DAD4015}"/>
               </a:ext>
             </a:extLst>
           </p:cNvPr>
@@ -4608,7 +6088,7 @@
           <p:cNvPr id="7" name="Hình ảnh 6">
             <a:extLst>
               <a:ext uri="{FF2B5EF4-FFF2-40B4-BE49-F238E27FC236}">
-                <a16:creationId xmlns:a16="http://schemas.microsoft.com/office/drawing/2014/main" id="{4DF761AF-121F-402B-A042-AFF3F2ED7C95}"/>
+                <a16:creationId xmlns:a16="http://schemas.microsoft.com/office/drawing/2014/main" xmlns="" id="{4DF761AF-121F-402B-A042-AFF3F2ED7C95}"/>
               </a:ext>
             </a:extLst>
           </p:cNvPr>
@@ -4638,7 +6118,7 @@
           <p:cNvPr id="9" name="Hình ảnh 8">
             <a:extLst>
               <a:ext uri="{FF2B5EF4-FFF2-40B4-BE49-F238E27FC236}">
-                <a16:creationId xmlns:a16="http://schemas.microsoft.com/office/drawing/2014/main" id="{521A33BB-96ED-4313-A2B4-DBFF004538E8}"/>
+                <a16:creationId xmlns:a16="http://schemas.microsoft.com/office/drawing/2014/main" xmlns="" id="{521A33BB-96ED-4313-A2B4-DBFF004538E8}"/>
               </a:ext>
             </a:extLst>
           </p:cNvPr>
@@ -4668,7 +6148,7 @@
           <p:cNvPr id="10" name="Hộp Văn bản 9">
             <a:extLst>
               <a:ext uri="{FF2B5EF4-FFF2-40B4-BE49-F238E27FC236}">
-                <a16:creationId xmlns:a16="http://schemas.microsoft.com/office/drawing/2014/main" id="{494E8589-E9FE-4B5E-B8AD-99939A4259E5}"/>
+                <a16:creationId xmlns:a16="http://schemas.microsoft.com/office/drawing/2014/main" xmlns="" id="{494E8589-E9FE-4B5E-B8AD-99939A4259E5}"/>
               </a:ext>
             </a:extLst>
           </p:cNvPr>
@@ -4709,10 +6189,17 @@
   <p:clrMapOvr>
     <a:masterClrMapping/>
   </p:clrMapOvr>
+  <p:timing>
+    <p:tnLst>
+      <p:par>
+        <p:cTn id="1" dur="indefinite" restart="never" nodeType="tmRoot"/>
+      </p:par>
+    </p:tnLst>
+  </p:timing>
 </p:sld>
 </file>
 
-<file path=ppt/slides/slide2.xml><?xml version="1.0" encoding="utf-8"?>
+<file path=ppt/slides/slide22.xml><?xml version="1.0" encoding="utf-8"?>
 <p:sld xmlns:a="http://schemas.openxmlformats.org/drawingml/2006/main" xmlns:r="http://schemas.openxmlformats.org/officeDocument/2006/relationships" xmlns:p="http://schemas.openxmlformats.org/presentationml/2006/main">
   <p:cSld>
     <p:spTree>
@@ -4734,219 +6221,7 @@
           <p:cNvPr id="2" name="Title 1">
             <a:extLst>
               <a:ext uri="{FF2B5EF4-FFF2-40B4-BE49-F238E27FC236}">
-                <a16:creationId xmlns:a16="http://schemas.microsoft.com/office/drawing/2014/main" id="{97AE80AE-7311-46F5-85B1-A0A9E23E593D}"/>
-              </a:ext>
-            </a:extLst>
-          </p:cNvPr>
-          <p:cNvSpPr>
-            <a:spLocks noGrp="1"/>
-          </p:cNvSpPr>
-          <p:nvPr>
-            <p:ph type="title"/>
-          </p:nvPr>
-        </p:nvSpPr>
-        <p:spPr>
-          <a:xfrm>
-            <a:off x="488950" y="-87315"/>
-            <a:ext cx="8026400" cy="1325563"/>
-          </a:xfrm>
-        </p:spPr>
-        <p:txBody>
-          <a:bodyPr/>
-          <a:lstStyle/>
-          <a:p>
-            <a:r>
-              <a:rPr lang="en-US"/>
-              <a:t>Vai trò của bộ phân tích cú pháp</a:t>
-            </a:r>
-            <a:endParaRPr lang="en-US" dirty="0"/>
-          </a:p>
-        </p:txBody>
-      </p:sp>
-      <p:sp>
-        <p:nvSpPr>
-          <p:cNvPr id="5" name="Chỗ dành sẵn cho Nội dung 4">
-            <a:extLst>
-              <a:ext uri="{FF2B5EF4-FFF2-40B4-BE49-F238E27FC236}">
-                <a16:creationId xmlns:a16="http://schemas.microsoft.com/office/drawing/2014/main" id="{C1B98B62-79E0-4981-BDFD-C14A9E3AD6A4}"/>
-              </a:ext>
-            </a:extLst>
-          </p:cNvPr>
-          <p:cNvSpPr>
-            <a:spLocks noGrp="1"/>
-          </p:cNvSpPr>
-          <p:nvPr>
-            <p:ph idx="1"/>
-          </p:nvPr>
-        </p:nvSpPr>
-        <p:spPr>
-          <a:xfrm>
-            <a:off x="488950" y="1346200"/>
-            <a:ext cx="8026400" cy="4902199"/>
-          </a:xfrm>
-        </p:spPr>
-        <p:txBody>
-          <a:bodyPr/>
-          <a:lstStyle/>
-          <a:p>
-            <a:r>
-              <a:rPr lang="vi-VN">
-                <a:solidFill>
-                  <a:schemeClr val="tx1"/>
-                </a:solidFill>
-              </a:rPr>
-              <a:t>Nhận chuỗi các token từ bộ phân tích từ vựng</a:t>
-            </a:r>
-          </a:p>
-          <a:p>
-            <a:r>
-              <a:rPr lang="vi-VN">
-                <a:solidFill>
-                  <a:schemeClr val="tx1"/>
-                </a:solidFill>
-              </a:rPr>
-              <a:t>Xác nhận rằng chuỗi này có thể được sinh ra từ văn phạm của ngôn ngữ nguồn </a:t>
-            </a:r>
-          </a:p>
-          <a:p>
-            <a:r>
-              <a:rPr lang="vi-VN">
-                <a:solidFill>
-                  <a:schemeClr val="tx1"/>
-                </a:solidFill>
-              </a:rPr>
-              <a:t>Bằng cách tạo ra cây phân tích cú pháp cho chuỗi</a:t>
-            </a:r>
-          </a:p>
-          <a:p>
-            <a:r>
-              <a:rPr lang="vi-VN">
-                <a:solidFill>
-                  <a:schemeClr val="tx1"/>
-                </a:solidFill>
-              </a:rPr>
-              <a:t>Có cơ chế ghi nhận các lỗi cú pháp</a:t>
-            </a:r>
-          </a:p>
-        </p:txBody>
-      </p:sp>
-      <p:pic>
-        <p:nvPicPr>
-          <p:cNvPr id="2050" name="Picture 2" descr="HÃ¬nh áº£nh cÃ³ liÃªn quan">
-            <a:extLst>
-              <a:ext uri="{FF2B5EF4-FFF2-40B4-BE49-F238E27FC236}">
-                <a16:creationId xmlns:a16="http://schemas.microsoft.com/office/drawing/2014/main" id="{9D9A1309-1337-4C6E-ABD1-4FC3B9921479}"/>
-              </a:ext>
-            </a:extLst>
-          </p:cNvPr>
-          <p:cNvPicPr>
-            <a:picLocks noChangeAspect="1" noChangeArrowheads="1"/>
-          </p:cNvPicPr>
-          <p:nvPr/>
-        </p:nvPicPr>
-        <p:blipFill>
-          <a:blip r:embed="rId2">
-            <a:extLst>
-              <a:ext uri="{28A0092B-C50C-407E-A947-70E740481C1C}">
-                <a14:useLocalDpi xmlns:a14="http://schemas.microsoft.com/office/drawing/2010/main" val="0"/>
-              </a:ext>
-            </a:extLst>
-          </a:blip>
-          <a:srcRect/>
-          <a:stretch>
-            <a:fillRect/>
-          </a:stretch>
-        </p:blipFill>
-        <p:spPr bwMode="auto">
-          <a:xfrm>
-            <a:off x="1146037" y="3429000"/>
-            <a:ext cx="7000538" cy="2345541"/>
-          </a:xfrm>
-          <a:prstGeom prst="rect">
-            <a:avLst/>
-          </a:prstGeom>
-          <a:noFill/>
-          <a:extLst>
-            <a:ext uri="{909E8E84-426E-40DD-AFC4-6F175D3DCCD1}">
-              <a14:hiddenFill xmlns:a14="http://schemas.microsoft.com/office/drawing/2010/main">
-                <a:solidFill>
-                  <a:srgbClr val="FFFFFF"/>
-                </a:solidFill>
-              </a14:hiddenFill>
-            </a:ext>
-          </a:extLst>
-        </p:spPr>
-      </p:pic>
-      <p:sp>
-        <p:nvSpPr>
-          <p:cNvPr id="6" name="Hình chữ nhật 5">
-            <a:extLst>
-              <a:ext uri="{FF2B5EF4-FFF2-40B4-BE49-F238E27FC236}">
-                <a16:creationId xmlns:a16="http://schemas.microsoft.com/office/drawing/2014/main" id="{E8D2F1D0-4175-44C4-ADF8-52AD40705026}"/>
-              </a:ext>
-            </a:extLst>
-          </p:cNvPr>
-          <p:cNvSpPr/>
-          <p:nvPr/>
-        </p:nvSpPr>
-        <p:spPr>
-          <a:xfrm>
-            <a:off x="1372797" y="5768642"/>
-            <a:ext cx="6773778" cy="369332"/>
-          </a:xfrm>
-          <a:prstGeom prst="rect">
-            <a:avLst/>
-          </a:prstGeom>
-        </p:spPr>
-        <p:txBody>
-          <a:bodyPr wrap="square">
-            <a:spAutoFit/>
-          </a:bodyPr>
-          <a:lstStyle/>
-          <a:p>
-            <a:r>
-              <a:rPr lang="vi-VN" i="1"/>
-              <a:t> Vị trí của bộ phân tích cú pháp trong mô hình trình biên dịch</a:t>
-            </a:r>
-          </a:p>
-        </p:txBody>
-      </p:sp>
-    </p:spTree>
-    <p:extLst>
-      <p:ext uri="{BB962C8B-B14F-4D97-AF65-F5344CB8AC3E}">
-        <p14:creationId xmlns:p14="http://schemas.microsoft.com/office/powerpoint/2010/main" val="229865590"/>
-      </p:ext>
-    </p:extLst>
-  </p:cSld>
-  <p:clrMapOvr>
-    <a:masterClrMapping/>
-  </p:clrMapOvr>
-</p:sld>
-</file>
-
-<file path=ppt/slides/slide20.xml><?xml version="1.0" encoding="utf-8"?>
-<p:sld xmlns:a="http://schemas.openxmlformats.org/drawingml/2006/main" xmlns:r="http://schemas.openxmlformats.org/officeDocument/2006/relationships" xmlns:p="http://schemas.openxmlformats.org/presentationml/2006/main">
-  <p:cSld>
-    <p:spTree>
-      <p:nvGrpSpPr>
-        <p:cNvPr id="1" name=""/>
-        <p:cNvGrpSpPr/>
-        <p:nvPr/>
-      </p:nvGrpSpPr>
-      <p:grpSpPr>
-        <a:xfrm>
-          <a:off x="0" y="0"/>
-          <a:ext cx="0" cy="0"/>
-          <a:chOff x="0" y="0"/>
-          <a:chExt cx="0" cy="0"/>
-        </a:xfrm>
-      </p:grpSpPr>
-      <p:sp>
-        <p:nvSpPr>
-          <p:cNvPr id="2" name="Title 1">
-            <a:extLst>
-              <a:ext uri="{FF2B5EF4-FFF2-40B4-BE49-F238E27FC236}">
-                <a16:creationId xmlns:a16="http://schemas.microsoft.com/office/drawing/2014/main" id="{5ACC0826-E80F-43C0-912C-275EB710142B}"/>
+                <a16:creationId xmlns:a16="http://schemas.microsoft.com/office/drawing/2014/main" xmlns="" id="{5ACC0826-E80F-43C0-912C-275EB710142B}"/>
               </a:ext>
             </a:extLst>
           </p:cNvPr>
@@ -4975,7 +6250,7 @@
           <p:cNvPr id="11" name="Content Placeholder 10">
             <a:extLst>
               <a:ext uri="{FF2B5EF4-FFF2-40B4-BE49-F238E27FC236}">
-                <a16:creationId xmlns:a16="http://schemas.microsoft.com/office/drawing/2014/main" id="{8B7FD5CB-296B-4C10-9CFB-0B78F9D496AC}"/>
+                <a16:creationId xmlns:a16="http://schemas.microsoft.com/office/drawing/2014/main" xmlns="" id="{8B7FD5CB-296B-4C10-9CFB-0B78F9D496AC}"/>
               </a:ext>
             </a:extLst>
           </p:cNvPr>
@@ -5872,7 +7147,7 @@
           <p:cNvPr id="13" name="Picture 12">
             <a:extLst>
               <a:ext uri="{FF2B5EF4-FFF2-40B4-BE49-F238E27FC236}">
-                <a16:creationId xmlns:a16="http://schemas.microsoft.com/office/drawing/2014/main" id="{C7B5BF98-9B33-4E7B-9AAF-5FE3D8AA6B68}"/>
+                <a16:creationId xmlns:a16="http://schemas.microsoft.com/office/drawing/2014/main" xmlns="" id="{C7B5BF98-9B33-4E7B-9AAF-5FE3D8AA6B68}"/>
               </a:ext>
             </a:extLst>
           </p:cNvPr>
@@ -5908,7 +7183,7 @@
           <p:cNvPr id="15" name="Picture 14" descr="A screenshot of a cell phone&#10;&#10;Description generated with very high confidence">
             <a:extLst>
               <a:ext uri="{FF2B5EF4-FFF2-40B4-BE49-F238E27FC236}">
-                <a16:creationId xmlns:a16="http://schemas.microsoft.com/office/drawing/2014/main" id="{65C5D60E-28F2-4DA9-9547-747FD23EEA18}"/>
+                <a16:creationId xmlns:a16="http://schemas.microsoft.com/office/drawing/2014/main" xmlns="" id="{65C5D60E-28F2-4DA9-9547-747FD23EEA18}"/>
               </a:ext>
             </a:extLst>
           </p:cNvPr>
@@ -5949,10 +7224,17 @@
   <p:clrMapOvr>
     <a:masterClrMapping/>
   </p:clrMapOvr>
+  <p:timing>
+    <p:tnLst>
+      <p:par>
+        <p:cTn id="1" dur="indefinite" restart="never" nodeType="tmRoot"/>
+      </p:par>
+    </p:tnLst>
+  </p:timing>
 </p:sld>
 </file>
 
-<file path=ppt/slides/slide21.xml><?xml version="1.0" encoding="utf-8"?>
+<file path=ppt/slides/slide23.xml><?xml version="1.0" encoding="utf-8"?>
 <p:sld xmlns:a="http://schemas.openxmlformats.org/drawingml/2006/main" xmlns:r="http://schemas.openxmlformats.org/officeDocument/2006/relationships" xmlns:p="http://schemas.openxmlformats.org/presentationml/2006/main">
   <p:cSld>
     <p:spTree>
@@ -5974,7 +7256,7 @@
           <p:cNvPr id="2" name="Title 1">
             <a:extLst>
               <a:ext uri="{FF2B5EF4-FFF2-40B4-BE49-F238E27FC236}">
-                <a16:creationId xmlns:a16="http://schemas.microsoft.com/office/drawing/2014/main" id="{5ACC0826-E80F-43C0-912C-275EB710142B}"/>
+                <a16:creationId xmlns:a16="http://schemas.microsoft.com/office/drawing/2014/main" xmlns="" id="{5ACC0826-E80F-43C0-912C-275EB710142B}"/>
               </a:ext>
             </a:extLst>
           </p:cNvPr>
@@ -6003,7 +7285,7 @@
           <p:cNvPr id="4" name="Chỗ dành sẵn cho Nội dung 3">
             <a:extLst>
               <a:ext uri="{FF2B5EF4-FFF2-40B4-BE49-F238E27FC236}">
-                <a16:creationId xmlns:a16="http://schemas.microsoft.com/office/drawing/2014/main" id="{E7382999-E9BD-45F8-97D5-A50B26B12803}"/>
+                <a16:creationId xmlns:a16="http://schemas.microsoft.com/office/drawing/2014/main" xmlns="" id="{E7382999-E9BD-45F8-97D5-A50B26B12803}"/>
               </a:ext>
             </a:extLst>
           </p:cNvPr>
@@ -7165,7 +8447,7 @@
           <p:cNvPr id="3" name="Table 2">
             <a:extLst>
               <a:ext uri="{FF2B5EF4-FFF2-40B4-BE49-F238E27FC236}">
-                <a16:creationId xmlns:a16="http://schemas.microsoft.com/office/drawing/2014/main" id="{83153595-19DE-48AA-8ADD-EFE622709FF7}"/>
+                <a16:creationId xmlns:a16="http://schemas.microsoft.com/office/drawing/2014/main" xmlns="" id="{83153595-19DE-48AA-8ADD-EFE622709FF7}"/>
               </a:ext>
             </a:extLst>
           </p:cNvPr>
@@ -7190,14 +8472,14 @@
                 <a:gridCol w="2041864">
                   <a:extLst>
                     <a:ext uri="{9D8B030D-6E8A-4147-A177-3AD203B41FA5}">
-                      <a16:colId xmlns:a16="http://schemas.microsoft.com/office/drawing/2014/main" val="837531061"/>
+                      <a16:colId xmlns:a16="http://schemas.microsoft.com/office/drawing/2014/main" xmlns="" val="837531061"/>
                     </a:ext>
                   </a:extLst>
                 </a:gridCol>
                 <a:gridCol w="2041864">
                   <a:extLst>
                     <a:ext uri="{9D8B030D-6E8A-4147-A177-3AD203B41FA5}">
-                      <a16:colId xmlns:a16="http://schemas.microsoft.com/office/drawing/2014/main" val="699040959"/>
+                      <a16:colId xmlns:a16="http://schemas.microsoft.com/office/drawing/2014/main" xmlns="" val="699040959"/>
                     </a:ext>
                   </a:extLst>
                 </a:gridCol>
@@ -7269,7 +8551,7 @@
                 </a:tc>
                 <a:extLst>
                   <a:ext uri="{0D108BD9-81ED-4DB2-BD59-A6C34878D82A}">
-                    <a16:rowId xmlns:a16="http://schemas.microsoft.com/office/drawing/2014/main" val="245940028"/>
+                    <a16:rowId xmlns:a16="http://schemas.microsoft.com/office/drawing/2014/main" xmlns="" val="245940028"/>
                   </a:ext>
                 </a:extLst>
               </a:tr>
@@ -7340,7 +8622,7 @@
                 </a:tc>
                 <a:extLst>
                   <a:ext uri="{0D108BD9-81ED-4DB2-BD59-A6C34878D82A}">
-                    <a16:rowId xmlns:a16="http://schemas.microsoft.com/office/drawing/2014/main" val="1713444634"/>
+                    <a16:rowId xmlns:a16="http://schemas.microsoft.com/office/drawing/2014/main" xmlns="" val="1713444634"/>
                   </a:ext>
                 </a:extLst>
               </a:tr>
@@ -7411,7 +8693,7 @@
                 </a:tc>
                 <a:extLst>
                   <a:ext uri="{0D108BD9-81ED-4DB2-BD59-A6C34878D82A}">
-                    <a16:rowId xmlns:a16="http://schemas.microsoft.com/office/drawing/2014/main" val="3577871903"/>
+                    <a16:rowId xmlns:a16="http://schemas.microsoft.com/office/drawing/2014/main" xmlns="" val="3577871903"/>
                   </a:ext>
                 </a:extLst>
               </a:tr>
@@ -7482,7 +8764,7 @@
                 </a:tc>
                 <a:extLst>
                   <a:ext uri="{0D108BD9-81ED-4DB2-BD59-A6C34878D82A}">
-                    <a16:rowId xmlns:a16="http://schemas.microsoft.com/office/drawing/2014/main" val="2577431294"/>
+                    <a16:rowId xmlns:a16="http://schemas.microsoft.com/office/drawing/2014/main" xmlns="" val="2577431294"/>
                   </a:ext>
                 </a:extLst>
               </a:tr>
@@ -7553,7 +8835,7 @@
                 </a:tc>
                 <a:extLst>
                   <a:ext uri="{0D108BD9-81ED-4DB2-BD59-A6C34878D82A}">
-                    <a16:rowId xmlns:a16="http://schemas.microsoft.com/office/drawing/2014/main" val="956168312"/>
+                    <a16:rowId xmlns:a16="http://schemas.microsoft.com/office/drawing/2014/main" xmlns="" val="956168312"/>
                   </a:ext>
                 </a:extLst>
               </a:tr>
@@ -7624,7 +8906,7 @@
                 </a:tc>
                 <a:extLst>
                   <a:ext uri="{0D108BD9-81ED-4DB2-BD59-A6C34878D82A}">
-                    <a16:rowId xmlns:a16="http://schemas.microsoft.com/office/drawing/2014/main" val="1849587814"/>
+                    <a16:rowId xmlns:a16="http://schemas.microsoft.com/office/drawing/2014/main" xmlns="" val="1849587814"/>
                   </a:ext>
                 </a:extLst>
               </a:tr>
@@ -7695,7 +8977,7 @@
                 </a:tc>
                 <a:extLst>
                   <a:ext uri="{0D108BD9-81ED-4DB2-BD59-A6C34878D82A}">
-                    <a16:rowId xmlns:a16="http://schemas.microsoft.com/office/drawing/2014/main" val="697537971"/>
+                    <a16:rowId xmlns:a16="http://schemas.microsoft.com/office/drawing/2014/main" xmlns="" val="697537971"/>
                   </a:ext>
                 </a:extLst>
               </a:tr>
@@ -7713,10 +8995,17 @@
   <p:clrMapOvr>
     <a:masterClrMapping/>
   </p:clrMapOvr>
+  <p:timing>
+    <p:tnLst>
+      <p:par>
+        <p:cTn id="1" dur="indefinite" restart="never" nodeType="tmRoot"/>
+      </p:par>
+    </p:tnLst>
+  </p:timing>
 </p:sld>
 </file>
 
-<file path=ppt/slides/slide22.xml><?xml version="1.0" encoding="utf-8"?>
+<file path=ppt/slides/slide24.xml><?xml version="1.0" encoding="utf-8"?>
 <p:sld xmlns:a="http://schemas.openxmlformats.org/drawingml/2006/main" xmlns:r="http://schemas.openxmlformats.org/officeDocument/2006/relationships" xmlns:p="http://schemas.openxmlformats.org/presentationml/2006/main">
   <p:cSld>
     <p:spTree>
@@ -7738,7 +9027,7 @@
           <p:cNvPr id="2" name="Title 1">
             <a:extLst>
               <a:ext uri="{FF2B5EF4-FFF2-40B4-BE49-F238E27FC236}">
-                <a16:creationId xmlns:a16="http://schemas.microsoft.com/office/drawing/2014/main" id="{096466C5-78E1-4B38-97CC-2B30997F8BA4}"/>
+                <a16:creationId xmlns:a16="http://schemas.microsoft.com/office/drawing/2014/main" xmlns="" id="{096466C5-78E1-4B38-97CC-2B30997F8BA4}"/>
               </a:ext>
             </a:extLst>
           </p:cNvPr>
@@ -7795,7 +9084,7 @@
           <p:cNvPr id="5" name="Content Placeholder 4" descr="A screenshot of a cell phone&#10;&#10;Description generated with very high confidence">
             <a:extLst>
               <a:ext uri="{FF2B5EF4-FFF2-40B4-BE49-F238E27FC236}">
-                <a16:creationId xmlns:a16="http://schemas.microsoft.com/office/drawing/2014/main" id="{9955B5BA-68E3-4722-BF13-75CB62B4E611}"/>
+                <a16:creationId xmlns:a16="http://schemas.microsoft.com/office/drawing/2014/main" xmlns="" id="{9955B5BA-68E3-4722-BF13-75CB62B4E611}"/>
               </a:ext>
             </a:extLst>
           </p:cNvPr>
@@ -7830,7 +9119,7 @@
           <p:cNvPr id="7" name="Picture 6" descr="A close up of a sign&#10;&#10;Description generated with high confidence">
             <a:extLst>
               <a:ext uri="{FF2B5EF4-FFF2-40B4-BE49-F238E27FC236}">
-                <a16:creationId xmlns:a16="http://schemas.microsoft.com/office/drawing/2014/main" id="{B53B1F60-9ABB-4034-AE96-CFBA175DF1B5}"/>
+                <a16:creationId xmlns:a16="http://schemas.microsoft.com/office/drawing/2014/main" xmlns="" id="{B53B1F60-9ABB-4034-AE96-CFBA175DF1B5}"/>
               </a:ext>
             </a:extLst>
           </p:cNvPr>
@@ -7866,7 +9155,7 @@
           <p:cNvPr id="9" name="Picture 8" descr="A picture containing object, clock&#10;&#10;Description generated with high confidence">
             <a:extLst>
               <a:ext uri="{FF2B5EF4-FFF2-40B4-BE49-F238E27FC236}">
-                <a16:creationId xmlns:a16="http://schemas.microsoft.com/office/drawing/2014/main" id="{768A2B25-C45E-4A08-BCFF-C427E184772C}"/>
+                <a16:creationId xmlns:a16="http://schemas.microsoft.com/office/drawing/2014/main" xmlns="" id="{768A2B25-C45E-4A08-BCFF-C427E184772C}"/>
               </a:ext>
             </a:extLst>
           </p:cNvPr>
@@ -7902,7 +9191,7 @@
           <p:cNvPr id="11" name="Rectangle 10">
             <a:extLst>
               <a:ext uri="{FF2B5EF4-FFF2-40B4-BE49-F238E27FC236}">
-                <a16:creationId xmlns:a16="http://schemas.microsoft.com/office/drawing/2014/main" id="{8502CCD0-86C6-47E6-88F6-02A330746E9A}"/>
+                <a16:creationId xmlns:a16="http://schemas.microsoft.com/office/drawing/2014/main" xmlns="" id="{8502CCD0-86C6-47E6-88F6-02A330746E9A}"/>
               </a:ext>
             </a:extLst>
           </p:cNvPr>
@@ -7949,7 +9238,7 @@
           <p:cNvPr id="12" name="TextBox 11">
             <a:extLst>
               <a:ext uri="{FF2B5EF4-FFF2-40B4-BE49-F238E27FC236}">
-                <a16:creationId xmlns:a16="http://schemas.microsoft.com/office/drawing/2014/main" id="{7230174B-F02A-4D03-AD35-A47408E0D820}"/>
+                <a16:creationId xmlns:a16="http://schemas.microsoft.com/office/drawing/2014/main" xmlns="" id="{7230174B-F02A-4D03-AD35-A47408E0D820}"/>
               </a:ext>
             </a:extLst>
           </p:cNvPr>
@@ -7989,10 +9278,17 @@
   <p:clrMapOvr>
     <a:masterClrMapping/>
   </p:clrMapOvr>
+  <p:timing>
+    <p:tnLst>
+      <p:par>
+        <p:cTn id="1" dur="indefinite" restart="never" nodeType="tmRoot"/>
+      </p:par>
+    </p:tnLst>
+  </p:timing>
 </p:sld>
 </file>
 
-<file path=ppt/slides/slide23.xml><?xml version="1.0" encoding="utf-8"?>
+<file path=ppt/slides/slide25.xml><?xml version="1.0" encoding="utf-8"?>
 <p:sld xmlns:a="http://schemas.openxmlformats.org/drawingml/2006/main" xmlns:r="http://schemas.openxmlformats.org/officeDocument/2006/relationships" xmlns:p="http://schemas.openxmlformats.org/presentationml/2006/main">
   <p:cSld>
     <p:spTree>
@@ -8014,7 +9310,7 @@
           <p:cNvPr id="2" name="Hình chữ nhật 1">
             <a:extLst>
               <a:ext uri="{FF2B5EF4-FFF2-40B4-BE49-F238E27FC236}">
-                <a16:creationId xmlns:a16="http://schemas.microsoft.com/office/drawing/2014/main" id="{9248F4B9-394E-4451-A00C-ABE41F8BE311}"/>
+                <a16:creationId xmlns:a16="http://schemas.microsoft.com/office/drawing/2014/main" xmlns="" id="{9248F4B9-394E-4451-A00C-ABE41F8BE311}"/>
               </a:ext>
             </a:extLst>
           </p:cNvPr>
@@ -8094,6 +9390,13 @@
   <p:clrMapOvr>
     <a:masterClrMapping/>
   </p:clrMapOvr>
+  <p:timing>
+    <p:tnLst>
+      <p:par>
+        <p:cTn id="1" dur="indefinite" restart="never" nodeType="tmRoot"/>
+      </p:par>
+    </p:tnLst>
+  </p:timing>
 </p:sld>
 </file>
 
@@ -8119,7 +9422,7 @@
           <p:cNvPr id="2" name="Title 1">
             <a:extLst>
               <a:ext uri="{FF2B5EF4-FFF2-40B4-BE49-F238E27FC236}">
-                <a16:creationId xmlns:a16="http://schemas.microsoft.com/office/drawing/2014/main" id="{6CC34750-5D5C-4AA5-8662-B88DDDAEA223}"/>
+                <a16:creationId xmlns:a16="http://schemas.microsoft.com/office/drawing/2014/main" xmlns="" id="{6CC34750-5D5C-4AA5-8662-B88DDDAEA223}"/>
               </a:ext>
             </a:extLst>
           </p:cNvPr>
@@ -8148,7 +9451,7 @@
           <p:cNvPr id="5" name="Chỗ dành sẵn cho Nội dung 4">
             <a:extLst>
               <a:ext uri="{FF2B5EF4-FFF2-40B4-BE49-F238E27FC236}">
-                <a16:creationId xmlns:a16="http://schemas.microsoft.com/office/drawing/2014/main" id="{9B065BF1-7217-45FB-8679-2195603A8F4B}"/>
+                <a16:creationId xmlns:a16="http://schemas.microsoft.com/office/drawing/2014/main" xmlns="" id="{9B065BF1-7217-45FB-8679-2195603A8F4B}"/>
               </a:ext>
             </a:extLst>
           </p:cNvPr>
@@ -8202,6 +9505,13 @@
   <p:clrMapOvr>
     <a:masterClrMapping/>
   </p:clrMapOvr>
+  <p:timing>
+    <p:tnLst>
+      <p:par>
+        <p:cTn id="1" dur="indefinite" restart="never" nodeType="tmRoot"/>
+      </p:par>
+    </p:tnLst>
+  </p:timing>
 </p:sld>
 </file>
 
@@ -8227,7 +9537,7 @@
           <p:cNvPr id="2" name="Title 1">
             <a:extLst>
               <a:ext uri="{FF2B5EF4-FFF2-40B4-BE49-F238E27FC236}">
-                <a16:creationId xmlns:a16="http://schemas.microsoft.com/office/drawing/2014/main" id="{FCE199B2-7CBE-486F-B43D-C4035353FFE3}"/>
+                <a16:creationId xmlns:a16="http://schemas.microsoft.com/office/drawing/2014/main" xmlns="" id="{FCE199B2-7CBE-486F-B43D-C4035353FFE3}"/>
               </a:ext>
             </a:extLst>
           </p:cNvPr>
@@ -8262,7 +9572,7 @@
           <p:cNvPr id="5" name="Chỗ dành sẵn cho Nội dung 4">
             <a:extLst>
               <a:ext uri="{FF2B5EF4-FFF2-40B4-BE49-F238E27FC236}">
-                <a16:creationId xmlns:a16="http://schemas.microsoft.com/office/drawing/2014/main" id="{99E51776-A2A8-4DFF-8E7C-596BB67DEA80}"/>
+                <a16:creationId xmlns:a16="http://schemas.microsoft.com/office/drawing/2014/main" xmlns="" id="{99E51776-A2A8-4DFF-8E7C-596BB67DEA80}"/>
               </a:ext>
             </a:extLst>
           </p:cNvPr>
@@ -8356,6 +9666,13 @@
   <p:clrMapOvr>
     <a:masterClrMapping/>
   </p:clrMapOvr>
+  <p:timing>
+    <p:tnLst>
+      <p:par>
+        <p:cTn id="1" dur="indefinite" restart="never" nodeType="tmRoot"/>
+      </p:par>
+    </p:tnLst>
+  </p:timing>
 </p:sld>
 </file>
 
@@ -8381,7 +9698,7 @@
           <p:cNvPr id="2" name="Title 1">
             <a:extLst>
               <a:ext uri="{FF2B5EF4-FFF2-40B4-BE49-F238E27FC236}">
-                <a16:creationId xmlns:a16="http://schemas.microsoft.com/office/drawing/2014/main" id="{8563C0C6-0797-4F66-9AFA-1A5F7C174F4A}"/>
+                <a16:creationId xmlns:a16="http://schemas.microsoft.com/office/drawing/2014/main" xmlns="" id="{8563C0C6-0797-4F66-9AFA-1A5F7C174F4A}"/>
               </a:ext>
             </a:extLst>
           </p:cNvPr>
@@ -8410,7 +9727,7 @@
           <p:cNvPr id="5" name="Chỗ dành sẵn cho Nội dung 4">
             <a:extLst>
               <a:ext uri="{FF2B5EF4-FFF2-40B4-BE49-F238E27FC236}">
-                <a16:creationId xmlns:a16="http://schemas.microsoft.com/office/drawing/2014/main" id="{5221640B-0E6B-4266-8F5C-6736558D2E09}"/>
+                <a16:creationId xmlns:a16="http://schemas.microsoft.com/office/drawing/2014/main" xmlns="" id="{5221640B-0E6B-4266-8F5C-6736558D2E09}"/>
               </a:ext>
             </a:extLst>
           </p:cNvPr>
@@ -8435,7 +9752,7 @@
           <p:cNvPr id="6" name="Table 7">
             <a:extLst>
               <a:ext uri="{FF2B5EF4-FFF2-40B4-BE49-F238E27FC236}">
-                <a16:creationId xmlns:a16="http://schemas.microsoft.com/office/drawing/2014/main" id="{A4F55DB9-708A-48E8-893A-99909658049E}"/>
+                <a16:creationId xmlns:a16="http://schemas.microsoft.com/office/drawing/2014/main" xmlns="" id="{A4F55DB9-708A-48E8-893A-99909658049E}"/>
               </a:ext>
             </a:extLst>
           </p:cNvPr>
@@ -8458,21 +9775,21 @@
                 <a:gridCol w="642937">
                   <a:extLst>
                     <a:ext uri="{9D8B030D-6E8A-4147-A177-3AD203B41FA5}">
-                      <a16:colId xmlns:a16="http://schemas.microsoft.com/office/drawing/2014/main" val="20000"/>
+                      <a16:colId xmlns:a16="http://schemas.microsoft.com/office/drawing/2014/main" xmlns="" val="20000"/>
                     </a:ext>
                   </a:extLst>
                 </a:gridCol>
                 <a:gridCol w="2214562">
                   <a:extLst>
                     <a:ext uri="{9D8B030D-6E8A-4147-A177-3AD203B41FA5}">
-                      <a16:colId xmlns:a16="http://schemas.microsoft.com/office/drawing/2014/main" val="20001"/>
+                      <a16:colId xmlns:a16="http://schemas.microsoft.com/office/drawing/2014/main" xmlns="" val="20001"/>
                     </a:ext>
                   </a:extLst>
                 </a:gridCol>
                 <a:gridCol w="4786313">
                   <a:extLst>
                     <a:ext uri="{9D8B030D-6E8A-4147-A177-3AD203B41FA5}">
-                      <a16:colId xmlns:a16="http://schemas.microsoft.com/office/drawing/2014/main" val="20002"/>
+                      <a16:colId xmlns:a16="http://schemas.microsoft.com/office/drawing/2014/main" xmlns="" val="20002"/>
                     </a:ext>
                   </a:extLst>
                 </a:gridCol>
@@ -8533,7 +9850,7 @@
                 </a:tc>
                 <a:extLst>
                   <a:ext uri="{0D108BD9-81ED-4DB2-BD59-A6C34878D82A}">
-                    <a16:rowId xmlns:a16="http://schemas.microsoft.com/office/drawing/2014/main" val="10000"/>
+                    <a16:rowId xmlns:a16="http://schemas.microsoft.com/office/drawing/2014/main" xmlns="" val="10000"/>
                   </a:ext>
                 </a:extLst>
               </a:tr>
@@ -8580,7 +9897,7 @@
                 </a:tc>
                 <a:extLst>
                   <a:ext uri="{0D108BD9-81ED-4DB2-BD59-A6C34878D82A}">
-                    <a16:rowId xmlns:a16="http://schemas.microsoft.com/office/drawing/2014/main" val="10001"/>
+                    <a16:rowId xmlns:a16="http://schemas.microsoft.com/office/drawing/2014/main" xmlns="" val="10001"/>
                   </a:ext>
                 </a:extLst>
               </a:tr>
@@ -8648,7 +9965,7 @@
                 </a:tc>
                 <a:extLst>
                   <a:ext uri="{0D108BD9-81ED-4DB2-BD59-A6C34878D82A}">
-                    <a16:rowId xmlns:a16="http://schemas.microsoft.com/office/drawing/2014/main" val="10002"/>
+                    <a16:rowId xmlns:a16="http://schemas.microsoft.com/office/drawing/2014/main" xmlns="" val="10002"/>
                   </a:ext>
                 </a:extLst>
               </a:tr>
@@ -8728,7 +10045,7 @@
                 </a:tc>
                 <a:extLst>
                   <a:ext uri="{0D108BD9-81ED-4DB2-BD59-A6C34878D82A}">
-                    <a16:rowId xmlns:a16="http://schemas.microsoft.com/office/drawing/2014/main" val="10003"/>
+                    <a16:rowId xmlns:a16="http://schemas.microsoft.com/office/drawing/2014/main" xmlns="" val="10003"/>
                   </a:ext>
                 </a:extLst>
               </a:tr>
@@ -8812,7 +10129,7 @@
                 </a:tc>
                 <a:extLst>
                   <a:ext uri="{0D108BD9-81ED-4DB2-BD59-A6C34878D82A}">
-                    <a16:rowId xmlns:a16="http://schemas.microsoft.com/office/drawing/2014/main" val="10004"/>
+                    <a16:rowId xmlns:a16="http://schemas.microsoft.com/office/drawing/2014/main" xmlns="" val="10004"/>
                   </a:ext>
                 </a:extLst>
               </a:tr>
@@ -8920,7 +10237,7 @@
                 </a:tc>
                 <a:extLst>
                   <a:ext uri="{0D108BD9-81ED-4DB2-BD59-A6C34878D82A}">
-                    <a16:rowId xmlns:a16="http://schemas.microsoft.com/office/drawing/2014/main" val="10005"/>
+                    <a16:rowId xmlns:a16="http://schemas.microsoft.com/office/drawing/2014/main" xmlns="" val="10005"/>
                   </a:ext>
                 </a:extLst>
               </a:tr>
@@ -8992,7 +10309,7 @@
                 </a:tc>
                 <a:extLst>
                   <a:ext uri="{0D108BD9-81ED-4DB2-BD59-A6C34878D82A}">
-                    <a16:rowId xmlns:a16="http://schemas.microsoft.com/office/drawing/2014/main" val="10006"/>
+                    <a16:rowId xmlns:a16="http://schemas.microsoft.com/office/drawing/2014/main" xmlns="" val="10006"/>
                   </a:ext>
                 </a:extLst>
               </a:tr>
@@ -9088,7 +10405,7 @@
                 </a:tc>
                 <a:extLst>
                   <a:ext uri="{0D108BD9-81ED-4DB2-BD59-A6C34878D82A}">
-                    <a16:rowId xmlns:a16="http://schemas.microsoft.com/office/drawing/2014/main" val="10007"/>
+                    <a16:rowId xmlns:a16="http://schemas.microsoft.com/office/drawing/2014/main" xmlns="" val="10007"/>
                   </a:ext>
                 </a:extLst>
               </a:tr>
@@ -9152,7 +10469,7 @@
                 </a:tc>
                 <a:extLst>
                   <a:ext uri="{0D108BD9-81ED-4DB2-BD59-A6C34878D82A}">
-                    <a16:rowId xmlns:a16="http://schemas.microsoft.com/office/drawing/2014/main" val="10008"/>
+                    <a16:rowId xmlns:a16="http://schemas.microsoft.com/office/drawing/2014/main" xmlns="" val="10008"/>
                   </a:ext>
                 </a:extLst>
               </a:tr>
@@ -9170,6 +10487,13 @@
   <p:clrMapOvr>
     <a:masterClrMapping/>
   </p:clrMapOvr>
+  <p:timing>
+    <p:tnLst>
+      <p:par>
+        <p:cTn id="1" dur="indefinite" restart="never" nodeType="tmRoot"/>
+      </p:par>
+    </p:tnLst>
+  </p:timing>
 </p:sld>
 </file>
 
@@ -9195,7 +10519,7 @@
           <p:cNvPr id="2" name="Title 1">
             <a:extLst>
               <a:ext uri="{FF2B5EF4-FFF2-40B4-BE49-F238E27FC236}">
-                <a16:creationId xmlns:a16="http://schemas.microsoft.com/office/drawing/2014/main" id="{5ACC0826-E80F-43C0-912C-275EB710142B}"/>
+                <a16:creationId xmlns:a16="http://schemas.microsoft.com/office/drawing/2014/main" xmlns="" id="{5ACC0826-E80F-43C0-912C-275EB710142B}"/>
               </a:ext>
             </a:extLst>
           </p:cNvPr>
@@ -9224,7 +10548,7 @@
           <p:cNvPr id="4" name="Chỗ dành sẵn cho Nội dung 3">
             <a:extLst>
               <a:ext uri="{FF2B5EF4-FFF2-40B4-BE49-F238E27FC236}">
-                <a16:creationId xmlns:a16="http://schemas.microsoft.com/office/drawing/2014/main" id="{E7382999-E9BD-45F8-97D5-A50B26B12803}"/>
+                <a16:creationId xmlns:a16="http://schemas.microsoft.com/office/drawing/2014/main" xmlns="" id="{E7382999-E9BD-45F8-97D5-A50B26B12803}"/>
               </a:ext>
             </a:extLst>
           </p:cNvPr>
@@ -9249,7 +10573,7 @@
           <p:cNvPr id="5" name="Picture 4">
             <a:extLst>
               <a:ext uri="{FF2B5EF4-FFF2-40B4-BE49-F238E27FC236}">
-                <a16:creationId xmlns:a16="http://schemas.microsoft.com/office/drawing/2014/main" id="{ABBF4BD0-B692-4128-B6AB-A03A37FA93BC}"/>
+                <a16:creationId xmlns:a16="http://schemas.microsoft.com/office/drawing/2014/main" xmlns="" id="{ABBF4BD0-B692-4128-B6AB-A03A37FA93BC}"/>
               </a:ext>
             </a:extLst>
           </p:cNvPr>
@@ -9309,7 +10633,7 @@
           <p:cNvPr id="6" name="Picture 5">
             <a:extLst>
               <a:ext uri="{FF2B5EF4-FFF2-40B4-BE49-F238E27FC236}">
-                <a16:creationId xmlns:a16="http://schemas.microsoft.com/office/drawing/2014/main" id="{48E33D2A-26BC-47F7-A001-9B9CE66B4350}"/>
+                <a16:creationId xmlns:a16="http://schemas.microsoft.com/office/drawing/2014/main" xmlns="" id="{48E33D2A-26BC-47F7-A001-9B9CE66B4350}"/>
               </a:ext>
             </a:extLst>
           </p:cNvPr>
@@ -9374,6 +10698,13 @@
   <p:clrMapOvr>
     <a:masterClrMapping/>
   </p:clrMapOvr>
+  <p:timing>
+    <p:tnLst>
+      <p:par>
+        <p:cTn id="1" dur="indefinite" restart="never" nodeType="tmRoot"/>
+      </p:par>
+    </p:tnLst>
+  </p:timing>
 </p:sld>
 </file>
 
@@ -9399,7 +10730,7 @@
           <p:cNvPr id="2" name="Title 1">
             <a:extLst>
               <a:ext uri="{FF2B5EF4-FFF2-40B4-BE49-F238E27FC236}">
-                <a16:creationId xmlns:a16="http://schemas.microsoft.com/office/drawing/2014/main" id="{5ACC0826-E80F-43C0-912C-275EB710142B}"/>
+                <a16:creationId xmlns:a16="http://schemas.microsoft.com/office/drawing/2014/main" xmlns="" id="{5ACC0826-E80F-43C0-912C-275EB710142B}"/>
               </a:ext>
             </a:extLst>
           </p:cNvPr>
@@ -9425,10 +10756,10 @@
       </p:sp>
       <p:pic>
         <p:nvPicPr>
-          <p:cNvPr id="5" name="Picture 4">
+          <p:cNvPr id="5" name="Content Placeholder 4">
             <a:extLst>
               <a:ext uri="{FF2B5EF4-FFF2-40B4-BE49-F238E27FC236}">
-                <a16:creationId xmlns:a16="http://schemas.microsoft.com/office/drawing/2014/main" id="{90CF760C-0EFC-4A07-B0AF-B3A02068800E}"/>
+                <a16:creationId xmlns:a16="http://schemas.microsoft.com/office/drawing/2014/main" xmlns="" id="{90CF760C-0EFC-4A07-B0AF-B3A02068800E}"/>
               </a:ext>
             </a:extLst>
           </p:cNvPr>
@@ -9495,6 +10826,13 @@
   <p:clrMapOvr>
     <a:masterClrMapping/>
   </p:clrMapOvr>
+  <p:timing>
+    <p:tnLst>
+      <p:par>
+        <p:cTn id="1" dur="indefinite" restart="never" nodeType="tmRoot"/>
+      </p:par>
+    </p:tnLst>
+  </p:timing>
 </p:sld>
 </file>
 
@@ -9520,7 +10858,7 @@
           <p:cNvPr id="2" name="Title 1">
             <a:extLst>
               <a:ext uri="{FF2B5EF4-FFF2-40B4-BE49-F238E27FC236}">
-                <a16:creationId xmlns:a16="http://schemas.microsoft.com/office/drawing/2014/main" id="{5ACC0826-E80F-43C0-912C-275EB710142B}"/>
+                <a16:creationId xmlns:a16="http://schemas.microsoft.com/office/drawing/2014/main" xmlns="" id="{5ACC0826-E80F-43C0-912C-275EB710142B}"/>
               </a:ext>
             </a:extLst>
           </p:cNvPr>
@@ -9546,10 +10884,10 @@
       </p:sp>
       <p:pic>
         <p:nvPicPr>
-          <p:cNvPr id="5" name="Picture 4">
+          <p:cNvPr id="5" name="Content Placeholder 4">
             <a:extLst>
               <a:ext uri="{FF2B5EF4-FFF2-40B4-BE49-F238E27FC236}">
-                <a16:creationId xmlns:a16="http://schemas.microsoft.com/office/drawing/2014/main" id="{7AC94E8F-F2A0-4093-BCE4-F497CB9329E5}"/>
+                <a16:creationId xmlns:a16="http://schemas.microsoft.com/office/drawing/2014/main" xmlns="" id="{7AC94E8F-F2A0-4093-BCE4-F497CB9329E5}"/>
               </a:ext>
             </a:extLst>
           </p:cNvPr>
@@ -9616,6 +10954,13 @@
   <p:clrMapOvr>
     <a:masterClrMapping/>
   </p:clrMapOvr>
+  <p:timing>
+    <p:tnLst>
+      <p:par>
+        <p:cTn id="1" dur="indefinite" restart="never" nodeType="tmRoot"/>
+      </p:par>
+    </p:tnLst>
+  </p:timing>
 </p:sld>
 </file>
 
@@ -9641,7 +10986,7 @@
           <p:cNvPr id="2" name="Title 1">
             <a:extLst>
               <a:ext uri="{FF2B5EF4-FFF2-40B4-BE49-F238E27FC236}">
-                <a16:creationId xmlns:a16="http://schemas.microsoft.com/office/drawing/2014/main" id="{5ACC0826-E80F-43C0-912C-275EB710142B}"/>
+                <a16:creationId xmlns:a16="http://schemas.microsoft.com/office/drawing/2014/main" xmlns="" id="{5ACC0826-E80F-43C0-912C-275EB710142B}"/>
               </a:ext>
             </a:extLst>
           </p:cNvPr>
@@ -9670,7 +11015,7 @@
           <p:cNvPr id="6" name="Picture 4">
             <a:extLst>
               <a:ext uri="{FF2B5EF4-FFF2-40B4-BE49-F238E27FC236}">
-                <a16:creationId xmlns:a16="http://schemas.microsoft.com/office/drawing/2014/main" id="{32A01167-BC61-4189-A4B3-43DD3A1B0F07}"/>
+                <a16:creationId xmlns:a16="http://schemas.microsoft.com/office/drawing/2014/main" xmlns="" id="{32A01167-BC61-4189-A4B3-43DD3A1B0F07}"/>
               </a:ext>
             </a:extLst>
           </p:cNvPr>
@@ -9737,6 +11082,13 @@
   <p:clrMapOvr>
     <a:masterClrMapping/>
   </p:clrMapOvr>
+  <p:timing>
+    <p:tnLst>
+      <p:par>
+        <p:cTn id="1" dur="indefinite" restart="never" nodeType="tmRoot"/>
+      </p:par>
+    </p:tnLst>
+  </p:timing>
 </p:sld>
 </file>
 
@@ -9783,7 +11135,7 @@
     </a:clrScheme>
     <a:fontScheme name="Office">
       <a:majorFont>
-        <a:latin typeface="Calibri Light" panose="020F0302020204030204"/>
+        <a:latin typeface="Calibri Light"/>
         <a:ea typeface=""/>
         <a:cs typeface=""/>
         <a:font script="Jpan" typeface="ＭＳ Ｐゴシック"/>
@@ -9818,7 +11170,7 @@
         <a:font script="Geor" typeface="Sylfaen"/>
       </a:majorFont>
       <a:minorFont>
-        <a:latin typeface="Calibri" panose="020F0502020204030204"/>
+        <a:latin typeface="Calibri"/>
         <a:ea typeface=""/>
         <a:cs typeface=""/>
         <a:font script="Jpan" typeface="ＭＳ Ｐゴシック"/>
@@ -9995,7 +11347,7 @@
   <a:extraClrSchemeLst/>
   <a:extLst>
     <a:ext uri="{05A4C25C-085E-4340-85A3-A5531E510DB2}">
-      <thm15:themeFamily xmlns:thm15="http://schemas.microsoft.com/office/thememl/2012/main" name="Presentation1" id="{7A4D7F9D-CF2C-4E80-8360-F21AE36D35D4}" vid="{71563601-04E0-4A9A-AE8B-FC38A55497EE}"/>
+      <thm15:themeFamily xmlns:thm15="http://schemas.microsoft.com/office/thememl/2012/main" xmlns="" name="Presentation1" id="{7A4D7F9D-CF2C-4E80-8360-F21AE36D35D4}" vid="{71563601-04E0-4A9A-AE8B-FC38A55497EE}"/>
     </a:ext>
   </a:extLst>
 </a:theme>

--- a/BaoCao/Nhom3.pptx
+++ b/BaoCao/Nhom3.pptx
@@ -130,7 +130,18 @@
   </p:defaultTextStyle>
   <p:extLst>
     <p:ext uri="{EFAFB233-063F-42B5-8137-9DF3F51BA10A}">
-      <p15:sldGuideLst xmlns:p15="http://schemas.microsoft.com/office/powerpoint/2012/main" xmlns=""/>
+      <p15:sldGuideLst xmlns:p15="http://schemas.microsoft.com/office/powerpoint/2012/main">
+        <p15:guide id="1" orient="horz" pos="2160">
+          <p15:clr>
+            <a:srgbClr val="A4A3A4"/>
+          </p15:clr>
+        </p15:guide>
+        <p15:guide id="2" pos="2880">
+          <p15:clr>
+            <a:srgbClr val="A4A3A4"/>
+          </p15:clr>
+        </p15:guide>
+      </p15:sldGuideLst>
     </p:ext>
   </p:extLst>
 </p:presentation>
@@ -319,7 +330,7 @@
           <a:p>
             <a:fld id="{A0EC2761-52B0-42C5-B01B-DF8F69615AE5}" type="datetimeFigureOut">
               <a:rPr lang="en-US" smtClean="0"/>
-              <a:t>04/22/2019</a:t>
+              <a:t>4/22/2019</a:t>
             </a:fld>
             <a:endParaRPr lang="en-US"/>
           </a:p>
@@ -487,7 +498,7 @@
           <a:p>
             <a:fld id="{A0EC2761-52B0-42C5-B01B-DF8F69615AE5}" type="datetimeFigureOut">
               <a:rPr lang="en-US" smtClean="0"/>
-              <a:t>04/22/2019</a:t>
+              <a:t>4/22/2019</a:t>
             </a:fld>
             <a:endParaRPr lang="en-US"/>
           </a:p>
@@ -665,7 +676,7 @@
           <a:p>
             <a:fld id="{A0EC2761-52B0-42C5-B01B-DF8F69615AE5}" type="datetimeFigureOut">
               <a:rPr lang="en-US" smtClean="0"/>
-              <a:t>04/22/2019</a:t>
+              <a:t>4/22/2019</a:t>
             </a:fld>
             <a:endParaRPr lang="en-US"/>
           </a:p>
@@ -833,7 +844,7 @@
           <a:p>
             <a:fld id="{A0EC2761-52B0-42C5-B01B-DF8F69615AE5}" type="datetimeFigureOut">
               <a:rPr lang="en-US" smtClean="0"/>
-              <a:t>04/22/2019</a:t>
+              <a:t>4/22/2019</a:t>
             </a:fld>
             <a:endParaRPr lang="en-US"/>
           </a:p>
@@ -1078,7 +1089,7 @@
           <a:p>
             <a:fld id="{A0EC2761-52B0-42C5-B01B-DF8F69615AE5}" type="datetimeFigureOut">
               <a:rPr lang="en-US" smtClean="0"/>
-              <a:t>04/22/2019</a:t>
+              <a:t>4/22/2019</a:t>
             </a:fld>
             <a:endParaRPr lang="en-US"/>
           </a:p>
@@ -1307,7 +1318,7 @@
           <a:p>
             <a:fld id="{A0EC2761-52B0-42C5-B01B-DF8F69615AE5}" type="datetimeFigureOut">
               <a:rPr lang="en-US" smtClean="0"/>
-              <a:t>04/22/2019</a:t>
+              <a:t>4/22/2019</a:t>
             </a:fld>
             <a:endParaRPr lang="en-US"/>
           </a:p>
@@ -1671,7 +1682,7 @@
           <a:p>
             <a:fld id="{A0EC2761-52B0-42C5-B01B-DF8F69615AE5}" type="datetimeFigureOut">
               <a:rPr lang="en-US" smtClean="0"/>
-              <a:t>04/22/2019</a:t>
+              <a:t>4/22/2019</a:t>
             </a:fld>
             <a:endParaRPr lang="en-US"/>
           </a:p>
@@ -1780,7 +1791,7 @@
           <a:p>
             <a:fld id="{A0EC2761-52B0-42C5-B01B-DF8F69615AE5}" type="datetimeFigureOut">
               <a:rPr lang="en-US" smtClean="0"/>
-              <a:t>04/22/2019</a:t>
+              <a:t>4/22/2019</a:t>
             </a:fld>
             <a:endParaRPr lang="en-US"/>
           </a:p>
@@ -1889,7 +1900,7 @@
           <a:p>
             <a:fld id="{A0EC2761-52B0-42C5-B01B-DF8F69615AE5}" type="datetimeFigureOut">
               <a:rPr lang="en-US" smtClean="0"/>
-              <a:t>04/22/2019</a:t>
+              <a:t>4/22/2019</a:t>
             </a:fld>
             <a:endParaRPr lang="en-US"/>
           </a:p>
@@ -2164,7 +2175,7 @@
           <a:p>
             <a:fld id="{A0EC2761-52B0-42C5-B01B-DF8F69615AE5}" type="datetimeFigureOut">
               <a:rPr lang="en-US" smtClean="0"/>
-              <a:t>04/22/2019</a:t>
+              <a:t>4/22/2019</a:t>
             </a:fld>
             <a:endParaRPr lang="en-US"/>
           </a:p>
@@ -2419,7 +2430,7 @@
           <a:p>
             <a:fld id="{A0EC2761-52B0-42C5-B01B-DF8F69615AE5}" type="datetimeFigureOut">
               <a:rPr lang="en-US" smtClean="0"/>
-              <a:t>04/22/2019</a:t>
+              <a:t>4/22/2019</a:t>
             </a:fld>
             <a:endParaRPr lang="en-US"/>
           </a:p>
@@ -2639,7 +2650,7 @@
           <a:p>
             <a:fld id="{A0EC2761-52B0-42C5-B01B-DF8F69615AE5}" type="datetimeFigureOut">
               <a:rPr lang="en-US" smtClean="0"/>
-              <a:t>04/22/2019</a:t>
+              <a:t>4/22/2019</a:t>
             </a:fld>
             <a:endParaRPr lang="en-US"/>
           </a:p>
@@ -3081,10 +3092,6 @@
           </a:bodyPr>
           <a:lstStyle/>
           <a:p>
-            <a:r>
-              <a:rPr lang="en-US" dirty="0"/>
-              <a:t/>
-            </a:r>
             <a:br>
               <a:rPr lang="en-US" dirty="0"/>
             </a:br>
@@ -3211,13 +3218,6 @@
   <p:clrMapOvr>
     <a:masterClrMapping/>
   </p:clrMapOvr>
-  <p:timing>
-    <p:tnLst>
-      <p:par>
-        <p:cTn id="1" dur="indefinite" restart="never" nodeType="tmRoot"/>
-      </p:par>
-    </p:tnLst>
-  </p:timing>
 </p:sld>
 </file>
 
@@ -3243,7 +3243,7 @@
           <p:cNvPr id="2" name="Title 1">
             <a:extLst>
               <a:ext uri="{FF2B5EF4-FFF2-40B4-BE49-F238E27FC236}">
-                <a16:creationId xmlns:a16="http://schemas.microsoft.com/office/drawing/2014/main" xmlns="" id="{5ACC0826-E80F-43C0-912C-275EB710142B}"/>
+                <a16:creationId xmlns:a16="http://schemas.microsoft.com/office/drawing/2014/main" id="{5ACC0826-E80F-43C0-912C-275EB710142B}"/>
               </a:ext>
             </a:extLst>
           </p:cNvPr>
@@ -3272,7 +3272,7 @@
           <p:cNvPr id="4" name="Chỗ dành sẵn cho Nội dung 3">
             <a:extLst>
               <a:ext uri="{FF2B5EF4-FFF2-40B4-BE49-F238E27FC236}">
-                <a16:creationId xmlns:a16="http://schemas.microsoft.com/office/drawing/2014/main" xmlns="" id="{0A469280-6A1E-4F41-B2DD-5119847FC0AE}"/>
+                <a16:creationId xmlns:a16="http://schemas.microsoft.com/office/drawing/2014/main" id="{0A469280-6A1E-4F41-B2DD-5119847FC0AE}"/>
               </a:ext>
             </a:extLst>
           </p:cNvPr>
@@ -3297,7 +3297,7 @@
           <p:cNvPr id="7" name="Picture 4">
             <a:extLst>
               <a:ext uri="{FF2B5EF4-FFF2-40B4-BE49-F238E27FC236}">
-                <a16:creationId xmlns:a16="http://schemas.microsoft.com/office/drawing/2014/main" xmlns="" id="{39DD662D-CB28-4668-B1E8-32650552B55D}"/>
+                <a16:creationId xmlns:a16="http://schemas.microsoft.com/office/drawing/2014/main" id="{39DD662D-CB28-4668-B1E8-32650552B55D}"/>
               </a:ext>
             </a:extLst>
           </p:cNvPr>
@@ -3362,13 +3362,6 @@
   <p:clrMapOvr>
     <a:masterClrMapping/>
   </p:clrMapOvr>
-  <p:timing>
-    <p:tnLst>
-      <p:par>
-        <p:cTn id="1" dur="indefinite" restart="never" nodeType="tmRoot"/>
-      </p:par>
-    </p:tnLst>
-  </p:timing>
 </p:sld>
 </file>
 
@@ -3394,7 +3387,7 @@
           <p:cNvPr id="2" name="Title 1">
             <a:extLst>
               <a:ext uri="{FF2B5EF4-FFF2-40B4-BE49-F238E27FC236}">
-                <a16:creationId xmlns:a16="http://schemas.microsoft.com/office/drawing/2014/main" xmlns="" id="{5ACC0826-E80F-43C0-912C-275EB710142B}"/>
+                <a16:creationId xmlns:a16="http://schemas.microsoft.com/office/drawing/2014/main" id="{5ACC0826-E80F-43C0-912C-275EB710142B}"/>
               </a:ext>
             </a:extLst>
           </p:cNvPr>
@@ -3423,7 +3416,7 @@
           <p:cNvPr id="5" name="Content Placeholder 4">
             <a:extLst>
               <a:ext uri="{FF2B5EF4-FFF2-40B4-BE49-F238E27FC236}">
-                <a16:creationId xmlns:a16="http://schemas.microsoft.com/office/drawing/2014/main" xmlns="" id="{4E1977E1-8DF3-44ED-9AA8-EFF16C548E55}"/>
+                <a16:creationId xmlns:a16="http://schemas.microsoft.com/office/drawing/2014/main" id="{4E1977E1-8DF3-44ED-9AA8-EFF16C548E55}"/>
               </a:ext>
             </a:extLst>
           </p:cNvPr>
@@ -3490,13 +3483,6 @@
   <p:clrMapOvr>
     <a:masterClrMapping/>
   </p:clrMapOvr>
-  <p:timing>
-    <p:tnLst>
-      <p:par>
-        <p:cTn id="1" dur="indefinite" restart="never" nodeType="tmRoot"/>
-      </p:par>
-    </p:tnLst>
-  </p:timing>
 </p:sld>
 </file>
 
@@ -3522,7 +3508,7 @@
           <p:cNvPr id="2" name="Title 1">
             <a:extLst>
               <a:ext uri="{FF2B5EF4-FFF2-40B4-BE49-F238E27FC236}">
-                <a16:creationId xmlns:a16="http://schemas.microsoft.com/office/drawing/2014/main" xmlns="" id="{5ACC0826-E80F-43C0-912C-275EB710142B}"/>
+                <a16:creationId xmlns:a16="http://schemas.microsoft.com/office/drawing/2014/main" id="{5ACC0826-E80F-43C0-912C-275EB710142B}"/>
               </a:ext>
             </a:extLst>
           </p:cNvPr>
@@ -3551,7 +3537,7 @@
           <p:cNvPr id="5" name="Content Placeholder 4">
             <a:extLst>
               <a:ext uri="{FF2B5EF4-FFF2-40B4-BE49-F238E27FC236}">
-                <a16:creationId xmlns:a16="http://schemas.microsoft.com/office/drawing/2014/main" xmlns="" id="{5B03456F-79BE-41C7-B6C5-6C409495C03C}"/>
+                <a16:creationId xmlns:a16="http://schemas.microsoft.com/office/drawing/2014/main" id="{5B03456F-79BE-41C7-B6C5-6C409495C03C}"/>
               </a:ext>
             </a:extLst>
           </p:cNvPr>
@@ -3618,13 +3604,6 @@
   <p:clrMapOvr>
     <a:masterClrMapping/>
   </p:clrMapOvr>
-  <p:timing>
-    <p:tnLst>
-      <p:par>
-        <p:cTn id="1" dur="indefinite" restart="never" nodeType="tmRoot"/>
-      </p:par>
-    </p:tnLst>
-  </p:timing>
 </p:sld>
 </file>
 
@@ -3650,7 +3629,7 @@
           <p:cNvPr id="2" name="Title 1">
             <a:extLst>
               <a:ext uri="{FF2B5EF4-FFF2-40B4-BE49-F238E27FC236}">
-                <a16:creationId xmlns:a16="http://schemas.microsoft.com/office/drawing/2014/main" xmlns="" id="{5ACC0826-E80F-43C0-912C-275EB710142B}"/>
+                <a16:creationId xmlns:a16="http://schemas.microsoft.com/office/drawing/2014/main" id="{5ACC0826-E80F-43C0-912C-275EB710142B}"/>
               </a:ext>
             </a:extLst>
           </p:cNvPr>
@@ -3679,7 +3658,7 @@
           <p:cNvPr id="6" name="Hình chữ nhật 5">
             <a:extLst>
               <a:ext uri="{FF2B5EF4-FFF2-40B4-BE49-F238E27FC236}">
-                <a16:creationId xmlns:a16="http://schemas.microsoft.com/office/drawing/2014/main" xmlns="" id="{7A04BA52-21EB-40DE-88A4-D4C2D6586CD0}"/>
+                <a16:creationId xmlns:a16="http://schemas.microsoft.com/office/drawing/2014/main" id="{7A04BA52-21EB-40DE-88A4-D4C2D6586CD0}"/>
               </a:ext>
             </a:extLst>
           </p:cNvPr>
@@ -3830,7 +3809,7 @@
           <p:cNvPr id="7" name="Hình chữ nhật 6">
             <a:extLst>
               <a:ext uri="{FF2B5EF4-FFF2-40B4-BE49-F238E27FC236}">
-                <a16:creationId xmlns:a16="http://schemas.microsoft.com/office/drawing/2014/main" xmlns="" id="{4A43D711-8E32-409E-A887-D6368D577BD0}"/>
+                <a16:creationId xmlns:a16="http://schemas.microsoft.com/office/drawing/2014/main" id="{4A43D711-8E32-409E-A887-D6368D577BD0}"/>
               </a:ext>
             </a:extLst>
           </p:cNvPr>
@@ -3965,13 +3944,6 @@
   <p:clrMapOvr>
     <a:masterClrMapping/>
   </p:clrMapOvr>
-  <p:timing>
-    <p:tnLst>
-      <p:par>
-        <p:cTn id="1" dur="indefinite" restart="never" nodeType="tmRoot"/>
-      </p:par>
-    </p:tnLst>
-  </p:timing>
 </p:sld>
 </file>
 
@@ -3997,7 +3969,7 @@
           <p:cNvPr id="2" name="Title 1">
             <a:extLst>
               <a:ext uri="{FF2B5EF4-FFF2-40B4-BE49-F238E27FC236}">
-                <a16:creationId xmlns:a16="http://schemas.microsoft.com/office/drawing/2014/main" xmlns="" id="{5ACC0826-E80F-43C0-912C-275EB710142B}"/>
+                <a16:creationId xmlns:a16="http://schemas.microsoft.com/office/drawing/2014/main" id="{5ACC0826-E80F-43C0-912C-275EB710142B}"/>
               </a:ext>
             </a:extLst>
           </p:cNvPr>
@@ -4159,13 +4131,6 @@
   <p:clrMapOvr>
     <a:masterClrMapping/>
   </p:clrMapOvr>
-  <p:timing>
-    <p:tnLst>
-      <p:par>
-        <p:cTn id="1" dur="indefinite" restart="never" nodeType="tmRoot"/>
-      </p:par>
-    </p:tnLst>
-  </p:timing>
 </p:sld>
 </file>
 
@@ -4191,7 +4156,7 @@
           <p:cNvPr id="2" name="Title 1">
             <a:extLst>
               <a:ext uri="{FF2B5EF4-FFF2-40B4-BE49-F238E27FC236}">
-                <a16:creationId xmlns:a16="http://schemas.microsoft.com/office/drawing/2014/main" xmlns="" id="{5ACC0826-E80F-43C0-912C-275EB710142B}"/>
+                <a16:creationId xmlns:a16="http://schemas.microsoft.com/office/drawing/2014/main" id="{5ACC0826-E80F-43C0-912C-275EB710142B}"/>
               </a:ext>
             </a:extLst>
           </p:cNvPr>
@@ -4220,7 +4185,7 @@
           <p:cNvPr id="4" name="Chỗ dành sẵn cho Nội dung 3">
             <a:extLst>
               <a:ext uri="{FF2B5EF4-FFF2-40B4-BE49-F238E27FC236}">
-                <a16:creationId xmlns:a16="http://schemas.microsoft.com/office/drawing/2014/main" xmlns="" id="{E7382999-E9BD-45F8-97D5-A50B26B12803}"/>
+                <a16:creationId xmlns:a16="http://schemas.microsoft.com/office/drawing/2014/main" id="{E7382999-E9BD-45F8-97D5-A50B26B12803}"/>
               </a:ext>
             </a:extLst>
           </p:cNvPr>
@@ -4250,13 +4215,6 @@
   <p:clrMapOvr>
     <a:masterClrMapping/>
   </p:clrMapOvr>
-  <p:timing>
-    <p:tnLst>
-      <p:par>
-        <p:cTn id="1" dur="indefinite" restart="never" nodeType="tmRoot"/>
-      </p:par>
-    </p:tnLst>
-  </p:timing>
 </p:sld>
 </file>
 
@@ -4282,7 +4240,7 @@
           <p:cNvPr id="2" name="Title 1">
             <a:extLst>
               <a:ext uri="{FF2B5EF4-FFF2-40B4-BE49-F238E27FC236}">
-                <a16:creationId xmlns:a16="http://schemas.microsoft.com/office/drawing/2014/main" xmlns="" id="{5ACC0826-E80F-43C0-912C-275EB710142B}"/>
+                <a16:creationId xmlns:a16="http://schemas.microsoft.com/office/drawing/2014/main" id="{5ACC0826-E80F-43C0-912C-275EB710142B}"/>
               </a:ext>
             </a:extLst>
           </p:cNvPr>
@@ -4311,7 +4269,7 @@
           <p:cNvPr id="4" name="Chỗ dành sẵn cho Nội dung 3">
             <a:extLst>
               <a:ext uri="{FF2B5EF4-FFF2-40B4-BE49-F238E27FC236}">
-                <a16:creationId xmlns:a16="http://schemas.microsoft.com/office/drawing/2014/main" xmlns="" id="{E7382999-E9BD-45F8-97D5-A50B26B12803}"/>
+                <a16:creationId xmlns:a16="http://schemas.microsoft.com/office/drawing/2014/main" id="{E7382999-E9BD-45F8-97D5-A50B26B12803}"/>
               </a:ext>
             </a:extLst>
           </p:cNvPr>
@@ -4341,13 +4299,6 @@
   <p:clrMapOvr>
     <a:masterClrMapping/>
   </p:clrMapOvr>
-  <p:timing>
-    <p:tnLst>
-      <p:par>
-        <p:cTn id="1" dur="indefinite" restart="never" nodeType="tmRoot"/>
-      </p:par>
-    </p:tnLst>
-  </p:timing>
 </p:sld>
 </file>
 
@@ -4373,7 +4324,7 @@
           <p:cNvPr id="2" name="Title 1">
             <a:extLst>
               <a:ext uri="{FF2B5EF4-FFF2-40B4-BE49-F238E27FC236}">
-                <a16:creationId xmlns:a16="http://schemas.microsoft.com/office/drawing/2014/main" xmlns="" id="{5ACC0826-E80F-43C0-912C-275EB710142B}"/>
+                <a16:creationId xmlns:a16="http://schemas.microsoft.com/office/drawing/2014/main" id="{5ACC0826-E80F-43C0-912C-275EB710142B}"/>
               </a:ext>
             </a:extLst>
           </p:cNvPr>
@@ -4401,7 +4352,7 @@
           <p:cNvPr id="4" name="Chỗ dành sẵn cho Nội dung 3">
             <a:extLst>
               <a:ext uri="{FF2B5EF4-FFF2-40B4-BE49-F238E27FC236}">
-                <a16:creationId xmlns:a16="http://schemas.microsoft.com/office/drawing/2014/main" xmlns="" id="{E7382999-E9BD-45F8-97D5-A50B26B12803}"/>
+                <a16:creationId xmlns:a16="http://schemas.microsoft.com/office/drawing/2014/main" id="{E7382999-E9BD-45F8-97D5-A50B26B12803}"/>
               </a:ext>
             </a:extLst>
           </p:cNvPr>
@@ -4423,7 +4374,7 @@
           <a:lstStyle/>
           <a:p>
             <a:r>
-              <a:rPr lang="en-US" dirty="0" smtClean="0"/>
+              <a:rPr lang="en-US" dirty="0"/>
               <a:t>Chi tiết hoá sơ đồ hàm expression:</a:t>
             </a:r>
             <a:endParaRPr lang="vi-VN" dirty="0"/>
@@ -4504,13 +4455,6 @@
   <p:clrMapOvr>
     <a:masterClrMapping/>
   </p:clrMapOvr>
-  <p:timing>
-    <p:tnLst>
-      <p:par>
-        <p:cTn id="1" dur="indefinite" restart="never" nodeType="tmRoot"/>
-      </p:par>
-    </p:tnLst>
-  </p:timing>
 </p:sld>
 </file>
 
@@ -4536,7 +4480,7 @@
           <p:cNvPr id="2" name="Title 1">
             <a:extLst>
               <a:ext uri="{FF2B5EF4-FFF2-40B4-BE49-F238E27FC236}">
-                <a16:creationId xmlns:a16="http://schemas.microsoft.com/office/drawing/2014/main" xmlns="" id="{5ACC0826-E80F-43C0-912C-275EB710142B}"/>
+                <a16:creationId xmlns:a16="http://schemas.microsoft.com/office/drawing/2014/main" id="{5ACC0826-E80F-43C0-912C-275EB710142B}"/>
               </a:ext>
             </a:extLst>
           </p:cNvPr>
@@ -4564,7 +4508,7 @@
           <p:cNvPr id="4" name="Chỗ dành sẵn cho Nội dung 3">
             <a:extLst>
               <a:ext uri="{FF2B5EF4-FFF2-40B4-BE49-F238E27FC236}">
-                <a16:creationId xmlns:a16="http://schemas.microsoft.com/office/drawing/2014/main" xmlns="" id="{E7382999-E9BD-45F8-97D5-A50B26B12803}"/>
+                <a16:creationId xmlns:a16="http://schemas.microsoft.com/office/drawing/2014/main" id="{E7382999-E9BD-45F8-97D5-A50B26B12803}"/>
               </a:ext>
             </a:extLst>
           </p:cNvPr>
@@ -4701,7 +4645,6 @@
               <a:rPr lang="vi-VN" dirty="0"/>
               <a:t>}</a:t>
             </a:r>
-            <a:endParaRPr lang="vi-VN" dirty="0"/>
           </a:p>
         </p:txBody>
       </p:sp>
@@ -4710,7 +4653,7 @@
           <p:cNvPr id="6" name="Chỗ dành sẵn cho Nội dung 3">
             <a:extLst>
               <a:ext uri="{FF2B5EF4-FFF2-40B4-BE49-F238E27FC236}">
-                <a16:creationId xmlns:a16="http://schemas.microsoft.com/office/drawing/2014/main" xmlns="" id="{E7382999-E9BD-45F8-97D5-A50B26B12803}"/>
+                <a16:creationId xmlns:a16="http://schemas.microsoft.com/office/drawing/2014/main" id="{E7382999-E9BD-45F8-97D5-A50B26B12803}"/>
               </a:ext>
             </a:extLst>
           </p:cNvPr>
@@ -4961,13 +4904,6 @@
   <p:clrMapOvr>
     <a:masterClrMapping/>
   </p:clrMapOvr>
-  <p:timing>
-    <p:tnLst>
-      <p:par>
-        <p:cTn id="1" dur="indefinite" restart="never" nodeType="tmRoot"/>
-      </p:par>
-    </p:tnLst>
-  </p:timing>
 </p:sld>
 </file>
 
@@ -5070,13 +5006,8 @@
           <a:p>
             <a:r>
               <a:rPr lang="en-US" dirty="0"/>
-              <a:t>      break</a:t>
-            </a:r>
-            <a:r>
-              <a:rPr lang="en-US" dirty="0" smtClean="0"/>
-              <a:t>;</a:t>
-            </a:r>
-            <a:endParaRPr lang="en-US" dirty="0"/>
+              <a:t>      break;</a:t>
+            </a:r>
           </a:p>
           <a:p>
             <a:r>
@@ -5105,11 +5036,7 @@
           <a:p>
             <a:r>
               <a:rPr lang="en-US" dirty="0"/>
-              <a:t>      break</a:t>
-            </a:r>
-            <a:r>
-              <a:rPr lang="en-US" dirty="0" smtClean="0"/>
-              <a:t>;</a:t>
+              <a:t>      break;</a:t>
             </a:r>
           </a:p>
           <a:p>
@@ -5139,11 +5066,7 @@
           <a:p>
             <a:r>
               <a:rPr lang="en-US" dirty="0"/>
-              <a:t>  // Follow (For statement</a:t>
-            </a:r>
-            <a:r>
-              <a:rPr lang="en-US" dirty="0" smtClean="0"/>
-              <a:t>)</a:t>
+              <a:t>  // Follow (For statement)</a:t>
             </a:r>
           </a:p>
           <a:p>
@@ -5368,12 +5291,8 @@
           </a:lstStyle>
           <a:p>
             <a:r>
-              <a:rPr lang="en-US" dirty="0" smtClean="0"/>
-              <a:t>// </a:t>
-            </a:r>
-            <a:r>
               <a:rPr lang="en-US" dirty="0"/>
-              <a:t>Follow (arguments2)</a:t>
+              <a:t>// Follow (arguments2)</a:t>
             </a:r>
           </a:p>
           <a:p>
@@ -5514,13 +5433,6 @@
   <p:clrMapOvr>
     <a:masterClrMapping/>
   </p:clrMapOvr>
-  <p:timing>
-    <p:tnLst>
-      <p:par>
-        <p:cTn id="1" dur="indefinite" restart="never" nodeType="tmRoot"/>
-      </p:par>
-    </p:tnLst>
-  </p:timing>
 </p:sld>
 </file>
 
@@ -5546,7 +5458,7 @@
           <p:cNvPr id="2" name="Title 1">
             <a:extLst>
               <a:ext uri="{FF2B5EF4-FFF2-40B4-BE49-F238E27FC236}">
-                <a16:creationId xmlns:a16="http://schemas.microsoft.com/office/drawing/2014/main" xmlns="" id="{97AE80AE-7311-46F5-85B1-A0A9E23E593D}"/>
+                <a16:creationId xmlns:a16="http://schemas.microsoft.com/office/drawing/2014/main" id="{97AE80AE-7311-46F5-85B1-A0A9E23E593D}"/>
               </a:ext>
             </a:extLst>
           </p:cNvPr>
@@ -5580,7 +5492,7 @@
           <p:cNvPr id="5" name="Chỗ dành sẵn cho Nội dung 4">
             <a:extLst>
               <a:ext uri="{FF2B5EF4-FFF2-40B4-BE49-F238E27FC236}">
-                <a16:creationId xmlns:a16="http://schemas.microsoft.com/office/drawing/2014/main" xmlns="" id="{C1B98B62-79E0-4981-BDFD-C14A9E3AD6A4}"/>
+                <a16:creationId xmlns:a16="http://schemas.microsoft.com/office/drawing/2014/main" id="{C1B98B62-79E0-4981-BDFD-C14A9E3AD6A4}"/>
               </a:ext>
             </a:extLst>
           </p:cNvPr>
@@ -5647,7 +5559,7 @@
           <p:cNvPr id="2050" name="Picture 2" descr="HÃ¬nh áº£nh cÃ³ liÃªn quan">
             <a:extLst>
               <a:ext uri="{FF2B5EF4-FFF2-40B4-BE49-F238E27FC236}">
-                <a16:creationId xmlns:a16="http://schemas.microsoft.com/office/drawing/2014/main" xmlns="" id="{9D9A1309-1337-4C6E-ABD1-4FC3B9921479}"/>
+                <a16:creationId xmlns:a16="http://schemas.microsoft.com/office/drawing/2014/main" id="{9D9A1309-1337-4C6E-ABD1-4FC3B9921479}"/>
               </a:ext>
             </a:extLst>
           </p:cNvPr>
@@ -5694,7 +5606,7 @@
           <p:cNvPr id="6" name="Hình chữ nhật 5">
             <a:extLst>
               <a:ext uri="{FF2B5EF4-FFF2-40B4-BE49-F238E27FC236}">
-                <a16:creationId xmlns:a16="http://schemas.microsoft.com/office/drawing/2014/main" xmlns="" id="{E8D2F1D0-4175-44C4-ADF8-52AD40705026}"/>
+                <a16:creationId xmlns:a16="http://schemas.microsoft.com/office/drawing/2014/main" id="{E8D2F1D0-4175-44C4-ADF8-52AD40705026}"/>
               </a:ext>
             </a:extLst>
           </p:cNvPr>
@@ -5733,13 +5645,6 @@
   <p:clrMapOvr>
     <a:masterClrMapping/>
   </p:clrMapOvr>
-  <p:timing>
-    <p:tnLst>
-      <p:par>
-        <p:cTn id="1" dur="indefinite" restart="never" nodeType="tmRoot"/>
-      </p:par>
-    </p:tnLst>
-  </p:timing>
 </p:sld>
 </file>
 
@@ -5765,7 +5670,7 @@
           <p:cNvPr id="2" name="Title 1">
             <a:extLst>
               <a:ext uri="{FF2B5EF4-FFF2-40B4-BE49-F238E27FC236}">
-                <a16:creationId xmlns:a16="http://schemas.microsoft.com/office/drawing/2014/main" xmlns="" id="{5ACC0826-E80F-43C0-912C-275EB710142B}"/>
+                <a16:creationId xmlns:a16="http://schemas.microsoft.com/office/drawing/2014/main" id="{5ACC0826-E80F-43C0-912C-275EB710142B}"/>
               </a:ext>
             </a:extLst>
           </p:cNvPr>
@@ -5794,7 +5699,7 @@
           <p:cNvPr id="4" name="Chỗ dành sẵn cho Nội dung 3">
             <a:extLst>
               <a:ext uri="{FF2B5EF4-FFF2-40B4-BE49-F238E27FC236}">
-                <a16:creationId xmlns:a16="http://schemas.microsoft.com/office/drawing/2014/main" xmlns="" id="{E7382999-E9BD-45F8-97D5-A50B26B12803}"/>
+                <a16:creationId xmlns:a16="http://schemas.microsoft.com/office/drawing/2014/main" id="{E7382999-E9BD-45F8-97D5-A50B26B12803}"/>
               </a:ext>
             </a:extLst>
           </p:cNvPr>
@@ -5904,7 +5809,7 @@
           <p:cNvPr id="3" name="Hình ảnh 2">
             <a:extLst>
               <a:ext uri="{FF2B5EF4-FFF2-40B4-BE49-F238E27FC236}">
-                <a16:creationId xmlns:a16="http://schemas.microsoft.com/office/drawing/2014/main" xmlns="" id="{F7A698DA-C062-4A19-AD9C-FDE8B240B6D4}"/>
+                <a16:creationId xmlns:a16="http://schemas.microsoft.com/office/drawing/2014/main" id="{F7A698DA-C062-4A19-AD9C-FDE8B240B6D4}"/>
               </a:ext>
             </a:extLst>
           </p:cNvPr>
@@ -5934,7 +5839,7 @@
           <p:cNvPr id="5" name="Hình ảnh 4">
             <a:extLst>
               <a:ext uri="{FF2B5EF4-FFF2-40B4-BE49-F238E27FC236}">
-                <a16:creationId xmlns:a16="http://schemas.microsoft.com/office/drawing/2014/main" xmlns="" id="{8633F968-44C4-4278-806D-B737BCF29216}"/>
+                <a16:creationId xmlns:a16="http://schemas.microsoft.com/office/drawing/2014/main" id="{8633F968-44C4-4278-806D-B737BCF29216}"/>
               </a:ext>
             </a:extLst>
           </p:cNvPr>
@@ -5969,13 +5874,6 @@
   <p:clrMapOvr>
     <a:masterClrMapping/>
   </p:clrMapOvr>
-  <p:timing>
-    <p:tnLst>
-      <p:par>
-        <p:cTn id="1" dur="indefinite" restart="never" nodeType="tmRoot"/>
-      </p:par>
-    </p:tnLst>
-  </p:timing>
 </p:sld>
 </file>
 
@@ -6001,7 +5899,7 @@
           <p:cNvPr id="2" name="Title 1">
             <a:extLst>
               <a:ext uri="{FF2B5EF4-FFF2-40B4-BE49-F238E27FC236}">
-                <a16:creationId xmlns:a16="http://schemas.microsoft.com/office/drawing/2014/main" xmlns="" id="{5ACC0826-E80F-43C0-912C-275EB710142B}"/>
+                <a16:creationId xmlns:a16="http://schemas.microsoft.com/office/drawing/2014/main" id="{5ACC0826-E80F-43C0-912C-275EB710142B}"/>
               </a:ext>
             </a:extLst>
           </p:cNvPr>
@@ -6030,7 +5928,7 @@
           <p:cNvPr id="4" name="Chỗ dành sẵn cho Nội dung 3">
             <a:extLst>
               <a:ext uri="{FF2B5EF4-FFF2-40B4-BE49-F238E27FC236}">
-                <a16:creationId xmlns:a16="http://schemas.microsoft.com/office/drawing/2014/main" xmlns="" id="{E7382999-E9BD-45F8-97D5-A50B26B12803}"/>
+                <a16:creationId xmlns:a16="http://schemas.microsoft.com/office/drawing/2014/main" id="{E7382999-E9BD-45F8-97D5-A50B26B12803}"/>
               </a:ext>
             </a:extLst>
           </p:cNvPr>
@@ -6058,7 +5956,7 @@
           <p:cNvPr id="6" name="Hình ảnh 5">
             <a:extLst>
               <a:ext uri="{FF2B5EF4-FFF2-40B4-BE49-F238E27FC236}">
-                <a16:creationId xmlns:a16="http://schemas.microsoft.com/office/drawing/2014/main" xmlns="" id="{0DEE32F3-97A6-4FC5-9AEC-59868DAD4015}"/>
+                <a16:creationId xmlns:a16="http://schemas.microsoft.com/office/drawing/2014/main" id="{0DEE32F3-97A6-4FC5-9AEC-59868DAD4015}"/>
               </a:ext>
             </a:extLst>
           </p:cNvPr>
@@ -6075,8 +5973,8 @@
         </p:blipFill>
         <p:spPr>
           <a:xfrm>
-            <a:off x="710215" y="1378089"/>
-            <a:ext cx="2468208" cy="1927006"/>
+            <a:off x="5778961" y="1260777"/>
+            <a:ext cx="2736389" cy="2136383"/>
           </a:xfrm>
           <a:prstGeom prst="rect">
             <a:avLst/>
@@ -6085,10 +5983,10 @@
       </p:pic>
       <p:pic>
         <p:nvPicPr>
-          <p:cNvPr id="7" name="Hình ảnh 6">
+          <p:cNvPr id="3" name="Hình ảnh 2">
             <a:extLst>
               <a:ext uri="{FF2B5EF4-FFF2-40B4-BE49-F238E27FC236}">
-                <a16:creationId xmlns:a16="http://schemas.microsoft.com/office/drawing/2014/main" xmlns="" id="{4DF761AF-121F-402B-A042-AFF3F2ED7C95}"/>
+                <a16:creationId xmlns:a16="http://schemas.microsoft.com/office/drawing/2014/main" id="{61225462-772F-402F-BDE1-AF33A3D30483}"/>
               </a:ext>
             </a:extLst>
           </p:cNvPr>
@@ -6105,38 +6003,8 @@
         </p:blipFill>
         <p:spPr>
           <a:xfrm>
-            <a:off x="3870508" y="1409977"/>
-            <a:ext cx="4726959" cy="2279370"/>
-          </a:xfrm>
-          <a:prstGeom prst="rect">
-            <a:avLst/>
-          </a:prstGeom>
-        </p:spPr>
-      </p:pic>
-      <p:pic>
-        <p:nvPicPr>
-          <p:cNvPr id="9" name="Hình ảnh 8">
-            <a:extLst>
-              <a:ext uri="{FF2B5EF4-FFF2-40B4-BE49-F238E27FC236}">
-                <a16:creationId xmlns:a16="http://schemas.microsoft.com/office/drawing/2014/main" xmlns="" id="{521A33BB-96ED-4313-A2B4-DBFF004538E8}"/>
-              </a:ext>
-            </a:extLst>
-          </p:cNvPr>
-          <p:cNvPicPr>
-            <a:picLocks noChangeAspect="1"/>
-          </p:cNvPicPr>
-          <p:nvPr/>
-        </p:nvPicPr>
-        <p:blipFill>
-          <a:blip r:embed="rId4"/>
-          <a:stretch>
-            <a:fillRect/>
-          </a:stretch>
-        </p:blipFill>
-        <p:spPr>
-          <a:xfrm>
-            <a:off x="3870509" y="3797299"/>
-            <a:ext cx="4726958" cy="2878760"/>
+            <a:off x="546533" y="1260777"/>
+            <a:ext cx="4815580" cy="3751174"/>
           </a:xfrm>
           <a:prstGeom prst="rect">
             <a:avLst/>
@@ -6145,10 +6013,10 @@
       </p:pic>
       <p:sp>
         <p:nvSpPr>
-          <p:cNvPr id="10" name="Hộp Văn bản 9">
+          <p:cNvPr id="5" name="Hộp Văn bản 4">
             <a:extLst>
               <a:ext uri="{FF2B5EF4-FFF2-40B4-BE49-F238E27FC236}">
-                <a16:creationId xmlns:a16="http://schemas.microsoft.com/office/drawing/2014/main" xmlns="" id="{494E8589-E9FE-4B5E-B8AD-99939A4259E5}"/>
+                <a16:creationId xmlns:a16="http://schemas.microsoft.com/office/drawing/2014/main" id="{FC21E7AD-CCFD-4F16-8319-9D3457C45A53}"/>
               </a:ext>
             </a:extLst>
           </p:cNvPr>
@@ -6157,8 +6025,8 @@
         </p:nvSpPr>
         <p:spPr>
           <a:xfrm>
-            <a:off x="710215" y="3689347"/>
-            <a:ext cx="2468208" cy="1061829"/>
+            <a:off x="488950" y="5214677"/>
+            <a:ext cx="8026400" cy="415498"/>
           </a:xfrm>
           <a:prstGeom prst="rect">
             <a:avLst/>
@@ -6173,7 +6041,7 @@
           <a:p>
             <a:r>
               <a:rPr lang="en-US" sz="2100"/>
-              <a:t>Khi nào thì xảy ra lỗi ERR_INVALIDPARAM ???</a:t>
+              <a:t>Khi nào xảy ra lỗi ERR_INVALIDPARAM ???</a:t>
             </a:r>
             <a:endParaRPr lang="vi-VN" sz="2100"/>
           </a:p>
@@ -6189,13 +6057,6 @@
   <p:clrMapOvr>
     <a:masterClrMapping/>
   </p:clrMapOvr>
-  <p:timing>
-    <p:tnLst>
-      <p:par>
-        <p:cTn id="1" dur="indefinite" restart="never" nodeType="tmRoot"/>
-      </p:par>
-    </p:tnLst>
-  </p:timing>
 </p:sld>
 </file>
 
@@ -6221,7 +6082,7 @@
           <p:cNvPr id="2" name="Title 1">
             <a:extLst>
               <a:ext uri="{FF2B5EF4-FFF2-40B4-BE49-F238E27FC236}">
-                <a16:creationId xmlns:a16="http://schemas.microsoft.com/office/drawing/2014/main" xmlns="" id="{5ACC0826-E80F-43C0-912C-275EB710142B}"/>
+                <a16:creationId xmlns:a16="http://schemas.microsoft.com/office/drawing/2014/main" id="{5ACC0826-E80F-43C0-912C-275EB710142B}"/>
               </a:ext>
             </a:extLst>
           </p:cNvPr>
@@ -6250,7 +6111,7 @@
           <p:cNvPr id="11" name="Content Placeholder 10">
             <a:extLst>
               <a:ext uri="{FF2B5EF4-FFF2-40B4-BE49-F238E27FC236}">
-                <a16:creationId xmlns:a16="http://schemas.microsoft.com/office/drawing/2014/main" xmlns="" id="{8B7FD5CB-296B-4C10-9CFB-0B78F9D496AC}"/>
+                <a16:creationId xmlns:a16="http://schemas.microsoft.com/office/drawing/2014/main" id="{8B7FD5CB-296B-4C10-9CFB-0B78F9D496AC}"/>
               </a:ext>
             </a:extLst>
           </p:cNvPr>
@@ -7147,7 +7008,7 @@
           <p:cNvPr id="13" name="Picture 12">
             <a:extLst>
               <a:ext uri="{FF2B5EF4-FFF2-40B4-BE49-F238E27FC236}">
-                <a16:creationId xmlns:a16="http://schemas.microsoft.com/office/drawing/2014/main" xmlns="" id="{C7B5BF98-9B33-4E7B-9AAF-5FE3D8AA6B68}"/>
+                <a16:creationId xmlns:a16="http://schemas.microsoft.com/office/drawing/2014/main" id="{C7B5BF98-9B33-4E7B-9AAF-5FE3D8AA6B68}"/>
               </a:ext>
             </a:extLst>
           </p:cNvPr>
@@ -7183,7 +7044,7 @@
           <p:cNvPr id="15" name="Picture 14" descr="A screenshot of a cell phone&#10;&#10;Description generated with very high confidence">
             <a:extLst>
               <a:ext uri="{FF2B5EF4-FFF2-40B4-BE49-F238E27FC236}">
-                <a16:creationId xmlns:a16="http://schemas.microsoft.com/office/drawing/2014/main" xmlns="" id="{65C5D60E-28F2-4DA9-9547-747FD23EEA18}"/>
+                <a16:creationId xmlns:a16="http://schemas.microsoft.com/office/drawing/2014/main" id="{65C5D60E-28F2-4DA9-9547-747FD23EEA18}"/>
               </a:ext>
             </a:extLst>
           </p:cNvPr>
@@ -7224,13 +7085,6 @@
   <p:clrMapOvr>
     <a:masterClrMapping/>
   </p:clrMapOvr>
-  <p:timing>
-    <p:tnLst>
-      <p:par>
-        <p:cTn id="1" dur="indefinite" restart="never" nodeType="tmRoot"/>
-      </p:par>
-    </p:tnLst>
-  </p:timing>
 </p:sld>
 </file>
 
@@ -7256,7 +7110,7 @@
           <p:cNvPr id="2" name="Title 1">
             <a:extLst>
               <a:ext uri="{FF2B5EF4-FFF2-40B4-BE49-F238E27FC236}">
-                <a16:creationId xmlns:a16="http://schemas.microsoft.com/office/drawing/2014/main" xmlns="" id="{5ACC0826-E80F-43C0-912C-275EB710142B}"/>
+                <a16:creationId xmlns:a16="http://schemas.microsoft.com/office/drawing/2014/main" id="{5ACC0826-E80F-43C0-912C-275EB710142B}"/>
               </a:ext>
             </a:extLst>
           </p:cNvPr>
@@ -7285,7 +7139,7 @@
           <p:cNvPr id="4" name="Chỗ dành sẵn cho Nội dung 3">
             <a:extLst>
               <a:ext uri="{FF2B5EF4-FFF2-40B4-BE49-F238E27FC236}">
-                <a16:creationId xmlns:a16="http://schemas.microsoft.com/office/drawing/2014/main" xmlns="" id="{E7382999-E9BD-45F8-97D5-A50B26B12803}"/>
+                <a16:creationId xmlns:a16="http://schemas.microsoft.com/office/drawing/2014/main" id="{E7382999-E9BD-45F8-97D5-A50B26B12803}"/>
               </a:ext>
             </a:extLst>
           </p:cNvPr>
@@ -7450,13 +7304,29 @@
           <a:p>
             <a:pPr lvl="1"/>
             <a:r>
-              <a:rPr lang="en-US" dirty="0">
-                <a:solidFill>
-                  <a:schemeClr val="tx1"/>
-                </a:solidFill>
-              </a:rPr>
-              <a:t>compileArguments2</a:t>
-            </a:r>
+              <a:rPr lang="en-US">
+                <a:solidFill>
+                  <a:schemeClr val="tx1"/>
+                </a:solidFill>
+              </a:rPr>
+              <a:t>compileFuncParams</a:t>
+            </a:r>
+          </a:p>
+          <a:p>
+            <a:pPr lvl="1"/>
+            <a:r>
+              <a:rPr lang="en-US">
+                <a:solidFill>
+                  <a:schemeClr val="tx1"/>
+                </a:solidFill>
+              </a:rPr>
+              <a:t>compileProcParams</a:t>
+            </a:r>
+            <a:endParaRPr lang="en-US" dirty="0">
+              <a:solidFill>
+                <a:schemeClr val="tx1"/>
+              </a:solidFill>
+            </a:endParaRPr>
           </a:p>
           <a:p>
             <a:pPr marL="342900" lvl="1" indent="0">
@@ -8447,7 +8317,7 @@
           <p:cNvPr id="3" name="Table 2">
             <a:extLst>
               <a:ext uri="{FF2B5EF4-FFF2-40B4-BE49-F238E27FC236}">
-                <a16:creationId xmlns:a16="http://schemas.microsoft.com/office/drawing/2014/main" xmlns="" id="{83153595-19DE-48AA-8ADD-EFE622709FF7}"/>
+                <a16:creationId xmlns:a16="http://schemas.microsoft.com/office/drawing/2014/main" id="{83153595-19DE-48AA-8ADD-EFE622709FF7}"/>
               </a:ext>
             </a:extLst>
           </p:cNvPr>
@@ -8455,12 +8325,16 @@
             <a:graphicFrameLocks noGrp="1"/>
           </p:cNvGraphicFramePr>
           <p:nvPr>
-            <p:extLst/>
+            <p:extLst>
+              <p:ext uri="{D42A27DB-BD31-4B8C-83A1-F6EECF244321}">
+                <p14:modId xmlns:p14="http://schemas.microsoft.com/office/powerpoint/2010/main" val="3302122358"/>
+              </p:ext>
+            </p:extLst>
           </p:nvPr>
         </p:nvGraphicFramePr>
         <p:xfrm>
           <a:off x="4367814" y="1346200"/>
-          <a:ext cx="4083728" cy="2248810"/>
+          <a:ext cx="4083728" cy="2369910"/>
         </p:xfrm>
         <a:graphic>
           <a:graphicData uri="http://schemas.openxmlformats.org/drawingml/2006/table">
@@ -8472,14 +8346,14 @@
                 <a:gridCol w="2041864">
                   <a:extLst>
                     <a:ext uri="{9D8B030D-6E8A-4147-A177-3AD203B41FA5}">
-                      <a16:colId xmlns:a16="http://schemas.microsoft.com/office/drawing/2014/main" xmlns="" val="837531061"/>
+                      <a16:colId xmlns:a16="http://schemas.microsoft.com/office/drawing/2014/main" val="837531061"/>
                     </a:ext>
                   </a:extLst>
                 </a:gridCol>
                 <a:gridCol w="2041864">
                   <a:extLst>
                     <a:ext uri="{9D8B030D-6E8A-4147-A177-3AD203B41FA5}">
-                      <a16:colId xmlns:a16="http://schemas.microsoft.com/office/drawing/2014/main" xmlns="" val="699040959"/>
+                      <a16:colId xmlns:a16="http://schemas.microsoft.com/office/drawing/2014/main" val="699040959"/>
                     </a:ext>
                   </a:extLst>
                 </a:gridCol>
@@ -8551,7 +8425,7 @@
                 </a:tc>
                 <a:extLst>
                   <a:ext uri="{0D108BD9-81ED-4DB2-BD59-A6C34878D82A}">
-                    <a16:rowId xmlns:a16="http://schemas.microsoft.com/office/drawing/2014/main" xmlns="" val="245940028"/>
+                    <a16:rowId xmlns:a16="http://schemas.microsoft.com/office/drawing/2014/main" val="245940028"/>
                   </a:ext>
                 </a:extLst>
               </a:tr>
@@ -8622,7 +8496,7 @@
                 </a:tc>
                 <a:extLst>
                   <a:ext uri="{0D108BD9-81ED-4DB2-BD59-A6C34878D82A}">
-                    <a16:rowId xmlns:a16="http://schemas.microsoft.com/office/drawing/2014/main" xmlns="" val="1713444634"/>
+                    <a16:rowId xmlns:a16="http://schemas.microsoft.com/office/drawing/2014/main" val="1713444634"/>
                   </a:ext>
                 </a:extLst>
               </a:tr>
@@ -8693,7 +8567,7 @@
                 </a:tc>
                 <a:extLst>
                   <a:ext uri="{0D108BD9-81ED-4DB2-BD59-A6C34878D82A}">
-                    <a16:rowId xmlns:a16="http://schemas.microsoft.com/office/drawing/2014/main" xmlns="" val="3577871903"/>
+                    <a16:rowId xmlns:a16="http://schemas.microsoft.com/office/drawing/2014/main" val="3577871903"/>
                   </a:ext>
                 </a:extLst>
               </a:tr>
@@ -8764,7 +8638,7 @@
                 </a:tc>
                 <a:extLst>
                   <a:ext uri="{0D108BD9-81ED-4DB2-BD59-A6C34878D82A}">
-                    <a16:rowId xmlns:a16="http://schemas.microsoft.com/office/drawing/2014/main" xmlns="" val="2577431294"/>
+                    <a16:rowId xmlns:a16="http://schemas.microsoft.com/office/drawing/2014/main" val="2577431294"/>
                   </a:ext>
                 </a:extLst>
               </a:tr>
@@ -8835,7 +8709,7 @@
                 </a:tc>
                 <a:extLst>
                   <a:ext uri="{0D108BD9-81ED-4DB2-BD59-A6C34878D82A}">
-                    <a16:rowId xmlns:a16="http://schemas.microsoft.com/office/drawing/2014/main" xmlns="" val="956168312"/>
+                    <a16:rowId xmlns:a16="http://schemas.microsoft.com/office/drawing/2014/main" val="956168312"/>
                   </a:ext>
                 </a:extLst>
               </a:tr>
@@ -8906,11 +8780,11 @@
                 </a:tc>
                 <a:extLst>
                   <a:ext uri="{0D108BD9-81ED-4DB2-BD59-A6C34878D82A}">
-                    <a16:rowId xmlns:a16="http://schemas.microsoft.com/office/drawing/2014/main" xmlns="" val="1849587814"/>
+                    <a16:rowId xmlns:a16="http://schemas.microsoft.com/office/drawing/2014/main" val="1849587814"/>
                   </a:ext>
                 </a:extLst>
               </a:tr>
-              <a:tr h="221800">
+              <a:tr h="110900">
                 <a:tc>
                   <a:txBody>
                     <a:bodyPr/>
@@ -8930,15 +8804,12 @@
                       <a:r>
                         <a:rPr lang="en-US" sz="1100">
                           <a:effectLst/>
+                          <a:latin typeface="Calibri" panose="020F0502020204030204" pitchFamily="34" charset="0"/>
+                          <a:ea typeface="Times New Roman" panose="02020603050405020304" pitchFamily="18" charset="0"/>
+                          <a:cs typeface="Times New Roman" panose="02020603050405020304" pitchFamily="18" charset="0"/>
                         </a:rPr>
-                        <a:t>Arguments2</a:t>
+                        <a:t>FuncParams</a:t>
                       </a:r>
-                      <a:endParaRPr lang="en-US" sz="1100">
-                        <a:effectLst/>
-                        <a:latin typeface="Calibri" panose="020F0502020204030204" pitchFamily="34" charset="0"/>
-                        <a:ea typeface="Times New Roman" panose="02020603050405020304" pitchFamily="18" charset="0"/>
-                        <a:cs typeface="Times New Roman" panose="02020603050405020304" pitchFamily="18" charset="0"/>
-                      </a:endParaRPr>
                     </a:p>
                   </a:txBody>
                   <a:tcPr marL="68580" marR="68580" marT="0" marB="0"/>
@@ -8960,24 +8831,86 @@
                         </a:spcAft>
                       </a:pPr>
                       <a:r>
-                        <a:rPr lang="en-US" sz="1100" dirty="0">
+                        <a:rPr lang="en-US" sz="1100">
                           <a:effectLst/>
+                          <a:latin typeface="Calibri" panose="020F0502020204030204" pitchFamily="34" charset="0"/>
+                          <a:ea typeface="Times New Roman" panose="02020603050405020304" pitchFamily="18" charset="0"/>
+                          <a:cs typeface="Times New Roman" panose="02020603050405020304" pitchFamily="18" charset="0"/>
                         </a:rPr>
-                        <a:t>)</a:t>
+                        <a:t>:</a:t>
                       </a:r>
-                      <a:endParaRPr lang="en-US" sz="1100" dirty="0">
-                        <a:effectLst/>
-                        <a:latin typeface="Calibri" panose="020F0502020204030204" pitchFamily="34" charset="0"/>
-                        <a:ea typeface="Times New Roman" panose="02020603050405020304" pitchFamily="18" charset="0"/>
-                        <a:cs typeface="Times New Roman" panose="02020603050405020304" pitchFamily="18" charset="0"/>
-                      </a:endParaRPr>
                     </a:p>
                   </a:txBody>
                   <a:tcPr marL="68580" marR="68580" marT="0" marB="0"/>
                 </a:tc>
                 <a:extLst>
                   <a:ext uri="{0D108BD9-81ED-4DB2-BD59-A6C34878D82A}">
-                    <a16:rowId xmlns:a16="http://schemas.microsoft.com/office/drawing/2014/main" xmlns="" val="697537971"/>
+                    <a16:rowId xmlns:a16="http://schemas.microsoft.com/office/drawing/2014/main" val="697537971"/>
+                  </a:ext>
+                </a:extLst>
+              </a:tr>
+              <a:tr h="0">
+                <a:tc>
+                  <a:txBody>
+                    <a:bodyPr/>
+                    <a:lstStyle/>
+                    <a:p>
+                      <a:pPr marL="0" marR="0">
+                        <a:lnSpc>
+                          <a:spcPct val="107000"/>
+                        </a:lnSpc>
+                        <a:spcBef>
+                          <a:spcPts val="0"/>
+                        </a:spcBef>
+                        <a:spcAft>
+                          <a:spcPts val="0"/>
+                        </a:spcAft>
+                      </a:pPr>
+                      <a:r>
+                        <a:rPr lang="en-US" sz="1100">
+                          <a:effectLst/>
+                          <a:latin typeface="Calibri" panose="020F0502020204030204" pitchFamily="34" charset="0"/>
+                          <a:ea typeface="Times New Roman" panose="02020603050405020304" pitchFamily="18" charset="0"/>
+                          <a:cs typeface="Times New Roman" panose="02020603050405020304" pitchFamily="18" charset="0"/>
+                        </a:rPr>
+                        <a:t>ProcParams</a:t>
+                      </a:r>
+                    </a:p>
+                  </a:txBody>
+                  <a:tcPr marL="68580" marR="68580" marT="0" marB="0"/>
+                </a:tc>
+                <a:tc>
+                  <a:txBody>
+                    <a:bodyPr/>
+                    <a:lstStyle/>
+                    <a:p>
+                      <a:pPr marL="0" marR="0">
+                        <a:lnSpc>
+                          <a:spcPct val="107000"/>
+                        </a:lnSpc>
+                        <a:spcBef>
+                          <a:spcPts val="0"/>
+                        </a:spcBef>
+                        <a:spcAft>
+                          <a:spcPts val="0"/>
+                        </a:spcAft>
+                      </a:pPr>
+                      <a:r>
+                        <a:rPr lang="en-US" sz="1100">
+                          <a:effectLst/>
+                          <a:latin typeface="Calibri" panose="020F0502020204030204" pitchFamily="34" charset="0"/>
+                          <a:ea typeface="Times New Roman" panose="02020603050405020304" pitchFamily="18" charset="0"/>
+                          <a:cs typeface="Times New Roman" panose="02020603050405020304" pitchFamily="18" charset="0"/>
+                        </a:rPr>
+                        <a:t>;</a:t>
+                      </a:r>
+                    </a:p>
+                  </a:txBody>
+                  <a:tcPr marL="68580" marR="68580" marT="0" marB="0"/>
+                </a:tc>
+                <a:extLst>
+                  <a:ext uri="{0D108BD9-81ED-4DB2-BD59-A6C34878D82A}">
+                    <a16:rowId xmlns:a16="http://schemas.microsoft.com/office/drawing/2014/main" val="1868920723"/>
                   </a:ext>
                 </a:extLst>
               </a:tr>
@@ -8995,13 +8928,6 @@
   <p:clrMapOvr>
     <a:masterClrMapping/>
   </p:clrMapOvr>
-  <p:timing>
-    <p:tnLst>
-      <p:par>
-        <p:cTn id="1" dur="indefinite" restart="never" nodeType="tmRoot"/>
-      </p:par>
-    </p:tnLst>
-  </p:timing>
 </p:sld>
 </file>
 
@@ -9027,7 +8953,7 @@
           <p:cNvPr id="2" name="Title 1">
             <a:extLst>
               <a:ext uri="{FF2B5EF4-FFF2-40B4-BE49-F238E27FC236}">
-                <a16:creationId xmlns:a16="http://schemas.microsoft.com/office/drawing/2014/main" xmlns="" id="{096466C5-78E1-4B38-97CC-2B30997F8BA4}"/>
+                <a16:creationId xmlns:a16="http://schemas.microsoft.com/office/drawing/2014/main" id="{096466C5-78E1-4B38-97CC-2B30997F8BA4}"/>
               </a:ext>
             </a:extLst>
           </p:cNvPr>
@@ -9084,7 +9010,7 @@
           <p:cNvPr id="5" name="Content Placeholder 4" descr="A screenshot of a cell phone&#10;&#10;Description generated with very high confidence">
             <a:extLst>
               <a:ext uri="{FF2B5EF4-FFF2-40B4-BE49-F238E27FC236}">
-                <a16:creationId xmlns:a16="http://schemas.microsoft.com/office/drawing/2014/main" xmlns="" id="{9955B5BA-68E3-4722-BF13-75CB62B4E611}"/>
+                <a16:creationId xmlns:a16="http://schemas.microsoft.com/office/drawing/2014/main" id="{9955B5BA-68E3-4722-BF13-75CB62B4E611}"/>
               </a:ext>
             </a:extLst>
           </p:cNvPr>
@@ -9119,7 +9045,7 @@
           <p:cNvPr id="7" name="Picture 6" descr="A close up of a sign&#10;&#10;Description generated with high confidence">
             <a:extLst>
               <a:ext uri="{FF2B5EF4-FFF2-40B4-BE49-F238E27FC236}">
-                <a16:creationId xmlns:a16="http://schemas.microsoft.com/office/drawing/2014/main" xmlns="" id="{B53B1F60-9ABB-4034-AE96-CFBA175DF1B5}"/>
+                <a16:creationId xmlns:a16="http://schemas.microsoft.com/office/drawing/2014/main" id="{B53B1F60-9ABB-4034-AE96-CFBA175DF1B5}"/>
               </a:ext>
             </a:extLst>
           </p:cNvPr>
@@ -9155,7 +9081,7 @@
           <p:cNvPr id="9" name="Picture 8" descr="A picture containing object, clock&#10;&#10;Description generated with high confidence">
             <a:extLst>
               <a:ext uri="{FF2B5EF4-FFF2-40B4-BE49-F238E27FC236}">
-                <a16:creationId xmlns:a16="http://schemas.microsoft.com/office/drawing/2014/main" xmlns="" id="{768A2B25-C45E-4A08-BCFF-C427E184772C}"/>
+                <a16:creationId xmlns:a16="http://schemas.microsoft.com/office/drawing/2014/main" id="{768A2B25-C45E-4A08-BCFF-C427E184772C}"/>
               </a:ext>
             </a:extLst>
           </p:cNvPr>
@@ -9191,7 +9117,7 @@
           <p:cNvPr id="11" name="Rectangle 10">
             <a:extLst>
               <a:ext uri="{FF2B5EF4-FFF2-40B4-BE49-F238E27FC236}">
-                <a16:creationId xmlns:a16="http://schemas.microsoft.com/office/drawing/2014/main" xmlns="" id="{8502CCD0-86C6-47E6-88F6-02A330746E9A}"/>
+                <a16:creationId xmlns:a16="http://schemas.microsoft.com/office/drawing/2014/main" id="{8502CCD0-86C6-47E6-88F6-02A330746E9A}"/>
               </a:ext>
             </a:extLst>
           </p:cNvPr>
@@ -9238,7 +9164,7 @@
           <p:cNvPr id="12" name="TextBox 11">
             <a:extLst>
               <a:ext uri="{FF2B5EF4-FFF2-40B4-BE49-F238E27FC236}">
-                <a16:creationId xmlns:a16="http://schemas.microsoft.com/office/drawing/2014/main" xmlns="" id="{7230174B-F02A-4D03-AD35-A47408E0D820}"/>
+                <a16:creationId xmlns:a16="http://schemas.microsoft.com/office/drawing/2014/main" id="{7230174B-F02A-4D03-AD35-A47408E0D820}"/>
               </a:ext>
             </a:extLst>
           </p:cNvPr>
@@ -9278,13 +9204,6 @@
   <p:clrMapOvr>
     <a:masterClrMapping/>
   </p:clrMapOvr>
-  <p:timing>
-    <p:tnLst>
-      <p:par>
-        <p:cTn id="1" dur="indefinite" restart="never" nodeType="tmRoot"/>
-      </p:par>
-    </p:tnLst>
-  </p:timing>
 </p:sld>
 </file>
 
@@ -9310,7 +9229,7 @@
           <p:cNvPr id="2" name="Hình chữ nhật 1">
             <a:extLst>
               <a:ext uri="{FF2B5EF4-FFF2-40B4-BE49-F238E27FC236}">
-                <a16:creationId xmlns:a16="http://schemas.microsoft.com/office/drawing/2014/main" xmlns="" id="{9248F4B9-394E-4451-A00C-ABE41F8BE311}"/>
+                <a16:creationId xmlns:a16="http://schemas.microsoft.com/office/drawing/2014/main" id="{9248F4B9-394E-4451-A00C-ABE41F8BE311}"/>
               </a:ext>
             </a:extLst>
           </p:cNvPr>
@@ -9390,13 +9309,6 @@
   <p:clrMapOvr>
     <a:masterClrMapping/>
   </p:clrMapOvr>
-  <p:timing>
-    <p:tnLst>
-      <p:par>
-        <p:cTn id="1" dur="indefinite" restart="never" nodeType="tmRoot"/>
-      </p:par>
-    </p:tnLst>
-  </p:timing>
 </p:sld>
 </file>
 
@@ -9422,7 +9334,7 @@
           <p:cNvPr id="2" name="Title 1">
             <a:extLst>
               <a:ext uri="{FF2B5EF4-FFF2-40B4-BE49-F238E27FC236}">
-                <a16:creationId xmlns:a16="http://schemas.microsoft.com/office/drawing/2014/main" xmlns="" id="{6CC34750-5D5C-4AA5-8662-B88DDDAEA223}"/>
+                <a16:creationId xmlns:a16="http://schemas.microsoft.com/office/drawing/2014/main" id="{6CC34750-5D5C-4AA5-8662-B88DDDAEA223}"/>
               </a:ext>
             </a:extLst>
           </p:cNvPr>
@@ -9451,7 +9363,7 @@
           <p:cNvPr id="5" name="Chỗ dành sẵn cho Nội dung 4">
             <a:extLst>
               <a:ext uri="{FF2B5EF4-FFF2-40B4-BE49-F238E27FC236}">
-                <a16:creationId xmlns:a16="http://schemas.microsoft.com/office/drawing/2014/main" xmlns="" id="{9B065BF1-7217-45FB-8679-2195603A8F4B}"/>
+                <a16:creationId xmlns:a16="http://schemas.microsoft.com/office/drawing/2014/main" id="{9B065BF1-7217-45FB-8679-2195603A8F4B}"/>
               </a:ext>
             </a:extLst>
           </p:cNvPr>
@@ -9505,13 +9417,6 @@
   <p:clrMapOvr>
     <a:masterClrMapping/>
   </p:clrMapOvr>
-  <p:timing>
-    <p:tnLst>
-      <p:par>
-        <p:cTn id="1" dur="indefinite" restart="never" nodeType="tmRoot"/>
-      </p:par>
-    </p:tnLst>
-  </p:timing>
 </p:sld>
 </file>
 
@@ -9537,7 +9442,7 @@
           <p:cNvPr id="2" name="Title 1">
             <a:extLst>
               <a:ext uri="{FF2B5EF4-FFF2-40B4-BE49-F238E27FC236}">
-                <a16:creationId xmlns:a16="http://schemas.microsoft.com/office/drawing/2014/main" xmlns="" id="{FCE199B2-7CBE-486F-B43D-C4035353FFE3}"/>
+                <a16:creationId xmlns:a16="http://schemas.microsoft.com/office/drawing/2014/main" id="{FCE199B2-7CBE-486F-B43D-C4035353FFE3}"/>
               </a:ext>
             </a:extLst>
           </p:cNvPr>
@@ -9572,7 +9477,7 @@
           <p:cNvPr id="5" name="Chỗ dành sẵn cho Nội dung 4">
             <a:extLst>
               <a:ext uri="{FF2B5EF4-FFF2-40B4-BE49-F238E27FC236}">
-                <a16:creationId xmlns:a16="http://schemas.microsoft.com/office/drawing/2014/main" xmlns="" id="{99E51776-A2A8-4DFF-8E7C-596BB67DEA80}"/>
+                <a16:creationId xmlns:a16="http://schemas.microsoft.com/office/drawing/2014/main" id="{99E51776-A2A8-4DFF-8E7C-596BB67DEA80}"/>
               </a:ext>
             </a:extLst>
           </p:cNvPr>
@@ -9666,13 +9571,6 @@
   <p:clrMapOvr>
     <a:masterClrMapping/>
   </p:clrMapOvr>
-  <p:timing>
-    <p:tnLst>
-      <p:par>
-        <p:cTn id="1" dur="indefinite" restart="never" nodeType="tmRoot"/>
-      </p:par>
-    </p:tnLst>
-  </p:timing>
 </p:sld>
 </file>
 
@@ -9698,7 +9596,7 @@
           <p:cNvPr id="2" name="Title 1">
             <a:extLst>
               <a:ext uri="{FF2B5EF4-FFF2-40B4-BE49-F238E27FC236}">
-                <a16:creationId xmlns:a16="http://schemas.microsoft.com/office/drawing/2014/main" xmlns="" id="{8563C0C6-0797-4F66-9AFA-1A5F7C174F4A}"/>
+                <a16:creationId xmlns:a16="http://schemas.microsoft.com/office/drawing/2014/main" id="{8563C0C6-0797-4F66-9AFA-1A5F7C174F4A}"/>
               </a:ext>
             </a:extLst>
           </p:cNvPr>
@@ -9727,7 +9625,7 @@
           <p:cNvPr id="5" name="Chỗ dành sẵn cho Nội dung 4">
             <a:extLst>
               <a:ext uri="{FF2B5EF4-FFF2-40B4-BE49-F238E27FC236}">
-                <a16:creationId xmlns:a16="http://schemas.microsoft.com/office/drawing/2014/main" xmlns="" id="{5221640B-0E6B-4266-8F5C-6736558D2E09}"/>
+                <a16:creationId xmlns:a16="http://schemas.microsoft.com/office/drawing/2014/main" id="{5221640B-0E6B-4266-8F5C-6736558D2E09}"/>
               </a:ext>
             </a:extLst>
           </p:cNvPr>
@@ -9752,7 +9650,7 @@
           <p:cNvPr id="6" name="Table 7">
             <a:extLst>
               <a:ext uri="{FF2B5EF4-FFF2-40B4-BE49-F238E27FC236}">
-                <a16:creationId xmlns:a16="http://schemas.microsoft.com/office/drawing/2014/main" xmlns="" id="{A4F55DB9-708A-48E8-893A-99909658049E}"/>
+                <a16:creationId xmlns:a16="http://schemas.microsoft.com/office/drawing/2014/main" id="{A4F55DB9-708A-48E8-893A-99909658049E}"/>
               </a:ext>
             </a:extLst>
           </p:cNvPr>
@@ -9775,21 +9673,21 @@
                 <a:gridCol w="642937">
                   <a:extLst>
                     <a:ext uri="{9D8B030D-6E8A-4147-A177-3AD203B41FA5}">
-                      <a16:colId xmlns:a16="http://schemas.microsoft.com/office/drawing/2014/main" xmlns="" val="20000"/>
+                      <a16:colId xmlns:a16="http://schemas.microsoft.com/office/drawing/2014/main" val="20000"/>
                     </a:ext>
                   </a:extLst>
                 </a:gridCol>
                 <a:gridCol w="2214562">
                   <a:extLst>
                     <a:ext uri="{9D8B030D-6E8A-4147-A177-3AD203B41FA5}">
-                      <a16:colId xmlns:a16="http://schemas.microsoft.com/office/drawing/2014/main" xmlns="" val="20001"/>
+                      <a16:colId xmlns:a16="http://schemas.microsoft.com/office/drawing/2014/main" val="20001"/>
                     </a:ext>
                   </a:extLst>
                 </a:gridCol>
                 <a:gridCol w="4786313">
                   <a:extLst>
                     <a:ext uri="{9D8B030D-6E8A-4147-A177-3AD203B41FA5}">
-                      <a16:colId xmlns:a16="http://schemas.microsoft.com/office/drawing/2014/main" xmlns="" val="20002"/>
+                      <a16:colId xmlns:a16="http://schemas.microsoft.com/office/drawing/2014/main" val="20002"/>
                     </a:ext>
                   </a:extLst>
                 </a:gridCol>
@@ -9850,7 +9748,7 @@
                 </a:tc>
                 <a:extLst>
                   <a:ext uri="{0D108BD9-81ED-4DB2-BD59-A6C34878D82A}">
-                    <a16:rowId xmlns:a16="http://schemas.microsoft.com/office/drawing/2014/main" xmlns="" val="10000"/>
+                    <a16:rowId xmlns:a16="http://schemas.microsoft.com/office/drawing/2014/main" val="10000"/>
                   </a:ext>
                 </a:extLst>
               </a:tr>
@@ -9897,7 +9795,7 @@
                 </a:tc>
                 <a:extLst>
                   <a:ext uri="{0D108BD9-81ED-4DB2-BD59-A6C34878D82A}">
-                    <a16:rowId xmlns:a16="http://schemas.microsoft.com/office/drawing/2014/main" xmlns="" val="10001"/>
+                    <a16:rowId xmlns:a16="http://schemas.microsoft.com/office/drawing/2014/main" val="10001"/>
                   </a:ext>
                 </a:extLst>
               </a:tr>
@@ -9965,7 +9863,7 @@
                 </a:tc>
                 <a:extLst>
                   <a:ext uri="{0D108BD9-81ED-4DB2-BD59-A6C34878D82A}">
-                    <a16:rowId xmlns:a16="http://schemas.microsoft.com/office/drawing/2014/main" xmlns="" val="10002"/>
+                    <a16:rowId xmlns:a16="http://schemas.microsoft.com/office/drawing/2014/main" val="10002"/>
                   </a:ext>
                 </a:extLst>
               </a:tr>
@@ -10045,7 +9943,7 @@
                 </a:tc>
                 <a:extLst>
                   <a:ext uri="{0D108BD9-81ED-4DB2-BD59-A6C34878D82A}">
-                    <a16:rowId xmlns:a16="http://schemas.microsoft.com/office/drawing/2014/main" xmlns="" val="10003"/>
+                    <a16:rowId xmlns:a16="http://schemas.microsoft.com/office/drawing/2014/main" val="10003"/>
                   </a:ext>
                 </a:extLst>
               </a:tr>
@@ -10129,7 +10027,7 @@
                 </a:tc>
                 <a:extLst>
                   <a:ext uri="{0D108BD9-81ED-4DB2-BD59-A6C34878D82A}">
-                    <a16:rowId xmlns:a16="http://schemas.microsoft.com/office/drawing/2014/main" xmlns="" val="10004"/>
+                    <a16:rowId xmlns:a16="http://schemas.microsoft.com/office/drawing/2014/main" val="10004"/>
                   </a:ext>
                 </a:extLst>
               </a:tr>
@@ -10237,7 +10135,7 @@
                 </a:tc>
                 <a:extLst>
                   <a:ext uri="{0D108BD9-81ED-4DB2-BD59-A6C34878D82A}">
-                    <a16:rowId xmlns:a16="http://schemas.microsoft.com/office/drawing/2014/main" xmlns="" val="10005"/>
+                    <a16:rowId xmlns:a16="http://schemas.microsoft.com/office/drawing/2014/main" val="10005"/>
                   </a:ext>
                 </a:extLst>
               </a:tr>
@@ -10309,7 +10207,7 @@
                 </a:tc>
                 <a:extLst>
                   <a:ext uri="{0D108BD9-81ED-4DB2-BD59-A6C34878D82A}">
-                    <a16:rowId xmlns:a16="http://schemas.microsoft.com/office/drawing/2014/main" xmlns="" val="10006"/>
+                    <a16:rowId xmlns:a16="http://schemas.microsoft.com/office/drawing/2014/main" val="10006"/>
                   </a:ext>
                 </a:extLst>
               </a:tr>
@@ -10405,7 +10303,7 @@
                 </a:tc>
                 <a:extLst>
                   <a:ext uri="{0D108BD9-81ED-4DB2-BD59-A6C34878D82A}">
-                    <a16:rowId xmlns:a16="http://schemas.microsoft.com/office/drawing/2014/main" xmlns="" val="10007"/>
+                    <a16:rowId xmlns:a16="http://schemas.microsoft.com/office/drawing/2014/main" val="10007"/>
                   </a:ext>
                 </a:extLst>
               </a:tr>
@@ -10469,7 +10367,7 @@
                 </a:tc>
                 <a:extLst>
                   <a:ext uri="{0D108BD9-81ED-4DB2-BD59-A6C34878D82A}">
-                    <a16:rowId xmlns:a16="http://schemas.microsoft.com/office/drawing/2014/main" xmlns="" val="10008"/>
+                    <a16:rowId xmlns:a16="http://schemas.microsoft.com/office/drawing/2014/main" val="10008"/>
                   </a:ext>
                 </a:extLst>
               </a:tr>
@@ -10487,13 +10385,6 @@
   <p:clrMapOvr>
     <a:masterClrMapping/>
   </p:clrMapOvr>
-  <p:timing>
-    <p:tnLst>
-      <p:par>
-        <p:cTn id="1" dur="indefinite" restart="never" nodeType="tmRoot"/>
-      </p:par>
-    </p:tnLst>
-  </p:timing>
 </p:sld>
 </file>
 
@@ -10519,7 +10410,7 @@
           <p:cNvPr id="2" name="Title 1">
             <a:extLst>
               <a:ext uri="{FF2B5EF4-FFF2-40B4-BE49-F238E27FC236}">
-                <a16:creationId xmlns:a16="http://schemas.microsoft.com/office/drawing/2014/main" xmlns="" id="{5ACC0826-E80F-43C0-912C-275EB710142B}"/>
+                <a16:creationId xmlns:a16="http://schemas.microsoft.com/office/drawing/2014/main" id="{5ACC0826-E80F-43C0-912C-275EB710142B}"/>
               </a:ext>
             </a:extLst>
           </p:cNvPr>
@@ -10548,7 +10439,7 @@
           <p:cNvPr id="4" name="Chỗ dành sẵn cho Nội dung 3">
             <a:extLst>
               <a:ext uri="{FF2B5EF4-FFF2-40B4-BE49-F238E27FC236}">
-                <a16:creationId xmlns:a16="http://schemas.microsoft.com/office/drawing/2014/main" xmlns="" id="{E7382999-E9BD-45F8-97D5-A50B26B12803}"/>
+                <a16:creationId xmlns:a16="http://schemas.microsoft.com/office/drawing/2014/main" id="{E7382999-E9BD-45F8-97D5-A50B26B12803}"/>
               </a:ext>
             </a:extLst>
           </p:cNvPr>
@@ -10573,7 +10464,7 @@
           <p:cNvPr id="5" name="Picture 4">
             <a:extLst>
               <a:ext uri="{FF2B5EF4-FFF2-40B4-BE49-F238E27FC236}">
-                <a16:creationId xmlns:a16="http://schemas.microsoft.com/office/drawing/2014/main" xmlns="" id="{ABBF4BD0-B692-4128-B6AB-A03A37FA93BC}"/>
+                <a16:creationId xmlns:a16="http://schemas.microsoft.com/office/drawing/2014/main" id="{ABBF4BD0-B692-4128-B6AB-A03A37FA93BC}"/>
               </a:ext>
             </a:extLst>
           </p:cNvPr>
@@ -10633,7 +10524,7 @@
           <p:cNvPr id="6" name="Picture 5">
             <a:extLst>
               <a:ext uri="{FF2B5EF4-FFF2-40B4-BE49-F238E27FC236}">
-                <a16:creationId xmlns:a16="http://schemas.microsoft.com/office/drawing/2014/main" xmlns="" id="{48E33D2A-26BC-47F7-A001-9B9CE66B4350}"/>
+                <a16:creationId xmlns:a16="http://schemas.microsoft.com/office/drawing/2014/main" id="{48E33D2A-26BC-47F7-A001-9B9CE66B4350}"/>
               </a:ext>
             </a:extLst>
           </p:cNvPr>
@@ -10698,13 +10589,6 @@
   <p:clrMapOvr>
     <a:masterClrMapping/>
   </p:clrMapOvr>
-  <p:timing>
-    <p:tnLst>
-      <p:par>
-        <p:cTn id="1" dur="indefinite" restart="never" nodeType="tmRoot"/>
-      </p:par>
-    </p:tnLst>
-  </p:timing>
 </p:sld>
 </file>
 
@@ -10730,7 +10614,7 @@
           <p:cNvPr id="2" name="Title 1">
             <a:extLst>
               <a:ext uri="{FF2B5EF4-FFF2-40B4-BE49-F238E27FC236}">
-                <a16:creationId xmlns:a16="http://schemas.microsoft.com/office/drawing/2014/main" xmlns="" id="{5ACC0826-E80F-43C0-912C-275EB710142B}"/>
+                <a16:creationId xmlns:a16="http://schemas.microsoft.com/office/drawing/2014/main" id="{5ACC0826-E80F-43C0-912C-275EB710142B}"/>
               </a:ext>
             </a:extLst>
           </p:cNvPr>
@@ -10759,7 +10643,7 @@
           <p:cNvPr id="5" name="Content Placeholder 4">
             <a:extLst>
               <a:ext uri="{FF2B5EF4-FFF2-40B4-BE49-F238E27FC236}">
-                <a16:creationId xmlns:a16="http://schemas.microsoft.com/office/drawing/2014/main" xmlns="" id="{90CF760C-0EFC-4A07-B0AF-B3A02068800E}"/>
+                <a16:creationId xmlns:a16="http://schemas.microsoft.com/office/drawing/2014/main" id="{90CF760C-0EFC-4A07-B0AF-B3A02068800E}"/>
               </a:ext>
             </a:extLst>
           </p:cNvPr>
@@ -10826,13 +10710,6 @@
   <p:clrMapOvr>
     <a:masterClrMapping/>
   </p:clrMapOvr>
-  <p:timing>
-    <p:tnLst>
-      <p:par>
-        <p:cTn id="1" dur="indefinite" restart="never" nodeType="tmRoot"/>
-      </p:par>
-    </p:tnLst>
-  </p:timing>
 </p:sld>
 </file>
 
@@ -10858,7 +10735,7 @@
           <p:cNvPr id="2" name="Title 1">
             <a:extLst>
               <a:ext uri="{FF2B5EF4-FFF2-40B4-BE49-F238E27FC236}">
-                <a16:creationId xmlns:a16="http://schemas.microsoft.com/office/drawing/2014/main" xmlns="" id="{5ACC0826-E80F-43C0-912C-275EB710142B}"/>
+                <a16:creationId xmlns:a16="http://schemas.microsoft.com/office/drawing/2014/main" id="{5ACC0826-E80F-43C0-912C-275EB710142B}"/>
               </a:ext>
             </a:extLst>
           </p:cNvPr>
@@ -10887,7 +10764,7 @@
           <p:cNvPr id="5" name="Content Placeholder 4">
             <a:extLst>
               <a:ext uri="{FF2B5EF4-FFF2-40B4-BE49-F238E27FC236}">
-                <a16:creationId xmlns:a16="http://schemas.microsoft.com/office/drawing/2014/main" xmlns="" id="{7AC94E8F-F2A0-4093-BCE4-F497CB9329E5}"/>
+                <a16:creationId xmlns:a16="http://schemas.microsoft.com/office/drawing/2014/main" id="{7AC94E8F-F2A0-4093-BCE4-F497CB9329E5}"/>
               </a:ext>
             </a:extLst>
           </p:cNvPr>
@@ -10954,13 +10831,6 @@
   <p:clrMapOvr>
     <a:masterClrMapping/>
   </p:clrMapOvr>
-  <p:timing>
-    <p:tnLst>
-      <p:par>
-        <p:cTn id="1" dur="indefinite" restart="never" nodeType="tmRoot"/>
-      </p:par>
-    </p:tnLst>
-  </p:timing>
 </p:sld>
 </file>
 
@@ -10986,7 +10856,7 @@
           <p:cNvPr id="2" name="Title 1">
             <a:extLst>
               <a:ext uri="{FF2B5EF4-FFF2-40B4-BE49-F238E27FC236}">
-                <a16:creationId xmlns:a16="http://schemas.microsoft.com/office/drawing/2014/main" xmlns="" id="{5ACC0826-E80F-43C0-912C-275EB710142B}"/>
+                <a16:creationId xmlns:a16="http://schemas.microsoft.com/office/drawing/2014/main" id="{5ACC0826-E80F-43C0-912C-275EB710142B}"/>
               </a:ext>
             </a:extLst>
           </p:cNvPr>
@@ -11015,7 +10885,7 @@
           <p:cNvPr id="6" name="Picture 4">
             <a:extLst>
               <a:ext uri="{FF2B5EF4-FFF2-40B4-BE49-F238E27FC236}">
-                <a16:creationId xmlns:a16="http://schemas.microsoft.com/office/drawing/2014/main" xmlns="" id="{32A01167-BC61-4189-A4B3-43DD3A1B0F07}"/>
+                <a16:creationId xmlns:a16="http://schemas.microsoft.com/office/drawing/2014/main" id="{32A01167-BC61-4189-A4B3-43DD3A1B0F07}"/>
               </a:ext>
             </a:extLst>
           </p:cNvPr>
@@ -11082,13 +10952,6 @@
   <p:clrMapOvr>
     <a:masterClrMapping/>
   </p:clrMapOvr>
-  <p:timing>
-    <p:tnLst>
-      <p:par>
-        <p:cTn id="1" dur="indefinite" restart="never" nodeType="tmRoot"/>
-      </p:par>
-    </p:tnLst>
-  </p:timing>
 </p:sld>
 </file>
 
@@ -11347,7 +11210,7 @@
   <a:extraClrSchemeLst/>
   <a:extLst>
     <a:ext uri="{05A4C25C-085E-4340-85A3-A5531E510DB2}">
-      <thm15:themeFamily xmlns:thm15="http://schemas.microsoft.com/office/thememl/2012/main" xmlns="" name="Presentation1" id="{7A4D7F9D-CF2C-4E80-8360-F21AE36D35D4}" vid="{71563601-04E0-4A9A-AE8B-FC38A55497EE}"/>
+      <thm15:themeFamily xmlns:thm15="http://schemas.microsoft.com/office/thememl/2012/main" name="Presentation1" id="{7A4D7F9D-CF2C-4E80-8360-F21AE36D35D4}" vid="{71563601-04E0-4A9A-AE8B-FC38A55497EE}"/>
     </a:ext>
   </a:extLst>
 </a:theme>

--- a/BaoCao/Nhom3.pptx
+++ b/BaoCao/Nhom3.pptx
@@ -21,15 +21,16 @@
     <p:sldId id="280" r:id="rId15"/>
     <p:sldId id="281" r:id="rId16"/>
     <p:sldId id="282" r:id="rId17"/>
-    <p:sldId id="283" r:id="rId18"/>
-    <p:sldId id="293" r:id="rId19"/>
-    <p:sldId id="294" r:id="rId20"/>
-    <p:sldId id="284" r:id="rId21"/>
-    <p:sldId id="292" r:id="rId22"/>
-    <p:sldId id="290" r:id="rId23"/>
-    <p:sldId id="286" r:id="rId24"/>
-    <p:sldId id="291" r:id="rId25"/>
-    <p:sldId id="258" r:id="rId26"/>
+    <p:sldId id="295" r:id="rId18"/>
+    <p:sldId id="283" r:id="rId19"/>
+    <p:sldId id="293" r:id="rId20"/>
+    <p:sldId id="294" r:id="rId21"/>
+    <p:sldId id="284" r:id="rId22"/>
+    <p:sldId id="292" r:id="rId23"/>
+    <p:sldId id="290" r:id="rId24"/>
+    <p:sldId id="286" r:id="rId25"/>
+    <p:sldId id="291" r:id="rId26"/>
+    <p:sldId id="258" r:id="rId27"/>
   </p:sldIdLst>
   <p:sldSz cx="9144000" cy="6858000" type="screen4x3"/>
   <p:notesSz cx="6858000" cy="9144000"/>
@@ -130,7 +131,7 @@
   </p:defaultTextStyle>
   <p:extLst>
     <p:ext uri="{EFAFB233-063F-42B5-8137-9DF3F51BA10A}">
-      <p15:sldGuideLst xmlns:p15="http://schemas.microsoft.com/office/powerpoint/2012/main">
+      <p15:sldGuideLst xmlns:p15="http://schemas.microsoft.com/office/powerpoint/2012/main" xmlns="">
         <p15:guide id="1" orient="horz" pos="2160">
           <p15:clr>
             <a:srgbClr val="A4A3A4"/>
@@ -330,7 +331,7 @@
           <a:p>
             <a:fld id="{A0EC2761-52B0-42C5-B01B-DF8F69615AE5}" type="datetimeFigureOut">
               <a:rPr lang="en-US" smtClean="0"/>
-              <a:t>4/22/2019</a:t>
+              <a:t>04/22/2019</a:t>
             </a:fld>
             <a:endParaRPr lang="en-US"/>
           </a:p>
@@ -498,7 +499,7 @@
           <a:p>
             <a:fld id="{A0EC2761-52B0-42C5-B01B-DF8F69615AE5}" type="datetimeFigureOut">
               <a:rPr lang="en-US" smtClean="0"/>
-              <a:t>4/22/2019</a:t>
+              <a:t>04/22/2019</a:t>
             </a:fld>
             <a:endParaRPr lang="en-US"/>
           </a:p>
@@ -676,7 +677,7 @@
           <a:p>
             <a:fld id="{A0EC2761-52B0-42C5-B01B-DF8F69615AE5}" type="datetimeFigureOut">
               <a:rPr lang="en-US" smtClean="0"/>
-              <a:t>4/22/2019</a:t>
+              <a:t>04/22/2019</a:t>
             </a:fld>
             <a:endParaRPr lang="en-US"/>
           </a:p>
@@ -844,7 +845,7 @@
           <a:p>
             <a:fld id="{A0EC2761-52B0-42C5-B01B-DF8F69615AE5}" type="datetimeFigureOut">
               <a:rPr lang="en-US" smtClean="0"/>
-              <a:t>4/22/2019</a:t>
+              <a:t>04/22/2019</a:t>
             </a:fld>
             <a:endParaRPr lang="en-US"/>
           </a:p>
@@ -1089,7 +1090,7 @@
           <a:p>
             <a:fld id="{A0EC2761-52B0-42C5-B01B-DF8F69615AE5}" type="datetimeFigureOut">
               <a:rPr lang="en-US" smtClean="0"/>
-              <a:t>4/22/2019</a:t>
+              <a:t>04/22/2019</a:t>
             </a:fld>
             <a:endParaRPr lang="en-US"/>
           </a:p>
@@ -1318,7 +1319,7 @@
           <a:p>
             <a:fld id="{A0EC2761-52B0-42C5-B01B-DF8F69615AE5}" type="datetimeFigureOut">
               <a:rPr lang="en-US" smtClean="0"/>
-              <a:t>4/22/2019</a:t>
+              <a:t>04/22/2019</a:t>
             </a:fld>
             <a:endParaRPr lang="en-US"/>
           </a:p>
@@ -1682,7 +1683,7 @@
           <a:p>
             <a:fld id="{A0EC2761-52B0-42C5-B01B-DF8F69615AE5}" type="datetimeFigureOut">
               <a:rPr lang="en-US" smtClean="0"/>
-              <a:t>4/22/2019</a:t>
+              <a:t>04/22/2019</a:t>
             </a:fld>
             <a:endParaRPr lang="en-US"/>
           </a:p>
@@ -1791,7 +1792,7 @@
           <a:p>
             <a:fld id="{A0EC2761-52B0-42C5-B01B-DF8F69615AE5}" type="datetimeFigureOut">
               <a:rPr lang="en-US" smtClean="0"/>
-              <a:t>4/22/2019</a:t>
+              <a:t>04/22/2019</a:t>
             </a:fld>
             <a:endParaRPr lang="en-US"/>
           </a:p>
@@ -1900,7 +1901,7 @@
           <a:p>
             <a:fld id="{A0EC2761-52B0-42C5-B01B-DF8F69615AE5}" type="datetimeFigureOut">
               <a:rPr lang="en-US" smtClean="0"/>
-              <a:t>4/22/2019</a:t>
+              <a:t>04/22/2019</a:t>
             </a:fld>
             <a:endParaRPr lang="en-US"/>
           </a:p>
@@ -2175,7 +2176,7 @@
           <a:p>
             <a:fld id="{A0EC2761-52B0-42C5-B01B-DF8F69615AE5}" type="datetimeFigureOut">
               <a:rPr lang="en-US" smtClean="0"/>
-              <a:t>4/22/2019</a:t>
+              <a:t>04/22/2019</a:t>
             </a:fld>
             <a:endParaRPr lang="en-US"/>
           </a:p>
@@ -2430,7 +2431,7 @@
           <a:p>
             <a:fld id="{A0EC2761-52B0-42C5-B01B-DF8F69615AE5}" type="datetimeFigureOut">
               <a:rPr lang="en-US" smtClean="0"/>
-              <a:t>4/22/2019</a:t>
+              <a:t>04/22/2019</a:t>
             </a:fld>
             <a:endParaRPr lang="en-US"/>
           </a:p>
@@ -2650,7 +2651,7 @@
           <a:p>
             <a:fld id="{A0EC2761-52B0-42C5-B01B-DF8F69615AE5}" type="datetimeFigureOut">
               <a:rPr lang="en-US" smtClean="0"/>
-              <a:t>4/22/2019</a:t>
+              <a:t>04/22/2019</a:t>
             </a:fld>
             <a:endParaRPr lang="en-US"/>
           </a:p>
@@ -3092,6 +3093,10 @@
           </a:bodyPr>
           <a:lstStyle/>
           <a:p>
+            <a:r>
+              <a:rPr lang="en-US" dirty="0"/>
+              <a:t/>
+            </a:r>
             <a:br>
               <a:rPr lang="en-US" dirty="0"/>
             </a:br>
@@ -3243,7 +3248,7 @@
           <p:cNvPr id="2" name="Title 1">
             <a:extLst>
               <a:ext uri="{FF2B5EF4-FFF2-40B4-BE49-F238E27FC236}">
-                <a16:creationId xmlns:a16="http://schemas.microsoft.com/office/drawing/2014/main" id="{5ACC0826-E80F-43C0-912C-275EB710142B}"/>
+                <a16:creationId xmlns:a16="http://schemas.microsoft.com/office/drawing/2014/main" xmlns="" id="{5ACC0826-E80F-43C0-912C-275EB710142B}"/>
               </a:ext>
             </a:extLst>
           </p:cNvPr>
@@ -3272,7 +3277,7 @@
           <p:cNvPr id="4" name="Chỗ dành sẵn cho Nội dung 3">
             <a:extLst>
               <a:ext uri="{FF2B5EF4-FFF2-40B4-BE49-F238E27FC236}">
-                <a16:creationId xmlns:a16="http://schemas.microsoft.com/office/drawing/2014/main" id="{0A469280-6A1E-4F41-B2DD-5119847FC0AE}"/>
+                <a16:creationId xmlns:a16="http://schemas.microsoft.com/office/drawing/2014/main" xmlns="" id="{0A469280-6A1E-4F41-B2DD-5119847FC0AE}"/>
               </a:ext>
             </a:extLst>
           </p:cNvPr>
@@ -3297,7 +3302,7 @@
           <p:cNvPr id="7" name="Picture 4">
             <a:extLst>
               <a:ext uri="{FF2B5EF4-FFF2-40B4-BE49-F238E27FC236}">
-                <a16:creationId xmlns:a16="http://schemas.microsoft.com/office/drawing/2014/main" id="{39DD662D-CB28-4668-B1E8-32650552B55D}"/>
+                <a16:creationId xmlns:a16="http://schemas.microsoft.com/office/drawing/2014/main" xmlns="" id="{39DD662D-CB28-4668-B1E8-32650552B55D}"/>
               </a:ext>
             </a:extLst>
           </p:cNvPr>
@@ -3387,7 +3392,7 @@
           <p:cNvPr id="2" name="Title 1">
             <a:extLst>
               <a:ext uri="{FF2B5EF4-FFF2-40B4-BE49-F238E27FC236}">
-                <a16:creationId xmlns:a16="http://schemas.microsoft.com/office/drawing/2014/main" id="{5ACC0826-E80F-43C0-912C-275EB710142B}"/>
+                <a16:creationId xmlns:a16="http://schemas.microsoft.com/office/drawing/2014/main" xmlns="" id="{5ACC0826-E80F-43C0-912C-275EB710142B}"/>
               </a:ext>
             </a:extLst>
           </p:cNvPr>
@@ -3416,7 +3421,7 @@
           <p:cNvPr id="5" name="Content Placeholder 4">
             <a:extLst>
               <a:ext uri="{FF2B5EF4-FFF2-40B4-BE49-F238E27FC236}">
-                <a16:creationId xmlns:a16="http://schemas.microsoft.com/office/drawing/2014/main" id="{4E1977E1-8DF3-44ED-9AA8-EFF16C548E55}"/>
+                <a16:creationId xmlns:a16="http://schemas.microsoft.com/office/drawing/2014/main" xmlns="" id="{4E1977E1-8DF3-44ED-9AA8-EFF16C548E55}"/>
               </a:ext>
             </a:extLst>
           </p:cNvPr>
@@ -3508,7 +3513,7 @@
           <p:cNvPr id="2" name="Title 1">
             <a:extLst>
               <a:ext uri="{FF2B5EF4-FFF2-40B4-BE49-F238E27FC236}">
-                <a16:creationId xmlns:a16="http://schemas.microsoft.com/office/drawing/2014/main" id="{5ACC0826-E80F-43C0-912C-275EB710142B}"/>
+                <a16:creationId xmlns:a16="http://schemas.microsoft.com/office/drawing/2014/main" xmlns="" id="{5ACC0826-E80F-43C0-912C-275EB710142B}"/>
               </a:ext>
             </a:extLst>
           </p:cNvPr>
@@ -3537,7 +3542,7 @@
           <p:cNvPr id="5" name="Content Placeholder 4">
             <a:extLst>
               <a:ext uri="{FF2B5EF4-FFF2-40B4-BE49-F238E27FC236}">
-                <a16:creationId xmlns:a16="http://schemas.microsoft.com/office/drawing/2014/main" id="{5B03456F-79BE-41C7-B6C5-6C409495C03C}"/>
+                <a16:creationId xmlns:a16="http://schemas.microsoft.com/office/drawing/2014/main" xmlns="" id="{5B03456F-79BE-41C7-B6C5-6C409495C03C}"/>
               </a:ext>
             </a:extLst>
           </p:cNvPr>
@@ -3629,7 +3634,7 @@
           <p:cNvPr id="2" name="Title 1">
             <a:extLst>
               <a:ext uri="{FF2B5EF4-FFF2-40B4-BE49-F238E27FC236}">
-                <a16:creationId xmlns:a16="http://schemas.microsoft.com/office/drawing/2014/main" id="{5ACC0826-E80F-43C0-912C-275EB710142B}"/>
+                <a16:creationId xmlns:a16="http://schemas.microsoft.com/office/drawing/2014/main" xmlns="" id="{5ACC0826-E80F-43C0-912C-275EB710142B}"/>
               </a:ext>
             </a:extLst>
           </p:cNvPr>
@@ -3658,7 +3663,7 @@
           <p:cNvPr id="6" name="Hình chữ nhật 5">
             <a:extLst>
               <a:ext uri="{FF2B5EF4-FFF2-40B4-BE49-F238E27FC236}">
-                <a16:creationId xmlns:a16="http://schemas.microsoft.com/office/drawing/2014/main" id="{7A04BA52-21EB-40DE-88A4-D4C2D6586CD0}"/>
+                <a16:creationId xmlns:a16="http://schemas.microsoft.com/office/drawing/2014/main" xmlns="" id="{7A04BA52-21EB-40DE-88A4-D4C2D6586CD0}"/>
               </a:ext>
             </a:extLst>
           </p:cNvPr>
@@ -3809,7 +3814,7 @@
           <p:cNvPr id="7" name="Hình chữ nhật 6">
             <a:extLst>
               <a:ext uri="{FF2B5EF4-FFF2-40B4-BE49-F238E27FC236}">
-                <a16:creationId xmlns:a16="http://schemas.microsoft.com/office/drawing/2014/main" id="{4A43D711-8E32-409E-A887-D6368D577BD0}"/>
+                <a16:creationId xmlns:a16="http://schemas.microsoft.com/office/drawing/2014/main" xmlns="" id="{4A43D711-8E32-409E-A887-D6368D577BD0}"/>
               </a:ext>
             </a:extLst>
           </p:cNvPr>
@@ -3969,7 +3974,7 @@
           <p:cNvPr id="2" name="Title 1">
             <a:extLst>
               <a:ext uri="{FF2B5EF4-FFF2-40B4-BE49-F238E27FC236}">
-                <a16:creationId xmlns:a16="http://schemas.microsoft.com/office/drawing/2014/main" id="{5ACC0826-E80F-43C0-912C-275EB710142B}"/>
+                <a16:creationId xmlns:a16="http://schemas.microsoft.com/office/drawing/2014/main" xmlns="" id="{5ACC0826-E80F-43C0-912C-275EB710142B}"/>
               </a:ext>
             </a:extLst>
           </p:cNvPr>
@@ -4156,7 +4161,7 @@
           <p:cNvPr id="2" name="Title 1">
             <a:extLst>
               <a:ext uri="{FF2B5EF4-FFF2-40B4-BE49-F238E27FC236}">
-                <a16:creationId xmlns:a16="http://schemas.microsoft.com/office/drawing/2014/main" id="{5ACC0826-E80F-43C0-912C-275EB710142B}"/>
+                <a16:creationId xmlns:a16="http://schemas.microsoft.com/office/drawing/2014/main" xmlns="" id="{5ACC0826-E80F-43C0-912C-275EB710142B}"/>
               </a:ext>
             </a:extLst>
           </p:cNvPr>
@@ -4185,7 +4190,7 @@
           <p:cNvPr id="4" name="Chỗ dành sẵn cho Nội dung 3">
             <a:extLst>
               <a:ext uri="{FF2B5EF4-FFF2-40B4-BE49-F238E27FC236}">
-                <a16:creationId xmlns:a16="http://schemas.microsoft.com/office/drawing/2014/main" id="{E7382999-E9BD-45F8-97D5-A50B26B12803}"/>
+                <a16:creationId xmlns:a16="http://schemas.microsoft.com/office/drawing/2014/main" xmlns="" id="{E7382999-E9BD-45F8-97D5-A50B26B12803}"/>
               </a:ext>
             </a:extLst>
           </p:cNvPr>
@@ -4240,7 +4245,7 @@
           <p:cNvPr id="2" name="Title 1">
             <a:extLst>
               <a:ext uri="{FF2B5EF4-FFF2-40B4-BE49-F238E27FC236}">
-                <a16:creationId xmlns:a16="http://schemas.microsoft.com/office/drawing/2014/main" id="{5ACC0826-E80F-43C0-912C-275EB710142B}"/>
+                <a16:creationId xmlns:a16="http://schemas.microsoft.com/office/drawing/2014/main" xmlns="" id="{5ACC0826-E80F-43C0-912C-275EB710142B}"/>
               </a:ext>
             </a:extLst>
           </p:cNvPr>
@@ -4264,31 +4269,68 @@
           </a:p>
         </p:txBody>
       </p:sp>
-      <p:sp>
-        <p:nvSpPr>
-          <p:cNvPr id="4" name="Chỗ dành sẵn cho Nội dung 3">
+      <p:pic>
+        <p:nvPicPr>
+          <p:cNvPr id="5" name="Content Placeholder 4">
             <a:extLst>
               <a:ext uri="{FF2B5EF4-FFF2-40B4-BE49-F238E27FC236}">
-                <a16:creationId xmlns:a16="http://schemas.microsoft.com/office/drawing/2014/main" id="{E7382999-E9BD-45F8-97D5-A50B26B12803}"/>
+                <a16:creationId xmlns:a16="http://schemas.microsoft.com/office/drawing/2014/main" xmlns="" id="{32A01167-BC61-4189-A4B3-43DD3A1B0F07}"/>
               </a:ext>
             </a:extLst>
           </p:cNvPr>
-          <p:cNvSpPr>
-            <a:spLocks noGrp="1"/>
-          </p:cNvSpPr>
+          <p:cNvPicPr>
+            <a:picLocks noGrp="1" noChangeAspect="1" noChangeArrowheads="1"/>
+          </p:cNvPicPr>
           <p:nvPr>
             <p:ph idx="1"/>
           </p:nvPr>
-        </p:nvSpPr>
-        <p:spPr/>
-        <p:txBody>
-          <a:bodyPr/>
-          <a:lstStyle/>
-          <a:p>
-            <a:endParaRPr lang="vi-VN" dirty="0"/>
-          </a:p>
-        </p:txBody>
-      </p:sp>
+        </p:nvPicPr>
+        <p:blipFill>
+          <a:blip r:embed="rId2">
+            <a:extLst>
+              <a:ext uri="{28A0092B-C50C-407E-A947-70E740481C1C}">
+                <a14:useLocalDpi xmlns:a14="http://schemas.microsoft.com/office/drawing/2010/main" val="0"/>
+              </a:ext>
+            </a:extLst>
+          </a:blip>
+          <a:srcRect l="21655" t="27849" r="22824" b="27118"/>
+          <a:stretch>
+            <a:fillRect/>
+          </a:stretch>
+        </p:blipFill>
+        <p:spPr bwMode="auto">
+          <a:xfrm>
+            <a:off x="1117117" y="1601405"/>
+            <a:ext cx="6770065" cy="4391790"/>
+          </a:xfrm>
+          <a:prstGeom prst="rect">
+            <a:avLst/>
+          </a:prstGeom>
+          <a:noFill/>
+          <a:ln>
+            <a:noFill/>
+          </a:ln>
+          <a:extLst>
+            <a:ext uri="{909E8E84-426E-40DD-AFC4-6F175D3DCCD1}">
+              <a14:hiddenFill xmlns:a14="http://schemas.microsoft.com/office/drawing/2010/main">
+                <a:solidFill>
+                  <a:srgbClr val="FFFFFF"/>
+                </a:solidFill>
+              </a14:hiddenFill>
+            </a:ext>
+            <a:ext uri="{91240B29-F687-4F45-9708-019B960494DF}">
+              <a14:hiddenLine xmlns:a14="http://schemas.microsoft.com/office/drawing/2010/main" w="9525">
+                <a:solidFill>
+                  <a:srgbClr val="000000"/>
+                </a:solidFill>
+                <a:round/>
+                <a:headEnd/>
+                <a:tailEnd/>
+              </a14:hiddenLine>
+            </a:ext>
+          </a:extLst>
+        </p:spPr>
+      </p:pic>
     </p:spTree>
     <p:extLst>
       <p:ext uri="{BB962C8B-B14F-4D97-AF65-F5344CB8AC3E}">
@@ -4299,6 +4341,13 @@
   <p:clrMapOvr>
     <a:masterClrMapping/>
   </p:clrMapOvr>
+  <p:timing>
+    <p:tnLst>
+      <p:par>
+        <p:cTn id="1" dur="indefinite" restart="never" nodeType="tmRoot"/>
+      </p:par>
+    </p:tnLst>
+  </p:timing>
 </p:sld>
 </file>
 
@@ -4324,7 +4373,7 @@
           <p:cNvPr id="2" name="Title 1">
             <a:extLst>
               <a:ext uri="{FF2B5EF4-FFF2-40B4-BE49-F238E27FC236}">
-                <a16:creationId xmlns:a16="http://schemas.microsoft.com/office/drawing/2014/main" id="{5ACC0826-E80F-43C0-912C-275EB710142B}"/>
+                <a16:creationId xmlns:a16="http://schemas.microsoft.com/office/drawing/2014/main" xmlns="" id="{5ACC0826-E80F-43C0-912C-275EB710142B}"/>
               </a:ext>
             </a:extLst>
           </p:cNvPr>
@@ -4341,9 +4390,10 @@
           <a:lstStyle/>
           <a:p>
             <a:r>
-              <a:rPr lang="en-US" dirty="0"/>
-              <a:t>Giới thiệu hàm compileExpression</a:t>
-            </a:r>
+              <a:rPr lang="en-US"/>
+              <a:t>Giới thiệu hàm compileStatement</a:t>
+            </a:r>
+            <a:endParaRPr lang="en-US" dirty="0"/>
           </a:p>
         </p:txBody>
       </p:sp>
@@ -4352,7 +4402,161 @@
           <p:cNvPr id="4" name="Chỗ dành sẵn cho Nội dung 3">
             <a:extLst>
               <a:ext uri="{FF2B5EF4-FFF2-40B4-BE49-F238E27FC236}">
-                <a16:creationId xmlns:a16="http://schemas.microsoft.com/office/drawing/2014/main" id="{E7382999-E9BD-45F8-97D5-A50B26B12803}"/>
+                <a16:creationId xmlns:a16="http://schemas.microsoft.com/office/drawing/2014/main" xmlns="" id="{E7382999-E9BD-45F8-97D5-A50B26B12803}"/>
+              </a:ext>
+            </a:extLst>
+          </p:cNvPr>
+          <p:cNvSpPr>
+            <a:spLocks noGrp="1"/>
+          </p:cNvSpPr>
+          <p:nvPr>
+            <p:ph idx="1"/>
+          </p:nvPr>
+        </p:nvSpPr>
+        <p:spPr/>
+        <p:txBody>
+          <a:bodyPr/>
+          <a:lstStyle/>
+          <a:p>
+            <a:endParaRPr lang="vi-VN" dirty="0"/>
+          </a:p>
+        </p:txBody>
+      </p:sp>
+      <p:pic>
+        <p:nvPicPr>
+          <p:cNvPr id="1028" name="Picture 4"/>
+          <p:cNvPicPr>
+            <a:picLocks noChangeAspect="1" noChangeArrowheads="1"/>
+          </p:cNvPicPr>
+          <p:nvPr/>
+        </p:nvPicPr>
+        <p:blipFill>
+          <a:blip r:embed="rId2">
+            <a:extLst>
+              <a:ext uri="{28A0092B-C50C-407E-A947-70E740481C1C}">
+                <a14:useLocalDpi xmlns:a14="http://schemas.microsoft.com/office/drawing/2010/main" val="0"/>
+              </a:ext>
+            </a:extLst>
+          </a:blip>
+          <a:srcRect/>
+          <a:stretch>
+            <a:fillRect/>
+          </a:stretch>
+        </p:blipFill>
+        <p:spPr bwMode="auto">
+          <a:xfrm>
+            <a:off x="939799" y="1336881"/>
+            <a:ext cx="7453923" cy="4899796"/>
+          </a:xfrm>
+          <a:prstGeom prst="rect">
+            <a:avLst/>
+          </a:prstGeom>
+          <a:noFill/>
+          <a:ln>
+            <a:noFill/>
+          </a:ln>
+          <a:effectLst/>
+          <a:extLst>
+            <a:ext uri="{909E8E84-426E-40DD-AFC4-6F175D3DCCD1}">
+              <a14:hiddenFill xmlns:a14="http://schemas.microsoft.com/office/drawing/2010/main">
+                <a:solidFill>
+                  <a:schemeClr val="accent1"/>
+                </a:solidFill>
+              </a14:hiddenFill>
+            </a:ext>
+            <a:ext uri="{91240B29-F687-4F45-9708-019B960494DF}">
+              <a14:hiddenLine xmlns:a14="http://schemas.microsoft.com/office/drawing/2010/main" w="9525">
+                <a:solidFill>
+                  <a:schemeClr val="tx1"/>
+                </a:solidFill>
+                <a:miter lim="800000"/>
+                <a:headEnd/>
+                <a:tailEnd/>
+              </a14:hiddenLine>
+            </a:ext>
+            <a:ext uri="{AF507438-7753-43E0-B8FC-AC1667EBCBE1}">
+              <a14:hiddenEffects xmlns:a14="http://schemas.microsoft.com/office/drawing/2010/main">
+                <a:effectLst>
+                  <a:outerShdw dist="35921" dir="2700000" algn="ctr" rotWithShape="0">
+                    <a:schemeClr val="bg2"/>
+                  </a:outerShdw>
+                </a:effectLst>
+              </a14:hiddenEffects>
+            </a:ext>
+          </a:extLst>
+        </p:spPr>
+      </p:pic>
+    </p:spTree>
+    <p:extLst>
+      <p:ext uri="{BB962C8B-B14F-4D97-AF65-F5344CB8AC3E}">
+        <p14:creationId xmlns:p14="http://schemas.microsoft.com/office/powerpoint/2010/main" val="2586020025"/>
+      </p:ext>
+    </p:extLst>
+  </p:cSld>
+  <p:clrMapOvr>
+    <a:masterClrMapping/>
+  </p:clrMapOvr>
+  <p:timing>
+    <p:tnLst>
+      <p:par>
+        <p:cTn id="1" dur="indefinite" restart="never" nodeType="tmRoot"/>
+      </p:par>
+    </p:tnLst>
+  </p:timing>
+</p:sld>
+</file>
+
+<file path=ppt/slides/slide18.xml><?xml version="1.0" encoding="utf-8"?>
+<p:sld xmlns:a="http://schemas.openxmlformats.org/drawingml/2006/main" xmlns:r="http://schemas.openxmlformats.org/officeDocument/2006/relationships" xmlns:p="http://schemas.openxmlformats.org/presentationml/2006/main">
+  <p:cSld>
+    <p:spTree>
+      <p:nvGrpSpPr>
+        <p:cNvPr id="1" name=""/>
+        <p:cNvGrpSpPr/>
+        <p:nvPr/>
+      </p:nvGrpSpPr>
+      <p:grpSpPr>
+        <a:xfrm>
+          <a:off x="0" y="0"/>
+          <a:ext cx="0" cy="0"/>
+          <a:chOff x="0" y="0"/>
+          <a:chExt cx="0" cy="0"/>
+        </a:xfrm>
+      </p:grpSpPr>
+      <p:sp>
+        <p:nvSpPr>
+          <p:cNvPr id="2" name="Title 1">
+            <a:extLst>
+              <a:ext uri="{FF2B5EF4-FFF2-40B4-BE49-F238E27FC236}">
+                <a16:creationId xmlns:a16="http://schemas.microsoft.com/office/drawing/2014/main" xmlns="" id="{5ACC0826-E80F-43C0-912C-275EB710142B}"/>
+              </a:ext>
+            </a:extLst>
+          </p:cNvPr>
+          <p:cNvSpPr>
+            <a:spLocks noGrp="1"/>
+          </p:cNvSpPr>
+          <p:nvPr>
+            <p:ph type="title"/>
+          </p:nvPr>
+        </p:nvSpPr>
+        <p:spPr/>
+        <p:txBody>
+          <a:bodyPr/>
+          <a:lstStyle/>
+          <a:p>
+            <a:r>
+              <a:rPr lang="en-US" dirty="0"/>
+              <a:t>Giới thiệu hàm compileExpression</a:t>
+            </a:r>
+          </a:p>
+        </p:txBody>
+      </p:sp>
+      <p:sp>
+        <p:nvSpPr>
+          <p:cNvPr id="4" name="Chỗ dành sẵn cho Nội dung 3">
+            <a:extLst>
+              <a:ext uri="{FF2B5EF4-FFF2-40B4-BE49-F238E27FC236}">
+                <a16:creationId xmlns:a16="http://schemas.microsoft.com/office/drawing/2014/main" xmlns="" id="{E7382999-E9BD-45F8-97D5-A50B26B12803}"/>
               </a:ext>
             </a:extLst>
           </p:cNvPr>
@@ -4455,10 +4659,17 @@
   <p:clrMapOvr>
     <a:masterClrMapping/>
   </p:clrMapOvr>
+  <p:timing>
+    <p:tnLst>
+      <p:par>
+        <p:cTn id="1" dur="indefinite" restart="never" nodeType="tmRoot"/>
+      </p:par>
+    </p:tnLst>
+  </p:timing>
 </p:sld>
 </file>
 
-<file path=ppt/slides/slide18.xml><?xml version="1.0" encoding="utf-8"?>
+<file path=ppt/slides/slide19.xml><?xml version="1.0" encoding="utf-8"?>
 <p:sld xmlns:a="http://schemas.openxmlformats.org/drawingml/2006/main" xmlns:r="http://schemas.openxmlformats.org/officeDocument/2006/relationships" xmlns:p="http://schemas.openxmlformats.org/presentationml/2006/main">
   <p:cSld>
     <p:spTree>
@@ -4480,7 +4691,7 @@
           <p:cNvPr id="2" name="Title 1">
             <a:extLst>
               <a:ext uri="{FF2B5EF4-FFF2-40B4-BE49-F238E27FC236}">
-                <a16:creationId xmlns:a16="http://schemas.microsoft.com/office/drawing/2014/main" id="{5ACC0826-E80F-43C0-912C-275EB710142B}"/>
+                <a16:creationId xmlns:a16="http://schemas.microsoft.com/office/drawing/2014/main" xmlns="" id="{5ACC0826-E80F-43C0-912C-275EB710142B}"/>
               </a:ext>
             </a:extLst>
           </p:cNvPr>
@@ -4508,7 +4719,7 @@
           <p:cNvPr id="4" name="Chỗ dành sẵn cho Nội dung 3">
             <a:extLst>
               <a:ext uri="{FF2B5EF4-FFF2-40B4-BE49-F238E27FC236}">
-                <a16:creationId xmlns:a16="http://schemas.microsoft.com/office/drawing/2014/main" id="{E7382999-E9BD-45F8-97D5-A50B26B12803}"/>
+                <a16:creationId xmlns:a16="http://schemas.microsoft.com/office/drawing/2014/main" xmlns="" id="{E7382999-E9BD-45F8-97D5-A50B26B12803}"/>
               </a:ext>
             </a:extLst>
           </p:cNvPr>
@@ -4653,7 +4864,7 @@
           <p:cNvPr id="6" name="Chỗ dành sẵn cho Nội dung 3">
             <a:extLst>
               <a:ext uri="{FF2B5EF4-FFF2-40B4-BE49-F238E27FC236}">
-                <a16:creationId xmlns:a16="http://schemas.microsoft.com/office/drawing/2014/main" id="{E7382999-E9BD-45F8-97D5-A50B26B12803}"/>
+                <a16:creationId xmlns:a16="http://schemas.microsoft.com/office/drawing/2014/main" xmlns="" id="{E7382999-E9BD-45F8-97D5-A50B26B12803}"/>
               </a:ext>
             </a:extLst>
           </p:cNvPr>
@@ -4904,10 +5115,229 @@
   <p:clrMapOvr>
     <a:masterClrMapping/>
   </p:clrMapOvr>
+  <p:timing>
+    <p:tnLst>
+      <p:par>
+        <p:cTn id="1" dur="indefinite" restart="never" nodeType="tmRoot"/>
+      </p:par>
+    </p:tnLst>
+  </p:timing>
 </p:sld>
 </file>
 
-<file path=ppt/slides/slide19.xml><?xml version="1.0" encoding="utf-8"?>
+<file path=ppt/slides/slide2.xml><?xml version="1.0" encoding="utf-8"?>
+<p:sld xmlns:a="http://schemas.openxmlformats.org/drawingml/2006/main" xmlns:r="http://schemas.openxmlformats.org/officeDocument/2006/relationships" xmlns:p="http://schemas.openxmlformats.org/presentationml/2006/main">
+  <p:cSld>
+    <p:spTree>
+      <p:nvGrpSpPr>
+        <p:cNvPr id="1" name=""/>
+        <p:cNvGrpSpPr/>
+        <p:nvPr/>
+      </p:nvGrpSpPr>
+      <p:grpSpPr>
+        <a:xfrm>
+          <a:off x="0" y="0"/>
+          <a:ext cx="0" cy="0"/>
+          <a:chOff x="0" y="0"/>
+          <a:chExt cx="0" cy="0"/>
+        </a:xfrm>
+      </p:grpSpPr>
+      <p:sp>
+        <p:nvSpPr>
+          <p:cNvPr id="2" name="Title 1">
+            <a:extLst>
+              <a:ext uri="{FF2B5EF4-FFF2-40B4-BE49-F238E27FC236}">
+                <a16:creationId xmlns:a16="http://schemas.microsoft.com/office/drawing/2014/main" xmlns="" id="{97AE80AE-7311-46F5-85B1-A0A9E23E593D}"/>
+              </a:ext>
+            </a:extLst>
+          </p:cNvPr>
+          <p:cNvSpPr>
+            <a:spLocks noGrp="1"/>
+          </p:cNvSpPr>
+          <p:nvPr>
+            <p:ph type="title"/>
+          </p:nvPr>
+        </p:nvSpPr>
+        <p:spPr>
+          <a:xfrm>
+            <a:off x="488950" y="-87315"/>
+            <a:ext cx="8026400" cy="1325563"/>
+          </a:xfrm>
+        </p:spPr>
+        <p:txBody>
+          <a:bodyPr/>
+          <a:lstStyle/>
+          <a:p>
+            <a:r>
+              <a:rPr lang="en-US"/>
+              <a:t>Vai trò của bộ phân tích cú pháp</a:t>
+            </a:r>
+            <a:endParaRPr lang="en-US" dirty="0"/>
+          </a:p>
+        </p:txBody>
+      </p:sp>
+      <p:sp>
+        <p:nvSpPr>
+          <p:cNvPr id="5" name="Chỗ dành sẵn cho Nội dung 4">
+            <a:extLst>
+              <a:ext uri="{FF2B5EF4-FFF2-40B4-BE49-F238E27FC236}">
+                <a16:creationId xmlns:a16="http://schemas.microsoft.com/office/drawing/2014/main" xmlns="" id="{C1B98B62-79E0-4981-BDFD-C14A9E3AD6A4}"/>
+              </a:ext>
+            </a:extLst>
+          </p:cNvPr>
+          <p:cNvSpPr>
+            <a:spLocks noGrp="1"/>
+          </p:cNvSpPr>
+          <p:nvPr>
+            <p:ph idx="1"/>
+          </p:nvPr>
+        </p:nvSpPr>
+        <p:spPr>
+          <a:xfrm>
+            <a:off x="488950" y="1346200"/>
+            <a:ext cx="8026400" cy="4902199"/>
+          </a:xfrm>
+        </p:spPr>
+        <p:txBody>
+          <a:bodyPr/>
+          <a:lstStyle/>
+          <a:p>
+            <a:r>
+              <a:rPr lang="vi-VN">
+                <a:solidFill>
+                  <a:schemeClr val="tx1"/>
+                </a:solidFill>
+              </a:rPr>
+              <a:t>Nhận chuỗi các token từ bộ phân tích từ vựng</a:t>
+            </a:r>
+          </a:p>
+          <a:p>
+            <a:r>
+              <a:rPr lang="vi-VN">
+                <a:solidFill>
+                  <a:schemeClr val="tx1"/>
+                </a:solidFill>
+              </a:rPr>
+              <a:t>Xác nhận rằng chuỗi này có thể được sinh ra từ văn phạm của ngôn ngữ nguồn </a:t>
+            </a:r>
+          </a:p>
+          <a:p>
+            <a:r>
+              <a:rPr lang="vi-VN">
+                <a:solidFill>
+                  <a:schemeClr val="tx1"/>
+                </a:solidFill>
+              </a:rPr>
+              <a:t>Bằng cách tạo ra cây phân tích cú pháp cho chuỗi</a:t>
+            </a:r>
+          </a:p>
+          <a:p>
+            <a:r>
+              <a:rPr lang="vi-VN">
+                <a:solidFill>
+                  <a:schemeClr val="tx1"/>
+                </a:solidFill>
+              </a:rPr>
+              <a:t>Có cơ chế ghi nhận các lỗi cú pháp</a:t>
+            </a:r>
+          </a:p>
+        </p:txBody>
+      </p:sp>
+      <p:pic>
+        <p:nvPicPr>
+          <p:cNvPr id="2050" name="Picture 2" descr="HÃ¬nh áº£nh cÃ³ liÃªn quan">
+            <a:extLst>
+              <a:ext uri="{FF2B5EF4-FFF2-40B4-BE49-F238E27FC236}">
+                <a16:creationId xmlns:a16="http://schemas.microsoft.com/office/drawing/2014/main" xmlns="" id="{9D9A1309-1337-4C6E-ABD1-4FC3B9921479}"/>
+              </a:ext>
+            </a:extLst>
+          </p:cNvPr>
+          <p:cNvPicPr>
+            <a:picLocks noChangeAspect="1" noChangeArrowheads="1"/>
+          </p:cNvPicPr>
+          <p:nvPr/>
+        </p:nvPicPr>
+        <p:blipFill>
+          <a:blip r:embed="rId2">
+            <a:extLst>
+              <a:ext uri="{28A0092B-C50C-407E-A947-70E740481C1C}">
+                <a14:useLocalDpi xmlns:a14="http://schemas.microsoft.com/office/drawing/2010/main" val="0"/>
+              </a:ext>
+            </a:extLst>
+          </a:blip>
+          <a:srcRect/>
+          <a:stretch>
+            <a:fillRect/>
+          </a:stretch>
+        </p:blipFill>
+        <p:spPr bwMode="auto">
+          <a:xfrm>
+            <a:off x="1146037" y="3429000"/>
+            <a:ext cx="7000538" cy="2345541"/>
+          </a:xfrm>
+          <a:prstGeom prst="rect">
+            <a:avLst/>
+          </a:prstGeom>
+          <a:noFill/>
+          <a:extLst>
+            <a:ext uri="{909E8E84-426E-40DD-AFC4-6F175D3DCCD1}">
+              <a14:hiddenFill xmlns:a14="http://schemas.microsoft.com/office/drawing/2010/main">
+                <a:solidFill>
+                  <a:srgbClr val="FFFFFF"/>
+                </a:solidFill>
+              </a14:hiddenFill>
+            </a:ext>
+          </a:extLst>
+        </p:spPr>
+      </p:pic>
+      <p:sp>
+        <p:nvSpPr>
+          <p:cNvPr id="6" name="Hình chữ nhật 5">
+            <a:extLst>
+              <a:ext uri="{FF2B5EF4-FFF2-40B4-BE49-F238E27FC236}">
+                <a16:creationId xmlns:a16="http://schemas.microsoft.com/office/drawing/2014/main" xmlns="" id="{E8D2F1D0-4175-44C4-ADF8-52AD40705026}"/>
+              </a:ext>
+            </a:extLst>
+          </p:cNvPr>
+          <p:cNvSpPr/>
+          <p:nvPr/>
+        </p:nvSpPr>
+        <p:spPr>
+          <a:xfrm>
+            <a:off x="1372797" y="5768642"/>
+            <a:ext cx="6773778" cy="369332"/>
+          </a:xfrm>
+          <a:prstGeom prst="rect">
+            <a:avLst/>
+          </a:prstGeom>
+        </p:spPr>
+        <p:txBody>
+          <a:bodyPr wrap="square">
+            <a:spAutoFit/>
+          </a:bodyPr>
+          <a:lstStyle/>
+          <a:p>
+            <a:r>
+              <a:rPr lang="vi-VN" i="1"/>
+              <a:t> Vị trí của bộ phân tích cú pháp trong mô hình trình biên dịch</a:t>
+            </a:r>
+          </a:p>
+        </p:txBody>
+      </p:sp>
+    </p:spTree>
+    <p:extLst>
+      <p:ext uri="{BB962C8B-B14F-4D97-AF65-F5344CB8AC3E}">
+        <p14:creationId xmlns:p14="http://schemas.microsoft.com/office/powerpoint/2010/main" val="229865590"/>
+      </p:ext>
+    </p:extLst>
+  </p:cSld>
+  <p:clrMapOvr>
+    <a:masterClrMapping/>
+  </p:clrMapOvr>
+</p:sld>
+</file>
+
+<file path=ppt/slides/slide20.xml><?xml version="1.0" encoding="utf-8"?>
 <p:sld xmlns:a="http://schemas.openxmlformats.org/drawingml/2006/main" xmlns:r="http://schemas.openxmlformats.org/officeDocument/2006/relationships" xmlns:p="http://schemas.openxmlformats.org/presentationml/2006/main">
   <p:cSld>
     <p:spTree>
@@ -5436,7 +5866,7 @@
 </p:sld>
 </file>
 
-<file path=ppt/slides/slide2.xml><?xml version="1.0" encoding="utf-8"?>
+<file path=ppt/slides/slide21.xml><?xml version="1.0" encoding="utf-8"?>
 <p:sld xmlns:a="http://schemas.openxmlformats.org/drawingml/2006/main" xmlns:r="http://schemas.openxmlformats.org/officeDocument/2006/relationships" xmlns:p="http://schemas.openxmlformats.org/presentationml/2006/main">
   <p:cSld>
     <p:spTree>
@@ -5458,219 +5888,7 @@
           <p:cNvPr id="2" name="Title 1">
             <a:extLst>
               <a:ext uri="{FF2B5EF4-FFF2-40B4-BE49-F238E27FC236}">
-                <a16:creationId xmlns:a16="http://schemas.microsoft.com/office/drawing/2014/main" id="{97AE80AE-7311-46F5-85B1-A0A9E23E593D}"/>
-              </a:ext>
-            </a:extLst>
-          </p:cNvPr>
-          <p:cNvSpPr>
-            <a:spLocks noGrp="1"/>
-          </p:cNvSpPr>
-          <p:nvPr>
-            <p:ph type="title"/>
-          </p:nvPr>
-        </p:nvSpPr>
-        <p:spPr>
-          <a:xfrm>
-            <a:off x="488950" y="-87315"/>
-            <a:ext cx="8026400" cy="1325563"/>
-          </a:xfrm>
-        </p:spPr>
-        <p:txBody>
-          <a:bodyPr/>
-          <a:lstStyle/>
-          <a:p>
-            <a:r>
-              <a:rPr lang="en-US"/>
-              <a:t>Vai trò của bộ phân tích cú pháp</a:t>
-            </a:r>
-            <a:endParaRPr lang="en-US" dirty="0"/>
-          </a:p>
-        </p:txBody>
-      </p:sp>
-      <p:sp>
-        <p:nvSpPr>
-          <p:cNvPr id="5" name="Chỗ dành sẵn cho Nội dung 4">
-            <a:extLst>
-              <a:ext uri="{FF2B5EF4-FFF2-40B4-BE49-F238E27FC236}">
-                <a16:creationId xmlns:a16="http://schemas.microsoft.com/office/drawing/2014/main" id="{C1B98B62-79E0-4981-BDFD-C14A9E3AD6A4}"/>
-              </a:ext>
-            </a:extLst>
-          </p:cNvPr>
-          <p:cNvSpPr>
-            <a:spLocks noGrp="1"/>
-          </p:cNvSpPr>
-          <p:nvPr>
-            <p:ph idx="1"/>
-          </p:nvPr>
-        </p:nvSpPr>
-        <p:spPr>
-          <a:xfrm>
-            <a:off x="488950" y="1346200"/>
-            <a:ext cx="8026400" cy="4902199"/>
-          </a:xfrm>
-        </p:spPr>
-        <p:txBody>
-          <a:bodyPr/>
-          <a:lstStyle/>
-          <a:p>
-            <a:r>
-              <a:rPr lang="vi-VN">
-                <a:solidFill>
-                  <a:schemeClr val="tx1"/>
-                </a:solidFill>
-              </a:rPr>
-              <a:t>Nhận chuỗi các token từ bộ phân tích từ vựng</a:t>
-            </a:r>
-          </a:p>
-          <a:p>
-            <a:r>
-              <a:rPr lang="vi-VN">
-                <a:solidFill>
-                  <a:schemeClr val="tx1"/>
-                </a:solidFill>
-              </a:rPr>
-              <a:t>Xác nhận rằng chuỗi này có thể được sinh ra từ văn phạm của ngôn ngữ nguồn </a:t>
-            </a:r>
-          </a:p>
-          <a:p>
-            <a:r>
-              <a:rPr lang="vi-VN">
-                <a:solidFill>
-                  <a:schemeClr val="tx1"/>
-                </a:solidFill>
-              </a:rPr>
-              <a:t>Bằng cách tạo ra cây phân tích cú pháp cho chuỗi</a:t>
-            </a:r>
-          </a:p>
-          <a:p>
-            <a:r>
-              <a:rPr lang="vi-VN">
-                <a:solidFill>
-                  <a:schemeClr val="tx1"/>
-                </a:solidFill>
-              </a:rPr>
-              <a:t>Có cơ chế ghi nhận các lỗi cú pháp</a:t>
-            </a:r>
-          </a:p>
-        </p:txBody>
-      </p:sp>
-      <p:pic>
-        <p:nvPicPr>
-          <p:cNvPr id="2050" name="Picture 2" descr="HÃ¬nh áº£nh cÃ³ liÃªn quan">
-            <a:extLst>
-              <a:ext uri="{FF2B5EF4-FFF2-40B4-BE49-F238E27FC236}">
-                <a16:creationId xmlns:a16="http://schemas.microsoft.com/office/drawing/2014/main" id="{9D9A1309-1337-4C6E-ABD1-4FC3B9921479}"/>
-              </a:ext>
-            </a:extLst>
-          </p:cNvPr>
-          <p:cNvPicPr>
-            <a:picLocks noChangeAspect="1" noChangeArrowheads="1"/>
-          </p:cNvPicPr>
-          <p:nvPr/>
-        </p:nvPicPr>
-        <p:blipFill>
-          <a:blip r:embed="rId2">
-            <a:extLst>
-              <a:ext uri="{28A0092B-C50C-407E-A947-70E740481C1C}">
-                <a14:useLocalDpi xmlns:a14="http://schemas.microsoft.com/office/drawing/2010/main" val="0"/>
-              </a:ext>
-            </a:extLst>
-          </a:blip>
-          <a:srcRect/>
-          <a:stretch>
-            <a:fillRect/>
-          </a:stretch>
-        </p:blipFill>
-        <p:spPr bwMode="auto">
-          <a:xfrm>
-            <a:off x="1146037" y="3429000"/>
-            <a:ext cx="7000538" cy="2345541"/>
-          </a:xfrm>
-          <a:prstGeom prst="rect">
-            <a:avLst/>
-          </a:prstGeom>
-          <a:noFill/>
-          <a:extLst>
-            <a:ext uri="{909E8E84-426E-40DD-AFC4-6F175D3DCCD1}">
-              <a14:hiddenFill xmlns:a14="http://schemas.microsoft.com/office/drawing/2010/main">
-                <a:solidFill>
-                  <a:srgbClr val="FFFFFF"/>
-                </a:solidFill>
-              </a14:hiddenFill>
-            </a:ext>
-          </a:extLst>
-        </p:spPr>
-      </p:pic>
-      <p:sp>
-        <p:nvSpPr>
-          <p:cNvPr id="6" name="Hình chữ nhật 5">
-            <a:extLst>
-              <a:ext uri="{FF2B5EF4-FFF2-40B4-BE49-F238E27FC236}">
-                <a16:creationId xmlns:a16="http://schemas.microsoft.com/office/drawing/2014/main" id="{E8D2F1D0-4175-44C4-ADF8-52AD40705026}"/>
-              </a:ext>
-            </a:extLst>
-          </p:cNvPr>
-          <p:cNvSpPr/>
-          <p:nvPr/>
-        </p:nvSpPr>
-        <p:spPr>
-          <a:xfrm>
-            <a:off x="1372797" y="5768642"/>
-            <a:ext cx="6773778" cy="369332"/>
-          </a:xfrm>
-          <a:prstGeom prst="rect">
-            <a:avLst/>
-          </a:prstGeom>
-        </p:spPr>
-        <p:txBody>
-          <a:bodyPr wrap="square">
-            <a:spAutoFit/>
-          </a:bodyPr>
-          <a:lstStyle/>
-          <a:p>
-            <a:r>
-              <a:rPr lang="vi-VN" i="1"/>
-              <a:t> Vị trí của bộ phân tích cú pháp trong mô hình trình biên dịch</a:t>
-            </a:r>
-          </a:p>
-        </p:txBody>
-      </p:sp>
-    </p:spTree>
-    <p:extLst>
-      <p:ext uri="{BB962C8B-B14F-4D97-AF65-F5344CB8AC3E}">
-        <p14:creationId xmlns:p14="http://schemas.microsoft.com/office/powerpoint/2010/main" val="229865590"/>
-      </p:ext>
-    </p:extLst>
-  </p:cSld>
-  <p:clrMapOvr>
-    <a:masterClrMapping/>
-  </p:clrMapOvr>
-</p:sld>
-</file>
-
-<file path=ppt/slides/slide20.xml><?xml version="1.0" encoding="utf-8"?>
-<p:sld xmlns:a="http://schemas.openxmlformats.org/drawingml/2006/main" xmlns:r="http://schemas.openxmlformats.org/officeDocument/2006/relationships" xmlns:p="http://schemas.openxmlformats.org/presentationml/2006/main">
-  <p:cSld>
-    <p:spTree>
-      <p:nvGrpSpPr>
-        <p:cNvPr id="1" name=""/>
-        <p:cNvGrpSpPr/>
-        <p:nvPr/>
-      </p:nvGrpSpPr>
-      <p:grpSpPr>
-        <a:xfrm>
-          <a:off x="0" y="0"/>
-          <a:ext cx="0" cy="0"/>
-          <a:chOff x="0" y="0"/>
-          <a:chExt cx="0" cy="0"/>
-        </a:xfrm>
-      </p:grpSpPr>
-      <p:sp>
-        <p:nvSpPr>
-          <p:cNvPr id="2" name="Title 1">
-            <a:extLst>
-              <a:ext uri="{FF2B5EF4-FFF2-40B4-BE49-F238E27FC236}">
-                <a16:creationId xmlns:a16="http://schemas.microsoft.com/office/drawing/2014/main" id="{5ACC0826-E80F-43C0-912C-275EB710142B}"/>
+                <a16:creationId xmlns:a16="http://schemas.microsoft.com/office/drawing/2014/main" xmlns="" id="{5ACC0826-E80F-43C0-912C-275EB710142B}"/>
               </a:ext>
             </a:extLst>
           </p:cNvPr>
@@ -5699,7 +5917,7 @@
           <p:cNvPr id="4" name="Chỗ dành sẵn cho Nội dung 3">
             <a:extLst>
               <a:ext uri="{FF2B5EF4-FFF2-40B4-BE49-F238E27FC236}">
-                <a16:creationId xmlns:a16="http://schemas.microsoft.com/office/drawing/2014/main" id="{E7382999-E9BD-45F8-97D5-A50B26B12803}"/>
+                <a16:creationId xmlns:a16="http://schemas.microsoft.com/office/drawing/2014/main" xmlns="" id="{E7382999-E9BD-45F8-97D5-A50B26B12803}"/>
               </a:ext>
             </a:extLst>
           </p:cNvPr>
@@ -5809,7 +6027,7 @@
           <p:cNvPr id="3" name="Hình ảnh 2">
             <a:extLst>
               <a:ext uri="{FF2B5EF4-FFF2-40B4-BE49-F238E27FC236}">
-                <a16:creationId xmlns:a16="http://schemas.microsoft.com/office/drawing/2014/main" id="{F7A698DA-C062-4A19-AD9C-FDE8B240B6D4}"/>
+                <a16:creationId xmlns:a16="http://schemas.microsoft.com/office/drawing/2014/main" xmlns="" id="{F7A698DA-C062-4A19-AD9C-FDE8B240B6D4}"/>
               </a:ext>
             </a:extLst>
           </p:cNvPr>
@@ -5839,7 +6057,7 @@
           <p:cNvPr id="5" name="Hình ảnh 4">
             <a:extLst>
               <a:ext uri="{FF2B5EF4-FFF2-40B4-BE49-F238E27FC236}">
-                <a16:creationId xmlns:a16="http://schemas.microsoft.com/office/drawing/2014/main" id="{8633F968-44C4-4278-806D-B737BCF29216}"/>
+                <a16:creationId xmlns:a16="http://schemas.microsoft.com/office/drawing/2014/main" xmlns="" id="{8633F968-44C4-4278-806D-B737BCF29216}"/>
               </a:ext>
             </a:extLst>
           </p:cNvPr>
@@ -5877,7 +6095,7 @@
 </p:sld>
 </file>
 
-<file path=ppt/slides/slide21.xml><?xml version="1.0" encoding="utf-8"?>
+<file path=ppt/slides/slide22.xml><?xml version="1.0" encoding="utf-8"?>
 <p:sld xmlns:a="http://schemas.openxmlformats.org/drawingml/2006/main" xmlns:r="http://schemas.openxmlformats.org/officeDocument/2006/relationships" xmlns:p="http://schemas.openxmlformats.org/presentationml/2006/main">
   <p:cSld>
     <p:spTree>
@@ -5899,7 +6117,7 @@
           <p:cNvPr id="2" name="Title 1">
             <a:extLst>
               <a:ext uri="{FF2B5EF4-FFF2-40B4-BE49-F238E27FC236}">
-                <a16:creationId xmlns:a16="http://schemas.microsoft.com/office/drawing/2014/main" id="{5ACC0826-E80F-43C0-912C-275EB710142B}"/>
+                <a16:creationId xmlns:a16="http://schemas.microsoft.com/office/drawing/2014/main" xmlns="" id="{5ACC0826-E80F-43C0-912C-275EB710142B}"/>
               </a:ext>
             </a:extLst>
           </p:cNvPr>
@@ -5928,7 +6146,7 @@
           <p:cNvPr id="4" name="Chỗ dành sẵn cho Nội dung 3">
             <a:extLst>
               <a:ext uri="{FF2B5EF4-FFF2-40B4-BE49-F238E27FC236}">
-                <a16:creationId xmlns:a16="http://schemas.microsoft.com/office/drawing/2014/main" id="{E7382999-E9BD-45F8-97D5-A50B26B12803}"/>
+                <a16:creationId xmlns:a16="http://schemas.microsoft.com/office/drawing/2014/main" xmlns="" id="{E7382999-E9BD-45F8-97D5-A50B26B12803}"/>
               </a:ext>
             </a:extLst>
           </p:cNvPr>
@@ -5956,7 +6174,7 @@
           <p:cNvPr id="6" name="Hình ảnh 5">
             <a:extLst>
               <a:ext uri="{FF2B5EF4-FFF2-40B4-BE49-F238E27FC236}">
-                <a16:creationId xmlns:a16="http://schemas.microsoft.com/office/drawing/2014/main" id="{0DEE32F3-97A6-4FC5-9AEC-59868DAD4015}"/>
+                <a16:creationId xmlns:a16="http://schemas.microsoft.com/office/drawing/2014/main" xmlns="" id="{0DEE32F3-97A6-4FC5-9AEC-59868DAD4015}"/>
               </a:ext>
             </a:extLst>
           </p:cNvPr>
@@ -5986,7 +6204,7 @@
           <p:cNvPr id="3" name="Hình ảnh 2">
             <a:extLst>
               <a:ext uri="{FF2B5EF4-FFF2-40B4-BE49-F238E27FC236}">
-                <a16:creationId xmlns:a16="http://schemas.microsoft.com/office/drawing/2014/main" id="{61225462-772F-402F-BDE1-AF33A3D30483}"/>
+                <a16:creationId xmlns:a16="http://schemas.microsoft.com/office/drawing/2014/main" xmlns="" id="{61225462-772F-402F-BDE1-AF33A3D30483}"/>
               </a:ext>
             </a:extLst>
           </p:cNvPr>
@@ -6016,7 +6234,7 @@
           <p:cNvPr id="5" name="Hộp Văn bản 4">
             <a:extLst>
               <a:ext uri="{FF2B5EF4-FFF2-40B4-BE49-F238E27FC236}">
-                <a16:creationId xmlns:a16="http://schemas.microsoft.com/office/drawing/2014/main" id="{FC21E7AD-CCFD-4F16-8319-9D3457C45A53}"/>
+                <a16:creationId xmlns:a16="http://schemas.microsoft.com/office/drawing/2014/main" xmlns="" id="{FC21E7AD-CCFD-4F16-8319-9D3457C45A53}"/>
               </a:ext>
             </a:extLst>
           </p:cNvPr>
@@ -6060,7 +6278,7 @@
 </p:sld>
 </file>
 
-<file path=ppt/slides/slide22.xml><?xml version="1.0" encoding="utf-8"?>
+<file path=ppt/slides/slide23.xml><?xml version="1.0" encoding="utf-8"?>
 <p:sld xmlns:a="http://schemas.openxmlformats.org/drawingml/2006/main" xmlns:r="http://schemas.openxmlformats.org/officeDocument/2006/relationships" xmlns:p="http://schemas.openxmlformats.org/presentationml/2006/main">
   <p:cSld>
     <p:spTree>
@@ -6082,7 +6300,7 @@
           <p:cNvPr id="2" name="Title 1">
             <a:extLst>
               <a:ext uri="{FF2B5EF4-FFF2-40B4-BE49-F238E27FC236}">
-                <a16:creationId xmlns:a16="http://schemas.microsoft.com/office/drawing/2014/main" id="{5ACC0826-E80F-43C0-912C-275EB710142B}"/>
+                <a16:creationId xmlns:a16="http://schemas.microsoft.com/office/drawing/2014/main" xmlns="" id="{5ACC0826-E80F-43C0-912C-275EB710142B}"/>
               </a:ext>
             </a:extLst>
           </p:cNvPr>
@@ -6111,7 +6329,7 @@
           <p:cNvPr id="11" name="Content Placeholder 10">
             <a:extLst>
               <a:ext uri="{FF2B5EF4-FFF2-40B4-BE49-F238E27FC236}">
-                <a16:creationId xmlns:a16="http://schemas.microsoft.com/office/drawing/2014/main" id="{8B7FD5CB-296B-4C10-9CFB-0B78F9D496AC}"/>
+                <a16:creationId xmlns:a16="http://schemas.microsoft.com/office/drawing/2014/main" xmlns="" id="{8B7FD5CB-296B-4C10-9CFB-0B78F9D496AC}"/>
               </a:ext>
             </a:extLst>
           </p:cNvPr>
@@ -7008,7 +7226,7 @@
           <p:cNvPr id="13" name="Picture 12">
             <a:extLst>
               <a:ext uri="{FF2B5EF4-FFF2-40B4-BE49-F238E27FC236}">
-                <a16:creationId xmlns:a16="http://schemas.microsoft.com/office/drawing/2014/main" id="{C7B5BF98-9B33-4E7B-9AAF-5FE3D8AA6B68}"/>
+                <a16:creationId xmlns:a16="http://schemas.microsoft.com/office/drawing/2014/main" xmlns="" id="{C7B5BF98-9B33-4E7B-9AAF-5FE3D8AA6B68}"/>
               </a:ext>
             </a:extLst>
           </p:cNvPr>
@@ -7044,7 +7262,7 @@
           <p:cNvPr id="15" name="Picture 14" descr="A screenshot of a cell phone&#10;&#10;Description generated with very high confidence">
             <a:extLst>
               <a:ext uri="{FF2B5EF4-FFF2-40B4-BE49-F238E27FC236}">
-                <a16:creationId xmlns:a16="http://schemas.microsoft.com/office/drawing/2014/main" id="{65C5D60E-28F2-4DA9-9547-747FD23EEA18}"/>
+                <a16:creationId xmlns:a16="http://schemas.microsoft.com/office/drawing/2014/main" xmlns="" id="{65C5D60E-28F2-4DA9-9547-747FD23EEA18}"/>
               </a:ext>
             </a:extLst>
           </p:cNvPr>
@@ -7088,7 +7306,7 @@
 </p:sld>
 </file>
 
-<file path=ppt/slides/slide23.xml><?xml version="1.0" encoding="utf-8"?>
+<file path=ppt/slides/slide24.xml><?xml version="1.0" encoding="utf-8"?>
 <p:sld xmlns:a="http://schemas.openxmlformats.org/drawingml/2006/main" xmlns:r="http://schemas.openxmlformats.org/officeDocument/2006/relationships" xmlns:p="http://schemas.openxmlformats.org/presentationml/2006/main">
   <p:cSld>
     <p:spTree>
@@ -7110,7 +7328,7 @@
           <p:cNvPr id="2" name="Title 1">
             <a:extLst>
               <a:ext uri="{FF2B5EF4-FFF2-40B4-BE49-F238E27FC236}">
-                <a16:creationId xmlns:a16="http://schemas.microsoft.com/office/drawing/2014/main" id="{5ACC0826-E80F-43C0-912C-275EB710142B}"/>
+                <a16:creationId xmlns:a16="http://schemas.microsoft.com/office/drawing/2014/main" xmlns="" id="{5ACC0826-E80F-43C0-912C-275EB710142B}"/>
               </a:ext>
             </a:extLst>
           </p:cNvPr>
@@ -7139,7 +7357,7 @@
           <p:cNvPr id="4" name="Chỗ dành sẵn cho Nội dung 3">
             <a:extLst>
               <a:ext uri="{FF2B5EF4-FFF2-40B4-BE49-F238E27FC236}">
-                <a16:creationId xmlns:a16="http://schemas.microsoft.com/office/drawing/2014/main" id="{E7382999-E9BD-45F8-97D5-A50B26B12803}"/>
+                <a16:creationId xmlns:a16="http://schemas.microsoft.com/office/drawing/2014/main" xmlns="" id="{E7382999-E9BD-45F8-97D5-A50B26B12803}"/>
               </a:ext>
             </a:extLst>
           </p:cNvPr>
@@ -8317,7 +8535,7 @@
           <p:cNvPr id="3" name="Table 2">
             <a:extLst>
               <a:ext uri="{FF2B5EF4-FFF2-40B4-BE49-F238E27FC236}">
-                <a16:creationId xmlns:a16="http://schemas.microsoft.com/office/drawing/2014/main" id="{83153595-19DE-48AA-8ADD-EFE622709FF7}"/>
+                <a16:creationId xmlns:a16="http://schemas.microsoft.com/office/drawing/2014/main" xmlns="" id="{83153595-19DE-48AA-8ADD-EFE622709FF7}"/>
               </a:ext>
             </a:extLst>
           </p:cNvPr>
@@ -8334,7 +8552,7 @@
         </p:nvGraphicFramePr>
         <p:xfrm>
           <a:off x="4367814" y="1346200"/>
-          <a:ext cx="4083728" cy="2369910"/>
+          <a:ext cx="4083728" cy="2385786"/>
         </p:xfrm>
         <a:graphic>
           <a:graphicData uri="http://schemas.openxmlformats.org/drawingml/2006/table">
@@ -8346,14 +8564,14 @@
                 <a:gridCol w="2041864">
                   <a:extLst>
                     <a:ext uri="{9D8B030D-6E8A-4147-A177-3AD203B41FA5}">
-                      <a16:colId xmlns:a16="http://schemas.microsoft.com/office/drawing/2014/main" val="837531061"/>
+                      <a16:colId xmlns:a16="http://schemas.microsoft.com/office/drawing/2014/main" xmlns="" val="837531061"/>
                     </a:ext>
                   </a:extLst>
                 </a:gridCol>
                 <a:gridCol w="2041864">
                   <a:extLst>
                     <a:ext uri="{9D8B030D-6E8A-4147-A177-3AD203B41FA5}">
-                      <a16:colId xmlns:a16="http://schemas.microsoft.com/office/drawing/2014/main" val="699040959"/>
+                      <a16:colId xmlns:a16="http://schemas.microsoft.com/office/drawing/2014/main" xmlns="" val="699040959"/>
                     </a:ext>
                   </a:extLst>
                 </a:gridCol>
@@ -8425,7 +8643,7 @@
                 </a:tc>
                 <a:extLst>
                   <a:ext uri="{0D108BD9-81ED-4DB2-BD59-A6C34878D82A}">
-                    <a16:rowId xmlns:a16="http://schemas.microsoft.com/office/drawing/2014/main" val="245940028"/>
+                    <a16:rowId xmlns:a16="http://schemas.microsoft.com/office/drawing/2014/main" xmlns="" val="245940028"/>
                   </a:ext>
                 </a:extLst>
               </a:tr>
@@ -8496,7 +8714,7 @@
                 </a:tc>
                 <a:extLst>
                   <a:ext uri="{0D108BD9-81ED-4DB2-BD59-A6C34878D82A}">
-                    <a16:rowId xmlns:a16="http://schemas.microsoft.com/office/drawing/2014/main" val="1713444634"/>
+                    <a16:rowId xmlns:a16="http://schemas.microsoft.com/office/drawing/2014/main" xmlns="" val="1713444634"/>
                   </a:ext>
                 </a:extLst>
               </a:tr>
@@ -8567,7 +8785,7 @@
                 </a:tc>
                 <a:extLst>
                   <a:ext uri="{0D108BD9-81ED-4DB2-BD59-A6C34878D82A}">
-                    <a16:rowId xmlns:a16="http://schemas.microsoft.com/office/drawing/2014/main" val="3577871903"/>
+                    <a16:rowId xmlns:a16="http://schemas.microsoft.com/office/drawing/2014/main" xmlns="" val="3577871903"/>
                   </a:ext>
                 </a:extLst>
               </a:tr>
@@ -8638,7 +8856,7 @@
                 </a:tc>
                 <a:extLst>
                   <a:ext uri="{0D108BD9-81ED-4DB2-BD59-A6C34878D82A}">
-                    <a16:rowId xmlns:a16="http://schemas.microsoft.com/office/drawing/2014/main" val="2577431294"/>
+                    <a16:rowId xmlns:a16="http://schemas.microsoft.com/office/drawing/2014/main" xmlns="" val="2577431294"/>
                   </a:ext>
                 </a:extLst>
               </a:tr>
@@ -8709,7 +8927,7 @@
                 </a:tc>
                 <a:extLst>
                   <a:ext uri="{0D108BD9-81ED-4DB2-BD59-A6C34878D82A}">
-                    <a16:rowId xmlns:a16="http://schemas.microsoft.com/office/drawing/2014/main" val="956168312"/>
+                    <a16:rowId xmlns:a16="http://schemas.microsoft.com/office/drawing/2014/main" xmlns="" val="956168312"/>
                   </a:ext>
                 </a:extLst>
               </a:tr>
@@ -8780,7 +8998,7 @@
                 </a:tc>
                 <a:extLst>
                   <a:ext uri="{0D108BD9-81ED-4DB2-BD59-A6C34878D82A}">
-                    <a16:rowId xmlns:a16="http://schemas.microsoft.com/office/drawing/2014/main" val="1849587814"/>
+                    <a16:rowId xmlns:a16="http://schemas.microsoft.com/office/drawing/2014/main" xmlns="" val="1849587814"/>
                   </a:ext>
                 </a:extLst>
               </a:tr>
@@ -8845,7 +9063,7 @@
                 </a:tc>
                 <a:extLst>
                   <a:ext uri="{0D108BD9-81ED-4DB2-BD59-A6C34878D82A}">
-                    <a16:rowId xmlns:a16="http://schemas.microsoft.com/office/drawing/2014/main" val="697537971"/>
+                    <a16:rowId xmlns:a16="http://schemas.microsoft.com/office/drawing/2014/main" xmlns="" val="697537971"/>
                   </a:ext>
                 </a:extLst>
               </a:tr>
@@ -8910,7 +9128,7 @@
                 </a:tc>
                 <a:extLst>
                   <a:ext uri="{0D108BD9-81ED-4DB2-BD59-A6C34878D82A}">
-                    <a16:rowId xmlns:a16="http://schemas.microsoft.com/office/drawing/2014/main" val="1868920723"/>
+                    <a16:rowId xmlns:a16="http://schemas.microsoft.com/office/drawing/2014/main" xmlns="" val="1868920723"/>
                   </a:ext>
                 </a:extLst>
               </a:tr>
@@ -8931,7 +9149,7 @@
 </p:sld>
 </file>
 
-<file path=ppt/slides/slide24.xml><?xml version="1.0" encoding="utf-8"?>
+<file path=ppt/slides/slide25.xml><?xml version="1.0" encoding="utf-8"?>
 <p:sld xmlns:a="http://schemas.openxmlformats.org/drawingml/2006/main" xmlns:r="http://schemas.openxmlformats.org/officeDocument/2006/relationships" xmlns:p="http://schemas.openxmlformats.org/presentationml/2006/main">
   <p:cSld>
     <p:spTree>
@@ -8953,7 +9171,7 @@
           <p:cNvPr id="2" name="Title 1">
             <a:extLst>
               <a:ext uri="{FF2B5EF4-FFF2-40B4-BE49-F238E27FC236}">
-                <a16:creationId xmlns:a16="http://schemas.microsoft.com/office/drawing/2014/main" id="{096466C5-78E1-4B38-97CC-2B30997F8BA4}"/>
+                <a16:creationId xmlns:a16="http://schemas.microsoft.com/office/drawing/2014/main" xmlns="" id="{096466C5-78E1-4B38-97CC-2B30997F8BA4}"/>
               </a:ext>
             </a:extLst>
           </p:cNvPr>
@@ -9010,7 +9228,7 @@
           <p:cNvPr id="5" name="Content Placeholder 4" descr="A screenshot of a cell phone&#10;&#10;Description generated with very high confidence">
             <a:extLst>
               <a:ext uri="{FF2B5EF4-FFF2-40B4-BE49-F238E27FC236}">
-                <a16:creationId xmlns:a16="http://schemas.microsoft.com/office/drawing/2014/main" id="{9955B5BA-68E3-4722-BF13-75CB62B4E611}"/>
+                <a16:creationId xmlns:a16="http://schemas.microsoft.com/office/drawing/2014/main" xmlns="" id="{9955B5BA-68E3-4722-BF13-75CB62B4E611}"/>
               </a:ext>
             </a:extLst>
           </p:cNvPr>
@@ -9045,7 +9263,7 @@
           <p:cNvPr id="7" name="Picture 6" descr="A close up of a sign&#10;&#10;Description generated with high confidence">
             <a:extLst>
               <a:ext uri="{FF2B5EF4-FFF2-40B4-BE49-F238E27FC236}">
-                <a16:creationId xmlns:a16="http://schemas.microsoft.com/office/drawing/2014/main" id="{B53B1F60-9ABB-4034-AE96-CFBA175DF1B5}"/>
+                <a16:creationId xmlns:a16="http://schemas.microsoft.com/office/drawing/2014/main" xmlns="" id="{B53B1F60-9ABB-4034-AE96-CFBA175DF1B5}"/>
               </a:ext>
             </a:extLst>
           </p:cNvPr>
@@ -9081,7 +9299,7 @@
           <p:cNvPr id="9" name="Picture 8" descr="A picture containing object, clock&#10;&#10;Description generated with high confidence">
             <a:extLst>
               <a:ext uri="{FF2B5EF4-FFF2-40B4-BE49-F238E27FC236}">
-                <a16:creationId xmlns:a16="http://schemas.microsoft.com/office/drawing/2014/main" id="{768A2B25-C45E-4A08-BCFF-C427E184772C}"/>
+                <a16:creationId xmlns:a16="http://schemas.microsoft.com/office/drawing/2014/main" xmlns="" id="{768A2B25-C45E-4A08-BCFF-C427E184772C}"/>
               </a:ext>
             </a:extLst>
           </p:cNvPr>
@@ -9117,7 +9335,7 @@
           <p:cNvPr id="11" name="Rectangle 10">
             <a:extLst>
               <a:ext uri="{FF2B5EF4-FFF2-40B4-BE49-F238E27FC236}">
-                <a16:creationId xmlns:a16="http://schemas.microsoft.com/office/drawing/2014/main" id="{8502CCD0-86C6-47E6-88F6-02A330746E9A}"/>
+                <a16:creationId xmlns:a16="http://schemas.microsoft.com/office/drawing/2014/main" xmlns="" id="{8502CCD0-86C6-47E6-88F6-02A330746E9A}"/>
               </a:ext>
             </a:extLst>
           </p:cNvPr>
@@ -9164,7 +9382,7 @@
           <p:cNvPr id="12" name="TextBox 11">
             <a:extLst>
               <a:ext uri="{FF2B5EF4-FFF2-40B4-BE49-F238E27FC236}">
-                <a16:creationId xmlns:a16="http://schemas.microsoft.com/office/drawing/2014/main" id="{7230174B-F02A-4D03-AD35-A47408E0D820}"/>
+                <a16:creationId xmlns:a16="http://schemas.microsoft.com/office/drawing/2014/main" xmlns="" id="{7230174B-F02A-4D03-AD35-A47408E0D820}"/>
               </a:ext>
             </a:extLst>
           </p:cNvPr>
@@ -9207,7 +9425,7 @@
 </p:sld>
 </file>
 
-<file path=ppt/slides/slide25.xml><?xml version="1.0" encoding="utf-8"?>
+<file path=ppt/slides/slide26.xml><?xml version="1.0" encoding="utf-8"?>
 <p:sld xmlns:a="http://schemas.openxmlformats.org/drawingml/2006/main" xmlns:r="http://schemas.openxmlformats.org/officeDocument/2006/relationships" xmlns:p="http://schemas.openxmlformats.org/presentationml/2006/main">
   <p:cSld>
     <p:spTree>
@@ -9229,7 +9447,7 @@
           <p:cNvPr id="2" name="Hình chữ nhật 1">
             <a:extLst>
               <a:ext uri="{FF2B5EF4-FFF2-40B4-BE49-F238E27FC236}">
-                <a16:creationId xmlns:a16="http://schemas.microsoft.com/office/drawing/2014/main" id="{9248F4B9-394E-4451-A00C-ABE41F8BE311}"/>
+                <a16:creationId xmlns:a16="http://schemas.microsoft.com/office/drawing/2014/main" xmlns="" id="{9248F4B9-394E-4451-A00C-ABE41F8BE311}"/>
               </a:ext>
             </a:extLst>
           </p:cNvPr>
@@ -9334,7 +9552,7 @@
           <p:cNvPr id="2" name="Title 1">
             <a:extLst>
               <a:ext uri="{FF2B5EF4-FFF2-40B4-BE49-F238E27FC236}">
-                <a16:creationId xmlns:a16="http://schemas.microsoft.com/office/drawing/2014/main" id="{6CC34750-5D5C-4AA5-8662-B88DDDAEA223}"/>
+                <a16:creationId xmlns:a16="http://schemas.microsoft.com/office/drawing/2014/main" xmlns="" id="{6CC34750-5D5C-4AA5-8662-B88DDDAEA223}"/>
               </a:ext>
             </a:extLst>
           </p:cNvPr>
@@ -9363,7 +9581,7 @@
           <p:cNvPr id="5" name="Chỗ dành sẵn cho Nội dung 4">
             <a:extLst>
               <a:ext uri="{FF2B5EF4-FFF2-40B4-BE49-F238E27FC236}">
-                <a16:creationId xmlns:a16="http://schemas.microsoft.com/office/drawing/2014/main" id="{9B065BF1-7217-45FB-8679-2195603A8F4B}"/>
+                <a16:creationId xmlns:a16="http://schemas.microsoft.com/office/drawing/2014/main" xmlns="" id="{9B065BF1-7217-45FB-8679-2195603A8F4B}"/>
               </a:ext>
             </a:extLst>
           </p:cNvPr>
@@ -9442,7 +9660,7 @@
           <p:cNvPr id="2" name="Title 1">
             <a:extLst>
               <a:ext uri="{FF2B5EF4-FFF2-40B4-BE49-F238E27FC236}">
-                <a16:creationId xmlns:a16="http://schemas.microsoft.com/office/drawing/2014/main" id="{FCE199B2-7CBE-486F-B43D-C4035353FFE3}"/>
+                <a16:creationId xmlns:a16="http://schemas.microsoft.com/office/drawing/2014/main" xmlns="" id="{FCE199B2-7CBE-486F-B43D-C4035353FFE3}"/>
               </a:ext>
             </a:extLst>
           </p:cNvPr>
@@ -9477,7 +9695,7 @@
           <p:cNvPr id="5" name="Chỗ dành sẵn cho Nội dung 4">
             <a:extLst>
               <a:ext uri="{FF2B5EF4-FFF2-40B4-BE49-F238E27FC236}">
-                <a16:creationId xmlns:a16="http://schemas.microsoft.com/office/drawing/2014/main" id="{99E51776-A2A8-4DFF-8E7C-596BB67DEA80}"/>
+                <a16:creationId xmlns:a16="http://schemas.microsoft.com/office/drawing/2014/main" xmlns="" id="{99E51776-A2A8-4DFF-8E7C-596BB67DEA80}"/>
               </a:ext>
             </a:extLst>
           </p:cNvPr>
@@ -9596,7 +9814,7 @@
           <p:cNvPr id="2" name="Title 1">
             <a:extLst>
               <a:ext uri="{FF2B5EF4-FFF2-40B4-BE49-F238E27FC236}">
-                <a16:creationId xmlns:a16="http://schemas.microsoft.com/office/drawing/2014/main" id="{8563C0C6-0797-4F66-9AFA-1A5F7C174F4A}"/>
+                <a16:creationId xmlns:a16="http://schemas.microsoft.com/office/drawing/2014/main" xmlns="" id="{8563C0C6-0797-4F66-9AFA-1A5F7C174F4A}"/>
               </a:ext>
             </a:extLst>
           </p:cNvPr>
@@ -9625,7 +9843,7 @@
           <p:cNvPr id="5" name="Chỗ dành sẵn cho Nội dung 4">
             <a:extLst>
               <a:ext uri="{FF2B5EF4-FFF2-40B4-BE49-F238E27FC236}">
-                <a16:creationId xmlns:a16="http://schemas.microsoft.com/office/drawing/2014/main" id="{5221640B-0E6B-4266-8F5C-6736558D2E09}"/>
+                <a16:creationId xmlns:a16="http://schemas.microsoft.com/office/drawing/2014/main" xmlns="" id="{5221640B-0E6B-4266-8F5C-6736558D2E09}"/>
               </a:ext>
             </a:extLst>
           </p:cNvPr>
@@ -9650,7 +9868,7 @@
           <p:cNvPr id="6" name="Table 7">
             <a:extLst>
               <a:ext uri="{FF2B5EF4-FFF2-40B4-BE49-F238E27FC236}">
-                <a16:creationId xmlns:a16="http://schemas.microsoft.com/office/drawing/2014/main" id="{A4F55DB9-708A-48E8-893A-99909658049E}"/>
+                <a16:creationId xmlns:a16="http://schemas.microsoft.com/office/drawing/2014/main" xmlns="" id="{A4F55DB9-708A-48E8-893A-99909658049E}"/>
               </a:ext>
             </a:extLst>
           </p:cNvPr>
@@ -9673,21 +9891,21 @@
                 <a:gridCol w="642937">
                   <a:extLst>
                     <a:ext uri="{9D8B030D-6E8A-4147-A177-3AD203B41FA5}">
-                      <a16:colId xmlns:a16="http://schemas.microsoft.com/office/drawing/2014/main" val="20000"/>
+                      <a16:colId xmlns:a16="http://schemas.microsoft.com/office/drawing/2014/main" xmlns="" val="20000"/>
                     </a:ext>
                   </a:extLst>
                 </a:gridCol>
                 <a:gridCol w="2214562">
                   <a:extLst>
                     <a:ext uri="{9D8B030D-6E8A-4147-A177-3AD203B41FA5}">
-                      <a16:colId xmlns:a16="http://schemas.microsoft.com/office/drawing/2014/main" val="20001"/>
+                      <a16:colId xmlns:a16="http://schemas.microsoft.com/office/drawing/2014/main" xmlns="" val="20001"/>
                     </a:ext>
                   </a:extLst>
                 </a:gridCol>
                 <a:gridCol w="4786313">
                   <a:extLst>
                     <a:ext uri="{9D8B030D-6E8A-4147-A177-3AD203B41FA5}">
-                      <a16:colId xmlns:a16="http://schemas.microsoft.com/office/drawing/2014/main" val="20002"/>
+                      <a16:colId xmlns:a16="http://schemas.microsoft.com/office/drawing/2014/main" xmlns="" val="20002"/>
                     </a:ext>
                   </a:extLst>
                 </a:gridCol>
@@ -9748,7 +9966,7 @@
                 </a:tc>
                 <a:extLst>
                   <a:ext uri="{0D108BD9-81ED-4DB2-BD59-A6C34878D82A}">
-                    <a16:rowId xmlns:a16="http://schemas.microsoft.com/office/drawing/2014/main" val="10000"/>
+                    <a16:rowId xmlns:a16="http://schemas.microsoft.com/office/drawing/2014/main" xmlns="" val="10000"/>
                   </a:ext>
                 </a:extLst>
               </a:tr>
@@ -9795,7 +10013,7 @@
                 </a:tc>
                 <a:extLst>
                   <a:ext uri="{0D108BD9-81ED-4DB2-BD59-A6C34878D82A}">
-                    <a16:rowId xmlns:a16="http://schemas.microsoft.com/office/drawing/2014/main" val="10001"/>
+                    <a16:rowId xmlns:a16="http://schemas.microsoft.com/office/drawing/2014/main" xmlns="" val="10001"/>
                   </a:ext>
                 </a:extLst>
               </a:tr>
@@ -9863,7 +10081,7 @@
                 </a:tc>
                 <a:extLst>
                   <a:ext uri="{0D108BD9-81ED-4DB2-BD59-A6C34878D82A}">
-                    <a16:rowId xmlns:a16="http://schemas.microsoft.com/office/drawing/2014/main" val="10002"/>
+                    <a16:rowId xmlns:a16="http://schemas.microsoft.com/office/drawing/2014/main" xmlns="" val="10002"/>
                   </a:ext>
                 </a:extLst>
               </a:tr>
@@ -9943,7 +10161,7 @@
                 </a:tc>
                 <a:extLst>
                   <a:ext uri="{0D108BD9-81ED-4DB2-BD59-A6C34878D82A}">
-                    <a16:rowId xmlns:a16="http://schemas.microsoft.com/office/drawing/2014/main" val="10003"/>
+                    <a16:rowId xmlns:a16="http://schemas.microsoft.com/office/drawing/2014/main" xmlns="" val="10003"/>
                   </a:ext>
                 </a:extLst>
               </a:tr>
@@ -10027,7 +10245,7 @@
                 </a:tc>
                 <a:extLst>
                   <a:ext uri="{0D108BD9-81ED-4DB2-BD59-A6C34878D82A}">
-                    <a16:rowId xmlns:a16="http://schemas.microsoft.com/office/drawing/2014/main" val="10004"/>
+                    <a16:rowId xmlns:a16="http://schemas.microsoft.com/office/drawing/2014/main" xmlns="" val="10004"/>
                   </a:ext>
                 </a:extLst>
               </a:tr>
@@ -10135,7 +10353,7 @@
                 </a:tc>
                 <a:extLst>
                   <a:ext uri="{0D108BD9-81ED-4DB2-BD59-A6C34878D82A}">
-                    <a16:rowId xmlns:a16="http://schemas.microsoft.com/office/drawing/2014/main" val="10005"/>
+                    <a16:rowId xmlns:a16="http://schemas.microsoft.com/office/drawing/2014/main" xmlns="" val="10005"/>
                   </a:ext>
                 </a:extLst>
               </a:tr>
@@ -10207,7 +10425,7 @@
                 </a:tc>
                 <a:extLst>
                   <a:ext uri="{0D108BD9-81ED-4DB2-BD59-A6C34878D82A}">
-                    <a16:rowId xmlns:a16="http://schemas.microsoft.com/office/drawing/2014/main" val="10006"/>
+                    <a16:rowId xmlns:a16="http://schemas.microsoft.com/office/drawing/2014/main" xmlns="" val="10006"/>
                   </a:ext>
                 </a:extLst>
               </a:tr>
@@ -10303,7 +10521,7 @@
                 </a:tc>
                 <a:extLst>
                   <a:ext uri="{0D108BD9-81ED-4DB2-BD59-A6C34878D82A}">
-                    <a16:rowId xmlns:a16="http://schemas.microsoft.com/office/drawing/2014/main" val="10007"/>
+                    <a16:rowId xmlns:a16="http://schemas.microsoft.com/office/drawing/2014/main" xmlns="" val="10007"/>
                   </a:ext>
                 </a:extLst>
               </a:tr>
@@ -10367,7 +10585,7 @@
                 </a:tc>
                 <a:extLst>
                   <a:ext uri="{0D108BD9-81ED-4DB2-BD59-A6C34878D82A}">
-                    <a16:rowId xmlns:a16="http://schemas.microsoft.com/office/drawing/2014/main" val="10008"/>
+                    <a16:rowId xmlns:a16="http://schemas.microsoft.com/office/drawing/2014/main" xmlns="" val="10008"/>
                   </a:ext>
                 </a:extLst>
               </a:tr>
@@ -10410,7 +10628,7 @@
           <p:cNvPr id="2" name="Title 1">
             <a:extLst>
               <a:ext uri="{FF2B5EF4-FFF2-40B4-BE49-F238E27FC236}">
-                <a16:creationId xmlns:a16="http://schemas.microsoft.com/office/drawing/2014/main" id="{5ACC0826-E80F-43C0-912C-275EB710142B}"/>
+                <a16:creationId xmlns:a16="http://schemas.microsoft.com/office/drawing/2014/main" xmlns="" id="{5ACC0826-E80F-43C0-912C-275EB710142B}"/>
               </a:ext>
             </a:extLst>
           </p:cNvPr>
@@ -10439,7 +10657,7 @@
           <p:cNvPr id="4" name="Chỗ dành sẵn cho Nội dung 3">
             <a:extLst>
               <a:ext uri="{FF2B5EF4-FFF2-40B4-BE49-F238E27FC236}">
-                <a16:creationId xmlns:a16="http://schemas.microsoft.com/office/drawing/2014/main" id="{E7382999-E9BD-45F8-97D5-A50B26B12803}"/>
+                <a16:creationId xmlns:a16="http://schemas.microsoft.com/office/drawing/2014/main" xmlns="" id="{E7382999-E9BD-45F8-97D5-A50B26B12803}"/>
               </a:ext>
             </a:extLst>
           </p:cNvPr>
@@ -10464,7 +10682,7 @@
           <p:cNvPr id="5" name="Picture 4">
             <a:extLst>
               <a:ext uri="{FF2B5EF4-FFF2-40B4-BE49-F238E27FC236}">
-                <a16:creationId xmlns:a16="http://schemas.microsoft.com/office/drawing/2014/main" id="{ABBF4BD0-B692-4128-B6AB-A03A37FA93BC}"/>
+                <a16:creationId xmlns:a16="http://schemas.microsoft.com/office/drawing/2014/main" xmlns="" id="{ABBF4BD0-B692-4128-B6AB-A03A37FA93BC}"/>
               </a:ext>
             </a:extLst>
           </p:cNvPr>
@@ -10524,7 +10742,7 @@
           <p:cNvPr id="6" name="Picture 5">
             <a:extLst>
               <a:ext uri="{FF2B5EF4-FFF2-40B4-BE49-F238E27FC236}">
-                <a16:creationId xmlns:a16="http://schemas.microsoft.com/office/drawing/2014/main" id="{48E33D2A-26BC-47F7-A001-9B9CE66B4350}"/>
+                <a16:creationId xmlns:a16="http://schemas.microsoft.com/office/drawing/2014/main" xmlns="" id="{48E33D2A-26BC-47F7-A001-9B9CE66B4350}"/>
               </a:ext>
             </a:extLst>
           </p:cNvPr>
@@ -10614,7 +10832,7 @@
           <p:cNvPr id="2" name="Title 1">
             <a:extLst>
               <a:ext uri="{FF2B5EF4-FFF2-40B4-BE49-F238E27FC236}">
-                <a16:creationId xmlns:a16="http://schemas.microsoft.com/office/drawing/2014/main" id="{5ACC0826-E80F-43C0-912C-275EB710142B}"/>
+                <a16:creationId xmlns:a16="http://schemas.microsoft.com/office/drawing/2014/main" xmlns="" id="{5ACC0826-E80F-43C0-912C-275EB710142B}"/>
               </a:ext>
             </a:extLst>
           </p:cNvPr>
@@ -10643,7 +10861,7 @@
           <p:cNvPr id="5" name="Content Placeholder 4">
             <a:extLst>
               <a:ext uri="{FF2B5EF4-FFF2-40B4-BE49-F238E27FC236}">
-                <a16:creationId xmlns:a16="http://schemas.microsoft.com/office/drawing/2014/main" id="{90CF760C-0EFC-4A07-B0AF-B3A02068800E}"/>
+                <a16:creationId xmlns:a16="http://schemas.microsoft.com/office/drawing/2014/main" xmlns="" id="{90CF760C-0EFC-4A07-B0AF-B3A02068800E}"/>
               </a:ext>
             </a:extLst>
           </p:cNvPr>
@@ -10735,7 +10953,7 @@
           <p:cNvPr id="2" name="Title 1">
             <a:extLst>
               <a:ext uri="{FF2B5EF4-FFF2-40B4-BE49-F238E27FC236}">
-                <a16:creationId xmlns:a16="http://schemas.microsoft.com/office/drawing/2014/main" id="{5ACC0826-E80F-43C0-912C-275EB710142B}"/>
+                <a16:creationId xmlns:a16="http://schemas.microsoft.com/office/drawing/2014/main" xmlns="" id="{5ACC0826-E80F-43C0-912C-275EB710142B}"/>
               </a:ext>
             </a:extLst>
           </p:cNvPr>
@@ -10764,7 +10982,7 @@
           <p:cNvPr id="5" name="Content Placeholder 4">
             <a:extLst>
               <a:ext uri="{FF2B5EF4-FFF2-40B4-BE49-F238E27FC236}">
-                <a16:creationId xmlns:a16="http://schemas.microsoft.com/office/drawing/2014/main" id="{7AC94E8F-F2A0-4093-BCE4-F497CB9329E5}"/>
+                <a16:creationId xmlns:a16="http://schemas.microsoft.com/office/drawing/2014/main" xmlns="" id="{7AC94E8F-F2A0-4093-BCE4-F497CB9329E5}"/>
               </a:ext>
             </a:extLst>
           </p:cNvPr>
@@ -10856,7 +11074,7 @@
           <p:cNvPr id="2" name="Title 1">
             <a:extLst>
               <a:ext uri="{FF2B5EF4-FFF2-40B4-BE49-F238E27FC236}">
-                <a16:creationId xmlns:a16="http://schemas.microsoft.com/office/drawing/2014/main" id="{5ACC0826-E80F-43C0-912C-275EB710142B}"/>
+                <a16:creationId xmlns:a16="http://schemas.microsoft.com/office/drawing/2014/main" xmlns="" id="{5ACC0826-E80F-43C0-912C-275EB710142B}"/>
               </a:ext>
             </a:extLst>
           </p:cNvPr>
@@ -10885,7 +11103,7 @@
           <p:cNvPr id="6" name="Picture 4">
             <a:extLst>
               <a:ext uri="{FF2B5EF4-FFF2-40B4-BE49-F238E27FC236}">
-                <a16:creationId xmlns:a16="http://schemas.microsoft.com/office/drawing/2014/main" id="{32A01167-BC61-4189-A4B3-43DD3A1B0F07}"/>
+                <a16:creationId xmlns:a16="http://schemas.microsoft.com/office/drawing/2014/main" xmlns="" id="{32A01167-BC61-4189-A4B3-43DD3A1B0F07}"/>
               </a:ext>
             </a:extLst>
           </p:cNvPr>
@@ -10911,7 +11129,7 @@
         </p:blipFill>
         <p:spPr bwMode="auto">
           <a:xfrm>
-            <a:off x="1117117" y="1601405"/>
+            <a:off x="1117117" y="1624850"/>
             <a:ext cx="6770065" cy="4391790"/>
           </a:xfrm>
           <a:prstGeom prst="rect">
@@ -11210,7 +11428,7 @@
   <a:extraClrSchemeLst/>
   <a:extLst>
     <a:ext uri="{05A4C25C-085E-4340-85A3-A5531E510DB2}">
-      <thm15:themeFamily xmlns:thm15="http://schemas.microsoft.com/office/thememl/2012/main" name="Presentation1" id="{7A4D7F9D-CF2C-4E80-8360-F21AE36D35D4}" vid="{71563601-04E0-4A9A-AE8B-FC38A55497EE}"/>
+      <thm15:themeFamily xmlns:thm15="http://schemas.microsoft.com/office/thememl/2012/main" xmlns="" name="Presentation1" id="{7A4D7F9D-CF2C-4E80-8360-F21AE36D35D4}" vid="{71563601-04E0-4A9A-AE8B-FC38A55497EE}"/>
     </a:ext>
   </a:extLst>
 </a:theme>

--- a/BaoCao/Nhom3.pptx
+++ b/BaoCao/Nhom3.pptx
@@ -20,17 +20,18 @@
     <p:sldId id="279" r:id="rId14"/>
     <p:sldId id="280" r:id="rId15"/>
     <p:sldId id="281" r:id="rId16"/>
-    <p:sldId id="282" r:id="rId17"/>
-    <p:sldId id="295" r:id="rId18"/>
-    <p:sldId id="283" r:id="rId19"/>
-    <p:sldId id="293" r:id="rId20"/>
-    <p:sldId id="294" r:id="rId21"/>
-    <p:sldId id="284" r:id="rId22"/>
-    <p:sldId id="292" r:id="rId23"/>
-    <p:sldId id="290" r:id="rId24"/>
-    <p:sldId id="286" r:id="rId25"/>
-    <p:sldId id="291" r:id="rId26"/>
-    <p:sldId id="258" r:id="rId27"/>
+    <p:sldId id="296" r:id="rId17"/>
+    <p:sldId id="282" r:id="rId18"/>
+    <p:sldId id="295" r:id="rId19"/>
+    <p:sldId id="283" r:id="rId20"/>
+    <p:sldId id="293" r:id="rId21"/>
+    <p:sldId id="294" r:id="rId22"/>
+    <p:sldId id="284" r:id="rId23"/>
+    <p:sldId id="292" r:id="rId24"/>
+    <p:sldId id="290" r:id="rId25"/>
+    <p:sldId id="286" r:id="rId26"/>
+    <p:sldId id="291" r:id="rId27"/>
+    <p:sldId id="258" r:id="rId28"/>
   </p:sldIdLst>
   <p:sldSz cx="9144000" cy="6858000" type="screen4x3"/>
   <p:notesSz cx="6858000" cy="9144000"/>
@@ -131,7 +132,7 @@
   </p:defaultTextStyle>
   <p:extLst>
     <p:ext uri="{EFAFB233-063F-42B5-8137-9DF3F51BA10A}">
-      <p15:sldGuideLst xmlns:p15="http://schemas.microsoft.com/office/powerpoint/2012/main" xmlns="">
+      <p15:sldGuideLst xmlns:p15="http://schemas.microsoft.com/office/powerpoint/2012/main">
         <p15:guide id="1" orient="horz" pos="2160">
           <p15:clr>
             <a:srgbClr val="A4A3A4"/>
@@ -331,7 +332,7 @@
           <a:p>
             <a:fld id="{A0EC2761-52B0-42C5-B01B-DF8F69615AE5}" type="datetimeFigureOut">
               <a:rPr lang="en-US" smtClean="0"/>
-              <a:t>04/22/2019</a:t>
+              <a:t>4/22/19</a:t>
             </a:fld>
             <a:endParaRPr lang="en-US"/>
           </a:p>
@@ -499,7 +500,7 @@
           <a:p>
             <a:fld id="{A0EC2761-52B0-42C5-B01B-DF8F69615AE5}" type="datetimeFigureOut">
               <a:rPr lang="en-US" smtClean="0"/>
-              <a:t>04/22/2019</a:t>
+              <a:t>4/22/19</a:t>
             </a:fld>
             <a:endParaRPr lang="en-US"/>
           </a:p>
@@ -677,7 +678,7 @@
           <a:p>
             <a:fld id="{A0EC2761-52B0-42C5-B01B-DF8F69615AE5}" type="datetimeFigureOut">
               <a:rPr lang="en-US" smtClean="0"/>
-              <a:t>04/22/2019</a:t>
+              <a:t>4/22/19</a:t>
             </a:fld>
             <a:endParaRPr lang="en-US"/>
           </a:p>
@@ -845,7 +846,7 @@
           <a:p>
             <a:fld id="{A0EC2761-52B0-42C5-B01B-DF8F69615AE5}" type="datetimeFigureOut">
               <a:rPr lang="en-US" smtClean="0"/>
-              <a:t>04/22/2019</a:t>
+              <a:t>4/22/19</a:t>
             </a:fld>
             <a:endParaRPr lang="en-US"/>
           </a:p>
@@ -1090,7 +1091,7 @@
           <a:p>
             <a:fld id="{A0EC2761-52B0-42C5-B01B-DF8F69615AE5}" type="datetimeFigureOut">
               <a:rPr lang="en-US" smtClean="0"/>
-              <a:t>04/22/2019</a:t>
+              <a:t>4/22/19</a:t>
             </a:fld>
             <a:endParaRPr lang="en-US"/>
           </a:p>
@@ -1319,7 +1320,7 @@
           <a:p>
             <a:fld id="{A0EC2761-52B0-42C5-B01B-DF8F69615AE5}" type="datetimeFigureOut">
               <a:rPr lang="en-US" smtClean="0"/>
-              <a:t>04/22/2019</a:t>
+              <a:t>4/22/19</a:t>
             </a:fld>
             <a:endParaRPr lang="en-US"/>
           </a:p>
@@ -1683,7 +1684,7 @@
           <a:p>
             <a:fld id="{A0EC2761-52B0-42C5-B01B-DF8F69615AE5}" type="datetimeFigureOut">
               <a:rPr lang="en-US" smtClean="0"/>
-              <a:t>04/22/2019</a:t>
+              <a:t>4/22/19</a:t>
             </a:fld>
             <a:endParaRPr lang="en-US"/>
           </a:p>
@@ -1792,7 +1793,7 @@
           <a:p>
             <a:fld id="{A0EC2761-52B0-42C5-B01B-DF8F69615AE5}" type="datetimeFigureOut">
               <a:rPr lang="en-US" smtClean="0"/>
-              <a:t>04/22/2019</a:t>
+              <a:t>4/22/19</a:t>
             </a:fld>
             <a:endParaRPr lang="en-US"/>
           </a:p>
@@ -1901,7 +1902,7 @@
           <a:p>
             <a:fld id="{A0EC2761-52B0-42C5-B01B-DF8F69615AE5}" type="datetimeFigureOut">
               <a:rPr lang="en-US" smtClean="0"/>
-              <a:t>04/22/2019</a:t>
+              <a:t>4/22/19</a:t>
             </a:fld>
             <a:endParaRPr lang="en-US"/>
           </a:p>
@@ -2176,7 +2177,7 @@
           <a:p>
             <a:fld id="{A0EC2761-52B0-42C5-B01B-DF8F69615AE5}" type="datetimeFigureOut">
               <a:rPr lang="en-US" smtClean="0"/>
-              <a:t>04/22/2019</a:t>
+              <a:t>4/22/19</a:t>
             </a:fld>
             <a:endParaRPr lang="en-US"/>
           </a:p>
@@ -2431,7 +2432,7 @@
           <a:p>
             <a:fld id="{A0EC2761-52B0-42C5-B01B-DF8F69615AE5}" type="datetimeFigureOut">
               <a:rPr lang="en-US" smtClean="0"/>
-              <a:t>04/22/2019</a:t>
+              <a:t>4/22/19</a:t>
             </a:fld>
             <a:endParaRPr lang="en-US"/>
           </a:p>
@@ -2651,7 +2652,7 @@
           <a:p>
             <a:fld id="{A0EC2761-52B0-42C5-B01B-DF8F69615AE5}" type="datetimeFigureOut">
               <a:rPr lang="en-US" smtClean="0"/>
-              <a:t>04/22/2019</a:t>
+              <a:t>4/22/19</a:t>
             </a:fld>
             <a:endParaRPr lang="en-US"/>
           </a:p>
@@ -3093,10 +3094,6 @@
           </a:bodyPr>
           <a:lstStyle/>
           <a:p>
-            <a:r>
-              <a:rPr lang="en-US" dirty="0"/>
-              <a:t/>
-            </a:r>
             <a:br>
               <a:rPr lang="en-US" dirty="0"/>
             </a:br>
@@ -3248,7 +3245,7 @@
           <p:cNvPr id="2" name="Title 1">
             <a:extLst>
               <a:ext uri="{FF2B5EF4-FFF2-40B4-BE49-F238E27FC236}">
-                <a16:creationId xmlns:a16="http://schemas.microsoft.com/office/drawing/2014/main" xmlns="" id="{5ACC0826-E80F-43C0-912C-275EB710142B}"/>
+                <a16:creationId xmlns:a16="http://schemas.microsoft.com/office/drawing/2014/main" id="{5ACC0826-E80F-43C0-912C-275EB710142B}"/>
               </a:ext>
             </a:extLst>
           </p:cNvPr>
@@ -3277,7 +3274,7 @@
           <p:cNvPr id="4" name="Chỗ dành sẵn cho Nội dung 3">
             <a:extLst>
               <a:ext uri="{FF2B5EF4-FFF2-40B4-BE49-F238E27FC236}">
-                <a16:creationId xmlns:a16="http://schemas.microsoft.com/office/drawing/2014/main" xmlns="" id="{0A469280-6A1E-4F41-B2DD-5119847FC0AE}"/>
+                <a16:creationId xmlns:a16="http://schemas.microsoft.com/office/drawing/2014/main" id="{0A469280-6A1E-4F41-B2DD-5119847FC0AE}"/>
               </a:ext>
             </a:extLst>
           </p:cNvPr>
@@ -3302,7 +3299,7 @@
           <p:cNvPr id="7" name="Picture 4">
             <a:extLst>
               <a:ext uri="{FF2B5EF4-FFF2-40B4-BE49-F238E27FC236}">
-                <a16:creationId xmlns:a16="http://schemas.microsoft.com/office/drawing/2014/main" xmlns="" id="{39DD662D-CB28-4668-B1E8-32650552B55D}"/>
+                <a16:creationId xmlns:a16="http://schemas.microsoft.com/office/drawing/2014/main" id="{39DD662D-CB28-4668-B1E8-32650552B55D}"/>
               </a:ext>
             </a:extLst>
           </p:cNvPr>
@@ -3392,7 +3389,7 @@
           <p:cNvPr id="2" name="Title 1">
             <a:extLst>
               <a:ext uri="{FF2B5EF4-FFF2-40B4-BE49-F238E27FC236}">
-                <a16:creationId xmlns:a16="http://schemas.microsoft.com/office/drawing/2014/main" xmlns="" id="{5ACC0826-E80F-43C0-912C-275EB710142B}"/>
+                <a16:creationId xmlns:a16="http://schemas.microsoft.com/office/drawing/2014/main" id="{5ACC0826-E80F-43C0-912C-275EB710142B}"/>
               </a:ext>
             </a:extLst>
           </p:cNvPr>
@@ -3421,7 +3418,7 @@
           <p:cNvPr id="5" name="Content Placeholder 4">
             <a:extLst>
               <a:ext uri="{FF2B5EF4-FFF2-40B4-BE49-F238E27FC236}">
-                <a16:creationId xmlns:a16="http://schemas.microsoft.com/office/drawing/2014/main" xmlns="" id="{4E1977E1-8DF3-44ED-9AA8-EFF16C548E55}"/>
+                <a16:creationId xmlns:a16="http://schemas.microsoft.com/office/drawing/2014/main" id="{4E1977E1-8DF3-44ED-9AA8-EFF16C548E55}"/>
               </a:ext>
             </a:extLst>
           </p:cNvPr>
@@ -3513,7 +3510,7 @@
           <p:cNvPr id="2" name="Title 1">
             <a:extLst>
               <a:ext uri="{FF2B5EF4-FFF2-40B4-BE49-F238E27FC236}">
-                <a16:creationId xmlns:a16="http://schemas.microsoft.com/office/drawing/2014/main" xmlns="" id="{5ACC0826-E80F-43C0-912C-275EB710142B}"/>
+                <a16:creationId xmlns:a16="http://schemas.microsoft.com/office/drawing/2014/main" id="{5ACC0826-E80F-43C0-912C-275EB710142B}"/>
               </a:ext>
             </a:extLst>
           </p:cNvPr>
@@ -3542,7 +3539,7 @@
           <p:cNvPr id="5" name="Content Placeholder 4">
             <a:extLst>
               <a:ext uri="{FF2B5EF4-FFF2-40B4-BE49-F238E27FC236}">
-                <a16:creationId xmlns:a16="http://schemas.microsoft.com/office/drawing/2014/main" xmlns="" id="{5B03456F-79BE-41C7-B6C5-6C409495C03C}"/>
+                <a16:creationId xmlns:a16="http://schemas.microsoft.com/office/drawing/2014/main" id="{5B03456F-79BE-41C7-B6C5-6C409495C03C}"/>
               </a:ext>
             </a:extLst>
           </p:cNvPr>
@@ -3634,7 +3631,7 @@
           <p:cNvPr id="2" name="Title 1">
             <a:extLst>
               <a:ext uri="{FF2B5EF4-FFF2-40B4-BE49-F238E27FC236}">
-                <a16:creationId xmlns:a16="http://schemas.microsoft.com/office/drawing/2014/main" xmlns="" id="{5ACC0826-E80F-43C0-912C-275EB710142B}"/>
+                <a16:creationId xmlns:a16="http://schemas.microsoft.com/office/drawing/2014/main" id="{5ACC0826-E80F-43C0-912C-275EB710142B}"/>
               </a:ext>
             </a:extLst>
           </p:cNvPr>
@@ -3663,7 +3660,7 @@
           <p:cNvPr id="6" name="Hình chữ nhật 5">
             <a:extLst>
               <a:ext uri="{FF2B5EF4-FFF2-40B4-BE49-F238E27FC236}">
-                <a16:creationId xmlns:a16="http://schemas.microsoft.com/office/drawing/2014/main" xmlns="" id="{7A04BA52-21EB-40DE-88A4-D4C2D6586CD0}"/>
+                <a16:creationId xmlns:a16="http://schemas.microsoft.com/office/drawing/2014/main" id="{7A04BA52-21EB-40DE-88A4-D4C2D6586CD0}"/>
               </a:ext>
             </a:extLst>
           </p:cNvPr>
@@ -3814,7 +3811,7 @@
           <p:cNvPr id="7" name="Hình chữ nhật 6">
             <a:extLst>
               <a:ext uri="{FF2B5EF4-FFF2-40B4-BE49-F238E27FC236}">
-                <a16:creationId xmlns:a16="http://schemas.microsoft.com/office/drawing/2014/main" xmlns="" id="{4A43D711-8E32-409E-A887-D6368D577BD0}"/>
+                <a16:creationId xmlns:a16="http://schemas.microsoft.com/office/drawing/2014/main" id="{4A43D711-8E32-409E-A887-D6368D577BD0}"/>
               </a:ext>
             </a:extLst>
           </p:cNvPr>
@@ -3974,7 +3971,7 @@
           <p:cNvPr id="2" name="Title 1">
             <a:extLst>
               <a:ext uri="{FF2B5EF4-FFF2-40B4-BE49-F238E27FC236}">
-                <a16:creationId xmlns:a16="http://schemas.microsoft.com/office/drawing/2014/main" xmlns="" id="{5ACC0826-E80F-43C0-912C-275EB710142B}"/>
+                <a16:creationId xmlns:a16="http://schemas.microsoft.com/office/drawing/2014/main" id="{5ACC0826-E80F-43C0-912C-275EB710142B}"/>
               </a:ext>
             </a:extLst>
           </p:cNvPr>
@@ -4161,7 +4158,7 @@
           <p:cNvPr id="2" name="Title 1">
             <a:extLst>
               <a:ext uri="{FF2B5EF4-FFF2-40B4-BE49-F238E27FC236}">
-                <a16:creationId xmlns:a16="http://schemas.microsoft.com/office/drawing/2014/main" xmlns="" id="{5ACC0826-E80F-43C0-912C-275EB710142B}"/>
+                <a16:creationId xmlns:a16="http://schemas.microsoft.com/office/drawing/2014/main" id="{5ACC0826-E80F-43C0-912C-275EB710142B}"/>
               </a:ext>
             </a:extLst>
           </p:cNvPr>
@@ -4185,31 +4182,68 @@
           </a:p>
         </p:txBody>
       </p:sp>
-      <p:sp>
-        <p:nvSpPr>
-          <p:cNvPr id="4" name="Chỗ dành sẵn cho Nội dung 3">
+      <p:pic>
+        <p:nvPicPr>
+          <p:cNvPr id="6" name="Content Placeholder 5">
             <a:extLst>
               <a:ext uri="{FF2B5EF4-FFF2-40B4-BE49-F238E27FC236}">
-                <a16:creationId xmlns:a16="http://schemas.microsoft.com/office/drawing/2014/main" xmlns="" id="{E7382999-E9BD-45F8-97D5-A50B26B12803}"/>
+                <a16:creationId xmlns:a16="http://schemas.microsoft.com/office/drawing/2014/main" id="{CA4183E2-9EEB-7C46-B740-23BEE14CF97E}"/>
               </a:ext>
             </a:extLst>
           </p:cNvPr>
-          <p:cNvSpPr>
-            <a:spLocks noGrp="1"/>
-          </p:cNvSpPr>
+          <p:cNvPicPr>
+            <a:picLocks noGrp="1" noChangeAspect="1" noChangeArrowheads="1"/>
+          </p:cNvPicPr>
           <p:nvPr>
             <p:ph idx="1"/>
           </p:nvPr>
-        </p:nvSpPr>
-        <p:spPr/>
-        <p:txBody>
-          <a:bodyPr/>
-          <a:lstStyle/>
-          <a:p>
-            <a:endParaRPr lang="vi-VN" dirty="0"/>
-          </a:p>
-        </p:txBody>
-      </p:sp>
+        </p:nvPicPr>
+        <p:blipFill>
+          <a:blip r:embed="rId2">
+            <a:extLst>
+              <a:ext uri="{28A0092B-C50C-407E-A947-70E740481C1C}">
+                <a14:useLocalDpi xmlns:a14="http://schemas.microsoft.com/office/drawing/2010/main" val="0"/>
+              </a:ext>
+            </a:extLst>
+          </a:blip>
+          <a:srcRect l="32785" t="28793" r="11992" b="25441"/>
+          <a:stretch>
+            <a:fillRect/>
+          </a:stretch>
+        </p:blipFill>
+        <p:spPr bwMode="auto">
+          <a:xfrm>
+            <a:off x="1135756" y="1565383"/>
+            <a:ext cx="6732788" cy="4463833"/>
+          </a:xfrm>
+          <a:prstGeom prst="rect">
+            <a:avLst/>
+          </a:prstGeom>
+          <a:noFill/>
+          <a:ln>
+            <a:noFill/>
+          </a:ln>
+          <a:extLst>
+            <a:ext uri="{909E8E84-426E-40DD-AFC4-6F175D3DCCD1}">
+              <a14:hiddenFill xmlns:a14="http://schemas.microsoft.com/office/drawing/2010/main">
+                <a:solidFill>
+                  <a:srgbClr val="FFFFFF"/>
+                </a:solidFill>
+              </a14:hiddenFill>
+            </a:ext>
+            <a:ext uri="{91240B29-F687-4F45-9708-019B960494DF}">
+              <a14:hiddenLine xmlns:a14="http://schemas.microsoft.com/office/drawing/2010/main" w="9525">
+                <a:solidFill>
+                  <a:srgbClr val="000000"/>
+                </a:solidFill>
+                <a:round/>
+                <a:headEnd/>
+                <a:tailEnd/>
+              </a14:hiddenLine>
+            </a:ext>
+          </a:extLst>
+        </p:spPr>
+      </p:pic>
     </p:spTree>
     <p:extLst>
       <p:ext uri="{BB962C8B-B14F-4D97-AF65-F5344CB8AC3E}">
@@ -4245,7 +4279,7 @@
           <p:cNvPr id="2" name="Title 1">
             <a:extLst>
               <a:ext uri="{FF2B5EF4-FFF2-40B4-BE49-F238E27FC236}">
-                <a16:creationId xmlns:a16="http://schemas.microsoft.com/office/drawing/2014/main" xmlns="" id="{5ACC0826-E80F-43C0-912C-275EB710142B}"/>
+                <a16:creationId xmlns:a16="http://schemas.microsoft.com/office/drawing/2014/main" id="{5ACC0826-E80F-43C0-912C-275EB710142B}"/>
               </a:ext>
             </a:extLst>
           </p:cNvPr>
@@ -4263,6 +4297,100 @@
           <a:p>
             <a:r>
               <a:rPr lang="en-US"/>
+              <a:t>Giới thiệu hàm compileBlock</a:t>
+            </a:r>
+            <a:endParaRPr lang="en-US" dirty="0"/>
+          </a:p>
+        </p:txBody>
+      </p:sp>
+      <p:pic>
+        <p:nvPicPr>
+          <p:cNvPr id="7" name="Content Placeholder 6">
+            <a:extLst>
+              <a:ext uri="{FF2B5EF4-FFF2-40B4-BE49-F238E27FC236}">
+                <a16:creationId xmlns:a16="http://schemas.microsoft.com/office/drawing/2014/main" id="{1AD55A63-F43D-3142-A2F2-9DC6FDB482A3}"/>
+              </a:ext>
+            </a:extLst>
+          </p:cNvPr>
+          <p:cNvPicPr>
+            <a:picLocks noGrp="1" noChangeAspect="1"/>
+          </p:cNvPicPr>
+          <p:nvPr>
+            <p:ph idx="1"/>
+          </p:nvPr>
+        </p:nvPicPr>
+        <p:blipFill>
+          <a:blip r:embed="rId2">
+            <a:extLst>
+              <a:ext uri="{28A0092B-C50C-407E-A947-70E740481C1C}">
+                <a14:useLocalDpi xmlns:a14="http://schemas.microsoft.com/office/drawing/2010/main" val="0"/>
+              </a:ext>
+            </a:extLst>
+          </a:blip>
+          <a:stretch>
+            <a:fillRect/>
+          </a:stretch>
+        </p:blipFill>
+        <p:spPr>
+          <a:xfrm>
+            <a:off x="1262532" y="1346200"/>
+            <a:ext cx="6479235" cy="4902200"/>
+          </a:xfrm>
+        </p:spPr>
+      </p:pic>
+    </p:spTree>
+    <p:extLst>
+      <p:ext uri="{BB962C8B-B14F-4D97-AF65-F5344CB8AC3E}">
+        <p14:creationId xmlns:p14="http://schemas.microsoft.com/office/powerpoint/2010/main" val="3253023514"/>
+      </p:ext>
+    </p:extLst>
+  </p:cSld>
+  <p:clrMapOvr>
+    <a:masterClrMapping/>
+  </p:clrMapOvr>
+</p:sld>
+</file>
+
+<file path=ppt/slides/slide17.xml><?xml version="1.0" encoding="utf-8"?>
+<p:sld xmlns:a="http://schemas.openxmlformats.org/drawingml/2006/main" xmlns:r="http://schemas.openxmlformats.org/officeDocument/2006/relationships" xmlns:p="http://schemas.openxmlformats.org/presentationml/2006/main">
+  <p:cSld>
+    <p:spTree>
+      <p:nvGrpSpPr>
+        <p:cNvPr id="1" name=""/>
+        <p:cNvGrpSpPr/>
+        <p:nvPr/>
+      </p:nvGrpSpPr>
+      <p:grpSpPr>
+        <a:xfrm>
+          <a:off x="0" y="0"/>
+          <a:ext cx="0" cy="0"/>
+          <a:chOff x="0" y="0"/>
+          <a:chExt cx="0" cy="0"/>
+        </a:xfrm>
+      </p:grpSpPr>
+      <p:sp>
+        <p:nvSpPr>
+          <p:cNvPr id="2" name="Title 1">
+            <a:extLst>
+              <a:ext uri="{FF2B5EF4-FFF2-40B4-BE49-F238E27FC236}">
+                <a16:creationId xmlns:a16="http://schemas.microsoft.com/office/drawing/2014/main" id="{5ACC0826-E80F-43C0-912C-275EB710142B}"/>
+              </a:ext>
+            </a:extLst>
+          </p:cNvPr>
+          <p:cNvSpPr>
+            <a:spLocks noGrp="1"/>
+          </p:cNvSpPr>
+          <p:nvPr>
+            <p:ph type="title"/>
+          </p:nvPr>
+        </p:nvSpPr>
+        <p:spPr/>
+        <p:txBody>
+          <a:bodyPr/>
+          <a:lstStyle/>
+          <a:p>
+            <a:r>
+              <a:rPr lang="en-US"/>
               <a:t>Giới thiệu hàm compileStatement</a:t>
             </a:r>
             <a:endParaRPr lang="en-US" dirty="0"/>
@@ -4274,7 +4402,7 @@
           <p:cNvPr id="5" name="Content Placeholder 4">
             <a:extLst>
               <a:ext uri="{FF2B5EF4-FFF2-40B4-BE49-F238E27FC236}">
-                <a16:creationId xmlns:a16="http://schemas.microsoft.com/office/drawing/2014/main" xmlns="" id="{32A01167-BC61-4189-A4B3-43DD3A1B0F07}"/>
+                <a16:creationId xmlns:a16="http://schemas.microsoft.com/office/drawing/2014/main" id="{32A01167-BC61-4189-A4B3-43DD3A1B0F07}"/>
               </a:ext>
             </a:extLst>
           </p:cNvPr>
@@ -4341,17 +4469,10 @@
   <p:clrMapOvr>
     <a:masterClrMapping/>
   </p:clrMapOvr>
-  <p:timing>
-    <p:tnLst>
-      <p:par>
-        <p:cTn id="1" dur="indefinite" restart="never" nodeType="tmRoot"/>
-      </p:par>
-    </p:tnLst>
-  </p:timing>
 </p:sld>
 </file>
 
-<file path=ppt/slides/slide17.xml><?xml version="1.0" encoding="utf-8"?>
+<file path=ppt/slides/slide18.xml><?xml version="1.0" encoding="utf-8"?>
 <p:sld xmlns:a="http://schemas.openxmlformats.org/drawingml/2006/main" xmlns:r="http://schemas.openxmlformats.org/officeDocument/2006/relationships" xmlns:p="http://schemas.openxmlformats.org/presentationml/2006/main">
   <p:cSld>
     <p:spTree>
@@ -4373,7 +4494,7 @@
           <p:cNvPr id="2" name="Title 1">
             <a:extLst>
               <a:ext uri="{FF2B5EF4-FFF2-40B4-BE49-F238E27FC236}">
-                <a16:creationId xmlns:a16="http://schemas.microsoft.com/office/drawing/2014/main" xmlns="" id="{5ACC0826-E80F-43C0-912C-275EB710142B}"/>
+                <a16:creationId xmlns:a16="http://schemas.microsoft.com/office/drawing/2014/main" id="{5ACC0826-E80F-43C0-912C-275EB710142B}"/>
               </a:ext>
             </a:extLst>
           </p:cNvPr>
@@ -4402,7 +4523,7 @@
           <p:cNvPr id="4" name="Chỗ dành sẵn cho Nội dung 3">
             <a:extLst>
               <a:ext uri="{FF2B5EF4-FFF2-40B4-BE49-F238E27FC236}">
-                <a16:creationId xmlns:a16="http://schemas.microsoft.com/office/drawing/2014/main" xmlns="" id="{E7382999-E9BD-45F8-97D5-A50B26B12803}"/>
+                <a16:creationId xmlns:a16="http://schemas.microsoft.com/office/drawing/2014/main" id="{E7382999-E9BD-45F8-97D5-A50B26B12803}"/>
               </a:ext>
             </a:extLst>
           </p:cNvPr>
@@ -4496,17 +4617,10 @@
   <p:clrMapOvr>
     <a:masterClrMapping/>
   </p:clrMapOvr>
-  <p:timing>
-    <p:tnLst>
-      <p:par>
-        <p:cTn id="1" dur="indefinite" restart="never" nodeType="tmRoot"/>
-      </p:par>
-    </p:tnLst>
-  </p:timing>
 </p:sld>
 </file>
 
-<file path=ppt/slides/slide18.xml><?xml version="1.0" encoding="utf-8"?>
+<file path=ppt/slides/slide19.xml><?xml version="1.0" encoding="utf-8"?>
 <p:sld xmlns:a="http://schemas.openxmlformats.org/drawingml/2006/main" xmlns:r="http://schemas.openxmlformats.org/officeDocument/2006/relationships" xmlns:p="http://schemas.openxmlformats.org/presentationml/2006/main">
   <p:cSld>
     <p:spTree>
@@ -4528,7 +4642,7 @@
           <p:cNvPr id="2" name="Title 1">
             <a:extLst>
               <a:ext uri="{FF2B5EF4-FFF2-40B4-BE49-F238E27FC236}">
-                <a16:creationId xmlns:a16="http://schemas.microsoft.com/office/drawing/2014/main" xmlns="" id="{5ACC0826-E80F-43C0-912C-275EB710142B}"/>
+                <a16:creationId xmlns:a16="http://schemas.microsoft.com/office/drawing/2014/main" id="{5ACC0826-E80F-43C0-912C-275EB710142B}"/>
               </a:ext>
             </a:extLst>
           </p:cNvPr>
@@ -4556,7 +4670,7 @@
           <p:cNvPr id="4" name="Chỗ dành sẵn cho Nội dung 3">
             <a:extLst>
               <a:ext uri="{FF2B5EF4-FFF2-40B4-BE49-F238E27FC236}">
-                <a16:creationId xmlns:a16="http://schemas.microsoft.com/office/drawing/2014/main" xmlns="" id="{E7382999-E9BD-45F8-97D5-A50B26B12803}"/>
+                <a16:creationId xmlns:a16="http://schemas.microsoft.com/office/drawing/2014/main" id="{E7382999-E9BD-45F8-97D5-A50B26B12803}"/>
               </a:ext>
             </a:extLst>
           </p:cNvPr>
@@ -4659,17 +4773,10 @@
   <p:clrMapOvr>
     <a:masterClrMapping/>
   </p:clrMapOvr>
-  <p:timing>
-    <p:tnLst>
-      <p:par>
-        <p:cTn id="1" dur="indefinite" restart="never" nodeType="tmRoot"/>
-      </p:par>
-    </p:tnLst>
-  </p:timing>
 </p:sld>
 </file>
 
-<file path=ppt/slides/slide19.xml><?xml version="1.0" encoding="utf-8"?>
+<file path=ppt/slides/slide2.xml><?xml version="1.0" encoding="utf-8"?>
 <p:sld xmlns:a="http://schemas.openxmlformats.org/drawingml/2006/main" xmlns:r="http://schemas.openxmlformats.org/officeDocument/2006/relationships" xmlns:p="http://schemas.openxmlformats.org/presentationml/2006/main">
   <p:cSld>
     <p:spTree>
@@ -4691,7 +4798,219 @@
           <p:cNvPr id="2" name="Title 1">
             <a:extLst>
               <a:ext uri="{FF2B5EF4-FFF2-40B4-BE49-F238E27FC236}">
-                <a16:creationId xmlns:a16="http://schemas.microsoft.com/office/drawing/2014/main" xmlns="" id="{5ACC0826-E80F-43C0-912C-275EB710142B}"/>
+                <a16:creationId xmlns:a16="http://schemas.microsoft.com/office/drawing/2014/main" id="{97AE80AE-7311-46F5-85B1-A0A9E23E593D}"/>
+              </a:ext>
+            </a:extLst>
+          </p:cNvPr>
+          <p:cNvSpPr>
+            <a:spLocks noGrp="1"/>
+          </p:cNvSpPr>
+          <p:nvPr>
+            <p:ph type="title"/>
+          </p:nvPr>
+        </p:nvSpPr>
+        <p:spPr>
+          <a:xfrm>
+            <a:off x="488950" y="-87315"/>
+            <a:ext cx="8026400" cy="1325563"/>
+          </a:xfrm>
+        </p:spPr>
+        <p:txBody>
+          <a:bodyPr/>
+          <a:lstStyle/>
+          <a:p>
+            <a:r>
+              <a:rPr lang="en-US"/>
+              <a:t>Vai trò của bộ phân tích cú pháp</a:t>
+            </a:r>
+            <a:endParaRPr lang="en-US" dirty="0"/>
+          </a:p>
+        </p:txBody>
+      </p:sp>
+      <p:sp>
+        <p:nvSpPr>
+          <p:cNvPr id="5" name="Chỗ dành sẵn cho Nội dung 4">
+            <a:extLst>
+              <a:ext uri="{FF2B5EF4-FFF2-40B4-BE49-F238E27FC236}">
+                <a16:creationId xmlns:a16="http://schemas.microsoft.com/office/drawing/2014/main" id="{C1B98B62-79E0-4981-BDFD-C14A9E3AD6A4}"/>
+              </a:ext>
+            </a:extLst>
+          </p:cNvPr>
+          <p:cNvSpPr>
+            <a:spLocks noGrp="1"/>
+          </p:cNvSpPr>
+          <p:nvPr>
+            <p:ph idx="1"/>
+          </p:nvPr>
+        </p:nvSpPr>
+        <p:spPr>
+          <a:xfrm>
+            <a:off x="488950" y="1346200"/>
+            <a:ext cx="8026400" cy="4902199"/>
+          </a:xfrm>
+        </p:spPr>
+        <p:txBody>
+          <a:bodyPr/>
+          <a:lstStyle/>
+          <a:p>
+            <a:r>
+              <a:rPr lang="vi-VN">
+                <a:solidFill>
+                  <a:schemeClr val="tx1"/>
+                </a:solidFill>
+              </a:rPr>
+              <a:t>Nhận chuỗi các token từ bộ phân tích từ vựng</a:t>
+            </a:r>
+          </a:p>
+          <a:p>
+            <a:r>
+              <a:rPr lang="vi-VN">
+                <a:solidFill>
+                  <a:schemeClr val="tx1"/>
+                </a:solidFill>
+              </a:rPr>
+              <a:t>Xác nhận rằng chuỗi này có thể được sinh ra từ văn phạm của ngôn ngữ nguồn </a:t>
+            </a:r>
+          </a:p>
+          <a:p>
+            <a:r>
+              <a:rPr lang="vi-VN">
+                <a:solidFill>
+                  <a:schemeClr val="tx1"/>
+                </a:solidFill>
+              </a:rPr>
+              <a:t>Bằng cách tạo ra cây phân tích cú pháp cho chuỗi</a:t>
+            </a:r>
+          </a:p>
+          <a:p>
+            <a:r>
+              <a:rPr lang="vi-VN">
+                <a:solidFill>
+                  <a:schemeClr val="tx1"/>
+                </a:solidFill>
+              </a:rPr>
+              <a:t>Có cơ chế ghi nhận các lỗi cú pháp</a:t>
+            </a:r>
+          </a:p>
+        </p:txBody>
+      </p:sp>
+      <p:pic>
+        <p:nvPicPr>
+          <p:cNvPr id="2050" name="Picture 2" descr="HÃ¬nh áº£nh cÃ³ liÃªn quan">
+            <a:extLst>
+              <a:ext uri="{FF2B5EF4-FFF2-40B4-BE49-F238E27FC236}">
+                <a16:creationId xmlns:a16="http://schemas.microsoft.com/office/drawing/2014/main" id="{9D9A1309-1337-4C6E-ABD1-4FC3B9921479}"/>
+              </a:ext>
+            </a:extLst>
+          </p:cNvPr>
+          <p:cNvPicPr>
+            <a:picLocks noChangeAspect="1" noChangeArrowheads="1"/>
+          </p:cNvPicPr>
+          <p:nvPr/>
+        </p:nvPicPr>
+        <p:blipFill>
+          <a:blip r:embed="rId2">
+            <a:extLst>
+              <a:ext uri="{28A0092B-C50C-407E-A947-70E740481C1C}">
+                <a14:useLocalDpi xmlns:a14="http://schemas.microsoft.com/office/drawing/2010/main" val="0"/>
+              </a:ext>
+            </a:extLst>
+          </a:blip>
+          <a:srcRect/>
+          <a:stretch>
+            <a:fillRect/>
+          </a:stretch>
+        </p:blipFill>
+        <p:spPr bwMode="auto">
+          <a:xfrm>
+            <a:off x="1146037" y="3429000"/>
+            <a:ext cx="7000538" cy="2345541"/>
+          </a:xfrm>
+          <a:prstGeom prst="rect">
+            <a:avLst/>
+          </a:prstGeom>
+          <a:noFill/>
+          <a:extLst>
+            <a:ext uri="{909E8E84-426E-40DD-AFC4-6F175D3DCCD1}">
+              <a14:hiddenFill xmlns:a14="http://schemas.microsoft.com/office/drawing/2010/main">
+                <a:solidFill>
+                  <a:srgbClr val="FFFFFF"/>
+                </a:solidFill>
+              </a14:hiddenFill>
+            </a:ext>
+          </a:extLst>
+        </p:spPr>
+      </p:pic>
+      <p:sp>
+        <p:nvSpPr>
+          <p:cNvPr id="6" name="Hình chữ nhật 5">
+            <a:extLst>
+              <a:ext uri="{FF2B5EF4-FFF2-40B4-BE49-F238E27FC236}">
+                <a16:creationId xmlns:a16="http://schemas.microsoft.com/office/drawing/2014/main" id="{E8D2F1D0-4175-44C4-ADF8-52AD40705026}"/>
+              </a:ext>
+            </a:extLst>
+          </p:cNvPr>
+          <p:cNvSpPr/>
+          <p:nvPr/>
+        </p:nvSpPr>
+        <p:spPr>
+          <a:xfrm>
+            <a:off x="1372797" y="5768642"/>
+            <a:ext cx="6773778" cy="369332"/>
+          </a:xfrm>
+          <a:prstGeom prst="rect">
+            <a:avLst/>
+          </a:prstGeom>
+        </p:spPr>
+        <p:txBody>
+          <a:bodyPr wrap="square">
+            <a:spAutoFit/>
+          </a:bodyPr>
+          <a:lstStyle/>
+          <a:p>
+            <a:r>
+              <a:rPr lang="vi-VN" i="1"/>
+              <a:t> Vị trí của bộ phân tích cú pháp trong mô hình trình biên dịch</a:t>
+            </a:r>
+          </a:p>
+        </p:txBody>
+      </p:sp>
+    </p:spTree>
+    <p:extLst>
+      <p:ext uri="{BB962C8B-B14F-4D97-AF65-F5344CB8AC3E}">
+        <p14:creationId xmlns:p14="http://schemas.microsoft.com/office/powerpoint/2010/main" val="229865590"/>
+      </p:ext>
+    </p:extLst>
+  </p:cSld>
+  <p:clrMapOvr>
+    <a:masterClrMapping/>
+  </p:clrMapOvr>
+</p:sld>
+</file>
+
+<file path=ppt/slides/slide20.xml><?xml version="1.0" encoding="utf-8"?>
+<p:sld xmlns:a="http://schemas.openxmlformats.org/drawingml/2006/main" xmlns:r="http://schemas.openxmlformats.org/officeDocument/2006/relationships" xmlns:p="http://schemas.openxmlformats.org/presentationml/2006/main">
+  <p:cSld>
+    <p:spTree>
+      <p:nvGrpSpPr>
+        <p:cNvPr id="1" name=""/>
+        <p:cNvGrpSpPr/>
+        <p:nvPr/>
+      </p:nvGrpSpPr>
+      <p:grpSpPr>
+        <a:xfrm>
+          <a:off x="0" y="0"/>
+          <a:ext cx="0" cy="0"/>
+          <a:chOff x="0" y="0"/>
+          <a:chExt cx="0" cy="0"/>
+        </a:xfrm>
+      </p:grpSpPr>
+      <p:sp>
+        <p:nvSpPr>
+          <p:cNvPr id="2" name="Title 1">
+            <a:extLst>
+              <a:ext uri="{FF2B5EF4-FFF2-40B4-BE49-F238E27FC236}">
+                <a16:creationId xmlns:a16="http://schemas.microsoft.com/office/drawing/2014/main" id="{5ACC0826-E80F-43C0-912C-275EB710142B}"/>
               </a:ext>
             </a:extLst>
           </p:cNvPr>
@@ -4719,7 +5038,7 @@
           <p:cNvPr id="4" name="Chỗ dành sẵn cho Nội dung 3">
             <a:extLst>
               <a:ext uri="{FF2B5EF4-FFF2-40B4-BE49-F238E27FC236}">
-                <a16:creationId xmlns:a16="http://schemas.microsoft.com/office/drawing/2014/main" xmlns="" id="{E7382999-E9BD-45F8-97D5-A50B26B12803}"/>
+                <a16:creationId xmlns:a16="http://schemas.microsoft.com/office/drawing/2014/main" id="{E7382999-E9BD-45F8-97D5-A50B26B12803}"/>
               </a:ext>
             </a:extLst>
           </p:cNvPr>
@@ -4864,7 +5183,7 @@
           <p:cNvPr id="6" name="Chỗ dành sẵn cho Nội dung 3">
             <a:extLst>
               <a:ext uri="{FF2B5EF4-FFF2-40B4-BE49-F238E27FC236}">
-                <a16:creationId xmlns:a16="http://schemas.microsoft.com/office/drawing/2014/main" xmlns="" id="{E7382999-E9BD-45F8-97D5-A50B26B12803}"/>
+                <a16:creationId xmlns:a16="http://schemas.microsoft.com/office/drawing/2014/main" id="{E7382999-E9BD-45F8-97D5-A50B26B12803}"/>
               </a:ext>
             </a:extLst>
           </p:cNvPr>
@@ -5115,229 +5434,10 @@
   <p:clrMapOvr>
     <a:masterClrMapping/>
   </p:clrMapOvr>
-  <p:timing>
-    <p:tnLst>
-      <p:par>
-        <p:cTn id="1" dur="indefinite" restart="never" nodeType="tmRoot"/>
-      </p:par>
-    </p:tnLst>
-  </p:timing>
 </p:sld>
 </file>
 
-<file path=ppt/slides/slide2.xml><?xml version="1.0" encoding="utf-8"?>
-<p:sld xmlns:a="http://schemas.openxmlformats.org/drawingml/2006/main" xmlns:r="http://schemas.openxmlformats.org/officeDocument/2006/relationships" xmlns:p="http://schemas.openxmlformats.org/presentationml/2006/main">
-  <p:cSld>
-    <p:spTree>
-      <p:nvGrpSpPr>
-        <p:cNvPr id="1" name=""/>
-        <p:cNvGrpSpPr/>
-        <p:nvPr/>
-      </p:nvGrpSpPr>
-      <p:grpSpPr>
-        <a:xfrm>
-          <a:off x="0" y="0"/>
-          <a:ext cx="0" cy="0"/>
-          <a:chOff x="0" y="0"/>
-          <a:chExt cx="0" cy="0"/>
-        </a:xfrm>
-      </p:grpSpPr>
-      <p:sp>
-        <p:nvSpPr>
-          <p:cNvPr id="2" name="Title 1">
-            <a:extLst>
-              <a:ext uri="{FF2B5EF4-FFF2-40B4-BE49-F238E27FC236}">
-                <a16:creationId xmlns:a16="http://schemas.microsoft.com/office/drawing/2014/main" xmlns="" id="{97AE80AE-7311-46F5-85B1-A0A9E23E593D}"/>
-              </a:ext>
-            </a:extLst>
-          </p:cNvPr>
-          <p:cNvSpPr>
-            <a:spLocks noGrp="1"/>
-          </p:cNvSpPr>
-          <p:nvPr>
-            <p:ph type="title"/>
-          </p:nvPr>
-        </p:nvSpPr>
-        <p:spPr>
-          <a:xfrm>
-            <a:off x="488950" y="-87315"/>
-            <a:ext cx="8026400" cy="1325563"/>
-          </a:xfrm>
-        </p:spPr>
-        <p:txBody>
-          <a:bodyPr/>
-          <a:lstStyle/>
-          <a:p>
-            <a:r>
-              <a:rPr lang="en-US"/>
-              <a:t>Vai trò của bộ phân tích cú pháp</a:t>
-            </a:r>
-            <a:endParaRPr lang="en-US" dirty="0"/>
-          </a:p>
-        </p:txBody>
-      </p:sp>
-      <p:sp>
-        <p:nvSpPr>
-          <p:cNvPr id="5" name="Chỗ dành sẵn cho Nội dung 4">
-            <a:extLst>
-              <a:ext uri="{FF2B5EF4-FFF2-40B4-BE49-F238E27FC236}">
-                <a16:creationId xmlns:a16="http://schemas.microsoft.com/office/drawing/2014/main" xmlns="" id="{C1B98B62-79E0-4981-BDFD-C14A9E3AD6A4}"/>
-              </a:ext>
-            </a:extLst>
-          </p:cNvPr>
-          <p:cNvSpPr>
-            <a:spLocks noGrp="1"/>
-          </p:cNvSpPr>
-          <p:nvPr>
-            <p:ph idx="1"/>
-          </p:nvPr>
-        </p:nvSpPr>
-        <p:spPr>
-          <a:xfrm>
-            <a:off x="488950" y="1346200"/>
-            <a:ext cx="8026400" cy="4902199"/>
-          </a:xfrm>
-        </p:spPr>
-        <p:txBody>
-          <a:bodyPr/>
-          <a:lstStyle/>
-          <a:p>
-            <a:r>
-              <a:rPr lang="vi-VN">
-                <a:solidFill>
-                  <a:schemeClr val="tx1"/>
-                </a:solidFill>
-              </a:rPr>
-              <a:t>Nhận chuỗi các token từ bộ phân tích từ vựng</a:t>
-            </a:r>
-          </a:p>
-          <a:p>
-            <a:r>
-              <a:rPr lang="vi-VN">
-                <a:solidFill>
-                  <a:schemeClr val="tx1"/>
-                </a:solidFill>
-              </a:rPr>
-              <a:t>Xác nhận rằng chuỗi này có thể được sinh ra từ văn phạm của ngôn ngữ nguồn </a:t>
-            </a:r>
-          </a:p>
-          <a:p>
-            <a:r>
-              <a:rPr lang="vi-VN">
-                <a:solidFill>
-                  <a:schemeClr val="tx1"/>
-                </a:solidFill>
-              </a:rPr>
-              <a:t>Bằng cách tạo ra cây phân tích cú pháp cho chuỗi</a:t>
-            </a:r>
-          </a:p>
-          <a:p>
-            <a:r>
-              <a:rPr lang="vi-VN">
-                <a:solidFill>
-                  <a:schemeClr val="tx1"/>
-                </a:solidFill>
-              </a:rPr>
-              <a:t>Có cơ chế ghi nhận các lỗi cú pháp</a:t>
-            </a:r>
-          </a:p>
-        </p:txBody>
-      </p:sp>
-      <p:pic>
-        <p:nvPicPr>
-          <p:cNvPr id="2050" name="Picture 2" descr="HÃ¬nh áº£nh cÃ³ liÃªn quan">
-            <a:extLst>
-              <a:ext uri="{FF2B5EF4-FFF2-40B4-BE49-F238E27FC236}">
-                <a16:creationId xmlns:a16="http://schemas.microsoft.com/office/drawing/2014/main" xmlns="" id="{9D9A1309-1337-4C6E-ABD1-4FC3B9921479}"/>
-              </a:ext>
-            </a:extLst>
-          </p:cNvPr>
-          <p:cNvPicPr>
-            <a:picLocks noChangeAspect="1" noChangeArrowheads="1"/>
-          </p:cNvPicPr>
-          <p:nvPr/>
-        </p:nvPicPr>
-        <p:blipFill>
-          <a:blip r:embed="rId2">
-            <a:extLst>
-              <a:ext uri="{28A0092B-C50C-407E-A947-70E740481C1C}">
-                <a14:useLocalDpi xmlns:a14="http://schemas.microsoft.com/office/drawing/2010/main" val="0"/>
-              </a:ext>
-            </a:extLst>
-          </a:blip>
-          <a:srcRect/>
-          <a:stretch>
-            <a:fillRect/>
-          </a:stretch>
-        </p:blipFill>
-        <p:spPr bwMode="auto">
-          <a:xfrm>
-            <a:off x="1146037" y="3429000"/>
-            <a:ext cx="7000538" cy="2345541"/>
-          </a:xfrm>
-          <a:prstGeom prst="rect">
-            <a:avLst/>
-          </a:prstGeom>
-          <a:noFill/>
-          <a:extLst>
-            <a:ext uri="{909E8E84-426E-40DD-AFC4-6F175D3DCCD1}">
-              <a14:hiddenFill xmlns:a14="http://schemas.microsoft.com/office/drawing/2010/main">
-                <a:solidFill>
-                  <a:srgbClr val="FFFFFF"/>
-                </a:solidFill>
-              </a14:hiddenFill>
-            </a:ext>
-          </a:extLst>
-        </p:spPr>
-      </p:pic>
-      <p:sp>
-        <p:nvSpPr>
-          <p:cNvPr id="6" name="Hình chữ nhật 5">
-            <a:extLst>
-              <a:ext uri="{FF2B5EF4-FFF2-40B4-BE49-F238E27FC236}">
-                <a16:creationId xmlns:a16="http://schemas.microsoft.com/office/drawing/2014/main" xmlns="" id="{E8D2F1D0-4175-44C4-ADF8-52AD40705026}"/>
-              </a:ext>
-            </a:extLst>
-          </p:cNvPr>
-          <p:cNvSpPr/>
-          <p:nvPr/>
-        </p:nvSpPr>
-        <p:spPr>
-          <a:xfrm>
-            <a:off x="1372797" y="5768642"/>
-            <a:ext cx="6773778" cy="369332"/>
-          </a:xfrm>
-          <a:prstGeom prst="rect">
-            <a:avLst/>
-          </a:prstGeom>
-        </p:spPr>
-        <p:txBody>
-          <a:bodyPr wrap="square">
-            <a:spAutoFit/>
-          </a:bodyPr>
-          <a:lstStyle/>
-          <a:p>
-            <a:r>
-              <a:rPr lang="vi-VN" i="1"/>
-              <a:t> Vị trí của bộ phân tích cú pháp trong mô hình trình biên dịch</a:t>
-            </a:r>
-          </a:p>
-        </p:txBody>
-      </p:sp>
-    </p:spTree>
-    <p:extLst>
-      <p:ext uri="{BB962C8B-B14F-4D97-AF65-F5344CB8AC3E}">
-        <p14:creationId xmlns:p14="http://schemas.microsoft.com/office/powerpoint/2010/main" val="229865590"/>
-      </p:ext>
-    </p:extLst>
-  </p:cSld>
-  <p:clrMapOvr>
-    <a:masterClrMapping/>
-  </p:clrMapOvr>
-</p:sld>
-</file>
-
-<file path=ppt/slides/slide20.xml><?xml version="1.0" encoding="utf-8"?>
+<file path=ppt/slides/slide21.xml><?xml version="1.0" encoding="utf-8"?>
 <p:sld xmlns:a="http://schemas.openxmlformats.org/drawingml/2006/main" xmlns:r="http://schemas.openxmlformats.org/officeDocument/2006/relationships" xmlns:p="http://schemas.openxmlformats.org/presentationml/2006/main">
   <p:cSld>
     <p:spTree>
@@ -5866,7 +5966,7 @@
 </p:sld>
 </file>
 
-<file path=ppt/slides/slide21.xml><?xml version="1.0" encoding="utf-8"?>
+<file path=ppt/slides/slide22.xml><?xml version="1.0" encoding="utf-8"?>
 <p:sld xmlns:a="http://schemas.openxmlformats.org/drawingml/2006/main" xmlns:r="http://schemas.openxmlformats.org/officeDocument/2006/relationships" xmlns:p="http://schemas.openxmlformats.org/presentationml/2006/main">
   <p:cSld>
     <p:spTree>
@@ -5888,7 +5988,7 @@
           <p:cNvPr id="2" name="Title 1">
             <a:extLst>
               <a:ext uri="{FF2B5EF4-FFF2-40B4-BE49-F238E27FC236}">
-                <a16:creationId xmlns:a16="http://schemas.microsoft.com/office/drawing/2014/main" xmlns="" id="{5ACC0826-E80F-43C0-912C-275EB710142B}"/>
+                <a16:creationId xmlns:a16="http://schemas.microsoft.com/office/drawing/2014/main" id="{5ACC0826-E80F-43C0-912C-275EB710142B}"/>
               </a:ext>
             </a:extLst>
           </p:cNvPr>
@@ -5917,7 +6017,7 @@
           <p:cNvPr id="4" name="Chỗ dành sẵn cho Nội dung 3">
             <a:extLst>
               <a:ext uri="{FF2B5EF4-FFF2-40B4-BE49-F238E27FC236}">
-                <a16:creationId xmlns:a16="http://schemas.microsoft.com/office/drawing/2014/main" xmlns="" id="{E7382999-E9BD-45F8-97D5-A50B26B12803}"/>
+                <a16:creationId xmlns:a16="http://schemas.microsoft.com/office/drawing/2014/main" id="{E7382999-E9BD-45F8-97D5-A50B26B12803}"/>
               </a:ext>
             </a:extLst>
           </p:cNvPr>
@@ -6027,7 +6127,7 @@
           <p:cNvPr id="3" name="Hình ảnh 2">
             <a:extLst>
               <a:ext uri="{FF2B5EF4-FFF2-40B4-BE49-F238E27FC236}">
-                <a16:creationId xmlns:a16="http://schemas.microsoft.com/office/drawing/2014/main" xmlns="" id="{F7A698DA-C062-4A19-AD9C-FDE8B240B6D4}"/>
+                <a16:creationId xmlns:a16="http://schemas.microsoft.com/office/drawing/2014/main" id="{F7A698DA-C062-4A19-AD9C-FDE8B240B6D4}"/>
               </a:ext>
             </a:extLst>
           </p:cNvPr>
@@ -6057,7 +6157,7 @@
           <p:cNvPr id="5" name="Hình ảnh 4">
             <a:extLst>
               <a:ext uri="{FF2B5EF4-FFF2-40B4-BE49-F238E27FC236}">
-                <a16:creationId xmlns:a16="http://schemas.microsoft.com/office/drawing/2014/main" xmlns="" id="{8633F968-44C4-4278-806D-B737BCF29216}"/>
+                <a16:creationId xmlns:a16="http://schemas.microsoft.com/office/drawing/2014/main" id="{8633F968-44C4-4278-806D-B737BCF29216}"/>
               </a:ext>
             </a:extLst>
           </p:cNvPr>
@@ -6095,7 +6195,7 @@
 </p:sld>
 </file>
 
-<file path=ppt/slides/slide22.xml><?xml version="1.0" encoding="utf-8"?>
+<file path=ppt/slides/slide23.xml><?xml version="1.0" encoding="utf-8"?>
 <p:sld xmlns:a="http://schemas.openxmlformats.org/drawingml/2006/main" xmlns:r="http://schemas.openxmlformats.org/officeDocument/2006/relationships" xmlns:p="http://schemas.openxmlformats.org/presentationml/2006/main">
   <p:cSld>
     <p:spTree>
@@ -6117,7 +6217,7 @@
           <p:cNvPr id="2" name="Title 1">
             <a:extLst>
               <a:ext uri="{FF2B5EF4-FFF2-40B4-BE49-F238E27FC236}">
-                <a16:creationId xmlns:a16="http://schemas.microsoft.com/office/drawing/2014/main" xmlns="" id="{5ACC0826-E80F-43C0-912C-275EB710142B}"/>
+                <a16:creationId xmlns:a16="http://schemas.microsoft.com/office/drawing/2014/main" id="{5ACC0826-E80F-43C0-912C-275EB710142B}"/>
               </a:ext>
             </a:extLst>
           </p:cNvPr>
@@ -6146,7 +6246,7 @@
           <p:cNvPr id="4" name="Chỗ dành sẵn cho Nội dung 3">
             <a:extLst>
               <a:ext uri="{FF2B5EF4-FFF2-40B4-BE49-F238E27FC236}">
-                <a16:creationId xmlns:a16="http://schemas.microsoft.com/office/drawing/2014/main" xmlns="" id="{E7382999-E9BD-45F8-97D5-A50B26B12803}"/>
+                <a16:creationId xmlns:a16="http://schemas.microsoft.com/office/drawing/2014/main" id="{E7382999-E9BD-45F8-97D5-A50B26B12803}"/>
               </a:ext>
             </a:extLst>
           </p:cNvPr>
@@ -6174,7 +6274,7 @@
           <p:cNvPr id="6" name="Hình ảnh 5">
             <a:extLst>
               <a:ext uri="{FF2B5EF4-FFF2-40B4-BE49-F238E27FC236}">
-                <a16:creationId xmlns:a16="http://schemas.microsoft.com/office/drawing/2014/main" xmlns="" id="{0DEE32F3-97A6-4FC5-9AEC-59868DAD4015}"/>
+                <a16:creationId xmlns:a16="http://schemas.microsoft.com/office/drawing/2014/main" id="{0DEE32F3-97A6-4FC5-9AEC-59868DAD4015}"/>
               </a:ext>
             </a:extLst>
           </p:cNvPr>
@@ -6204,7 +6304,7 @@
           <p:cNvPr id="3" name="Hình ảnh 2">
             <a:extLst>
               <a:ext uri="{FF2B5EF4-FFF2-40B4-BE49-F238E27FC236}">
-                <a16:creationId xmlns:a16="http://schemas.microsoft.com/office/drawing/2014/main" xmlns="" id="{61225462-772F-402F-BDE1-AF33A3D30483}"/>
+                <a16:creationId xmlns:a16="http://schemas.microsoft.com/office/drawing/2014/main" id="{61225462-772F-402F-BDE1-AF33A3D30483}"/>
               </a:ext>
             </a:extLst>
           </p:cNvPr>
@@ -6234,7 +6334,7 @@
           <p:cNvPr id="5" name="Hộp Văn bản 4">
             <a:extLst>
               <a:ext uri="{FF2B5EF4-FFF2-40B4-BE49-F238E27FC236}">
-                <a16:creationId xmlns:a16="http://schemas.microsoft.com/office/drawing/2014/main" xmlns="" id="{FC21E7AD-CCFD-4F16-8319-9D3457C45A53}"/>
+                <a16:creationId xmlns:a16="http://schemas.microsoft.com/office/drawing/2014/main" id="{FC21E7AD-CCFD-4F16-8319-9D3457C45A53}"/>
               </a:ext>
             </a:extLst>
           </p:cNvPr>
@@ -6278,7 +6378,7 @@
 </p:sld>
 </file>
 
-<file path=ppt/slides/slide23.xml><?xml version="1.0" encoding="utf-8"?>
+<file path=ppt/slides/slide24.xml><?xml version="1.0" encoding="utf-8"?>
 <p:sld xmlns:a="http://schemas.openxmlformats.org/drawingml/2006/main" xmlns:r="http://schemas.openxmlformats.org/officeDocument/2006/relationships" xmlns:p="http://schemas.openxmlformats.org/presentationml/2006/main">
   <p:cSld>
     <p:spTree>
@@ -6300,7 +6400,7 @@
           <p:cNvPr id="2" name="Title 1">
             <a:extLst>
               <a:ext uri="{FF2B5EF4-FFF2-40B4-BE49-F238E27FC236}">
-                <a16:creationId xmlns:a16="http://schemas.microsoft.com/office/drawing/2014/main" xmlns="" id="{5ACC0826-E80F-43C0-912C-275EB710142B}"/>
+                <a16:creationId xmlns:a16="http://schemas.microsoft.com/office/drawing/2014/main" id="{5ACC0826-E80F-43C0-912C-275EB710142B}"/>
               </a:ext>
             </a:extLst>
           </p:cNvPr>
@@ -6329,7 +6429,7 @@
           <p:cNvPr id="11" name="Content Placeholder 10">
             <a:extLst>
               <a:ext uri="{FF2B5EF4-FFF2-40B4-BE49-F238E27FC236}">
-                <a16:creationId xmlns:a16="http://schemas.microsoft.com/office/drawing/2014/main" xmlns="" id="{8B7FD5CB-296B-4C10-9CFB-0B78F9D496AC}"/>
+                <a16:creationId xmlns:a16="http://schemas.microsoft.com/office/drawing/2014/main" id="{8B7FD5CB-296B-4C10-9CFB-0B78F9D496AC}"/>
               </a:ext>
             </a:extLst>
           </p:cNvPr>
@@ -7226,7 +7326,7 @@
           <p:cNvPr id="13" name="Picture 12">
             <a:extLst>
               <a:ext uri="{FF2B5EF4-FFF2-40B4-BE49-F238E27FC236}">
-                <a16:creationId xmlns:a16="http://schemas.microsoft.com/office/drawing/2014/main" xmlns="" id="{C7B5BF98-9B33-4E7B-9AAF-5FE3D8AA6B68}"/>
+                <a16:creationId xmlns:a16="http://schemas.microsoft.com/office/drawing/2014/main" id="{C7B5BF98-9B33-4E7B-9AAF-5FE3D8AA6B68}"/>
               </a:ext>
             </a:extLst>
           </p:cNvPr>
@@ -7262,7 +7362,7 @@
           <p:cNvPr id="15" name="Picture 14" descr="A screenshot of a cell phone&#10;&#10;Description generated with very high confidence">
             <a:extLst>
               <a:ext uri="{FF2B5EF4-FFF2-40B4-BE49-F238E27FC236}">
-                <a16:creationId xmlns:a16="http://schemas.microsoft.com/office/drawing/2014/main" xmlns="" id="{65C5D60E-28F2-4DA9-9547-747FD23EEA18}"/>
+                <a16:creationId xmlns:a16="http://schemas.microsoft.com/office/drawing/2014/main" id="{65C5D60E-28F2-4DA9-9547-747FD23EEA18}"/>
               </a:ext>
             </a:extLst>
           </p:cNvPr>
@@ -7306,7 +7406,7 @@
 </p:sld>
 </file>
 
-<file path=ppt/slides/slide24.xml><?xml version="1.0" encoding="utf-8"?>
+<file path=ppt/slides/slide25.xml><?xml version="1.0" encoding="utf-8"?>
 <p:sld xmlns:a="http://schemas.openxmlformats.org/drawingml/2006/main" xmlns:r="http://schemas.openxmlformats.org/officeDocument/2006/relationships" xmlns:p="http://schemas.openxmlformats.org/presentationml/2006/main">
   <p:cSld>
     <p:spTree>
@@ -7328,7 +7428,7 @@
           <p:cNvPr id="2" name="Title 1">
             <a:extLst>
               <a:ext uri="{FF2B5EF4-FFF2-40B4-BE49-F238E27FC236}">
-                <a16:creationId xmlns:a16="http://schemas.microsoft.com/office/drawing/2014/main" xmlns="" id="{5ACC0826-E80F-43C0-912C-275EB710142B}"/>
+                <a16:creationId xmlns:a16="http://schemas.microsoft.com/office/drawing/2014/main" id="{5ACC0826-E80F-43C0-912C-275EB710142B}"/>
               </a:ext>
             </a:extLst>
           </p:cNvPr>
@@ -7357,7 +7457,7 @@
           <p:cNvPr id="4" name="Chỗ dành sẵn cho Nội dung 3">
             <a:extLst>
               <a:ext uri="{FF2B5EF4-FFF2-40B4-BE49-F238E27FC236}">
-                <a16:creationId xmlns:a16="http://schemas.microsoft.com/office/drawing/2014/main" xmlns="" id="{E7382999-E9BD-45F8-97D5-A50B26B12803}"/>
+                <a16:creationId xmlns:a16="http://schemas.microsoft.com/office/drawing/2014/main" id="{E7382999-E9BD-45F8-97D5-A50B26B12803}"/>
               </a:ext>
             </a:extLst>
           </p:cNvPr>
@@ -8535,7 +8635,7 @@
           <p:cNvPr id="3" name="Table 2">
             <a:extLst>
               <a:ext uri="{FF2B5EF4-FFF2-40B4-BE49-F238E27FC236}">
-                <a16:creationId xmlns:a16="http://schemas.microsoft.com/office/drawing/2014/main" xmlns="" id="{83153595-19DE-48AA-8ADD-EFE622709FF7}"/>
+                <a16:creationId xmlns:a16="http://schemas.microsoft.com/office/drawing/2014/main" id="{83153595-19DE-48AA-8ADD-EFE622709FF7}"/>
               </a:ext>
             </a:extLst>
           </p:cNvPr>
@@ -8552,7 +8652,7 @@
         </p:nvGraphicFramePr>
         <p:xfrm>
           <a:off x="4367814" y="1346200"/>
-          <a:ext cx="4083728" cy="2385786"/>
+          <a:ext cx="4083728" cy="2369910"/>
         </p:xfrm>
         <a:graphic>
           <a:graphicData uri="http://schemas.openxmlformats.org/drawingml/2006/table">
@@ -8564,14 +8664,14 @@
                 <a:gridCol w="2041864">
                   <a:extLst>
                     <a:ext uri="{9D8B030D-6E8A-4147-A177-3AD203B41FA5}">
-                      <a16:colId xmlns:a16="http://schemas.microsoft.com/office/drawing/2014/main" xmlns="" val="837531061"/>
+                      <a16:colId xmlns:a16="http://schemas.microsoft.com/office/drawing/2014/main" val="837531061"/>
                     </a:ext>
                   </a:extLst>
                 </a:gridCol>
                 <a:gridCol w="2041864">
                   <a:extLst>
                     <a:ext uri="{9D8B030D-6E8A-4147-A177-3AD203B41FA5}">
-                      <a16:colId xmlns:a16="http://schemas.microsoft.com/office/drawing/2014/main" xmlns="" val="699040959"/>
+                      <a16:colId xmlns:a16="http://schemas.microsoft.com/office/drawing/2014/main" val="699040959"/>
                     </a:ext>
                   </a:extLst>
                 </a:gridCol>
@@ -8643,7 +8743,7 @@
                 </a:tc>
                 <a:extLst>
                   <a:ext uri="{0D108BD9-81ED-4DB2-BD59-A6C34878D82A}">
-                    <a16:rowId xmlns:a16="http://schemas.microsoft.com/office/drawing/2014/main" xmlns="" val="245940028"/>
+                    <a16:rowId xmlns:a16="http://schemas.microsoft.com/office/drawing/2014/main" val="245940028"/>
                   </a:ext>
                 </a:extLst>
               </a:tr>
@@ -8714,7 +8814,7 @@
                 </a:tc>
                 <a:extLst>
                   <a:ext uri="{0D108BD9-81ED-4DB2-BD59-A6C34878D82A}">
-                    <a16:rowId xmlns:a16="http://schemas.microsoft.com/office/drawing/2014/main" xmlns="" val="1713444634"/>
+                    <a16:rowId xmlns:a16="http://schemas.microsoft.com/office/drawing/2014/main" val="1713444634"/>
                   </a:ext>
                 </a:extLst>
               </a:tr>
@@ -8785,7 +8885,7 @@
                 </a:tc>
                 <a:extLst>
                   <a:ext uri="{0D108BD9-81ED-4DB2-BD59-A6C34878D82A}">
-                    <a16:rowId xmlns:a16="http://schemas.microsoft.com/office/drawing/2014/main" xmlns="" val="3577871903"/>
+                    <a16:rowId xmlns:a16="http://schemas.microsoft.com/office/drawing/2014/main" val="3577871903"/>
                   </a:ext>
                 </a:extLst>
               </a:tr>
@@ -8856,7 +8956,7 @@
                 </a:tc>
                 <a:extLst>
                   <a:ext uri="{0D108BD9-81ED-4DB2-BD59-A6C34878D82A}">
-                    <a16:rowId xmlns:a16="http://schemas.microsoft.com/office/drawing/2014/main" xmlns="" val="2577431294"/>
+                    <a16:rowId xmlns:a16="http://schemas.microsoft.com/office/drawing/2014/main" val="2577431294"/>
                   </a:ext>
                 </a:extLst>
               </a:tr>
@@ -8927,7 +9027,7 @@
                 </a:tc>
                 <a:extLst>
                   <a:ext uri="{0D108BD9-81ED-4DB2-BD59-A6C34878D82A}">
-                    <a16:rowId xmlns:a16="http://schemas.microsoft.com/office/drawing/2014/main" xmlns="" val="956168312"/>
+                    <a16:rowId xmlns:a16="http://schemas.microsoft.com/office/drawing/2014/main" val="956168312"/>
                   </a:ext>
                 </a:extLst>
               </a:tr>
@@ -8998,7 +9098,7 @@
                 </a:tc>
                 <a:extLst>
                   <a:ext uri="{0D108BD9-81ED-4DB2-BD59-A6C34878D82A}">
-                    <a16:rowId xmlns:a16="http://schemas.microsoft.com/office/drawing/2014/main" xmlns="" val="1849587814"/>
+                    <a16:rowId xmlns:a16="http://schemas.microsoft.com/office/drawing/2014/main" val="1849587814"/>
                   </a:ext>
                 </a:extLst>
               </a:tr>
@@ -9063,7 +9163,7 @@
                 </a:tc>
                 <a:extLst>
                   <a:ext uri="{0D108BD9-81ED-4DB2-BD59-A6C34878D82A}">
-                    <a16:rowId xmlns:a16="http://schemas.microsoft.com/office/drawing/2014/main" xmlns="" val="697537971"/>
+                    <a16:rowId xmlns:a16="http://schemas.microsoft.com/office/drawing/2014/main" val="697537971"/>
                   </a:ext>
                 </a:extLst>
               </a:tr>
@@ -9128,7 +9228,7 @@
                 </a:tc>
                 <a:extLst>
                   <a:ext uri="{0D108BD9-81ED-4DB2-BD59-A6C34878D82A}">
-                    <a16:rowId xmlns:a16="http://schemas.microsoft.com/office/drawing/2014/main" xmlns="" val="1868920723"/>
+                    <a16:rowId xmlns:a16="http://schemas.microsoft.com/office/drawing/2014/main" val="1868920723"/>
                   </a:ext>
                 </a:extLst>
               </a:tr>
@@ -9149,7 +9249,7 @@
 </p:sld>
 </file>
 
-<file path=ppt/slides/slide25.xml><?xml version="1.0" encoding="utf-8"?>
+<file path=ppt/slides/slide26.xml><?xml version="1.0" encoding="utf-8"?>
 <p:sld xmlns:a="http://schemas.openxmlformats.org/drawingml/2006/main" xmlns:r="http://schemas.openxmlformats.org/officeDocument/2006/relationships" xmlns:p="http://schemas.openxmlformats.org/presentationml/2006/main">
   <p:cSld>
     <p:spTree>
@@ -9171,7 +9271,7 @@
           <p:cNvPr id="2" name="Title 1">
             <a:extLst>
               <a:ext uri="{FF2B5EF4-FFF2-40B4-BE49-F238E27FC236}">
-                <a16:creationId xmlns:a16="http://schemas.microsoft.com/office/drawing/2014/main" xmlns="" id="{096466C5-78E1-4B38-97CC-2B30997F8BA4}"/>
+                <a16:creationId xmlns:a16="http://schemas.microsoft.com/office/drawing/2014/main" id="{096466C5-78E1-4B38-97CC-2B30997F8BA4}"/>
               </a:ext>
             </a:extLst>
           </p:cNvPr>
@@ -9228,7 +9328,7 @@
           <p:cNvPr id="5" name="Content Placeholder 4" descr="A screenshot of a cell phone&#10;&#10;Description generated with very high confidence">
             <a:extLst>
               <a:ext uri="{FF2B5EF4-FFF2-40B4-BE49-F238E27FC236}">
-                <a16:creationId xmlns:a16="http://schemas.microsoft.com/office/drawing/2014/main" xmlns="" id="{9955B5BA-68E3-4722-BF13-75CB62B4E611}"/>
+                <a16:creationId xmlns:a16="http://schemas.microsoft.com/office/drawing/2014/main" id="{9955B5BA-68E3-4722-BF13-75CB62B4E611}"/>
               </a:ext>
             </a:extLst>
           </p:cNvPr>
@@ -9263,7 +9363,7 @@
           <p:cNvPr id="7" name="Picture 6" descr="A close up of a sign&#10;&#10;Description generated with high confidence">
             <a:extLst>
               <a:ext uri="{FF2B5EF4-FFF2-40B4-BE49-F238E27FC236}">
-                <a16:creationId xmlns:a16="http://schemas.microsoft.com/office/drawing/2014/main" xmlns="" id="{B53B1F60-9ABB-4034-AE96-CFBA175DF1B5}"/>
+                <a16:creationId xmlns:a16="http://schemas.microsoft.com/office/drawing/2014/main" id="{B53B1F60-9ABB-4034-AE96-CFBA175DF1B5}"/>
               </a:ext>
             </a:extLst>
           </p:cNvPr>
@@ -9299,7 +9399,7 @@
           <p:cNvPr id="9" name="Picture 8" descr="A picture containing object, clock&#10;&#10;Description generated with high confidence">
             <a:extLst>
               <a:ext uri="{FF2B5EF4-FFF2-40B4-BE49-F238E27FC236}">
-                <a16:creationId xmlns:a16="http://schemas.microsoft.com/office/drawing/2014/main" xmlns="" id="{768A2B25-C45E-4A08-BCFF-C427E184772C}"/>
+                <a16:creationId xmlns:a16="http://schemas.microsoft.com/office/drawing/2014/main" id="{768A2B25-C45E-4A08-BCFF-C427E184772C}"/>
               </a:ext>
             </a:extLst>
           </p:cNvPr>
@@ -9335,7 +9435,7 @@
           <p:cNvPr id="11" name="Rectangle 10">
             <a:extLst>
               <a:ext uri="{FF2B5EF4-FFF2-40B4-BE49-F238E27FC236}">
-                <a16:creationId xmlns:a16="http://schemas.microsoft.com/office/drawing/2014/main" xmlns="" id="{8502CCD0-86C6-47E6-88F6-02A330746E9A}"/>
+                <a16:creationId xmlns:a16="http://schemas.microsoft.com/office/drawing/2014/main" id="{8502CCD0-86C6-47E6-88F6-02A330746E9A}"/>
               </a:ext>
             </a:extLst>
           </p:cNvPr>
@@ -9382,7 +9482,7 @@
           <p:cNvPr id="12" name="TextBox 11">
             <a:extLst>
               <a:ext uri="{FF2B5EF4-FFF2-40B4-BE49-F238E27FC236}">
-                <a16:creationId xmlns:a16="http://schemas.microsoft.com/office/drawing/2014/main" xmlns="" id="{7230174B-F02A-4D03-AD35-A47408E0D820}"/>
+                <a16:creationId xmlns:a16="http://schemas.microsoft.com/office/drawing/2014/main" id="{7230174B-F02A-4D03-AD35-A47408E0D820}"/>
               </a:ext>
             </a:extLst>
           </p:cNvPr>
@@ -9425,7 +9525,7 @@
 </p:sld>
 </file>
 
-<file path=ppt/slides/slide26.xml><?xml version="1.0" encoding="utf-8"?>
+<file path=ppt/slides/slide27.xml><?xml version="1.0" encoding="utf-8"?>
 <p:sld xmlns:a="http://schemas.openxmlformats.org/drawingml/2006/main" xmlns:r="http://schemas.openxmlformats.org/officeDocument/2006/relationships" xmlns:p="http://schemas.openxmlformats.org/presentationml/2006/main">
   <p:cSld>
     <p:spTree>
@@ -9447,7 +9547,7 @@
           <p:cNvPr id="2" name="Hình chữ nhật 1">
             <a:extLst>
               <a:ext uri="{FF2B5EF4-FFF2-40B4-BE49-F238E27FC236}">
-                <a16:creationId xmlns:a16="http://schemas.microsoft.com/office/drawing/2014/main" xmlns="" id="{9248F4B9-394E-4451-A00C-ABE41F8BE311}"/>
+                <a16:creationId xmlns:a16="http://schemas.microsoft.com/office/drawing/2014/main" id="{9248F4B9-394E-4451-A00C-ABE41F8BE311}"/>
               </a:ext>
             </a:extLst>
           </p:cNvPr>
@@ -9552,7 +9652,7 @@
           <p:cNvPr id="2" name="Title 1">
             <a:extLst>
               <a:ext uri="{FF2B5EF4-FFF2-40B4-BE49-F238E27FC236}">
-                <a16:creationId xmlns:a16="http://schemas.microsoft.com/office/drawing/2014/main" xmlns="" id="{6CC34750-5D5C-4AA5-8662-B88DDDAEA223}"/>
+                <a16:creationId xmlns:a16="http://schemas.microsoft.com/office/drawing/2014/main" id="{6CC34750-5D5C-4AA5-8662-B88DDDAEA223}"/>
               </a:ext>
             </a:extLst>
           </p:cNvPr>
@@ -9581,7 +9681,7 @@
           <p:cNvPr id="5" name="Chỗ dành sẵn cho Nội dung 4">
             <a:extLst>
               <a:ext uri="{FF2B5EF4-FFF2-40B4-BE49-F238E27FC236}">
-                <a16:creationId xmlns:a16="http://schemas.microsoft.com/office/drawing/2014/main" xmlns="" id="{9B065BF1-7217-45FB-8679-2195603A8F4B}"/>
+                <a16:creationId xmlns:a16="http://schemas.microsoft.com/office/drawing/2014/main" id="{9B065BF1-7217-45FB-8679-2195603A8F4B}"/>
               </a:ext>
             </a:extLst>
           </p:cNvPr>
@@ -9660,7 +9760,7 @@
           <p:cNvPr id="2" name="Title 1">
             <a:extLst>
               <a:ext uri="{FF2B5EF4-FFF2-40B4-BE49-F238E27FC236}">
-                <a16:creationId xmlns:a16="http://schemas.microsoft.com/office/drawing/2014/main" xmlns="" id="{FCE199B2-7CBE-486F-B43D-C4035353FFE3}"/>
+                <a16:creationId xmlns:a16="http://schemas.microsoft.com/office/drawing/2014/main" id="{FCE199B2-7CBE-486F-B43D-C4035353FFE3}"/>
               </a:ext>
             </a:extLst>
           </p:cNvPr>
@@ -9695,7 +9795,7 @@
           <p:cNvPr id="5" name="Chỗ dành sẵn cho Nội dung 4">
             <a:extLst>
               <a:ext uri="{FF2B5EF4-FFF2-40B4-BE49-F238E27FC236}">
-                <a16:creationId xmlns:a16="http://schemas.microsoft.com/office/drawing/2014/main" xmlns="" id="{99E51776-A2A8-4DFF-8E7C-596BB67DEA80}"/>
+                <a16:creationId xmlns:a16="http://schemas.microsoft.com/office/drawing/2014/main" id="{99E51776-A2A8-4DFF-8E7C-596BB67DEA80}"/>
               </a:ext>
             </a:extLst>
           </p:cNvPr>
@@ -9814,7 +9914,7 @@
           <p:cNvPr id="2" name="Title 1">
             <a:extLst>
               <a:ext uri="{FF2B5EF4-FFF2-40B4-BE49-F238E27FC236}">
-                <a16:creationId xmlns:a16="http://schemas.microsoft.com/office/drawing/2014/main" xmlns="" id="{8563C0C6-0797-4F66-9AFA-1A5F7C174F4A}"/>
+                <a16:creationId xmlns:a16="http://schemas.microsoft.com/office/drawing/2014/main" id="{8563C0C6-0797-4F66-9AFA-1A5F7C174F4A}"/>
               </a:ext>
             </a:extLst>
           </p:cNvPr>
@@ -9843,7 +9943,7 @@
           <p:cNvPr id="5" name="Chỗ dành sẵn cho Nội dung 4">
             <a:extLst>
               <a:ext uri="{FF2B5EF4-FFF2-40B4-BE49-F238E27FC236}">
-                <a16:creationId xmlns:a16="http://schemas.microsoft.com/office/drawing/2014/main" xmlns="" id="{5221640B-0E6B-4266-8F5C-6736558D2E09}"/>
+                <a16:creationId xmlns:a16="http://schemas.microsoft.com/office/drawing/2014/main" id="{5221640B-0E6B-4266-8F5C-6736558D2E09}"/>
               </a:ext>
             </a:extLst>
           </p:cNvPr>
@@ -9868,7 +9968,7 @@
           <p:cNvPr id="6" name="Table 7">
             <a:extLst>
               <a:ext uri="{FF2B5EF4-FFF2-40B4-BE49-F238E27FC236}">
-                <a16:creationId xmlns:a16="http://schemas.microsoft.com/office/drawing/2014/main" xmlns="" id="{A4F55DB9-708A-48E8-893A-99909658049E}"/>
+                <a16:creationId xmlns:a16="http://schemas.microsoft.com/office/drawing/2014/main" id="{A4F55DB9-708A-48E8-893A-99909658049E}"/>
               </a:ext>
             </a:extLst>
           </p:cNvPr>
@@ -9891,21 +9991,21 @@
                 <a:gridCol w="642937">
                   <a:extLst>
                     <a:ext uri="{9D8B030D-6E8A-4147-A177-3AD203B41FA5}">
-                      <a16:colId xmlns:a16="http://schemas.microsoft.com/office/drawing/2014/main" xmlns="" val="20000"/>
+                      <a16:colId xmlns:a16="http://schemas.microsoft.com/office/drawing/2014/main" val="20000"/>
                     </a:ext>
                   </a:extLst>
                 </a:gridCol>
                 <a:gridCol w="2214562">
                   <a:extLst>
                     <a:ext uri="{9D8B030D-6E8A-4147-A177-3AD203B41FA5}">
-                      <a16:colId xmlns:a16="http://schemas.microsoft.com/office/drawing/2014/main" xmlns="" val="20001"/>
+                      <a16:colId xmlns:a16="http://schemas.microsoft.com/office/drawing/2014/main" val="20001"/>
                     </a:ext>
                   </a:extLst>
                 </a:gridCol>
                 <a:gridCol w="4786313">
                   <a:extLst>
                     <a:ext uri="{9D8B030D-6E8A-4147-A177-3AD203B41FA5}">
-                      <a16:colId xmlns:a16="http://schemas.microsoft.com/office/drawing/2014/main" xmlns="" val="20002"/>
+                      <a16:colId xmlns:a16="http://schemas.microsoft.com/office/drawing/2014/main" val="20002"/>
                     </a:ext>
                   </a:extLst>
                 </a:gridCol>
@@ -9966,7 +10066,7 @@
                 </a:tc>
                 <a:extLst>
                   <a:ext uri="{0D108BD9-81ED-4DB2-BD59-A6C34878D82A}">
-                    <a16:rowId xmlns:a16="http://schemas.microsoft.com/office/drawing/2014/main" xmlns="" val="10000"/>
+                    <a16:rowId xmlns:a16="http://schemas.microsoft.com/office/drawing/2014/main" val="10000"/>
                   </a:ext>
                 </a:extLst>
               </a:tr>
@@ -10013,7 +10113,7 @@
                 </a:tc>
                 <a:extLst>
                   <a:ext uri="{0D108BD9-81ED-4DB2-BD59-A6C34878D82A}">
-                    <a16:rowId xmlns:a16="http://schemas.microsoft.com/office/drawing/2014/main" xmlns="" val="10001"/>
+                    <a16:rowId xmlns:a16="http://schemas.microsoft.com/office/drawing/2014/main" val="10001"/>
                   </a:ext>
                 </a:extLst>
               </a:tr>
@@ -10081,7 +10181,7 @@
                 </a:tc>
                 <a:extLst>
                   <a:ext uri="{0D108BD9-81ED-4DB2-BD59-A6C34878D82A}">
-                    <a16:rowId xmlns:a16="http://schemas.microsoft.com/office/drawing/2014/main" xmlns="" val="10002"/>
+                    <a16:rowId xmlns:a16="http://schemas.microsoft.com/office/drawing/2014/main" val="10002"/>
                   </a:ext>
                 </a:extLst>
               </a:tr>
@@ -10161,7 +10261,7 @@
                 </a:tc>
                 <a:extLst>
                   <a:ext uri="{0D108BD9-81ED-4DB2-BD59-A6C34878D82A}">
-                    <a16:rowId xmlns:a16="http://schemas.microsoft.com/office/drawing/2014/main" xmlns="" val="10003"/>
+                    <a16:rowId xmlns:a16="http://schemas.microsoft.com/office/drawing/2014/main" val="10003"/>
                   </a:ext>
                 </a:extLst>
               </a:tr>
@@ -10245,7 +10345,7 @@
                 </a:tc>
                 <a:extLst>
                   <a:ext uri="{0D108BD9-81ED-4DB2-BD59-A6C34878D82A}">
-                    <a16:rowId xmlns:a16="http://schemas.microsoft.com/office/drawing/2014/main" xmlns="" val="10004"/>
+                    <a16:rowId xmlns:a16="http://schemas.microsoft.com/office/drawing/2014/main" val="10004"/>
                   </a:ext>
                 </a:extLst>
               </a:tr>
@@ -10353,7 +10453,7 @@
                 </a:tc>
                 <a:extLst>
                   <a:ext uri="{0D108BD9-81ED-4DB2-BD59-A6C34878D82A}">
-                    <a16:rowId xmlns:a16="http://schemas.microsoft.com/office/drawing/2014/main" xmlns="" val="10005"/>
+                    <a16:rowId xmlns:a16="http://schemas.microsoft.com/office/drawing/2014/main" val="10005"/>
                   </a:ext>
                 </a:extLst>
               </a:tr>
@@ -10425,7 +10525,7 @@
                 </a:tc>
                 <a:extLst>
                   <a:ext uri="{0D108BD9-81ED-4DB2-BD59-A6C34878D82A}">
-                    <a16:rowId xmlns:a16="http://schemas.microsoft.com/office/drawing/2014/main" xmlns="" val="10006"/>
+                    <a16:rowId xmlns:a16="http://schemas.microsoft.com/office/drawing/2014/main" val="10006"/>
                   </a:ext>
                 </a:extLst>
               </a:tr>
@@ -10521,7 +10621,7 @@
                 </a:tc>
                 <a:extLst>
                   <a:ext uri="{0D108BD9-81ED-4DB2-BD59-A6C34878D82A}">
-                    <a16:rowId xmlns:a16="http://schemas.microsoft.com/office/drawing/2014/main" xmlns="" val="10007"/>
+                    <a16:rowId xmlns:a16="http://schemas.microsoft.com/office/drawing/2014/main" val="10007"/>
                   </a:ext>
                 </a:extLst>
               </a:tr>
@@ -10585,7 +10685,7 @@
                 </a:tc>
                 <a:extLst>
                   <a:ext uri="{0D108BD9-81ED-4DB2-BD59-A6C34878D82A}">
-                    <a16:rowId xmlns:a16="http://schemas.microsoft.com/office/drawing/2014/main" xmlns="" val="10008"/>
+                    <a16:rowId xmlns:a16="http://schemas.microsoft.com/office/drawing/2014/main" val="10008"/>
                   </a:ext>
                 </a:extLst>
               </a:tr>
@@ -10628,7 +10728,7 @@
           <p:cNvPr id="2" name="Title 1">
             <a:extLst>
               <a:ext uri="{FF2B5EF4-FFF2-40B4-BE49-F238E27FC236}">
-                <a16:creationId xmlns:a16="http://schemas.microsoft.com/office/drawing/2014/main" xmlns="" id="{5ACC0826-E80F-43C0-912C-275EB710142B}"/>
+                <a16:creationId xmlns:a16="http://schemas.microsoft.com/office/drawing/2014/main" id="{5ACC0826-E80F-43C0-912C-275EB710142B}"/>
               </a:ext>
             </a:extLst>
           </p:cNvPr>
@@ -10657,7 +10757,7 @@
           <p:cNvPr id="4" name="Chỗ dành sẵn cho Nội dung 3">
             <a:extLst>
               <a:ext uri="{FF2B5EF4-FFF2-40B4-BE49-F238E27FC236}">
-                <a16:creationId xmlns:a16="http://schemas.microsoft.com/office/drawing/2014/main" xmlns="" id="{E7382999-E9BD-45F8-97D5-A50B26B12803}"/>
+                <a16:creationId xmlns:a16="http://schemas.microsoft.com/office/drawing/2014/main" id="{E7382999-E9BD-45F8-97D5-A50B26B12803}"/>
               </a:ext>
             </a:extLst>
           </p:cNvPr>
@@ -10682,7 +10782,7 @@
           <p:cNvPr id="5" name="Picture 4">
             <a:extLst>
               <a:ext uri="{FF2B5EF4-FFF2-40B4-BE49-F238E27FC236}">
-                <a16:creationId xmlns:a16="http://schemas.microsoft.com/office/drawing/2014/main" xmlns="" id="{ABBF4BD0-B692-4128-B6AB-A03A37FA93BC}"/>
+                <a16:creationId xmlns:a16="http://schemas.microsoft.com/office/drawing/2014/main" id="{ABBF4BD0-B692-4128-B6AB-A03A37FA93BC}"/>
               </a:ext>
             </a:extLst>
           </p:cNvPr>
@@ -10742,7 +10842,7 @@
           <p:cNvPr id="6" name="Picture 5">
             <a:extLst>
               <a:ext uri="{FF2B5EF4-FFF2-40B4-BE49-F238E27FC236}">
-                <a16:creationId xmlns:a16="http://schemas.microsoft.com/office/drawing/2014/main" xmlns="" id="{48E33D2A-26BC-47F7-A001-9B9CE66B4350}"/>
+                <a16:creationId xmlns:a16="http://schemas.microsoft.com/office/drawing/2014/main" id="{48E33D2A-26BC-47F7-A001-9B9CE66B4350}"/>
               </a:ext>
             </a:extLst>
           </p:cNvPr>
@@ -10832,7 +10932,7 @@
           <p:cNvPr id="2" name="Title 1">
             <a:extLst>
               <a:ext uri="{FF2B5EF4-FFF2-40B4-BE49-F238E27FC236}">
-                <a16:creationId xmlns:a16="http://schemas.microsoft.com/office/drawing/2014/main" xmlns="" id="{5ACC0826-E80F-43C0-912C-275EB710142B}"/>
+                <a16:creationId xmlns:a16="http://schemas.microsoft.com/office/drawing/2014/main" id="{5ACC0826-E80F-43C0-912C-275EB710142B}"/>
               </a:ext>
             </a:extLst>
           </p:cNvPr>
@@ -10861,7 +10961,7 @@
           <p:cNvPr id="5" name="Content Placeholder 4">
             <a:extLst>
               <a:ext uri="{FF2B5EF4-FFF2-40B4-BE49-F238E27FC236}">
-                <a16:creationId xmlns:a16="http://schemas.microsoft.com/office/drawing/2014/main" xmlns="" id="{90CF760C-0EFC-4A07-B0AF-B3A02068800E}"/>
+                <a16:creationId xmlns:a16="http://schemas.microsoft.com/office/drawing/2014/main" id="{90CF760C-0EFC-4A07-B0AF-B3A02068800E}"/>
               </a:ext>
             </a:extLst>
           </p:cNvPr>
@@ -10953,7 +11053,7 @@
           <p:cNvPr id="2" name="Title 1">
             <a:extLst>
               <a:ext uri="{FF2B5EF4-FFF2-40B4-BE49-F238E27FC236}">
-                <a16:creationId xmlns:a16="http://schemas.microsoft.com/office/drawing/2014/main" xmlns="" id="{5ACC0826-E80F-43C0-912C-275EB710142B}"/>
+                <a16:creationId xmlns:a16="http://schemas.microsoft.com/office/drawing/2014/main" id="{5ACC0826-E80F-43C0-912C-275EB710142B}"/>
               </a:ext>
             </a:extLst>
           </p:cNvPr>
@@ -10982,7 +11082,7 @@
           <p:cNvPr id="5" name="Content Placeholder 4">
             <a:extLst>
               <a:ext uri="{FF2B5EF4-FFF2-40B4-BE49-F238E27FC236}">
-                <a16:creationId xmlns:a16="http://schemas.microsoft.com/office/drawing/2014/main" xmlns="" id="{7AC94E8F-F2A0-4093-BCE4-F497CB9329E5}"/>
+                <a16:creationId xmlns:a16="http://schemas.microsoft.com/office/drawing/2014/main" id="{7AC94E8F-F2A0-4093-BCE4-F497CB9329E5}"/>
               </a:ext>
             </a:extLst>
           </p:cNvPr>
@@ -11074,7 +11174,7 @@
           <p:cNvPr id="2" name="Title 1">
             <a:extLst>
               <a:ext uri="{FF2B5EF4-FFF2-40B4-BE49-F238E27FC236}">
-                <a16:creationId xmlns:a16="http://schemas.microsoft.com/office/drawing/2014/main" xmlns="" id="{5ACC0826-E80F-43C0-912C-275EB710142B}"/>
+                <a16:creationId xmlns:a16="http://schemas.microsoft.com/office/drawing/2014/main" id="{5ACC0826-E80F-43C0-912C-275EB710142B}"/>
               </a:ext>
             </a:extLst>
           </p:cNvPr>
@@ -11103,7 +11203,7 @@
           <p:cNvPr id="6" name="Picture 4">
             <a:extLst>
               <a:ext uri="{FF2B5EF4-FFF2-40B4-BE49-F238E27FC236}">
-                <a16:creationId xmlns:a16="http://schemas.microsoft.com/office/drawing/2014/main" xmlns="" id="{32A01167-BC61-4189-A4B3-43DD3A1B0F07}"/>
+                <a16:creationId xmlns:a16="http://schemas.microsoft.com/office/drawing/2014/main" id="{32A01167-BC61-4189-A4B3-43DD3A1B0F07}"/>
               </a:ext>
             </a:extLst>
           </p:cNvPr>
@@ -11428,7 +11528,7 @@
   <a:extraClrSchemeLst/>
   <a:extLst>
     <a:ext uri="{05A4C25C-085E-4340-85A3-A5531E510DB2}">
-      <thm15:themeFamily xmlns:thm15="http://schemas.microsoft.com/office/thememl/2012/main" xmlns="" name="Presentation1" id="{7A4D7F9D-CF2C-4E80-8360-F21AE36D35D4}" vid="{71563601-04E0-4A9A-AE8B-FC38A55497EE}"/>
+      <thm15:themeFamily xmlns:thm15="http://schemas.microsoft.com/office/thememl/2012/main" name="Presentation1" id="{7A4D7F9D-CF2C-4E80-8360-F21AE36D35D4}" vid="{71563601-04E0-4A9A-AE8B-FC38A55497EE}"/>
     </a:ext>
   </a:extLst>
 </a:theme>

--- a/BaoCao/Nhom3.pptx
+++ b/BaoCao/Nhom3.pptx
@@ -332,7 +332,7 @@
           <a:p>
             <a:fld id="{A0EC2761-52B0-42C5-B01B-DF8F69615AE5}" type="datetimeFigureOut">
               <a:rPr lang="en-US" smtClean="0"/>
-              <a:t>4/22/19</a:t>
+              <a:t>4/22/2019</a:t>
             </a:fld>
             <a:endParaRPr lang="en-US"/>
           </a:p>
@@ -500,7 +500,7 @@
           <a:p>
             <a:fld id="{A0EC2761-52B0-42C5-B01B-DF8F69615AE5}" type="datetimeFigureOut">
               <a:rPr lang="en-US" smtClean="0"/>
-              <a:t>4/22/19</a:t>
+              <a:t>4/22/2019</a:t>
             </a:fld>
             <a:endParaRPr lang="en-US"/>
           </a:p>
@@ -678,7 +678,7 @@
           <a:p>
             <a:fld id="{A0EC2761-52B0-42C5-B01B-DF8F69615AE5}" type="datetimeFigureOut">
               <a:rPr lang="en-US" smtClean="0"/>
-              <a:t>4/22/19</a:t>
+              <a:t>4/22/2019</a:t>
             </a:fld>
             <a:endParaRPr lang="en-US"/>
           </a:p>
@@ -846,7 +846,7 @@
           <a:p>
             <a:fld id="{A0EC2761-52B0-42C5-B01B-DF8F69615AE5}" type="datetimeFigureOut">
               <a:rPr lang="en-US" smtClean="0"/>
-              <a:t>4/22/19</a:t>
+              <a:t>4/22/2019</a:t>
             </a:fld>
             <a:endParaRPr lang="en-US"/>
           </a:p>
@@ -1091,7 +1091,7 @@
           <a:p>
             <a:fld id="{A0EC2761-52B0-42C5-B01B-DF8F69615AE5}" type="datetimeFigureOut">
               <a:rPr lang="en-US" smtClean="0"/>
-              <a:t>4/22/19</a:t>
+              <a:t>4/22/2019</a:t>
             </a:fld>
             <a:endParaRPr lang="en-US"/>
           </a:p>
@@ -1320,7 +1320,7 @@
           <a:p>
             <a:fld id="{A0EC2761-52B0-42C5-B01B-DF8F69615AE5}" type="datetimeFigureOut">
               <a:rPr lang="en-US" smtClean="0"/>
-              <a:t>4/22/19</a:t>
+              <a:t>4/22/2019</a:t>
             </a:fld>
             <a:endParaRPr lang="en-US"/>
           </a:p>
@@ -1684,7 +1684,7 @@
           <a:p>
             <a:fld id="{A0EC2761-52B0-42C5-B01B-DF8F69615AE5}" type="datetimeFigureOut">
               <a:rPr lang="en-US" smtClean="0"/>
-              <a:t>4/22/19</a:t>
+              <a:t>4/22/2019</a:t>
             </a:fld>
             <a:endParaRPr lang="en-US"/>
           </a:p>
@@ -1793,7 +1793,7 @@
           <a:p>
             <a:fld id="{A0EC2761-52B0-42C5-B01B-DF8F69615AE5}" type="datetimeFigureOut">
               <a:rPr lang="en-US" smtClean="0"/>
-              <a:t>4/22/19</a:t>
+              <a:t>4/22/2019</a:t>
             </a:fld>
             <a:endParaRPr lang="en-US"/>
           </a:p>
@@ -1902,7 +1902,7 @@
           <a:p>
             <a:fld id="{A0EC2761-52B0-42C5-B01B-DF8F69615AE5}" type="datetimeFigureOut">
               <a:rPr lang="en-US" smtClean="0"/>
-              <a:t>4/22/19</a:t>
+              <a:t>4/22/2019</a:t>
             </a:fld>
             <a:endParaRPr lang="en-US"/>
           </a:p>
@@ -2177,7 +2177,7 @@
           <a:p>
             <a:fld id="{A0EC2761-52B0-42C5-B01B-DF8F69615AE5}" type="datetimeFigureOut">
               <a:rPr lang="en-US" smtClean="0"/>
-              <a:t>4/22/19</a:t>
+              <a:t>4/22/2019</a:t>
             </a:fld>
             <a:endParaRPr lang="en-US"/>
           </a:p>
@@ -2432,7 +2432,7 @@
           <a:p>
             <a:fld id="{A0EC2761-52B0-42C5-B01B-DF8F69615AE5}" type="datetimeFigureOut">
               <a:rPr lang="en-US" smtClean="0"/>
-              <a:t>4/22/19</a:t>
+              <a:t>4/22/2019</a:t>
             </a:fld>
             <a:endParaRPr lang="en-US"/>
           </a:p>
@@ -2652,7 +2652,7 @@
           <a:p>
             <a:fld id="{A0EC2761-52B0-42C5-B01B-DF8F69615AE5}" type="datetimeFigureOut">
               <a:rPr lang="en-US" smtClean="0"/>
-              <a:t>4/22/19</a:t>
+              <a:t>4/22/2019</a:t>
             </a:fld>
             <a:endParaRPr lang="en-US"/>
           </a:p>
@@ -4320,7 +4320,7 @@
           </p:nvPr>
         </p:nvPicPr>
         <p:blipFill>
-          <a:blip r:embed="rId2">
+          <a:blip r:embed="rId2" cstate="print">
             <a:extLst>
               <a:ext uri="{28A0092B-C50C-407E-A947-70E740481C1C}">
                 <a14:useLocalDpi xmlns:a14="http://schemas.microsoft.com/office/drawing/2010/main" val="0"/>
@@ -6174,7 +6174,7 @@
         </p:blipFill>
         <p:spPr>
           <a:xfrm>
-            <a:off x="1509204" y="4559958"/>
+            <a:off x="1509204" y="4542202"/>
             <a:ext cx="6303915" cy="1266289"/>
           </a:xfrm>
           <a:prstGeom prst="rect">
@@ -6182,6 +6182,58 @@
           </a:prstGeom>
         </p:spPr>
       </p:pic>
+      <p:sp>
+        <p:nvSpPr>
+          <p:cNvPr id="6" name="Hình chữ nhật 5">
+            <a:extLst>
+              <a:ext uri="{FF2B5EF4-FFF2-40B4-BE49-F238E27FC236}">
+                <a16:creationId xmlns:a16="http://schemas.microsoft.com/office/drawing/2014/main" id="{C48644E3-2F37-4F40-94E8-24D9C24AD8F4}"/>
+              </a:ext>
+            </a:extLst>
+          </p:cNvPr>
+          <p:cNvSpPr/>
+          <p:nvPr/>
+        </p:nvSpPr>
+        <p:spPr>
+          <a:xfrm>
+            <a:off x="2974019" y="4438835"/>
+            <a:ext cx="3435659" cy="736847"/>
+          </a:xfrm>
+          <a:prstGeom prst="rect">
+            <a:avLst/>
+          </a:prstGeom>
+          <a:noFill/>
+          <a:ln>
+            <a:solidFill>
+              <a:schemeClr val="tx1"/>
+            </a:solidFill>
+          </a:ln>
+        </p:spPr>
+        <p:style>
+          <a:lnRef idx="2">
+            <a:schemeClr val="accent1">
+              <a:shade val="50000"/>
+            </a:schemeClr>
+          </a:lnRef>
+          <a:fillRef idx="1">
+            <a:schemeClr val="accent1"/>
+          </a:fillRef>
+          <a:effectRef idx="0">
+            <a:schemeClr val="accent1"/>
+          </a:effectRef>
+          <a:fontRef idx="minor">
+            <a:schemeClr val="lt1"/>
+          </a:fontRef>
+        </p:style>
+        <p:txBody>
+          <a:bodyPr rtlCol="0" anchor="ctr"/>
+          <a:lstStyle/>
+          <a:p>
+            <a:pPr algn="ctr"/>
+            <a:endParaRPr lang="vi-VN"/>
+          </a:p>
+        </p:txBody>
+      </p:sp>
     </p:spTree>
     <p:extLst>
       <p:ext uri="{BB962C8B-B14F-4D97-AF65-F5344CB8AC3E}">
@@ -7640,6 +7692,17 @@
               </a:rPr>
               <a:t>compileProcParams</a:t>
             </a:r>
+          </a:p>
+          <a:p>
+            <a:pPr lvl="1"/>
+            <a:r>
+              <a:rPr lang="en-US">
+                <a:solidFill>
+                  <a:schemeClr val="tx1"/>
+                </a:solidFill>
+              </a:rPr>
+              <a:t>compileArguments2</a:t>
+            </a:r>
             <a:endParaRPr lang="en-US" dirty="0">
               <a:solidFill>
                 <a:schemeClr val="tx1"/>
@@ -8645,14 +8708,14 @@
           <p:nvPr>
             <p:extLst>
               <p:ext uri="{D42A27DB-BD31-4B8C-83A1-F6EECF244321}">
-                <p14:modId xmlns:p14="http://schemas.microsoft.com/office/powerpoint/2010/main" val="3302122358"/>
+                <p14:modId xmlns:p14="http://schemas.microsoft.com/office/powerpoint/2010/main" val="1337917537"/>
               </p:ext>
             </p:extLst>
           </p:nvPr>
         </p:nvGraphicFramePr>
         <p:xfrm>
           <a:off x="4367814" y="1346200"/>
-          <a:ext cx="4083728" cy="2369910"/>
+          <a:ext cx="4083728" cy="2541360"/>
         </p:xfrm>
         <a:graphic>
           <a:graphicData uri="http://schemas.openxmlformats.org/drawingml/2006/table">
@@ -9229,6 +9292,71 @@
                 <a:extLst>
                   <a:ext uri="{0D108BD9-81ED-4DB2-BD59-A6C34878D82A}">
                     <a16:rowId xmlns:a16="http://schemas.microsoft.com/office/drawing/2014/main" val="1868920723"/>
+                  </a:ext>
+                </a:extLst>
+              </a:tr>
+              <a:tr h="0">
+                <a:tc>
+                  <a:txBody>
+                    <a:bodyPr/>
+                    <a:lstStyle/>
+                    <a:p>
+                      <a:pPr marL="0" marR="0">
+                        <a:lnSpc>
+                          <a:spcPct val="107000"/>
+                        </a:lnSpc>
+                        <a:spcBef>
+                          <a:spcPts val="0"/>
+                        </a:spcBef>
+                        <a:spcAft>
+                          <a:spcPts val="0"/>
+                        </a:spcAft>
+                      </a:pPr>
+                      <a:r>
+                        <a:rPr lang="en-US" sz="1100">
+                          <a:effectLst/>
+                          <a:latin typeface="Calibri" panose="020F0502020204030204" pitchFamily="34" charset="0"/>
+                          <a:ea typeface="Times New Roman" panose="02020603050405020304" pitchFamily="18" charset="0"/>
+                          <a:cs typeface="Times New Roman" panose="02020603050405020304" pitchFamily="18" charset="0"/>
+                        </a:rPr>
+                        <a:t>Arguments2</a:t>
+                      </a:r>
+                    </a:p>
+                  </a:txBody>
+                  <a:tcPr marL="68580" marR="68580" marT="0" marB="0"/>
+                </a:tc>
+                <a:tc>
+                  <a:txBody>
+                    <a:bodyPr/>
+                    <a:lstStyle/>
+                    <a:p>
+                      <a:pPr marL="0" marR="0">
+                        <a:lnSpc>
+                          <a:spcPct val="107000"/>
+                        </a:lnSpc>
+                        <a:spcBef>
+                          <a:spcPts val="0"/>
+                        </a:spcBef>
+                        <a:spcAft>
+                          <a:spcPts val="0"/>
+                        </a:spcAft>
+                      </a:pPr>
+                      <a:r>
+                        <a:rPr lang="en-US" sz="1100">
+                          <a:effectLst/>
+                          <a:latin typeface="Calibri" panose="020F0502020204030204" pitchFamily="34" charset="0"/>
+                          <a:ea typeface="Times New Roman" panose="02020603050405020304" pitchFamily="18" charset="0"/>
+                          <a:cs typeface="Times New Roman" panose="02020603050405020304" pitchFamily="18" charset="0"/>
+                        </a:rPr>
+                        <a:t>)</a:t>
+                      </a:r>
+                    </a:p>
+                  </a:txBody>
+                  <a:tcPr marL="68580" marR="68580" marT="0" marB="0"/>
+                </a:tc>
+                <a:extLst>
+                  <a:ext uri="{0D108BD9-81ED-4DB2-BD59-A6C34878D82A}">
+                    <a16:rowId xmlns:a16="http://schemas.microsoft.com/office/drawing/2014/main" val="1742064762"/>
                   </a:ext>
                 </a:extLst>
               </a:tr>

--- a/BaoCao/Nhom3.pptx
+++ b/BaoCao/Nhom3.pptx
@@ -332,7 +332,7 @@
           <a:p>
             <a:fld id="{A0EC2761-52B0-42C5-B01B-DF8F69615AE5}" type="datetimeFigureOut">
               <a:rPr lang="en-US" smtClean="0"/>
-              <a:t>4/22/2019</a:t>
+              <a:t>5/5/2019</a:t>
             </a:fld>
             <a:endParaRPr lang="en-US"/>
           </a:p>
@@ -500,7 +500,7 @@
           <a:p>
             <a:fld id="{A0EC2761-52B0-42C5-B01B-DF8F69615AE5}" type="datetimeFigureOut">
               <a:rPr lang="en-US" smtClean="0"/>
-              <a:t>4/22/2019</a:t>
+              <a:t>5/5/2019</a:t>
             </a:fld>
             <a:endParaRPr lang="en-US"/>
           </a:p>
@@ -678,7 +678,7 @@
           <a:p>
             <a:fld id="{A0EC2761-52B0-42C5-B01B-DF8F69615AE5}" type="datetimeFigureOut">
               <a:rPr lang="en-US" smtClean="0"/>
-              <a:t>4/22/2019</a:t>
+              <a:t>5/5/2019</a:t>
             </a:fld>
             <a:endParaRPr lang="en-US"/>
           </a:p>
@@ -846,7 +846,7 @@
           <a:p>
             <a:fld id="{A0EC2761-52B0-42C5-B01B-DF8F69615AE5}" type="datetimeFigureOut">
               <a:rPr lang="en-US" smtClean="0"/>
-              <a:t>4/22/2019</a:t>
+              <a:t>5/5/2019</a:t>
             </a:fld>
             <a:endParaRPr lang="en-US"/>
           </a:p>
@@ -1091,7 +1091,7 @@
           <a:p>
             <a:fld id="{A0EC2761-52B0-42C5-B01B-DF8F69615AE5}" type="datetimeFigureOut">
               <a:rPr lang="en-US" smtClean="0"/>
-              <a:t>4/22/2019</a:t>
+              <a:t>5/5/2019</a:t>
             </a:fld>
             <a:endParaRPr lang="en-US"/>
           </a:p>
@@ -1320,7 +1320,7 @@
           <a:p>
             <a:fld id="{A0EC2761-52B0-42C5-B01B-DF8F69615AE5}" type="datetimeFigureOut">
               <a:rPr lang="en-US" smtClean="0"/>
-              <a:t>4/22/2019</a:t>
+              <a:t>5/5/2019</a:t>
             </a:fld>
             <a:endParaRPr lang="en-US"/>
           </a:p>
@@ -1684,7 +1684,7 @@
           <a:p>
             <a:fld id="{A0EC2761-52B0-42C5-B01B-DF8F69615AE5}" type="datetimeFigureOut">
               <a:rPr lang="en-US" smtClean="0"/>
-              <a:t>4/22/2019</a:t>
+              <a:t>5/5/2019</a:t>
             </a:fld>
             <a:endParaRPr lang="en-US"/>
           </a:p>
@@ -1793,7 +1793,7 @@
           <a:p>
             <a:fld id="{A0EC2761-52B0-42C5-B01B-DF8F69615AE5}" type="datetimeFigureOut">
               <a:rPr lang="en-US" smtClean="0"/>
-              <a:t>4/22/2019</a:t>
+              <a:t>5/5/2019</a:t>
             </a:fld>
             <a:endParaRPr lang="en-US"/>
           </a:p>
@@ -1902,7 +1902,7 @@
           <a:p>
             <a:fld id="{A0EC2761-52B0-42C5-B01B-DF8F69615AE5}" type="datetimeFigureOut">
               <a:rPr lang="en-US" smtClean="0"/>
-              <a:t>4/22/2019</a:t>
+              <a:t>5/5/2019</a:t>
             </a:fld>
             <a:endParaRPr lang="en-US"/>
           </a:p>
@@ -2177,7 +2177,7 @@
           <a:p>
             <a:fld id="{A0EC2761-52B0-42C5-B01B-DF8F69615AE5}" type="datetimeFigureOut">
               <a:rPr lang="en-US" smtClean="0"/>
-              <a:t>4/22/2019</a:t>
+              <a:t>5/5/2019</a:t>
             </a:fld>
             <a:endParaRPr lang="en-US"/>
           </a:p>
@@ -2432,7 +2432,7 @@
           <a:p>
             <a:fld id="{A0EC2761-52B0-42C5-B01B-DF8F69615AE5}" type="datetimeFigureOut">
               <a:rPr lang="en-US" smtClean="0"/>
-              <a:t>4/22/2019</a:t>
+              <a:t>5/5/2019</a:t>
             </a:fld>
             <a:endParaRPr lang="en-US"/>
           </a:p>
@@ -2652,7 +2652,7 @@
           <a:p>
             <a:fld id="{A0EC2761-52B0-42C5-B01B-DF8F69615AE5}" type="datetimeFigureOut">
               <a:rPr lang="en-US" smtClean="0"/>
-              <a:t>4/22/2019</a:t>
+              <a:t>5/5/2019</a:t>
             </a:fld>
             <a:endParaRPr lang="en-US"/>
           </a:p>
@@ -11086,19 +11086,17 @@
       </p:sp>
       <p:pic>
         <p:nvPicPr>
-          <p:cNvPr id="5" name="Content Placeholder 4">
+          <p:cNvPr id="4" name="Hình ảnh 3" descr="Ảnh có chứa ảnh chụp màn hình&#10;&#10;Mô tả được tạo với mức tin cậy rất cao">
             <a:extLst>
               <a:ext uri="{FF2B5EF4-FFF2-40B4-BE49-F238E27FC236}">
-                <a16:creationId xmlns:a16="http://schemas.microsoft.com/office/drawing/2014/main" id="{90CF760C-0EFC-4A07-B0AF-B3A02068800E}"/>
+                <a16:creationId xmlns:a16="http://schemas.microsoft.com/office/drawing/2014/main" id="{14EA1E68-2180-4BE4-97BD-672213D273AA}"/>
               </a:ext>
             </a:extLst>
           </p:cNvPr>
           <p:cNvPicPr>
-            <a:picLocks noGrp="1" noChangeAspect="1" noChangeArrowheads="1"/>
+            <a:picLocks noChangeAspect="1"/>
           </p:cNvPicPr>
-          <p:nvPr>
-            <p:ph idx="1"/>
-          </p:nvPr>
+          <p:nvPr/>
         </p:nvPicPr>
         <p:blipFill>
           <a:blip r:embed="rId2">
@@ -11108,42 +11106,18 @@
               </a:ext>
             </a:extLst>
           </a:blip>
-          <a:srcRect l="22240" t="35239" r="24011" b="31543"/>
           <a:stretch>
             <a:fillRect/>
           </a:stretch>
         </p:blipFill>
-        <p:spPr bwMode="auto">
+        <p:spPr>
           <a:xfrm>
-            <a:off x="1225153" y="2177527"/>
-            <a:ext cx="6553993" cy="3239546"/>
+            <a:off x="1191504" y="1642370"/>
+            <a:ext cx="6760991" cy="3341188"/>
           </a:xfrm>
           <a:prstGeom prst="rect">
             <a:avLst/>
           </a:prstGeom>
-          <a:noFill/>
-          <a:ln>
-            <a:noFill/>
-          </a:ln>
-          <a:extLst>
-            <a:ext uri="{909E8E84-426E-40DD-AFC4-6F175D3DCCD1}">
-              <a14:hiddenFill xmlns:a14="http://schemas.microsoft.com/office/drawing/2010/main">
-                <a:solidFill>
-                  <a:srgbClr val="FFFFFF"/>
-                </a:solidFill>
-              </a14:hiddenFill>
-            </a:ext>
-            <a:ext uri="{91240B29-F687-4F45-9708-019B960494DF}">
-              <a14:hiddenLine xmlns:a14="http://schemas.microsoft.com/office/drawing/2010/main" w="9525">
-                <a:solidFill>
-                  <a:srgbClr val="000000"/>
-                </a:solidFill>
-                <a:round/>
-                <a:headEnd/>
-                <a:tailEnd/>
-              </a14:hiddenLine>
-            </a:ext>
-          </a:extLst>
         </p:spPr>
       </p:pic>
     </p:spTree>
